--- a/files/slides/introduction.pptx
+++ b/files/slides/introduction.pptx
@@ -14,7 +14,7 @@
     <p:sldId id="4940" r:id="rId3"/>
     <p:sldId id="4941" r:id="rId4"/>
     <p:sldId id="5073" r:id="rId5"/>
-    <p:sldId id="5075" r:id="rId7"/>
+    <p:sldId id="5092" r:id="rId7"/>
     <p:sldId id="5076" r:id="rId8"/>
     <p:sldId id="4840" r:id="rId9"/>
     <p:sldId id="5077" r:id="rId10"/>
@@ -1299,84 +1299,6 @@
 </p:notes>
 </file>
 
-<file path=ppt/notesSlides/notesSlide17.xml><?xml version="1.0" encoding="utf-8"?>
-<p:notes xmlns:a="http://schemas.openxmlformats.org/drawingml/2006/main" xmlns:r="http://schemas.openxmlformats.org/officeDocument/2006/relationships" xmlns:p="http://schemas.openxmlformats.org/presentationml/2006/main">
-  <p:cSld>
-    <p:spTree>
-      <p:nvGrpSpPr>
-        <p:cNvPr id="1" name=""/>
-        <p:cNvGrpSpPr/>
-        <p:nvPr/>
-      </p:nvGrpSpPr>
-      <p:grpSpPr>
-        <a:xfrm>
-          <a:off x="0" y="0"/>
-          <a:ext cx="0" cy="0"/>
-          <a:chOff x="0" y="0"/>
-          <a:chExt cx="0" cy="0"/>
-        </a:xfrm>
-      </p:grpSpPr>
-      <p:sp>
-        <p:nvSpPr>
-          <p:cNvPr id="2" name="幻灯片图像占位符 1"/>
-          <p:cNvSpPr>
-            <a:spLocks noGrp="true" noRot="true" noChangeAspect="true"/>
-          </p:cNvSpPr>
-          <p:nvPr>
-            <p:ph type="sldImg"/>
-          </p:nvPr>
-        </p:nvSpPr>
-        <p:spPr/>
-      </p:sp>
-      <p:sp>
-        <p:nvSpPr>
-          <p:cNvPr id="3" name="备注占位符 2"/>
-          <p:cNvSpPr>
-            <a:spLocks noGrp="true"/>
-          </p:cNvSpPr>
-          <p:nvPr>
-            <p:ph type="body" idx="1"/>
-          </p:nvPr>
-        </p:nvSpPr>
-        <p:spPr/>
-        <p:txBody>
-          <a:bodyPr/>
-          <a:lstStyle/>
-          <a:p>
-            <a:endParaRPr lang="zh-CN" dirty="0"/>
-          </a:p>
-        </p:txBody>
-      </p:sp>
-      <p:sp>
-        <p:nvSpPr>
-          <p:cNvPr id="4" name="灯片编号占位符 3"/>
-          <p:cNvSpPr>
-            <a:spLocks noGrp="true"/>
-          </p:cNvSpPr>
-          <p:nvPr>
-            <p:ph type="sldNum" sz="quarter" idx="10"/>
-          </p:nvPr>
-        </p:nvSpPr>
-        <p:spPr/>
-        <p:txBody>
-          <a:bodyPr/>
-          <a:lstStyle/>
-          <a:p>
-            <a:fld id="{7B963944-84AD-4C31-99FF-18D9B5868545}" type="slidenum">
-              <a:rPr lang="zh-CN" altLang="en-US" smtClean="0"/>
-            </a:fld>
-            <a:endParaRPr lang="zh-CN" altLang="en-US"/>
-          </a:p>
-        </p:txBody>
-      </p:sp>
-    </p:spTree>
-  </p:cSld>
-  <p:clrMapOvr>
-    <a:masterClrMapping/>
-  </p:clrMapOvr>
-</p:notes>
-</file>
-
 <file path=ppt/notesSlides/notesSlide2.xml><?xml version="1.0" encoding="utf-8"?>
 <p:notes xmlns:a="http://schemas.openxmlformats.org/drawingml/2006/main" xmlns:r="http://schemas.openxmlformats.org/officeDocument/2006/relationships" xmlns:p="http://schemas.openxmlformats.org/presentationml/2006/main">
   <p:cSld>
@@ -1499,7 +1421,7 @@
           <a:bodyPr/>
           <a:lstStyle/>
           <a:p>
-            <a:endParaRPr lang="zh-CN" altLang="en-US"/>
+            <a:endParaRPr lang="zh-CN" dirty="0"/>
           </a:p>
         </p:txBody>
       </p:sp>
@@ -1518,7 +1440,7 @@
           <a:bodyPr/>
           <a:lstStyle/>
           <a:p>
-            <a:fld id="{B3D72F79-8D12-4E95-BD8F-1E4847E72B62}" type="slidenum">
+            <a:fld id="{7B963944-84AD-4C31-99FF-18D9B5868545}" type="slidenum">
               <a:rPr lang="zh-CN" altLang="en-US" smtClean="0"/>
             </a:fld>
             <a:endParaRPr lang="zh-CN" altLang="en-US"/>
@@ -18397,7 +18319,7 @@
                 <a:ea typeface="微软雅黑" panose="020B0503020204020204" pitchFamily="34" charset="-122"/>
                 <a:cs typeface="微软雅黑" panose="020B0503020204020204" pitchFamily="34" charset="-122"/>
               </a:rPr>
-              <a:t>信用功能的发挥受到很大限制，交易方式向现金交易、以货易货等原始方式退化，大大提高了市场交易成本，降低了交易效率和经济活力</a:t>
+              <a:t>信用功能的发挥受到很大限制，交易方式向现金交易、以货易货等原始方式退化，大大提高了市场交易成本，降低了交易效率和经济活力。</a:t>
             </a:r>
             <a:endParaRPr kumimoji="0" lang="zh-CN" altLang="en-US" sz="2400" i="0" u="none" strike="noStrike" kern="0" cap="none" spc="0" normalizeH="0" baseline="0" noProof="0" dirty="0">
               <a:ln>
@@ -24519,395 +24441,995 @@
         <p:cNvGrpSpPr/>
         <p:nvPr/>
       </p:nvGrpSpPr>
-      <p:grpSpPr>
-        <a:xfrm>
-          <a:off x="0" y="0"/>
-          <a:ext cx="0" cy="0"/>
-          <a:chOff x="0" y="0"/>
-          <a:chExt cx="0" cy="0"/>
-        </a:xfrm>
-      </p:grpSpPr>
-      <p:grpSp>
-        <p:nvGrpSpPr>
-          <p:cNvPr id="31" name="组合 30"/>
-          <p:cNvGrpSpPr/>
+      <p:grpSpPr/>
+      <p:sp>
+        <p:nvSpPr>
+          <p:cNvPr id="2" name="矩形 1"/>
+          <p:cNvSpPr/>
           <p:nvPr/>
-        </p:nvGrpSpPr>
-        <p:grpSpPr>
+        </p:nvSpPr>
+        <p:spPr>
           <a:xfrm>
-            <a:off x="-2" y="-6950"/>
-            <a:ext cx="12192002" cy="6864950"/>
-            <a:chOff x="-2" y="2575"/>
-            <a:chExt cx="12192002" cy="6864950"/>
-          </a:xfrm>
-        </p:grpSpPr>
-        <p:pic>
-          <p:nvPicPr>
-            <p:cNvPr id="39" name="图片 38"/>
-            <p:cNvPicPr>
-              <a:picLocks noChangeAspect="true"/>
-            </p:cNvPicPr>
-            <p:nvPr/>
-          </p:nvPicPr>
-          <p:blipFill rotWithShape="true">
-            <a:blip r:embed="rId1" cstate="screen">
-              <a:extLst>
-                <a:ext uri="{BEBA8EAE-BF5A-486C-A8C5-ECC9F3942E4B}">
-                  <a14:imgProps xmlns:a14="http://schemas.microsoft.com/office/drawing/2010/main">
-                    <a14:imgLayer r:embed="rId2">
-                      <a14:imgEffect>
-                        <a14:brightnessContrast bright="9000"/>
-                      </a14:imgEffect>
-                    </a14:imgLayer>
-                  </a14:imgProps>
-                </a:ext>
-              </a:extLst>
-            </a:blip>
-            <a:srcRect/>
-            <a:stretch>
-              <a:fillRect/>
-            </a:stretch>
-          </p:blipFill>
-          <p:spPr>
-            <a:xfrm>
-              <a:off x="-1" y="9525"/>
-              <a:ext cx="12192001" cy="6858000"/>
-            </a:xfrm>
-            <a:prstGeom prst="rect">
-              <a:avLst/>
-            </a:prstGeom>
-          </p:spPr>
-        </p:pic>
-        <p:pic>
-          <p:nvPicPr>
-            <p:cNvPr id="45" name="图片 44"/>
-            <p:cNvPicPr>
-              <a:picLocks noChangeAspect="true"/>
-            </p:cNvPicPr>
-            <p:nvPr/>
-          </p:nvPicPr>
-          <p:blipFill>
-            <a:blip r:embed="rId3">
-              <a:lum bright="70000" contrast="-70000"/>
-            </a:blip>
-            <a:srcRect l="4950"/>
-            <a:stretch>
-              <a:fillRect/>
-            </a:stretch>
-          </p:blipFill>
-          <p:spPr>
-            <a:xfrm>
-              <a:off x="5707965" y="2575"/>
-              <a:ext cx="6484035" cy="77036"/>
-            </a:xfrm>
-            <a:custGeom>
-              <a:avLst/>
-              <a:gdLst>
-                <a:gd name="connsiteX0" fmla="*/ 137250 w 4702465"/>
-                <a:gd name="connsiteY0" fmla="*/ 0 h 222240"/>
-                <a:gd name="connsiteX1" fmla="*/ 4702465 w 4702465"/>
-                <a:gd name="connsiteY1" fmla="*/ 0 h 222240"/>
-                <a:gd name="connsiteX2" fmla="*/ 4702465 w 4702465"/>
-                <a:gd name="connsiteY2" fmla="*/ 222240 h 222240"/>
-                <a:gd name="connsiteX3" fmla="*/ 0 w 4702465"/>
-                <a:gd name="connsiteY3" fmla="*/ 222240 h 222240"/>
-              </a:gdLst>
-              <a:ahLst/>
-              <a:cxnLst>
-                <a:cxn ang="0">
-                  <a:pos x="connsiteX0" y="connsiteY0"/>
-                </a:cxn>
-                <a:cxn ang="0">
-                  <a:pos x="connsiteX1" y="connsiteY1"/>
-                </a:cxn>
-                <a:cxn ang="0">
-                  <a:pos x="connsiteX2" y="connsiteY2"/>
-                </a:cxn>
-                <a:cxn ang="0">
-                  <a:pos x="connsiteX3" y="connsiteY3"/>
-                </a:cxn>
-              </a:cxnLst>
-              <a:rect l="l" t="t" r="r" b="b"/>
-              <a:pathLst>
-                <a:path w="4702465" h="222240">
-                  <a:moveTo>
-                    <a:pt x="137250" y="0"/>
-                  </a:moveTo>
-                  <a:lnTo>
-                    <a:pt x="4702465" y="0"/>
-                  </a:lnTo>
-                  <a:lnTo>
-                    <a:pt x="4702465" y="222240"/>
-                  </a:lnTo>
-                  <a:lnTo>
-                    <a:pt x="0" y="222240"/>
-                  </a:lnTo>
-                  <a:close/>
-                </a:path>
-              </a:pathLst>
-            </a:custGeom>
-            <a:solidFill>
-              <a:schemeClr val="bg1"/>
-            </a:solidFill>
-          </p:spPr>
-        </p:pic>
-        <p:pic>
-          <p:nvPicPr>
-            <p:cNvPr id="46" name="图片 45"/>
-            <p:cNvPicPr>
-              <a:picLocks noChangeAspect="true"/>
-            </p:cNvPicPr>
-            <p:nvPr/>
-          </p:nvPicPr>
-          <p:blipFill>
-            <a:blip r:embed="rId3">
-              <a:lum bright="70000" contrast="-70000"/>
-            </a:blip>
-            <a:srcRect l="4950" r="26116"/>
-            <a:stretch>
-              <a:fillRect/>
-            </a:stretch>
-          </p:blipFill>
-          <p:spPr>
-            <a:xfrm flipH="true" flipV="true">
-              <a:off x="-2" y="2575"/>
-              <a:ext cx="4702465" cy="77036"/>
-            </a:xfrm>
-            <a:custGeom>
-              <a:avLst/>
-              <a:gdLst>
-                <a:gd name="connsiteX0" fmla="*/ 137250 w 4702465"/>
-                <a:gd name="connsiteY0" fmla="*/ 0 h 222240"/>
-                <a:gd name="connsiteX1" fmla="*/ 4702465 w 4702465"/>
-                <a:gd name="connsiteY1" fmla="*/ 0 h 222240"/>
-                <a:gd name="connsiteX2" fmla="*/ 4702465 w 4702465"/>
-                <a:gd name="connsiteY2" fmla="*/ 222240 h 222240"/>
-                <a:gd name="connsiteX3" fmla="*/ 0 w 4702465"/>
-                <a:gd name="connsiteY3" fmla="*/ 222240 h 222240"/>
-              </a:gdLst>
-              <a:ahLst/>
-              <a:cxnLst>
-                <a:cxn ang="0">
-                  <a:pos x="connsiteX0" y="connsiteY0"/>
-                </a:cxn>
-                <a:cxn ang="0">
-                  <a:pos x="connsiteX1" y="connsiteY1"/>
-                </a:cxn>
-                <a:cxn ang="0">
-                  <a:pos x="connsiteX2" y="connsiteY2"/>
-                </a:cxn>
-                <a:cxn ang="0">
-                  <a:pos x="connsiteX3" y="connsiteY3"/>
-                </a:cxn>
-              </a:cxnLst>
-              <a:rect l="l" t="t" r="r" b="b"/>
-              <a:pathLst>
-                <a:path w="4702465" h="222240">
-                  <a:moveTo>
-                    <a:pt x="137250" y="0"/>
-                  </a:moveTo>
-                  <a:lnTo>
-                    <a:pt x="4702465" y="0"/>
-                  </a:lnTo>
-                  <a:lnTo>
-                    <a:pt x="4702465" y="222240"/>
-                  </a:lnTo>
-                  <a:lnTo>
-                    <a:pt x="0" y="222240"/>
-                  </a:lnTo>
-                  <a:close/>
-                </a:path>
-              </a:pathLst>
-            </a:custGeom>
-            <a:solidFill>
-              <a:schemeClr val="bg1"/>
-            </a:solidFill>
-          </p:spPr>
-        </p:pic>
-        <p:pic>
-          <p:nvPicPr>
-            <p:cNvPr id="47" name="图片 46"/>
-            <p:cNvPicPr>
-              <a:picLocks noChangeAspect="true"/>
-            </p:cNvPicPr>
-            <p:nvPr/>
-          </p:nvPicPr>
-          <p:blipFill>
-            <a:blip r:embed="rId3">
-              <a:lum bright="70000" contrast="-70000"/>
-            </a:blip>
-            <a:srcRect l="4950"/>
-            <a:stretch>
-              <a:fillRect/>
-            </a:stretch>
-          </p:blipFill>
-          <p:spPr>
-            <a:xfrm rot="10800000">
-              <a:off x="-2" y="6765558"/>
-              <a:ext cx="6484035" cy="95234"/>
-            </a:xfrm>
-            <a:custGeom>
-              <a:avLst/>
-              <a:gdLst>
-                <a:gd name="connsiteX0" fmla="*/ 137250 w 4702465"/>
-                <a:gd name="connsiteY0" fmla="*/ 0 h 222240"/>
-                <a:gd name="connsiteX1" fmla="*/ 4702465 w 4702465"/>
-                <a:gd name="connsiteY1" fmla="*/ 0 h 222240"/>
-                <a:gd name="connsiteX2" fmla="*/ 4702465 w 4702465"/>
-                <a:gd name="connsiteY2" fmla="*/ 222240 h 222240"/>
-                <a:gd name="connsiteX3" fmla="*/ 0 w 4702465"/>
-                <a:gd name="connsiteY3" fmla="*/ 222240 h 222240"/>
-              </a:gdLst>
-              <a:ahLst/>
-              <a:cxnLst>
-                <a:cxn ang="0">
-                  <a:pos x="connsiteX0" y="connsiteY0"/>
-                </a:cxn>
-                <a:cxn ang="0">
-                  <a:pos x="connsiteX1" y="connsiteY1"/>
-                </a:cxn>
-                <a:cxn ang="0">
-                  <a:pos x="connsiteX2" y="connsiteY2"/>
-                </a:cxn>
-                <a:cxn ang="0">
-                  <a:pos x="connsiteX3" y="connsiteY3"/>
-                </a:cxn>
-              </a:cxnLst>
-              <a:rect l="l" t="t" r="r" b="b"/>
-              <a:pathLst>
-                <a:path w="4702465" h="222240">
-                  <a:moveTo>
-                    <a:pt x="137250" y="0"/>
-                  </a:moveTo>
-                  <a:lnTo>
-                    <a:pt x="4702465" y="0"/>
-                  </a:lnTo>
-                  <a:lnTo>
-                    <a:pt x="4702465" y="222240"/>
-                  </a:lnTo>
-                  <a:lnTo>
-                    <a:pt x="0" y="222240"/>
-                  </a:lnTo>
-                  <a:close/>
-                </a:path>
-              </a:pathLst>
-            </a:custGeom>
-            <a:solidFill>
-              <a:schemeClr val="bg1"/>
-            </a:solidFill>
-          </p:spPr>
-        </p:pic>
-        <p:pic>
-          <p:nvPicPr>
-            <p:cNvPr id="48" name="图片 47"/>
-            <p:cNvPicPr>
-              <a:picLocks noChangeAspect="true"/>
-            </p:cNvPicPr>
-            <p:nvPr/>
-          </p:nvPicPr>
-          <p:blipFill>
-            <a:blip r:embed="rId3">
-              <a:lum bright="70000" contrast="-70000"/>
-            </a:blip>
-            <a:srcRect l="4950" r="26116"/>
-            <a:stretch>
-              <a:fillRect/>
-            </a:stretch>
-          </p:blipFill>
-          <p:spPr>
-            <a:xfrm rot="10800000" flipH="true" flipV="true">
-              <a:off x="7489535" y="6765558"/>
-              <a:ext cx="4702465" cy="95234"/>
-            </a:xfrm>
-            <a:custGeom>
-              <a:avLst/>
-              <a:gdLst>
-                <a:gd name="connsiteX0" fmla="*/ 137250 w 4702465"/>
-                <a:gd name="connsiteY0" fmla="*/ 0 h 222240"/>
-                <a:gd name="connsiteX1" fmla="*/ 4702465 w 4702465"/>
-                <a:gd name="connsiteY1" fmla="*/ 0 h 222240"/>
-                <a:gd name="connsiteX2" fmla="*/ 4702465 w 4702465"/>
-                <a:gd name="connsiteY2" fmla="*/ 222240 h 222240"/>
-                <a:gd name="connsiteX3" fmla="*/ 0 w 4702465"/>
-                <a:gd name="connsiteY3" fmla="*/ 222240 h 222240"/>
-              </a:gdLst>
-              <a:ahLst/>
-              <a:cxnLst>
-                <a:cxn ang="0">
-                  <a:pos x="connsiteX0" y="connsiteY0"/>
-                </a:cxn>
-                <a:cxn ang="0">
-                  <a:pos x="connsiteX1" y="connsiteY1"/>
-                </a:cxn>
-                <a:cxn ang="0">
-                  <a:pos x="connsiteX2" y="connsiteY2"/>
-                </a:cxn>
-                <a:cxn ang="0">
-                  <a:pos x="connsiteX3" y="connsiteY3"/>
-                </a:cxn>
-              </a:cxnLst>
-              <a:rect l="l" t="t" r="r" b="b"/>
-              <a:pathLst>
-                <a:path w="4702465" h="222240">
-                  <a:moveTo>
-                    <a:pt x="137250" y="0"/>
-                  </a:moveTo>
-                  <a:lnTo>
-                    <a:pt x="4702465" y="0"/>
-                  </a:lnTo>
-                  <a:lnTo>
-                    <a:pt x="4702465" y="222240"/>
-                  </a:lnTo>
-                  <a:lnTo>
-                    <a:pt x="0" y="222240"/>
-                  </a:lnTo>
-                  <a:close/>
-                </a:path>
-              </a:pathLst>
-            </a:custGeom>
-            <a:solidFill>
-              <a:schemeClr val="bg1"/>
-            </a:solidFill>
-          </p:spPr>
-        </p:pic>
-      </p:grpSp>
-      <p:pic>
-        <p:nvPicPr>
-          <p:cNvPr id="12" name="图片 11"/>
-          <p:cNvPicPr>
-            <a:picLocks noChangeAspect="true"/>
-          </p:cNvPicPr>
-          <p:nvPr/>
-        </p:nvPicPr>
-        <p:blipFill>
-          <a:blip r:embed="rId3"/>
-          <a:stretch>
-            <a:fillRect/>
-          </a:stretch>
-        </p:blipFill>
-        <p:spPr>
-          <a:xfrm rot="10800000">
-            <a:off x="0" y="79375"/>
-            <a:ext cx="12192000" cy="638175"/>
+            <a:off x="347345" y="1259205"/>
+            <a:ext cx="11475720" cy="4680585"/>
           </a:xfrm>
           <a:prstGeom prst="rect">
             <a:avLst/>
           </a:prstGeom>
           <a:solidFill>
-            <a:schemeClr val="bg1"/>
+            <a:schemeClr val="bg1">
+              <a:alpha val="57000"/>
+            </a:schemeClr>
           </a:solidFill>
+          <a:ln>
+            <a:noFill/>
+          </a:ln>
         </p:spPr>
-      </p:pic>
+        <p:style>
+          <a:lnRef idx="2">
+            <a:schemeClr val="accent1">
+              <a:shade val="50000"/>
+            </a:schemeClr>
+          </a:lnRef>
+          <a:fillRef idx="1">
+            <a:schemeClr val="accent1"/>
+          </a:fillRef>
+          <a:effectRef idx="0">
+            <a:schemeClr val="accent1"/>
+          </a:effectRef>
+          <a:fontRef idx="minor">
+            <a:schemeClr val="lt1"/>
+          </a:fontRef>
+        </p:style>
+        <p:txBody>
+          <a:bodyPr rtlCol="0" anchor="ctr"/>
+          <a:p>
+            <a:pPr algn="ctr"/>
+            <a:endParaRPr lang="zh-CN" altLang="en-US"/>
+          </a:p>
+        </p:txBody>
+      </p:sp>
       <p:sp>
         <p:nvSpPr>
-          <p:cNvPr id="14" name="文本框 13"/>
+          <p:cNvPr id="3" name="文本框 2"/>
           <p:cNvSpPr txBox="true"/>
           <p:nvPr/>
         </p:nvSpPr>
         <p:spPr>
           <a:xfrm>
-            <a:off x="314325" y="137160"/>
-            <a:ext cx="9579610" cy="583565"/>
+            <a:off x="1955165" y="1585595"/>
+            <a:ext cx="8616950" cy="4575175"/>
+          </a:xfrm>
+          <a:prstGeom prst="rect">
+            <a:avLst/>
+          </a:prstGeom>
+          <a:noFill/>
+        </p:spPr>
+        <p:txBody>
+          <a:bodyPr wrap="square" rtlCol="0">
+            <a:spAutoFit/>
+          </a:bodyPr>
+          <a:p>
+            <a:pPr indent="0" fontAlgn="auto">
+              <a:lnSpc>
+                <a:spcPct val="180000"/>
+              </a:lnSpc>
+            </a:pPr>
+            <a:r>
+              <a:rPr lang="zh-CN" altLang="en-US">
+                <a:latin typeface="微软雅黑" panose="020B0503020204020204" pitchFamily="34" charset="-122"/>
+                <a:ea typeface="微软雅黑" panose="020B0503020204020204" pitchFamily="34" charset="-122"/>
+                <a:cs typeface="微软雅黑" panose="020B0503020204020204" pitchFamily="34" charset="-122"/>
+              </a:rPr>
+              <a:t>根据教学大纲要求，本课程的考核办法为：</a:t>
+            </a:r>
+            <a:endParaRPr lang="zh-CN" altLang="en-US">
+              <a:latin typeface="微软雅黑" panose="020B0503020204020204" pitchFamily="34" charset="-122"/>
+              <a:ea typeface="微软雅黑" panose="020B0503020204020204" pitchFamily="34" charset="-122"/>
+              <a:cs typeface="微软雅黑" panose="020B0503020204020204" pitchFamily="34" charset="-122"/>
+            </a:endParaRPr>
+          </a:p>
+          <a:p>
+            <a:pPr indent="0" algn="ctr" fontAlgn="auto">
+              <a:lnSpc>
+                <a:spcPct val="180000"/>
+              </a:lnSpc>
+            </a:pPr>
+            <a:r>
+              <a:rPr lang="zh-CN" altLang="en-US" b="1">
+                <a:latin typeface="微软雅黑" panose="020B0503020204020204" pitchFamily="34" charset="-122"/>
+                <a:ea typeface="微软雅黑" panose="020B0503020204020204" pitchFamily="34" charset="-122"/>
+                <a:cs typeface="微软雅黑" panose="020B0503020204020204" pitchFamily="34" charset="-122"/>
+              </a:rPr>
+              <a:t>总评</a:t>
+            </a:r>
+            <a:r>
+              <a:rPr lang="en-US" altLang="zh-CN" b="1">
+                <a:latin typeface="微软雅黑" panose="020B0503020204020204" pitchFamily="34" charset="-122"/>
+                <a:ea typeface="微软雅黑" panose="020B0503020204020204" pitchFamily="34" charset="-122"/>
+                <a:cs typeface="微软雅黑" panose="020B0503020204020204" pitchFamily="34" charset="-122"/>
+              </a:rPr>
+              <a:t> = </a:t>
+            </a:r>
+            <a:r>
+              <a:rPr lang="zh-CN" altLang="en-US" b="1">
+                <a:latin typeface="微软雅黑" panose="020B0503020204020204" pitchFamily="34" charset="-122"/>
+                <a:ea typeface="微软雅黑" panose="020B0503020204020204" pitchFamily="34" charset="-122"/>
+                <a:cs typeface="微软雅黑" panose="020B0503020204020204" pitchFamily="34" charset="-122"/>
+              </a:rPr>
+              <a:t>期末成绩</a:t>
+            </a:r>
+            <a:r>
+              <a:rPr lang="en-US" altLang="zh-CN" b="1">
+                <a:latin typeface="微软雅黑" panose="020B0503020204020204" pitchFamily="34" charset="-122"/>
+                <a:ea typeface="微软雅黑" panose="020B0503020204020204" pitchFamily="34" charset="-122"/>
+                <a:cs typeface="微软雅黑" panose="020B0503020204020204" pitchFamily="34" charset="-122"/>
+              </a:rPr>
+              <a:t> </a:t>
+            </a:r>
+            <a:r>
+              <a:rPr lang="zh-CN" altLang="en-US" b="1">
+                <a:latin typeface="微软雅黑" panose="020B0503020204020204" pitchFamily="34" charset="-122"/>
+                <a:ea typeface="微软雅黑" panose="020B0503020204020204" pitchFamily="34" charset="-122"/>
+                <a:cs typeface="微软雅黑" panose="020B0503020204020204" pitchFamily="34" charset="-122"/>
+              </a:rPr>
+              <a:t>×</a:t>
+            </a:r>
+            <a:r>
+              <a:rPr lang="en-US" altLang="zh-CN" b="1">
+                <a:latin typeface="微软雅黑" panose="020B0503020204020204" pitchFamily="34" charset="-122"/>
+                <a:ea typeface="微软雅黑" panose="020B0503020204020204" pitchFamily="34" charset="-122"/>
+                <a:cs typeface="微软雅黑" panose="020B0503020204020204" pitchFamily="34" charset="-122"/>
+              </a:rPr>
+              <a:t> </a:t>
+            </a:r>
+            <a:r>
+              <a:rPr lang="en-US" altLang="zh-CN" b="1" u="sng">
+                <a:latin typeface="微软雅黑" panose="020B0503020204020204" pitchFamily="34" charset="-122"/>
+                <a:ea typeface="微软雅黑" panose="020B0503020204020204" pitchFamily="34" charset="-122"/>
+                <a:cs typeface="微软雅黑" panose="020B0503020204020204" pitchFamily="34" charset="-122"/>
+              </a:rPr>
+              <a:t>     50    </a:t>
+            </a:r>
+            <a:r>
+              <a:rPr lang="en-US" altLang="zh-CN" b="1">
+                <a:latin typeface="微软雅黑" panose="020B0503020204020204" pitchFamily="34" charset="-122"/>
+                <a:ea typeface="微软雅黑" panose="020B0503020204020204" pitchFamily="34" charset="-122"/>
+                <a:cs typeface="微软雅黑" panose="020B0503020204020204" pitchFamily="34" charset="-122"/>
+              </a:rPr>
+              <a:t> % + </a:t>
+            </a:r>
+            <a:r>
+              <a:rPr lang="zh-CN" altLang="en-US" b="1">
+                <a:latin typeface="微软雅黑" panose="020B0503020204020204" pitchFamily="34" charset="-122"/>
+                <a:ea typeface="微软雅黑" panose="020B0503020204020204" pitchFamily="34" charset="-122"/>
+                <a:cs typeface="微软雅黑" panose="020B0503020204020204" pitchFamily="34" charset="-122"/>
+              </a:rPr>
+              <a:t>平时成绩</a:t>
+            </a:r>
+            <a:r>
+              <a:rPr lang="en-US" altLang="zh-CN" b="1">
+                <a:latin typeface="微软雅黑" panose="020B0503020204020204" pitchFamily="34" charset="-122"/>
+                <a:ea typeface="微软雅黑" panose="020B0503020204020204" pitchFamily="34" charset="-122"/>
+                <a:cs typeface="微软雅黑" panose="020B0503020204020204" pitchFamily="34" charset="-122"/>
+              </a:rPr>
+              <a:t> </a:t>
+            </a:r>
+            <a:r>
+              <a:rPr lang="zh-CN" altLang="en-US" b="1">
+                <a:latin typeface="微软雅黑" panose="020B0503020204020204" pitchFamily="34" charset="-122"/>
+                <a:ea typeface="微软雅黑" panose="020B0503020204020204" pitchFamily="34" charset="-122"/>
+                <a:cs typeface="微软雅黑" panose="020B0503020204020204" pitchFamily="34" charset="-122"/>
+              </a:rPr>
+              <a:t>×</a:t>
+            </a:r>
+            <a:r>
+              <a:rPr lang="en-US" altLang="zh-CN" b="1">
+                <a:latin typeface="微软雅黑" panose="020B0503020204020204" pitchFamily="34" charset="-122"/>
+                <a:ea typeface="微软雅黑" panose="020B0503020204020204" pitchFamily="34" charset="-122"/>
+                <a:cs typeface="微软雅黑" panose="020B0503020204020204" pitchFamily="34" charset="-122"/>
+              </a:rPr>
+              <a:t>  </a:t>
+            </a:r>
+            <a:r>
+              <a:rPr lang="en-US" altLang="zh-CN" b="1" u="sng">
+                <a:latin typeface="微软雅黑" panose="020B0503020204020204" pitchFamily="34" charset="-122"/>
+                <a:ea typeface="微软雅黑" panose="020B0503020204020204" pitchFamily="34" charset="-122"/>
+                <a:cs typeface="微软雅黑" panose="020B0503020204020204" pitchFamily="34" charset="-122"/>
+              </a:rPr>
+              <a:t>    50   </a:t>
+            </a:r>
+            <a:r>
+              <a:rPr lang="en-US" altLang="zh-CN" b="1">
+                <a:latin typeface="微软雅黑" panose="020B0503020204020204" pitchFamily="34" charset="-122"/>
+                <a:ea typeface="微软雅黑" panose="020B0503020204020204" pitchFamily="34" charset="-122"/>
+                <a:cs typeface="微软雅黑" panose="020B0503020204020204" pitchFamily="34" charset="-122"/>
+              </a:rPr>
+              <a:t>%</a:t>
+            </a:r>
+            <a:r>
+              <a:rPr lang="zh-CN" altLang="en-US" b="1">
+                <a:latin typeface="微软雅黑" panose="020B0503020204020204" pitchFamily="34" charset="-122"/>
+                <a:ea typeface="微软雅黑" panose="020B0503020204020204" pitchFamily="34" charset="-122"/>
+                <a:cs typeface="微软雅黑" panose="020B0503020204020204" pitchFamily="34" charset="-122"/>
+              </a:rPr>
+              <a:t>。</a:t>
+            </a:r>
+            <a:endParaRPr lang="zh-CN" altLang="en-US" b="1">
+              <a:latin typeface="微软雅黑" panose="020B0503020204020204" pitchFamily="34" charset="-122"/>
+              <a:ea typeface="微软雅黑" panose="020B0503020204020204" pitchFamily="34" charset="-122"/>
+              <a:cs typeface="微软雅黑" panose="020B0503020204020204" pitchFamily="34" charset="-122"/>
+            </a:endParaRPr>
+          </a:p>
+          <a:p>
+            <a:pPr indent="0" fontAlgn="auto">
+              <a:lnSpc>
+                <a:spcPct val="180000"/>
+              </a:lnSpc>
+            </a:pPr>
+            <a:r>
+              <a:rPr lang="en-US" altLang="zh-CN" b="1">
+                <a:latin typeface="微软雅黑" panose="020B0503020204020204" pitchFamily="34" charset="-122"/>
+                <a:ea typeface="微软雅黑" panose="020B0503020204020204" pitchFamily="34" charset="-122"/>
+                <a:cs typeface="微软雅黑" panose="020B0503020204020204" pitchFamily="34" charset="-122"/>
+              </a:rPr>
+              <a:t>1. </a:t>
+            </a:r>
+            <a:r>
+              <a:rPr lang="zh-CN" altLang="en-US" b="1">
+                <a:latin typeface="微软雅黑" panose="020B0503020204020204" pitchFamily="34" charset="-122"/>
+                <a:ea typeface="微软雅黑" panose="020B0503020204020204" pitchFamily="34" charset="-122"/>
+                <a:cs typeface="微软雅黑" panose="020B0503020204020204" pitchFamily="34" charset="-122"/>
+              </a:rPr>
+              <a:t>期末考核方法：</a:t>
+            </a:r>
+            <a:r>
+              <a:rPr lang="zh-CN" altLang="en-US">
+                <a:latin typeface="微软雅黑" panose="020B0503020204020204" pitchFamily="34" charset="-122"/>
+                <a:ea typeface="微软雅黑" panose="020B0503020204020204" pitchFamily="34" charset="-122"/>
+                <a:cs typeface="微软雅黑" panose="020B0503020204020204" pitchFamily="34" charset="-122"/>
+              </a:rPr>
+              <a:t>论文报告</a:t>
+            </a:r>
+            <a:endParaRPr lang="zh-CN" altLang="en-US">
+              <a:latin typeface="微软雅黑" panose="020B0503020204020204" pitchFamily="34" charset="-122"/>
+              <a:ea typeface="微软雅黑" panose="020B0503020204020204" pitchFamily="34" charset="-122"/>
+              <a:cs typeface="微软雅黑" panose="020B0503020204020204" pitchFamily="34" charset="-122"/>
+            </a:endParaRPr>
+          </a:p>
+          <a:p>
+            <a:pPr indent="0" fontAlgn="auto">
+              <a:lnSpc>
+                <a:spcPct val="180000"/>
+              </a:lnSpc>
+            </a:pPr>
+            <a:r>
+              <a:rPr lang="en-US" altLang="zh-CN" b="1">
+                <a:latin typeface="微软雅黑" panose="020B0503020204020204" pitchFamily="34" charset="-122"/>
+                <a:ea typeface="微软雅黑" panose="020B0503020204020204" pitchFamily="34" charset="-122"/>
+                <a:cs typeface="微软雅黑" panose="020B0503020204020204" pitchFamily="34" charset="-122"/>
+              </a:rPr>
+              <a:t>2. </a:t>
+            </a:r>
+            <a:r>
+              <a:rPr lang="zh-CN" altLang="en-US" b="1">
+                <a:latin typeface="微软雅黑" panose="020B0503020204020204" pitchFamily="34" charset="-122"/>
+                <a:ea typeface="微软雅黑" panose="020B0503020204020204" pitchFamily="34" charset="-122"/>
+                <a:cs typeface="微软雅黑" panose="020B0503020204020204" pitchFamily="34" charset="-122"/>
+              </a:rPr>
+              <a:t>平时成绩</a:t>
+            </a:r>
+            <a:r>
+              <a:rPr lang="zh-CN" altLang="en-US">
+                <a:latin typeface="微软雅黑" panose="020B0503020204020204" pitchFamily="34" charset="-122"/>
+                <a:ea typeface="微软雅黑" panose="020B0503020204020204" pitchFamily="34" charset="-122"/>
+                <a:cs typeface="微软雅黑" panose="020B0503020204020204" pitchFamily="34" charset="-122"/>
+              </a:rPr>
+              <a:t>由</a:t>
+            </a:r>
+            <a:r>
+              <a:rPr lang="en-US" altLang="zh-CN" u="sng">
+                <a:latin typeface="微软雅黑" panose="020B0503020204020204" pitchFamily="34" charset="-122"/>
+                <a:ea typeface="微软雅黑" panose="020B0503020204020204" pitchFamily="34" charset="-122"/>
+                <a:cs typeface="微软雅黑" panose="020B0503020204020204" pitchFamily="34" charset="-122"/>
+              </a:rPr>
+              <a:t>  </a:t>
+            </a:r>
+            <a:r>
+              <a:rPr lang="en-US" altLang="en-US" u="sng">
+                <a:latin typeface="微软雅黑" panose="020B0503020204020204" pitchFamily="34" charset="-122"/>
+                <a:ea typeface="微软雅黑" panose="020B0503020204020204" pitchFamily="34" charset="-122"/>
+                <a:cs typeface="微软雅黑" panose="020B0503020204020204" pitchFamily="34" charset="-122"/>
+              </a:rPr>
+              <a:t>3</a:t>
+            </a:r>
+            <a:r>
+              <a:rPr lang="en-US" altLang="zh-CN" u="sng">
+                <a:latin typeface="微软雅黑" panose="020B0503020204020204" pitchFamily="34" charset="-122"/>
+                <a:ea typeface="微软雅黑" panose="020B0503020204020204" pitchFamily="34" charset="-122"/>
+                <a:cs typeface="微软雅黑" panose="020B0503020204020204" pitchFamily="34" charset="-122"/>
+              </a:rPr>
+              <a:t>  </a:t>
+            </a:r>
+            <a:r>
+              <a:rPr lang="zh-CN" altLang="en-US">
+                <a:latin typeface="微软雅黑" panose="020B0503020204020204" pitchFamily="34" charset="-122"/>
+                <a:ea typeface="微软雅黑" panose="020B0503020204020204" pitchFamily="34" charset="-122"/>
+                <a:cs typeface="微软雅黑" panose="020B0503020204020204" pitchFamily="34" charset="-122"/>
+              </a:rPr>
+              <a:t>项构成，具体如下：</a:t>
+            </a:r>
+            <a:endParaRPr lang="zh-CN" altLang="en-US">
+              <a:latin typeface="微软雅黑" panose="020B0503020204020204" pitchFamily="34" charset="-122"/>
+              <a:ea typeface="微软雅黑" panose="020B0503020204020204" pitchFamily="34" charset="-122"/>
+              <a:cs typeface="微软雅黑" panose="020B0503020204020204" pitchFamily="34" charset="-122"/>
+            </a:endParaRPr>
+          </a:p>
+          <a:p>
+            <a:pPr indent="0" fontAlgn="auto">
+              <a:lnSpc>
+                <a:spcPct val="180000"/>
+              </a:lnSpc>
+            </a:pPr>
+            <a:r>
+              <a:rPr lang="zh-CN" altLang="en-US">
+                <a:latin typeface="微软雅黑" panose="020B0503020204020204" pitchFamily="34" charset="-122"/>
+                <a:ea typeface="微软雅黑" panose="020B0503020204020204" pitchFamily="34" charset="-122"/>
+                <a:cs typeface="微软雅黑" panose="020B0503020204020204" pitchFamily="34" charset="-122"/>
+              </a:rPr>
+              <a:t>（</a:t>
+            </a:r>
+            <a:r>
+              <a:rPr lang="en-US" altLang="zh-CN">
+                <a:latin typeface="微软雅黑" panose="020B0503020204020204" pitchFamily="34" charset="-122"/>
+                <a:ea typeface="微软雅黑" panose="020B0503020204020204" pitchFamily="34" charset="-122"/>
+                <a:cs typeface="微软雅黑" panose="020B0503020204020204" pitchFamily="34" charset="-122"/>
+              </a:rPr>
+              <a:t>1</a:t>
+            </a:r>
+            <a:r>
+              <a:rPr lang="zh-CN" altLang="en-US">
+                <a:latin typeface="微软雅黑" panose="020B0503020204020204" pitchFamily="34" charset="-122"/>
+                <a:ea typeface="微软雅黑" panose="020B0503020204020204" pitchFamily="34" charset="-122"/>
+                <a:cs typeface="微软雅黑" panose="020B0503020204020204" pitchFamily="34" charset="-122"/>
+              </a:rPr>
+              <a:t>）</a:t>
+            </a:r>
+            <a:r>
+              <a:rPr lang="en-US" altLang="zh-CN" u="sng">
+                <a:latin typeface="微软雅黑" panose="020B0503020204020204" pitchFamily="34" charset="-122"/>
+                <a:ea typeface="微软雅黑" panose="020B0503020204020204" pitchFamily="34" charset="-122"/>
+                <a:cs typeface="微软雅黑" panose="020B0503020204020204" pitchFamily="34" charset="-122"/>
+              </a:rPr>
+              <a:t>   </a:t>
+            </a:r>
+            <a:r>
+              <a:rPr lang="zh-CN" altLang="en-US" u="sng">
+                <a:latin typeface="微软雅黑" panose="020B0503020204020204" pitchFamily="34" charset="-122"/>
+                <a:ea typeface="微软雅黑" panose="020B0503020204020204" pitchFamily="34" charset="-122"/>
+                <a:cs typeface="微软雅黑" panose="020B0503020204020204" pitchFamily="34" charset="-122"/>
+              </a:rPr>
+              <a:t>小组汇报</a:t>
+            </a:r>
+            <a:r>
+              <a:rPr lang="en-US" altLang="zh-CN" u="sng">
+                <a:latin typeface="微软雅黑" panose="020B0503020204020204" pitchFamily="34" charset="-122"/>
+                <a:ea typeface="微软雅黑" panose="020B0503020204020204" pitchFamily="34" charset="-122"/>
+                <a:cs typeface="微软雅黑" panose="020B0503020204020204" pitchFamily="34" charset="-122"/>
+              </a:rPr>
+              <a:t>    </a:t>
+            </a:r>
+            <a:r>
+              <a:rPr lang="zh-CN" altLang="en-US">
+                <a:latin typeface="微软雅黑" panose="020B0503020204020204" pitchFamily="34" charset="-122"/>
+                <a:ea typeface="微软雅黑" panose="020B0503020204020204" pitchFamily="34" charset="-122"/>
+                <a:cs typeface="微软雅黑" panose="020B0503020204020204" pitchFamily="34" charset="-122"/>
+              </a:rPr>
+              <a:t>，占比</a:t>
+            </a:r>
+            <a:r>
+              <a:rPr lang="en-US" altLang="zh-CN" u="sng">
+                <a:latin typeface="微软雅黑" panose="020B0503020204020204" pitchFamily="34" charset="-122"/>
+                <a:ea typeface="微软雅黑" panose="020B0503020204020204" pitchFamily="34" charset="-122"/>
+                <a:cs typeface="微软雅黑" panose="020B0503020204020204" pitchFamily="34" charset="-122"/>
+              </a:rPr>
+              <a:t> </a:t>
+            </a:r>
+            <a:r>
+              <a:rPr lang="en-US" altLang="en-US" u="sng">
+                <a:latin typeface="微软雅黑" panose="020B0503020204020204" pitchFamily="34" charset="-122"/>
+                <a:ea typeface="微软雅黑" panose="020B0503020204020204" pitchFamily="34" charset="-122"/>
+                <a:cs typeface="微软雅黑" panose="020B0503020204020204" pitchFamily="34" charset="-122"/>
+              </a:rPr>
+              <a:t> 2</a:t>
+            </a:r>
+            <a:r>
+              <a:rPr lang="en-US" altLang="zh-CN" u="sng">
+                <a:latin typeface="微软雅黑" panose="020B0503020204020204" pitchFamily="34" charset="-122"/>
+                <a:ea typeface="微软雅黑" panose="020B0503020204020204" pitchFamily="34" charset="-122"/>
+                <a:cs typeface="微软雅黑" panose="020B0503020204020204" pitchFamily="34" charset="-122"/>
+              </a:rPr>
+              <a:t>0  </a:t>
+            </a:r>
+            <a:r>
+              <a:rPr lang="en-US" altLang="zh-CN">
+                <a:latin typeface="微软雅黑" panose="020B0503020204020204" pitchFamily="34" charset="-122"/>
+                <a:ea typeface="微软雅黑" panose="020B0503020204020204" pitchFamily="34" charset="-122"/>
+                <a:cs typeface="微软雅黑" panose="020B0503020204020204" pitchFamily="34" charset="-122"/>
+              </a:rPr>
+              <a:t>%</a:t>
+            </a:r>
+            <a:r>
+              <a:rPr lang="zh-CN" altLang="en-US">
+                <a:latin typeface="微软雅黑" panose="020B0503020204020204" pitchFamily="34" charset="-122"/>
+                <a:ea typeface="微软雅黑" panose="020B0503020204020204" pitchFamily="34" charset="-122"/>
+                <a:cs typeface="微软雅黑" panose="020B0503020204020204" pitchFamily="34" charset="-122"/>
+              </a:rPr>
+              <a:t>；</a:t>
+            </a:r>
+            <a:endParaRPr lang="zh-CN" altLang="en-US">
+              <a:latin typeface="微软雅黑" panose="020B0503020204020204" pitchFamily="34" charset="-122"/>
+              <a:ea typeface="微软雅黑" panose="020B0503020204020204" pitchFamily="34" charset="-122"/>
+              <a:cs typeface="微软雅黑" panose="020B0503020204020204" pitchFamily="34" charset="-122"/>
+            </a:endParaRPr>
+          </a:p>
+          <a:p>
+            <a:pPr indent="0" fontAlgn="auto">
+              <a:lnSpc>
+                <a:spcPct val="180000"/>
+              </a:lnSpc>
+            </a:pPr>
+            <a:r>
+              <a:rPr lang="zh-CN" altLang="en-US">
+                <a:latin typeface="微软雅黑" panose="020B0503020204020204" pitchFamily="34" charset="-122"/>
+                <a:ea typeface="微软雅黑" panose="020B0503020204020204" pitchFamily="34" charset="-122"/>
+                <a:cs typeface="微软雅黑" panose="020B0503020204020204" pitchFamily="34" charset="-122"/>
+                <a:sym typeface="+mn-ea"/>
+              </a:rPr>
+              <a:t>（</a:t>
+            </a:r>
+            <a:r>
+              <a:rPr lang="en-US" altLang="zh-CN">
+                <a:latin typeface="微软雅黑" panose="020B0503020204020204" pitchFamily="34" charset="-122"/>
+                <a:ea typeface="微软雅黑" panose="020B0503020204020204" pitchFamily="34" charset="-122"/>
+                <a:cs typeface="微软雅黑" panose="020B0503020204020204" pitchFamily="34" charset="-122"/>
+                <a:sym typeface="+mn-ea"/>
+              </a:rPr>
+              <a:t>2</a:t>
+            </a:r>
+            <a:r>
+              <a:rPr lang="zh-CN" altLang="en-US">
+                <a:latin typeface="微软雅黑" panose="020B0503020204020204" pitchFamily="34" charset="-122"/>
+                <a:ea typeface="微软雅黑" panose="020B0503020204020204" pitchFamily="34" charset="-122"/>
+                <a:cs typeface="微软雅黑" panose="020B0503020204020204" pitchFamily="34" charset="-122"/>
+                <a:sym typeface="+mn-ea"/>
+              </a:rPr>
+              <a:t>）</a:t>
+            </a:r>
+            <a:r>
+              <a:rPr lang="en-US" altLang="zh-CN" u="sng">
+                <a:latin typeface="微软雅黑" panose="020B0503020204020204" pitchFamily="34" charset="-122"/>
+                <a:ea typeface="微软雅黑" panose="020B0503020204020204" pitchFamily="34" charset="-122"/>
+                <a:cs typeface="微软雅黑" panose="020B0503020204020204" pitchFamily="34" charset="-122"/>
+                <a:sym typeface="+mn-ea"/>
+              </a:rPr>
+              <a:t>   </a:t>
+            </a:r>
+            <a:r>
+              <a:rPr lang="zh-CN" altLang="en-US" u="sng">
+                <a:latin typeface="微软雅黑" panose="020B0503020204020204" pitchFamily="34" charset="-122"/>
+                <a:ea typeface="微软雅黑" panose="020B0503020204020204" pitchFamily="34" charset="-122"/>
+                <a:cs typeface="微软雅黑" panose="020B0503020204020204" pitchFamily="34" charset="-122"/>
+                <a:sym typeface="+mn-ea"/>
+              </a:rPr>
+              <a:t>考勤</a:t>
+            </a:r>
+            <a:r>
+              <a:rPr lang="en-US" altLang="zh-CN" u="sng">
+                <a:latin typeface="微软雅黑" panose="020B0503020204020204" pitchFamily="34" charset="-122"/>
+                <a:ea typeface="微软雅黑" panose="020B0503020204020204" pitchFamily="34" charset="-122"/>
+                <a:cs typeface="微软雅黑" panose="020B0503020204020204" pitchFamily="34" charset="-122"/>
+                <a:sym typeface="+mn-ea"/>
+              </a:rPr>
+              <a:t> </a:t>
+            </a:r>
+            <a:r>
+              <a:rPr lang="en-US" altLang="en-US" u="sng">
+                <a:latin typeface="微软雅黑" panose="020B0503020204020204" pitchFamily="34" charset="-122"/>
+                <a:ea typeface="微软雅黑" panose="020B0503020204020204" pitchFamily="34" charset="-122"/>
+                <a:cs typeface="微软雅黑" panose="020B0503020204020204" pitchFamily="34" charset="-122"/>
+                <a:sym typeface="+mn-ea"/>
+              </a:rPr>
+              <a:t> </a:t>
+            </a:r>
+            <a:r>
+              <a:rPr lang="en-US" altLang="zh-CN" u="sng">
+                <a:latin typeface="微软雅黑" panose="020B0503020204020204" pitchFamily="34" charset="-122"/>
+                <a:ea typeface="微软雅黑" panose="020B0503020204020204" pitchFamily="34" charset="-122"/>
+                <a:cs typeface="微软雅黑" panose="020B0503020204020204" pitchFamily="34" charset="-122"/>
+                <a:sym typeface="+mn-ea"/>
+              </a:rPr>
+              <a:t> </a:t>
+            </a:r>
+            <a:r>
+              <a:rPr lang="zh-CN" altLang="en-US">
+                <a:latin typeface="微软雅黑" panose="020B0503020204020204" pitchFamily="34" charset="-122"/>
+                <a:ea typeface="微软雅黑" panose="020B0503020204020204" pitchFamily="34" charset="-122"/>
+                <a:cs typeface="微软雅黑" panose="020B0503020204020204" pitchFamily="34" charset="-122"/>
+                <a:sym typeface="+mn-ea"/>
+              </a:rPr>
+              <a:t>，占比</a:t>
+            </a:r>
+            <a:r>
+              <a:rPr lang="en-US" altLang="zh-CN" u="sng">
+                <a:latin typeface="微软雅黑" panose="020B0503020204020204" pitchFamily="34" charset="-122"/>
+                <a:ea typeface="微软雅黑" panose="020B0503020204020204" pitchFamily="34" charset="-122"/>
+                <a:cs typeface="微软雅黑" panose="020B0503020204020204" pitchFamily="34" charset="-122"/>
+                <a:sym typeface="+mn-ea"/>
+              </a:rPr>
+              <a:t> </a:t>
+            </a:r>
+            <a:r>
+              <a:rPr lang="en-US" altLang="en-US" u="sng">
+                <a:latin typeface="微软雅黑" panose="020B0503020204020204" pitchFamily="34" charset="-122"/>
+                <a:ea typeface="微软雅黑" panose="020B0503020204020204" pitchFamily="34" charset="-122"/>
+                <a:cs typeface="微软雅黑" panose="020B0503020204020204" pitchFamily="34" charset="-122"/>
+                <a:sym typeface="+mn-ea"/>
+              </a:rPr>
+              <a:t> 1</a:t>
+            </a:r>
+            <a:r>
+              <a:rPr lang="en-US" altLang="zh-CN" u="sng">
+                <a:latin typeface="微软雅黑" panose="020B0503020204020204" pitchFamily="34" charset="-122"/>
+                <a:ea typeface="微软雅黑" panose="020B0503020204020204" pitchFamily="34" charset="-122"/>
+                <a:cs typeface="微软雅黑" panose="020B0503020204020204" pitchFamily="34" charset="-122"/>
+                <a:sym typeface="+mn-ea"/>
+              </a:rPr>
+              <a:t>0</a:t>
+            </a:r>
+            <a:r>
+              <a:rPr lang="en-US" altLang="en-US" u="sng">
+                <a:latin typeface="微软雅黑" panose="020B0503020204020204" pitchFamily="34" charset="-122"/>
+                <a:ea typeface="微软雅黑" panose="020B0503020204020204" pitchFamily="34" charset="-122"/>
+                <a:cs typeface="微软雅黑" panose="020B0503020204020204" pitchFamily="34" charset="-122"/>
+                <a:sym typeface="+mn-ea"/>
+              </a:rPr>
+              <a:t> </a:t>
+            </a:r>
+            <a:r>
+              <a:rPr lang="en-US" altLang="zh-CN" u="sng">
+                <a:latin typeface="微软雅黑" panose="020B0503020204020204" pitchFamily="34" charset="-122"/>
+                <a:ea typeface="微软雅黑" panose="020B0503020204020204" pitchFamily="34" charset="-122"/>
+                <a:cs typeface="微软雅黑" panose="020B0503020204020204" pitchFamily="34" charset="-122"/>
+                <a:sym typeface="+mn-ea"/>
+              </a:rPr>
+              <a:t> </a:t>
+            </a:r>
+            <a:r>
+              <a:rPr lang="en-US" altLang="zh-CN">
+                <a:latin typeface="微软雅黑" panose="020B0503020204020204" pitchFamily="34" charset="-122"/>
+                <a:ea typeface="微软雅黑" panose="020B0503020204020204" pitchFamily="34" charset="-122"/>
+                <a:cs typeface="微软雅黑" panose="020B0503020204020204" pitchFamily="34" charset="-122"/>
+                <a:sym typeface="+mn-ea"/>
+              </a:rPr>
+              <a:t>%</a:t>
+            </a:r>
+            <a:r>
+              <a:rPr lang="zh-CN" altLang="en-US">
+                <a:latin typeface="微软雅黑" panose="020B0503020204020204" pitchFamily="34" charset="-122"/>
+                <a:ea typeface="微软雅黑" panose="020B0503020204020204" pitchFamily="34" charset="-122"/>
+                <a:cs typeface="微软雅黑" panose="020B0503020204020204" pitchFamily="34" charset="-122"/>
+                <a:sym typeface="+mn-ea"/>
+              </a:rPr>
+              <a:t>；</a:t>
+            </a:r>
+            <a:endParaRPr lang="zh-CN" altLang="en-US">
+              <a:latin typeface="微软雅黑" panose="020B0503020204020204" pitchFamily="34" charset="-122"/>
+              <a:ea typeface="微软雅黑" panose="020B0503020204020204" pitchFamily="34" charset="-122"/>
+              <a:cs typeface="微软雅黑" panose="020B0503020204020204" pitchFamily="34" charset="-122"/>
+              <a:sym typeface="+mn-ea"/>
+            </a:endParaRPr>
+          </a:p>
+          <a:p>
+            <a:pPr indent="0" fontAlgn="auto">
+              <a:lnSpc>
+                <a:spcPct val="180000"/>
+              </a:lnSpc>
+            </a:pPr>
+            <a:r>
+              <a:rPr lang="zh-CN" altLang="en-US">
+                <a:latin typeface="微软雅黑" panose="020B0503020204020204" pitchFamily="34" charset="-122"/>
+                <a:ea typeface="微软雅黑" panose="020B0503020204020204" pitchFamily="34" charset="-122"/>
+                <a:cs typeface="微软雅黑" panose="020B0503020204020204" pitchFamily="34" charset="-122"/>
+                <a:sym typeface="+mn-ea"/>
+              </a:rPr>
+              <a:t>（</a:t>
+            </a:r>
+            <a:r>
+              <a:rPr lang="en-US" altLang="zh-CN">
+                <a:latin typeface="微软雅黑" panose="020B0503020204020204" pitchFamily="34" charset="-122"/>
+                <a:ea typeface="微软雅黑" panose="020B0503020204020204" pitchFamily="34" charset="-122"/>
+                <a:cs typeface="微软雅黑" panose="020B0503020204020204" pitchFamily="34" charset="-122"/>
+                <a:sym typeface="+mn-ea"/>
+              </a:rPr>
+              <a:t>3</a:t>
+            </a:r>
+            <a:r>
+              <a:rPr lang="zh-CN" altLang="en-US">
+                <a:latin typeface="微软雅黑" panose="020B0503020204020204" pitchFamily="34" charset="-122"/>
+                <a:ea typeface="微软雅黑" panose="020B0503020204020204" pitchFamily="34" charset="-122"/>
+                <a:cs typeface="微软雅黑" panose="020B0503020204020204" pitchFamily="34" charset="-122"/>
+                <a:sym typeface="+mn-ea"/>
+              </a:rPr>
+              <a:t>）</a:t>
+            </a:r>
+            <a:r>
+              <a:rPr lang="en-US" altLang="zh-CN" u="sng">
+                <a:latin typeface="微软雅黑" panose="020B0503020204020204" pitchFamily="34" charset="-122"/>
+                <a:ea typeface="微软雅黑" panose="020B0503020204020204" pitchFamily="34" charset="-122"/>
+                <a:cs typeface="微软雅黑" panose="020B0503020204020204" pitchFamily="34" charset="-122"/>
+                <a:sym typeface="+mn-ea"/>
+              </a:rPr>
+              <a:t>   </a:t>
+            </a:r>
+            <a:r>
+              <a:rPr lang="zh-CN" altLang="en-US" u="sng">
+                <a:latin typeface="微软雅黑" panose="020B0503020204020204" pitchFamily="34" charset="-122"/>
+                <a:ea typeface="微软雅黑" panose="020B0503020204020204" pitchFamily="34" charset="-122"/>
+                <a:cs typeface="微软雅黑" panose="020B0503020204020204" pitchFamily="34" charset="-122"/>
+                <a:sym typeface="+mn-ea"/>
+              </a:rPr>
+              <a:t>课堂表现</a:t>
+            </a:r>
+            <a:r>
+              <a:rPr lang="en-US" altLang="zh-CN" u="sng">
+                <a:latin typeface="微软雅黑" panose="020B0503020204020204" pitchFamily="34" charset="-122"/>
+                <a:ea typeface="微软雅黑" panose="020B0503020204020204" pitchFamily="34" charset="-122"/>
+                <a:cs typeface="微软雅黑" panose="020B0503020204020204" pitchFamily="34" charset="-122"/>
+                <a:sym typeface="+mn-ea"/>
+              </a:rPr>
+              <a:t>  </a:t>
+            </a:r>
+            <a:r>
+              <a:rPr lang="zh-CN" altLang="en-US">
+                <a:latin typeface="微软雅黑" panose="020B0503020204020204" pitchFamily="34" charset="-122"/>
+                <a:ea typeface="微软雅黑" panose="020B0503020204020204" pitchFamily="34" charset="-122"/>
+                <a:cs typeface="微软雅黑" panose="020B0503020204020204" pitchFamily="34" charset="-122"/>
+                <a:sym typeface="+mn-ea"/>
+              </a:rPr>
+              <a:t>，占比</a:t>
+            </a:r>
+            <a:r>
+              <a:rPr lang="en-US" altLang="zh-CN" u="sng">
+                <a:latin typeface="微软雅黑" panose="020B0503020204020204" pitchFamily="34" charset="-122"/>
+                <a:ea typeface="微软雅黑" panose="020B0503020204020204" pitchFamily="34" charset="-122"/>
+                <a:cs typeface="微软雅黑" panose="020B0503020204020204" pitchFamily="34" charset="-122"/>
+                <a:sym typeface="+mn-ea"/>
+              </a:rPr>
+              <a:t>  </a:t>
+            </a:r>
+            <a:r>
+              <a:rPr lang="en-US" altLang="en-US" u="sng">
+                <a:latin typeface="微软雅黑" panose="020B0503020204020204" pitchFamily="34" charset="-122"/>
+                <a:ea typeface="微软雅黑" panose="020B0503020204020204" pitchFamily="34" charset="-122"/>
+                <a:cs typeface="微软雅黑" panose="020B0503020204020204" pitchFamily="34" charset="-122"/>
+                <a:sym typeface="+mn-ea"/>
+              </a:rPr>
+              <a:t> 5 </a:t>
+            </a:r>
+            <a:r>
+              <a:rPr lang="en-US" altLang="zh-CN" u="sng">
+                <a:latin typeface="微软雅黑" panose="020B0503020204020204" pitchFamily="34" charset="-122"/>
+                <a:ea typeface="微软雅黑" panose="020B0503020204020204" pitchFamily="34" charset="-122"/>
+                <a:cs typeface="微软雅黑" panose="020B0503020204020204" pitchFamily="34" charset="-122"/>
+                <a:sym typeface="+mn-ea"/>
+              </a:rPr>
+              <a:t>  </a:t>
+            </a:r>
+            <a:r>
+              <a:rPr lang="en-US" altLang="zh-CN">
+                <a:latin typeface="微软雅黑" panose="020B0503020204020204" pitchFamily="34" charset="-122"/>
+                <a:ea typeface="微软雅黑" panose="020B0503020204020204" pitchFamily="34" charset="-122"/>
+                <a:cs typeface="微软雅黑" panose="020B0503020204020204" pitchFamily="34" charset="-122"/>
+                <a:sym typeface="+mn-ea"/>
+              </a:rPr>
+              <a:t>%</a:t>
+            </a:r>
+            <a:r>
+              <a:rPr lang="zh-CN" altLang="en-US">
+                <a:latin typeface="微软雅黑" panose="020B0503020204020204" pitchFamily="34" charset="-122"/>
+                <a:ea typeface="微软雅黑" panose="020B0503020204020204" pitchFamily="34" charset="-122"/>
+                <a:cs typeface="微软雅黑" panose="020B0503020204020204" pitchFamily="34" charset="-122"/>
+                <a:sym typeface="+mn-ea"/>
+              </a:rPr>
+              <a:t>；</a:t>
+            </a:r>
+            <a:endParaRPr lang="zh-CN" altLang="en-US">
+              <a:latin typeface="微软雅黑" panose="020B0503020204020204" pitchFamily="34" charset="-122"/>
+              <a:ea typeface="微软雅黑" panose="020B0503020204020204" pitchFamily="34" charset="-122"/>
+              <a:cs typeface="微软雅黑" panose="020B0503020204020204" pitchFamily="34" charset="-122"/>
+              <a:sym typeface="+mn-ea"/>
+            </a:endParaRPr>
+          </a:p>
+          <a:p>
+            <a:pPr indent="0" fontAlgn="auto">
+              <a:lnSpc>
+                <a:spcPct val="180000"/>
+              </a:lnSpc>
+            </a:pPr>
+            <a:r>
+              <a:rPr lang="zh-CN" altLang="en-US">
+                <a:latin typeface="微软雅黑" panose="020B0503020204020204" pitchFamily="34" charset="-122"/>
+                <a:ea typeface="微软雅黑" panose="020B0503020204020204" pitchFamily="34" charset="-122"/>
+                <a:cs typeface="微软雅黑" panose="020B0503020204020204" pitchFamily="34" charset="-122"/>
+                <a:sym typeface="+mn-ea"/>
+              </a:rPr>
+              <a:t>（</a:t>
+            </a:r>
+            <a:r>
+              <a:rPr lang="en-US" altLang="zh-CN">
+                <a:latin typeface="微软雅黑" panose="020B0503020204020204" pitchFamily="34" charset="-122"/>
+                <a:ea typeface="微软雅黑" panose="020B0503020204020204" pitchFamily="34" charset="-122"/>
+                <a:cs typeface="微软雅黑" panose="020B0503020204020204" pitchFamily="34" charset="-122"/>
+                <a:sym typeface="+mn-ea"/>
+              </a:rPr>
+              <a:t>4</a:t>
+            </a:r>
+            <a:r>
+              <a:rPr lang="zh-CN" altLang="en-US">
+                <a:latin typeface="微软雅黑" panose="020B0503020204020204" pitchFamily="34" charset="-122"/>
+                <a:ea typeface="微软雅黑" panose="020B0503020204020204" pitchFamily="34" charset="-122"/>
+                <a:cs typeface="微软雅黑" panose="020B0503020204020204" pitchFamily="34" charset="-122"/>
+                <a:sym typeface="+mn-ea"/>
+              </a:rPr>
+              <a:t>）</a:t>
+            </a:r>
+            <a:r>
+              <a:rPr lang="en-US" altLang="zh-CN" u="sng">
+                <a:latin typeface="微软雅黑" panose="020B0503020204020204" pitchFamily="34" charset="-122"/>
+                <a:ea typeface="微软雅黑" panose="020B0503020204020204" pitchFamily="34" charset="-122"/>
+                <a:cs typeface="微软雅黑" panose="020B0503020204020204" pitchFamily="34" charset="-122"/>
+                <a:sym typeface="+mn-ea"/>
+              </a:rPr>
+              <a:t>   </a:t>
+            </a:r>
+            <a:r>
+              <a:rPr lang="zh-CN" altLang="en-US" u="sng">
+                <a:latin typeface="微软雅黑" panose="020B0503020204020204" pitchFamily="34" charset="-122"/>
+                <a:ea typeface="微软雅黑" panose="020B0503020204020204" pitchFamily="34" charset="-122"/>
+                <a:cs typeface="微软雅黑" panose="020B0503020204020204" pitchFamily="34" charset="-122"/>
+                <a:sym typeface="+mn-ea"/>
+              </a:rPr>
+              <a:t>作业</a:t>
+            </a:r>
+            <a:r>
+              <a:rPr lang="en-US" altLang="zh-CN" u="sng">
+                <a:latin typeface="微软雅黑" panose="020B0503020204020204" pitchFamily="34" charset="-122"/>
+                <a:ea typeface="微软雅黑" panose="020B0503020204020204" pitchFamily="34" charset="-122"/>
+                <a:cs typeface="微软雅黑" panose="020B0503020204020204" pitchFamily="34" charset="-122"/>
+                <a:sym typeface="+mn-ea"/>
+              </a:rPr>
+              <a:t>  </a:t>
+            </a:r>
+            <a:r>
+              <a:rPr lang="zh-CN" altLang="en-US">
+                <a:latin typeface="微软雅黑" panose="020B0503020204020204" pitchFamily="34" charset="-122"/>
+                <a:ea typeface="微软雅黑" panose="020B0503020204020204" pitchFamily="34" charset="-122"/>
+                <a:cs typeface="微软雅黑" panose="020B0503020204020204" pitchFamily="34" charset="-122"/>
+                <a:sym typeface="+mn-ea"/>
+              </a:rPr>
+              <a:t>，占比</a:t>
+            </a:r>
+            <a:r>
+              <a:rPr lang="en-US" altLang="zh-CN" u="sng">
+                <a:latin typeface="微软雅黑" panose="020B0503020204020204" pitchFamily="34" charset="-122"/>
+                <a:ea typeface="微软雅黑" panose="020B0503020204020204" pitchFamily="34" charset="-122"/>
+                <a:cs typeface="微软雅黑" panose="020B0503020204020204" pitchFamily="34" charset="-122"/>
+                <a:sym typeface="+mn-ea"/>
+              </a:rPr>
+              <a:t>  </a:t>
+            </a:r>
+            <a:r>
+              <a:rPr lang="en-US" altLang="en-US" u="sng">
+                <a:latin typeface="微软雅黑" panose="020B0503020204020204" pitchFamily="34" charset="-122"/>
+                <a:ea typeface="微软雅黑" panose="020B0503020204020204" pitchFamily="34" charset="-122"/>
+                <a:cs typeface="微软雅黑" panose="020B0503020204020204" pitchFamily="34" charset="-122"/>
+                <a:sym typeface="+mn-ea"/>
+              </a:rPr>
+              <a:t> 15 </a:t>
+            </a:r>
+            <a:r>
+              <a:rPr lang="en-US" altLang="zh-CN" u="sng">
+                <a:latin typeface="微软雅黑" panose="020B0503020204020204" pitchFamily="34" charset="-122"/>
+                <a:ea typeface="微软雅黑" panose="020B0503020204020204" pitchFamily="34" charset="-122"/>
+                <a:cs typeface="微软雅黑" panose="020B0503020204020204" pitchFamily="34" charset="-122"/>
+                <a:sym typeface="+mn-ea"/>
+              </a:rPr>
+              <a:t>  </a:t>
+            </a:r>
+            <a:r>
+              <a:rPr lang="en-US" altLang="zh-CN">
+                <a:latin typeface="微软雅黑" panose="020B0503020204020204" pitchFamily="34" charset="-122"/>
+                <a:ea typeface="微软雅黑" panose="020B0503020204020204" pitchFamily="34" charset="-122"/>
+                <a:cs typeface="微软雅黑" panose="020B0503020204020204" pitchFamily="34" charset="-122"/>
+                <a:sym typeface="+mn-ea"/>
+              </a:rPr>
+              <a:t>%</a:t>
+            </a:r>
+            <a:r>
+              <a:rPr lang="zh-CN" altLang="en-US">
+                <a:latin typeface="微软雅黑" panose="020B0503020204020204" pitchFamily="34" charset="-122"/>
+                <a:ea typeface="微软雅黑" panose="020B0503020204020204" pitchFamily="34" charset="-122"/>
+                <a:cs typeface="微软雅黑" panose="020B0503020204020204" pitchFamily="34" charset="-122"/>
+                <a:sym typeface="+mn-ea"/>
+              </a:rPr>
+              <a:t>；</a:t>
+            </a:r>
+            <a:endParaRPr lang="zh-CN" altLang="en-US">
+              <a:latin typeface="微软雅黑" panose="020B0503020204020204" pitchFamily="34" charset="-122"/>
+              <a:ea typeface="微软雅黑" panose="020B0503020204020204" pitchFamily="34" charset="-122"/>
+              <a:cs typeface="微软雅黑" panose="020B0503020204020204" pitchFamily="34" charset="-122"/>
+              <a:sym typeface="+mn-ea"/>
+            </a:endParaRPr>
+          </a:p>
+          <a:p>
+            <a:pPr indent="0" fontAlgn="auto">
+              <a:lnSpc>
+                <a:spcPct val="180000"/>
+              </a:lnSpc>
+            </a:pPr>
+            <a:r>
+              <a:rPr lang="en-US" altLang="zh-CN" b="1">
+                <a:latin typeface="微软雅黑" panose="020B0503020204020204" pitchFamily="34" charset="-122"/>
+                <a:ea typeface="微软雅黑" panose="020B0503020204020204" pitchFamily="34" charset="-122"/>
+                <a:cs typeface="微软雅黑" panose="020B0503020204020204" pitchFamily="34" charset="-122"/>
+                <a:sym typeface="+mn-ea"/>
+              </a:rPr>
+              <a:t>3. </a:t>
+            </a:r>
+            <a:r>
+              <a:rPr lang="zh-CN" altLang="en-US" b="1">
+                <a:latin typeface="微软雅黑" panose="020B0503020204020204" pitchFamily="34" charset="-122"/>
+                <a:ea typeface="微软雅黑" panose="020B0503020204020204" pitchFamily="34" charset="-122"/>
+                <a:cs typeface="微软雅黑" panose="020B0503020204020204" pitchFamily="34" charset="-122"/>
+                <a:sym typeface="+mn-ea"/>
+              </a:rPr>
+              <a:t>教学方式</a:t>
+            </a:r>
+            <a:r>
+              <a:rPr lang="zh-CN" altLang="en-US" b="1">
+                <a:latin typeface="微软雅黑" panose="020B0503020204020204" pitchFamily="34" charset="-122"/>
+                <a:ea typeface="微软雅黑" panose="020B0503020204020204" pitchFamily="34" charset="-122"/>
+                <a:cs typeface="微软雅黑" panose="020B0503020204020204" pitchFamily="34" charset="-122"/>
+                <a:sym typeface="+mn-ea"/>
+              </a:rPr>
+              <a:t>：</a:t>
+            </a:r>
+            <a:r>
+              <a:rPr lang="zh-CN" altLang="en-US" dirty="0">
+                <a:solidFill>
+                  <a:srgbClr val="161616"/>
+                </a:solidFill>
+                <a:latin typeface="微软雅黑" panose="020B0503020204020204" pitchFamily="34" charset="-122"/>
+                <a:ea typeface="微软雅黑" panose="020B0503020204020204" pitchFamily="34" charset="-122"/>
+                <a:cs typeface="微软雅黑" panose="020B0503020204020204" pitchFamily="34" charset="-122"/>
+                <a:sym typeface="+mn-ea"/>
+              </a:rPr>
+              <a:t>讲授</a:t>
+            </a:r>
+            <a:r>
+              <a:rPr lang="en-US" altLang="zh-CN" dirty="0">
+                <a:solidFill>
+                  <a:srgbClr val="161616"/>
+                </a:solidFill>
+                <a:latin typeface="微软雅黑" panose="020B0503020204020204" pitchFamily="34" charset="-122"/>
+                <a:ea typeface="微软雅黑" panose="020B0503020204020204" pitchFamily="34" charset="-122"/>
+                <a:cs typeface="微软雅黑" panose="020B0503020204020204" pitchFamily="34" charset="-122"/>
+                <a:sym typeface="+mn-ea"/>
+              </a:rPr>
+              <a:t> + </a:t>
+            </a:r>
+            <a:r>
+              <a:rPr lang="zh-CN" altLang="en-US" dirty="0">
+                <a:solidFill>
+                  <a:srgbClr val="161616"/>
+                </a:solidFill>
+                <a:latin typeface="微软雅黑" panose="020B0503020204020204" pitchFamily="34" charset="-122"/>
+                <a:ea typeface="微软雅黑" panose="020B0503020204020204" pitchFamily="34" charset="-122"/>
+                <a:cs typeface="微软雅黑" panose="020B0503020204020204" pitchFamily="34" charset="-122"/>
+                <a:sym typeface="+mn-ea"/>
+              </a:rPr>
+              <a:t>案例</a:t>
+            </a:r>
+            <a:r>
+              <a:rPr lang="en-US" altLang="zh-CN" dirty="0">
+                <a:solidFill>
+                  <a:srgbClr val="161616"/>
+                </a:solidFill>
+                <a:latin typeface="微软雅黑" panose="020B0503020204020204" pitchFamily="34" charset="-122"/>
+                <a:ea typeface="微软雅黑" panose="020B0503020204020204" pitchFamily="34" charset="-122"/>
+                <a:cs typeface="微软雅黑" panose="020B0503020204020204" pitchFamily="34" charset="-122"/>
+                <a:sym typeface="+mn-ea"/>
+              </a:rPr>
+              <a:t> + </a:t>
+            </a:r>
+            <a:r>
+              <a:rPr lang="zh-CN" altLang="en-US" dirty="0">
+                <a:solidFill>
+                  <a:srgbClr val="161616"/>
+                </a:solidFill>
+                <a:latin typeface="微软雅黑" panose="020B0503020204020204" pitchFamily="34" charset="-122"/>
+                <a:ea typeface="微软雅黑" panose="020B0503020204020204" pitchFamily="34" charset="-122"/>
+                <a:cs typeface="微软雅黑" panose="020B0503020204020204" pitchFamily="34" charset="-122"/>
+                <a:sym typeface="+mn-ea"/>
+              </a:rPr>
+              <a:t>研讨</a:t>
+            </a:r>
+            <a:endParaRPr lang="zh-CN" altLang="en-US">
+              <a:latin typeface="微软雅黑" panose="020B0503020204020204" pitchFamily="34" charset="-122"/>
+              <a:ea typeface="微软雅黑" panose="020B0503020204020204" pitchFamily="34" charset="-122"/>
+              <a:cs typeface="微软雅黑" panose="020B0503020204020204" pitchFamily="34" charset="-122"/>
+            </a:endParaRPr>
+          </a:p>
+        </p:txBody>
+      </p:sp>
+      <p:sp>
+        <p:nvSpPr>
+          <p:cNvPr id="4" name="流程图: 手动输入 3"/>
+          <p:cNvSpPr/>
+          <p:nvPr/>
+        </p:nvSpPr>
+        <p:spPr>
+          <a:xfrm rot="5400000">
+            <a:off x="1247775" y="-941070"/>
+            <a:ext cx="822960" cy="3316605"/>
+          </a:xfrm>
+          <a:prstGeom prst="flowChartManualInput">
+            <a:avLst/>
+          </a:prstGeom>
+          <a:solidFill>
+            <a:schemeClr val="accent1">
+              <a:lumMod val="50000"/>
+            </a:schemeClr>
+          </a:solidFill>
+          <a:ln>
+            <a:noFill/>
+          </a:ln>
+        </p:spPr>
+        <p:style>
+          <a:lnRef idx="2">
+            <a:schemeClr val="accent1">
+              <a:shade val="50000"/>
+            </a:schemeClr>
+          </a:lnRef>
+          <a:fillRef idx="1">
+            <a:schemeClr val="accent1"/>
+          </a:fillRef>
+          <a:effectRef idx="0">
+            <a:schemeClr val="accent1"/>
+          </a:effectRef>
+          <a:fontRef idx="minor">
+            <a:schemeClr val="lt1"/>
+          </a:fontRef>
+        </p:style>
+        <p:txBody>
+          <a:bodyPr rtlCol="0" anchor="ctr"/>
+          <a:p>
+            <a:pPr algn="ctr"/>
+            <a:endParaRPr lang="zh-CN" altLang="en-US"/>
+          </a:p>
+        </p:txBody>
+      </p:sp>
+      <p:sp>
+        <p:nvSpPr>
+          <p:cNvPr id="5" name="文本框 4"/>
+          <p:cNvSpPr txBox="true"/>
+          <p:nvPr/>
+        </p:nvSpPr>
+        <p:spPr>
+          <a:xfrm>
+            <a:off x="347980" y="492760"/>
+            <a:ext cx="2520950" cy="475615"/>
           </a:xfrm>
           <a:prstGeom prst="rect">
             <a:avLst/>
@@ -24920,203 +25442,23 @@
           </a:bodyPr>
           <a:p>
             <a:r>
-              <a:rPr lang="zh-CN" sz="3200" dirty="0">
+              <a:rPr lang="zh-CN" altLang="en-US" sz="2500" b="1" spc="300">
                 <a:solidFill>
                   <a:schemeClr val="bg1"/>
                 </a:solidFill>
+                <a:uFillTx/>
                 <a:latin typeface="微软雅黑" panose="020B0503020204020204" pitchFamily="34" charset="-122"/>
                 <a:ea typeface="微软雅黑" panose="020B0503020204020204" pitchFamily="34" charset="-122"/>
               </a:rPr>
-              <a:t>课程基本要求</a:t>
+              <a:t>课程考核说明</a:t>
             </a:r>
-            <a:endParaRPr lang="zh-CN" sz="3200" dirty="0">
+            <a:endParaRPr lang="zh-CN" altLang="en-US" sz="2500" b="1" spc="300">
               <a:solidFill>
                 <a:schemeClr val="bg1"/>
               </a:solidFill>
+              <a:uFillTx/>
               <a:latin typeface="微软雅黑" panose="020B0503020204020204" pitchFamily="34" charset="-122"/>
               <a:ea typeface="微软雅黑" panose="020B0503020204020204" pitchFamily="34" charset="-122"/>
-            </a:endParaRPr>
-          </a:p>
-        </p:txBody>
-      </p:sp>
-      <p:sp>
-        <p:nvSpPr>
-          <p:cNvPr id="13318" name="Rectangle 3"/>
-          <p:cNvSpPr>
-            <a:spLocks noGrp="true"/>
-          </p:cNvSpPr>
-          <p:nvPr>
-            <p:ph type="body" idx="4294967295"/>
-          </p:nvPr>
-        </p:nvSpPr>
-        <p:spPr>
-          <a:xfrm>
-            <a:off x="1981200" y="2029460"/>
-            <a:ext cx="8229600" cy="2798763"/>
-          </a:xfrm>
-        </p:spPr>
-        <p:txBody>
-          <a:bodyPr vert="horz" wrap="square" lIns="91440" tIns="45720" rIns="91440" bIns="45720" anchor="t" anchorCtr="false"/>
-          <a:p>
-            <a:pPr eaLnBrk="1" hangingPunct="1"/>
-            <a:r>
-              <a:rPr lang="zh-CN" altLang="en-US" dirty="0">
-                <a:solidFill>
-                  <a:srgbClr val="161616"/>
-                </a:solidFill>
-                <a:latin typeface="微软雅黑" panose="020B0503020204020204" pitchFamily="34" charset="-122"/>
-                <a:ea typeface="微软雅黑" panose="020B0503020204020204" pitchFamily="34" charset="-122"/>
-                <a:cs typeface="微软雅黑" panose="020B0503020204020204" pitchFamily="34" charset="-122"/>
-              </a:rPr>
-              <a:t>教学方式：讲授</a:t>
-            </a:r>
-            <a:r>
-              <a:rPr lang="en-US" altLang="zh-CN" dirty="0">
-                <a:solidFill>
-                  <a:srgbClr val="161616"/>
-                </a:solidFill>
-                <a:latin typeface="微软雅黑" panose="020B0503020204020204" pitchFamily="34" charset="-122"/>
-                <a:ea typeface="微软雅黑" panose="020B0503020204020204" pitchFamily="34" charset="-122"/>
-                <a:cs typeface="微软雅黑" panose="020B0503020204020204" pitchFamily="34" charset="-122"/>
-              </a:rPr>
-              <a:t> + </a:t>
-            </a:r>
-            <a:r>
-              <a:rPr lang="zh-CN" altLang="en-US" dirty="0">
-                <a:solidFill>
-                  <a:srgbClr val="161616"/>
-                </a:solidFill>
-                <a:latin typeface="微软雅黑" panose="020B0503020204020204" pitchFamily="34" charset="-122"/>
-                <a:ea typeface="微软雅黑" panose="020B0503020204020204" pitchFamily="34" charset="-122"/>
-                <a:cs typeface="微软雅黑" panose="020B0503020204020204" pitchFamily="34" charset="-122"/>
-              </a:rPr>
-              <a:t>案例</a:t>
-            </a:r>
-            <a:r>
-              <a:rPr lang="en-US" altLang="zh-CN" dirty="0">
-                <a:solidFill>
-                  <a:srgbClr val="161616"/>
-                </a:solidFill>
-                <a:latin typeface="微软雅黑" panose="020B0503020204020204" pitchFamily="34" charset="-122"/>
-                <a:ea typeface="微软雅黑" panose="020B0503020204020204" pitchFamily="34" charset="-122"/>
-                <a:cs typeface="微软雅黑" panose="020B0503020204020204" pitchFamily="34" charset="-122"/>
-              </a:rPr>
-              <a:t> + </a:t>
-            </a:r>
-            <a:r>
-              <a:rPr lang="zh-CN" altLang="en-US" dirty="0">
-                <a:solidFill>
-                  <a:srgbClr val="161616"/>
-                </a:solidFill>
-                <a:latin typeface="微软雅黑" panose="020B0503020204020204" pitchFamily="34" charset="-122"/>
-                <a:ea typeface="微软雅黑" panose="020B0503020204020204" pitchFamily="34" charset="-122"/>
-                <a:cs typeface="微软雅黑" panose="020B0503020204020204" pitchFamily="34" charset="-122"/>
-              </a:rPr>
-              <a:t>研讨</a:t>
-            </a:r>
-            <a:endParaRPr lang="zh-CN" altLang="en-US" dirty="0">
-              <a:solidFill>
-                <a:srgbClr val="161616"/>
-              </a:solidFill>
-              <a:latin typeface="微软雅黑" panose="020B0503020204020204" pitchFamily="34" charset="-122"/>
-              <a:ea typeface="微软雅黑" panose="020B0503020204020204" pitchFamily="34" charset="-122"/>
-              <a:cs typeface="微软雅黑" panose="020B0503020204020204" pitchFamily="34" charset="-122"/>
-            </a:endParaRPr>
-          </a:p>
-          <a:p>
-            <a:pPr eaLnBrk="1" hangingPunct="1"/>
-            <a:r>
-              <a:rPr lang="zh-CN" altLang="en-US" dirty="0">
-                <a:solidFill>
-                  <a:srgbClr val="161616"/>
-                </a:solidFill>
-                <a:latin typeface="微软雅黑" panose="020B0503020204020204" pitchFamily="34" charset="-122"/>
-                <a:ea typeface="微软雅黑" panose="020B0503020204020204" pitchFamily="34" charset="-122"/>
-                <a:cs typeface="微软雅黑" panose="020B0503020204020204" pitchFamily="34" charset="-122"/>
-              </a:rPr>
-              <a:t>考勤：</a:t>
-            </a:r>
-            <a:endParaRPr lang="zh-CN" altLang="en-US" dirty="0">
-              <a:solidFill>
-                <a:srgbClr val="161616"/>
-              </a:solidFill>
-              <a:latin typeface="微软雅黑" panose="020B0503020204020204" pitchFamily="34" charset="-122"/>
-              <a:ea typeface="微软雅黑" panose="020B0503020204020204" pitchFamily="34" charset="-122"/>
-              <a:cs typeface="微软雅黑" panose="020B0503020204020204" pitchFamily="34" charset="-122"/>
-            </a:endParaRPr>
-          </a:p>
-          <a:p>
-            <a:pPr lvl="1" fontAlgn="auto">
-              <a:lnSpc>
-                <a:spcPct val="100000"/>
-              </a:lnSpc>
-            </a:pPr>
-            <a:r>
-              <a:rPr lang="zh-CN" altLang="en-US" dirty="0">
-                <a:solidFill>
-                  <a:srgbClr val="161616"/>
-                </a:solidFill>
-                <a:latin typeface="微软雅黑" panose="020B0503020204020204" pitchFamily="34" charset="-122"/>
-                <a:ea typeface="微软雅黑" panose="020B0503020204020204" pitchFamily="34" charset="-122"/>
-                <a:cs typeface="微软雅黑" panose="020B0503020204020204" pitchFamily="34" charset="-122"/>
-              </a:rPr>
-              <a:t>学生按时上课  </a:t>
-            </a:r>
-            <a:endParaRPr lang="en-US" altLang="zh-CN" dirty="0">
-              <a:solidFill>
-                <a:srgbClr val="161616"/>
-              </a:solidFill>
-              <a:latin typeface="微软雅黑" panose="020B0503020204020204" pitchFamily="34" charset="-122"/>
-              <a:ea typeface="微软雅黑" panose="020B0503020204020204" pitchFamily="34" charset="-122"/>
-              <a:cs typeface="微软雅黑" panose="020B0503020204020204" pitchFamily="34" charset="-122"/>
-            </a:endParaRPr>
-          </a:p>
-          <a:p>
-            <a:pPr lvl="1" fontAlgn="auto">
-              <a:lnSpc>
-                <a:spcPct val="100000"/>
-              </a:lnSpc>
-            </a:pPr>
-            <a:r>
-              <a:rPr lang="zh-CN" altLang="en-US" dirty="0">
-                <a:solidFill>
-                  <a:srgbClr val="161616"/>
-                </a:solidFill>
-                <a:latin typeface="微软雅黑" panose="020B0503020204020204" pitchFamily="34" charset="-122"/>
-                <a:ea typeface="微软雅黑" panose="020B0503020204020204" pitchFamily="34" charset="-122"/>
-                <a:cs typeface="微软雅黑" panose="020B0503020204020204" pitchFamily="34" charset="-122"/>
-              </a:rPr>
-              <a:t>缺课</a:t>
-            </a:r>
-            <a:r>
-              <a:rPr lang="en-US" altLang="zh-CN" dirty="0">
-                <a:solidFill>
-                  <a:srgbClr val="161616"/>
-                </a:solidFill>
-                <a:latin typeface="微软雅黑" panose="020B0503020204020204" pitchFamily="34" charset="-122"/>
-                <a:ea typeface="微软雅黑" panose="020B0503020204020204" pitchFamily="34" charset="-122"/>
-                <a:cs typeface="微软雅黑" panose="020B0503020204020204" pitchFamily="34" charset="-122"/>
-              </a:rPr>
-              <a:t>5</a:t>
-            </a:r>
-            <a:r>
-              <a:rPr lang="zh-CN" altLang="en-US" dirty="0">
-                <a:solidFill>
-                  <a:srgbClr val="161616"/>
-                </a:solidFill>
-                <a:latin typeface="微软雅黑" panose="020B0503020204020204" pitchFamily="34" charset="-122"/>
-                <a:ea typeface="微软雅黑" panose="020B0503020204020204" pitchFamily="34" charset="-122"/>
-                <a:cs typeface="微软雅黑" panose="020B0503020204020204" pitchFamily="34" charset="-122"/>
-              </a:rPr>
-              <a:t>次的学生，将取消参加期末考试的资格</a:t>
-            </a:r>
-            <a:endParaRPr lang="zh-CN" altLang="en-US" dirty="0">
-              <a:solidFill>
-                <a:srgbClr val="161616"/>
-              </a:solidFill>
-              <a:latin typeface="微软雅黑" panose="020B0503020204020204" pitchFamily="34" charset="-122"/>
-              <a:ea typeface="微软雅黑" panose="020B0503020204020204" pitchFamily="34" charset="-122"/>
-              <a:cs typeface="微软雅黑" panose="020B0503020204020204" pitchFamily="34" charset="-122"/>
             </a:endParaRPr>
           </a:p>
         </p:txBody>
@@ -25128,10 +25470,14 @@
   </p:clrMapOvr>
   <mc:AlternateContent xmlns:mc="http://schemas.openxmlformats.org/markup-compatibility/2006">
     <mc:Choice xmlns:p14="http://schemas.microsoft.com/office/powerpoint/2010/main" Requires="p14">
-      <p:transition p14:dur="0" advClick="false" advTm="0"/>
+      <p:transition spd="med" p14:dur="699">
+        <p:cut/>
+      </p:transition>
     </mc:Choice>
     <mc:Fallback>
-      <p:transition advClick="false" advTm="0"/>
+      <p:transition spd="med">
+        <p:cut/>
+      </p:transition>
     </mc:Fallback>
   </mc:AlternateContent>
 </p:sld>
@@ -25715,7 +26061,7 @@
           <p:spPr>
             <a:xfrm>
               <a:off x="850" y="1545"/>
-              <a:ext cx="6593" cy="720"/>
+              <a:ext cx="2784" cy="725"/>
             </a:xfrm>
             <a:prstGeom prst="rect">
               <a:avLst/>
@@ -25829,7 +26175,7 @@
                   <a:ea typeface="微软雅黑" panose="020B0503020204020204" pitchFamily="34" charset="-122"/>
                   <a:cs typeface="微软雅黑" panose="020B0503020204020204" pitchFamily="34" charset="-122"/>
                 </a:rPr>
-                <a:t>1.</a:t>
+                <a:t>1. </a:t>
               </a:r>
               <a:r>
                 <a:rPr lang="zh-CN" altLang="en-US" sz="2400" b="1" dirty="0">
@@ -25840,18 +26186,7 @@
                   <a:ea typeface="微软雅黑" panose="020B0503020204020204" pitchFamily="34" charset="-122"/>
                   <a:cs typeface="微软雅黑" panose="020B0503020204020204" pitchFamily="34" charset="-122"/>
                 </a:rPr>
-                <a:t>自由分组</a:t>
-              </a:r>
-              <a:r>
-                <a:rPr lang="en-US" altLang="zh-CN" sz="2400" b="1" dirty="0">
-                  <a:solidFill>
-                    <a:srgbClr val="000000"/>
-                  </a:solidFill>
-                  <a:latin typeface="微软雅黑" panose="020B0503020204020204" pitchFamily="34" charset="-122"/>
-                  <a:ea typeface="微软雅黑" panose="020B0503020204020204" pitchFamily="34" charset="-122"/>
-                  <a:cs typeface="微软雅黑" panose="020B0503020204020204" pitchFamily="34" charset="-122"/>
-                </a:rPr>
-                <a:t>(</a:t>
+                <a:t>随机</a:t>
               </a:r>
               <a:r>
                 <a:rPr lang="zh-CN" altLang="en-US" sz="2400" b="1" dirty="0">
@@ -25862,40 +26197,7 @@
                   <a:ea typeface="微软雅黑" panose="020B0503020204020204" pitchFamily="34" charset="-122"/>
                   <a:cs typeface="微软雅黑" panose="020B0503020204020204" pitchFamily="34" charset="-122"/>
                 </a:rPr>
-                <a:t>每组人数</a:t>
-              </a:r>
-              <a:r>
-                <a:rPr lang="en-US" altLang="zh-CN" sz="2400" b="1" dirty="0">
-                  <a:solidFill>
-                    <a:srgbClr val="000000"/>
-                  </a:solidFill>
-                  <a:latin typeface="微软雅黑" panose="020B0503020204020204" pitchFamily="34" charset="-122"/>
-                  <a:ea typeface="微软雅黑" panose="020B0503020204020204" pitchFamily="34" charset="-122"/>
-                  <a:cs typeface="微软雅黑" panose="020B0503020204020204" pitchFamily="34" charset="-122"/>
-                </a:rPr>
-                <a:t>5</a:t>
-              </a:r>
-              <a:r>
-                <a:rPr lang="zh-CN" altLang="en-US" sz="2400" b="1" dirty="0">
-                  <a:solidFill>
-                    <a:srgbClr val="000000"/>
-                  </a:solidFill>
-                  <a:latin typeface="微软雅黑" panose="020B0503020204020204" pitchFamily="34" charset="-122"/>
-                  <a:ea typeface="微软雅黑" panose="020B0503020204020204" pitchFamily="34" charset="-122"/>
-                  <a:cs typeface="微软雅黑" panose="020B0503020204020204" pitchFamily="34" charset="-122"/>
-                </a:rPr>
-                <a:t>人以内</a:t>
-              </a:r>
-              <a:r>
-                <a:rPr lang="en-US" altLang="zh-CN" sz="2400" b="1" dirty="0">
-                  <a:solidFill>
-                    <a:srgbClr val="000000"/>
-                  </a:solidFill>
-                  <a:latin typeface="微软雅黑" panose="020B0503020204020204" pitchFamily="34" charset="-122"/>
-                  <a:ea typeface="微软雅黑" panose="020B0503020204020204" pitchFamily="34" charset="-122"/>
-                  <a:cs typeface="微软雅黑" panose="020B0503020204020204" pitchFamily="34" charset="-122"/>
-                </a:rPr>
-                <a:t>)</a:t>
+                <a:t>分组</a:t>
               </a:r>
               <a:endParaRPr lang="en-US" altLang="zh-CN" sz="2400" b="1" dirty="0">
                 <a:solidFill>
@@ -25917,7 +26219,7 @@
           <p:spPr>
             <a:xfrm>
               <a:off x="850" y="2429"/>
-              <a:ext cx="11518" cy="720"/>
+              <a:ext cx="11240" cy="725"/>
             </a:xfrm>
             <a:prstGeom prst="rect">
               <a:avLst/>
@@ -26031,7 +26333,7 @@
                   <a:ea typeface="微软雅黑" panose="020B0503020204020204" pitchFamily="34" charset="-122"/>
                   <a:cs typeface="微软雅黑" panose="020B0503020204020204" pitchFamily="34" charset="-122"/>
                 </a:rPr>
-                <a:t>2.</a:t>
+                <a:t>2. </a:t>
               </a:r>
               <a:r>
                 <a:rPr lang="zh-CN" altLang="en-US" sz="2400" b="1" dirty="0">
@@ -26064,7 +26366,7 @@
                   <a:ea typeface="微软雅黑" panose="020B0503020204020204" pitchFamily="34" charset="-122"/>
                   <a:cs typeface="微软雅黑" panose="020B0503020204020204" pitchFamily="34" charset="-122"/>
                 </a:rPr>
-                <a:t>篇。</a:t>
+                <a:t>篇</a:t>
               </a:r>
               <a:endParaRPr lang="zh-CN" altLang="en-US" sz="2400" b="1" dirty="0">
                 <a:solidFill>
@@ -26086,7 +26388,7 @@
           <p:spPr>
             <a:xfrm>
               <a:off x="850" y="3364"/>
-              <a:ext cx="12360" cy="2215"/>
+              <a:ext cx="12360" cy="2237"/>
             </a:xfrm>
             <a:prstGeom prst="rect">
               <a:avLst/>
@@ -26203,7 +26505,7 @@
                   <a:ea typeface="微软雅黑" panose="020B0503020204020204" pitchFamily="34" charset="-122"/>
                   <a:cs typeface="微软雅黑" panose="020B0503020204020204" pitchFamily="34" charset="-122"/>
                 </a:rPr>
-                <a:t>3.</a:t>
+                <a:t>3. </a:t>
               </a:r>
               <a:r>
                 <a:rPr lang="zh-CN" altLang="en-US" sz="2400" b="1" dirty="0">
@@ -26302,7 +26604,351 @@
           <p:spPr>
             <a:xfrm>
               <a:off x="850" y="5701"/>
-              <a:ext cx="9218" cy="835"/>
+              <a:ext cx="11659" cy="841"/>
+            </a:xfrm>
+            <a:prstGeom prst="rect">
+              <a:avLst/>
+            </a:prstGeom>
+            <a:noFill/>
+            <a:ln w="9525">
+              <a:noFill/>
+            </a:ln>
+          </p:spPr>
+          <p:txBody>
+            <a:bodyPr wrap="square">
+              <a:spAutoFit/>
+            </a:bodyPr>
+            <a:lstStyle>
+              <a:lvl1pPr marL="342900" indent="-342900" algn="l" rtl="0" eaLnBrk="0" fontAlgn="base" hangingPunct="0">
+                <a:spcBef>
+                  <a:spcPct val="20000"/>
+                </a:spcBef>
+                <a:spcAft>
+                  <a:spcPct val="0"/>
+                </a:spcAft>
+                <a:buChar char="•"/>
+                <a:defRPr sz="3200">
+                  <a:solidFill>
+                    <a:schemeClr val="tx1"/>
+                  </a:solidFill>
+                  <a:latin typeface="+mn-lt"/>
+                  <a:ea typeface="+mn-ea"/>
+                  <a:cs typeface="+mn-cs"/>
+                </a:defRPr>
+              </a:lvl1pPr>
+              <a:lvl2pPr marL="742950" indent="-285750" algn="l" rtl="0" eaLnBrk="0" fontAlgn="base" hangingPunct="0">
+                <a:spcBef>
+                  <a:spcPct val="20000"/>
+                </a:spcBef>
+                <a:spcAft>
+                  <a:spcPct val="0"/>
+                </a:spcAft>
+                <a:buChar char="–"/>
+                <a:defRPr sz="2800">
+                  <a:solidFill>
+                    <a:schemeClr val="tx1"/>
+                  </a:solidFill>
+                  <a:latin typeface="+mn-lt"/>
+                  <a:ea typeface="+mn-ea"/>
+                </a:defRPr>
+              </a:lvl2pPr>
+              <a:lvl3pPr marL="1143000" indent="-228600" algn="l" rtl="0" eaLnBrk="0" fontAlgn="base" hangingPunct="0">
+                <a:spcBef>
+                  <a:spcPct val="20000"/>
+                </a:spcBef>
+                <a:spcAft>
+                  <a:spcPct val="0"/>
+                </a:spcAft>
+                <a:buChar char="•"/>
+                <a:defRPr sz="2400">
+                  <a:solidFill>
+                    <a:schemeClr val="tx1"/>
+                  </a:solidFill>
+                  <a:latin typeface="+mn-lt"/>
+                  <a:ea typeface="+mn-ea"/>
+                </a:defRPr>
+              </a:lvl3pPr>
+              <a:lvl4pPr marL="1600200" indent="-228600" algn="l" rtl="0" eaLnBrk="0" fontAlgn="base" hangingPunct="0">
+                <a:spcBef>
+                  <a:spcPct val="20000"/>
+                </a:spcBef>
+                <a:spcAft>
+                  <a:spcPct val="0"/>
+                </a:spcAft>
+                <a:buChar char="–"/>
+                <a:defRPr sz="2000">
+                  <a:solidFill>
+                    <a:schemeClr val="tx1"/>
+                  </a:solidFill>
+                  <a:latin typeface="+mn-lt"/>
+                  <a:ea typeface="+mn-ea"/>
+                </a:defRPr>
+              </a:lvl4pPr>
+              <a:lvl5pPr marL="2057400" indent="-228600" algn="l" rtl="0" eaLnBrk="0" fontAlgn="base" hangingPunct="0">
+                <a:spcBef>
+                  <a:spcPct val="20000"/>
+                </a:spcBef>
+                <a:spcAft>
+                  <a:spcPct val="0"/>
+                </a:spcAft>
+                <a:buChar char="»"/>
+                <a:defRPr sz="2000">
+                  <a:solidFill>
+                    <a:schemeClr val="tx1"/>
+                  </a:solidFill>
+                  <a:latin typeface="+mn-lt"/>
+                  <a:ea typeface="+mn-ea"/>
+                </a:defRPr>
+              </a:lvl5pPr>
+            </a:lstStyle>
+            <a:p>
+              <a:pPr marL="0" lvl="0" indent="0" eaLnBrk="1" hangingPunct="1">
+                <a:lnSpc>
+                  <a:spcPct val="120000"/>
+                </a:lnSpc>
+                <a:buClr>
+                  <a:srgbClr val="FF3300"/>
+                </a:buClr>
+                <a:buFont typeface="Wingdings" panose="05000000000000000000" pitchFamily="2" charset="2"/>
+                <a:buNone/>
+              </a:pPr>
+              <a:r>
+                <a:rPr lang="en-US" altLang="zh-CN" sz="2400" b="1" dirty="0">
+                  <a:solidFill>
+                    <a:srgbClr val="000000"/>
+                  </a:solidFill>
+                  <a:latin typeface="微软雅黑" panose="020B0503020204020204" pitchFamily="34" charset="-122"/>
+                  <a:ea typeface="微软雅黑" panose="020B0503020204020204" pitchFamily="34" charset="-122"/>
+                  <a:cs typeface="微软雅黑" panose="020B0503020204020204" pitchFamily="34" charset="-122"/>
+                </a:rPr>
+                <a:t>4. </a:t>
+              </a:r>
+              <a:r>
+                <a:rPr lang="zh-CN" altLang="en-US" sz="2400" b="1" dirty="0">
+                  <a:solidFill>
+                    <a:srgbClr val="000000"/>
+                  </a:solidFill>
+                  <a:latin typeface="微软雅黑" panose="020B0503020204020204" pitchFamily="34" charset="-122"/>
+                  <a:ea typeface="微软雅黑" panose="020B0503020204020204" pitchFamily="34" charset="-122"/>
+                  <a:cs typeface="微软雅黑" panose="020B0503020204020204" pitchFamily="34" charset="-122"/>
+                </a:rPr>
+                <a:t>考试时同步提交</a:t>
+              </a:r>
+              <a:r>
+                <a:rPr lang="en-US" altLang="zh-CN" sz="2400" b="1" dirty="0">
+                  <a:solidFill>
+                    <a:srgbClr val="000000"/>
+                  </a:solidFill>
+                  <a:latin typeface="微软雅黑" panose="020B0503020204020204" pitchFamily="34" charset="-122"/>
+                  <a:ea typeface="微软雅黑" panose="020B0503020204020204" pitchFamily="34" charset="-122"/>
+                  <a:cs typeface="微软雅黑" panose="020B0503020204020204" pitchFamily="34" charset="-122"/>
+                </a:rPr>
+                <a:t>word</a:t>
+              </a:r>
+              <a:r>
+                <a:rPr lang="zh-CN" altLang="en-US" sz="2400" b="1" dirty="0">
+                  <a:solidFill>
+                    <a:srgbClr val="000000"/>
+                  </a:solidFill>
+                  <a:latin typeface="微软雅黑" panose="020B0503020204020204" pitchFamily="34" charset="-122"/>
+                  <a:ea typeface="微软雅黑" panose="020B0503020204020204" pitchFamily="34" charset="-122"/>
+                  <a:cs typeface="微软雅黑" panose="020B0503020204020204" pitchFamily="34" charset="-122"/>
+                </a:rPr>
+                <a:t>和</a:t>
+              </a:r>
+              <a:r>
+                <a:rPr lang="en-US" altLang="zh-CN" sz="2400" b="1" dirty="0">
+                  <a:solidFill>
+                    <a:srgbClr val="000000"/>
+                  </a:solidFill>
+                  <a:latin typeface="微软雅黑" panose="020B0503020204020204" pitchFamily="34" charset="-122"/>
+                  <a:ea typeface="微软雅黑" panose="020B0503020204020204" pitchFamily="34" charset="-122"/>
+                  <a:cs typeface="微软雅黑" panose="020B0503020204020204" pitchFamily="34" charset="-122"/>
+                </a:rPr>
+                <a:t>ppt</a:t>
+              </a:r>
+              <a:r>
+                <a:rPr lang="zh-CN" altLang="en-US" sz="2400" b="1" dirty="0">
+                  <a:solidFill>
+                    <a:srgbClr val="000000"/>
+                  </a:solidFill>
+                  <a:latin typeface="微软雅黑" panose="020B0503020204020204" pitchFamily="34" charset="-122"/>
+                  <a:ea typeface="微软雅黑" panose="020B0503020204020204" pitchFamily="34" charset="-122"/>
+                  <a:cs typeface="微软雅黑" panose="020B0503020204020204" pitchFamily="34" charset="-122"/>
+                </a:rPr>
+                <a:t>文档（明确说明分工）</a:t>
+              </a:r>
+              <a:endParaRPr lang="zh-CN" altLang="en-US" sz="2400" b="1" dirty="0">
+                <a:solidFill>
+                  <a:srgbClr val="000000"/>
+                </a:solidFill>
+                <a:latin typeface="微软雅黑" panose="020B0503020204020204" pitchFamily="34" charset="-122"/>
+                <a:ea typeface="微软雅黑" panose="020B0503020204020204" pitchFamily="34" charset="-122"/>
+                <a:cs typeface="微软雅黑" panose="020B0503020204020204" pitchFamily="34" charset="-122"/>
+              </a:endParaRPr>
+            </a:p>
+          </p:txBody>
+        </p:sp>
+        <p:sp>
+          <p:nvSpPr>
+            <p:cNvPr id="17419" name="Text Box 28"/>
+            <p:cNvSpPr txBox="true"/>
+            <p:nvPr/>
+          </p:nvSpPr>
+          <p:spPr>
+            <a:xfrm>
+              <a:off x="850" y="6688"/>
+              <a:ext cx="11518" cy="841"/>
+            </a:xfrm>
+            <a:prstGeom prst="rect">
+              <a:avLst/>
+            </a:prstGeom>
+            <a:noFill/>
+            <a:ln w="9525">
+              <a:noFill/>
+            </a:ln>
+          </p:spPr>
+          <p:txBody>
+            <a:bodyPr wrap="square">
+              <a:spAutoFit/>
+            </a:bodyPr>
+            <a:lstStyle>
+              <a:lvl1pPr marL="342900" indent="-342900" algn="l" rtl="0" eaLnBrk="0" fontAlgn="base" hangingPunct="0">
+                <a:spcBef>
+                  <a:spcPct val="20000"/>
+                </a:spcBef>
+                <a:spcAft>
+                  <a:spcPct val="0"/>
+                </a:spcAft>
+                <a:buChar char="•"/>
+                <a:defRPr sz="3200">
+                  <a:solidFill>
+                    <a:schemeClr val="tx1"/>
+                  </a:solidFill>
+                  <a:latin typeface="+mn-lt"/>
+                  <a:ea typeface="+mn-ea"/>
+                  <a:cs typeface="+mn-cs"/>
+                </a:defRPr>
+              </a:lvl1pPr>
+              <a:lvl2pPr marL="742950" indent="-285750" algn="l" rtl="0" eaLnBrk="0" fontAlgn="base" hangingPunct="0">
+                <a:spcBef>
+                  <a:spcPct val="20000"/>
+                </a:spcBef>
+                <a:spcAft>
+                  <a:spcPct val="0"/>
+                </a:spcAft>
+                <a:buChar char="–"/>
+                <a:defRPr sz="2800">
+                  <a:solidFill>
+                    <a:schemeClr val="tx1"/>
+                  </a:solidFill>
+                  <a:latin typeface="+mn-lt"/>
+                  <a:ea typeface="+mn-ea"/>
+                </a:defRPr>
+              </a:lvl2pPr>
+              <a:lvl3pPr marL="1143000" indent="-228600" algn="l" rtl="0" eaLnBrk="0" fontAlgn="base" hangingPunct="0">
+                <a:spcBef>
+                  <a:spcPct val="20000"/>
+                </a:spcBef>
+                <a:spcAft>
+                  <a:spcPct val="0"/>
+                </a:spcAft>
+                <a:buChar char="•"/>
+                <a:defRPr sz="2400">
+                  <a:solidFill>
+                    <a:schemeClr val="tx1"/>
+                  </a:solidFill>
+                  <a:latin typeface="+mn-lt"/>
+                  <a:ea typeface="+mn-ea"/>
+                </a:defRPr>
+              </a:lvl3pPr>
+              <a:lvl4pPr marL="1600200" indent="-228600" algn="l" rtl="0" eaLnBrk="0" fontAlgn="base" hangingPunct="0">
+                <a:spcBef>
+                  <a:spcPct val="20000"/>
+                </a:spcBef>
+                <a:spcAft>
+                  <a:spcPct val="0"/>
+                </a:spcAft>
+                <a:buChar char="–"/>
+                <a:defRPr sz="2000">
+                  <a:solidFill>
+                    <a:schemeClr val="tx1"/>
+                  </a:solidFill>
+                  <a:latin typeface="+mn-lt"/>
+                  <a:ea typeface="+mn-ea"/>
+                </a:defRPr>
+              </a:lvl4pPr>
+              <a:lvl5pPr marL="2057400" indent="-228600" algn="l" rtl="0" eaLnBrk="0" fontAlgn="base" hangingPunct="0">
+                <a:spcBef>
+                  <a:spcPct val="20000"/>
+                </a:spcBef>
+                <a:spcAft>
+                  <a:spcPct val="0"/>
+                </a:spcAft>
+                <a:buChar char="»"/>
+                <a:defRPr sz="2000">
+                  <a:solidFill>
+                    <a:schemeClr val="tx1"/>
+                  </a:solidFill>
+                  <a:latin typeface="+mn-lt"/>
+                  <a:ea typeface="+mn-ea"/>
+                </a:defRPr>
+              </a:lvl5pPr>
+            </a:lstStyle>
+            <a:p>
+              <a:pPr marL="0" lvl="0" indent="0" eaLnBrk="1" hangingPunct="1">
+                <a:lnSpc>
+                  <a:spcPct val="120000"/>
+                </a:lnSpc>
+                <a:buClr>
+                  <a:srgbClr val="FF3300"/>
+                </a:buClr>
+                <a:buFont typeface="Wingdings" panose="05000000000000000000" pitchFamily="2" charset="2"/>
+                <a:buNone/>
+              </a:pPr>
+              <a:r>
+                <a:rPr lang="en-US" altLang="zh-CN" sz="2400" b="1" dirty="0">
+                  <a:solidFill>
+                    <a:srgbClr val="000000"/>
+                  </a:solidFill>
+                  <a:latin typeface="微软雅黑" panose="020B0503020204020204" pitchFamily="34" charset="-122"/>
+                  <a:ea typeface="微软雅黑" panose="020B0503020204020204" pitchFamily="34" charset="-122"/>
+                  <a:cs typeface="微软雅黑" panose="020B0503020204020204" pitchFamily="34" charset="-122"/>
+                </a:rPr>
+                <a:t>5. </a:t>
+              </a:r>
+              <a:r>
+                <a:rPr lang="zh-CN" altLang="en-US" sz="2400" b="1" dirty="0">
+                  <a:solidFill>
+                    <a:srgbClr val="000000"/>
+                  </a:solidFill>
+                  <a:latin typeface="微软雅黑" panose="020B0503020204020204" pitchFamily="34" charset="-122"/>
+                  <a:ea typeface="微软雅黑" panose="020B0503020204020204" pitchFamily="34" charset="-122"/>
+                  <a:cs typeface="微软雅黑" panose="020B0503020204020204" pitchFamily="34" charset="-122"/>
+                </a:rPr>
+                <a:t>课程结束时或学期中集中安排论文汇报</a:t>
+              </a:r>
+              <a:endParaRPr lang="zh-CN" altLang="en-US" sz="2400" b="1" dirty="0">
+                <a:solidFill>
+                  <a:srgbClr val="000000"/>
+                </a:solidFill>
+                <a:latin typeface="微软雅黑" panose="020B0503020204020204" pitchFamily="34" charset="-122"/>
+                <a:ea typeface="微软雅黑" panose="020B0503020204020204" pitchFamily="34" charset="-122"/>
+                <a:cs typeface="微软雅黑" panose="020B0503020204020204" pitchFamily="34" charset="-122"/>
+              </a:endParaRPr>
+            </a:p>
+          </p:txBody>
+        </p:sp>
+        <p:sp>
+          <p:nvSpPr>
+            <p:cNvPr id="17420" name="Text Box 28"/>
+            <p:cNvSpPr txBox="true"/>
+            <p:nvPr/>
+          </p:nvSpPr>
+          <p:spPr>
+            <a:xfrm>
+              <a:off x="850" y="7659"/>
+              <a:ext cx="12025" cy="841"/>
             </a:xfrm>
             <a:prstGeom prst="rect">
               <a:avLst/>
@@ -26419,7 +27065,7 @@
                   <a:ea typeface="微软雅黑" panose="020B0503020204020204" pitchFamily="34" charset="-122"/>
                   <a:cs typeface="微软雅黑" panose="020B0503020204020204" pitchFamily="34" charset="-122"/>
                 </a:rPr>
-                <a:t>4.</a:t>
+                <a:t>6. </a:t>
               </a:r>
               <a:r>
                 <a:rPr lang="zh-CN" altLang="en-US" sz="2400" b="1" dirty="0">
@@ -26430,7 +27076,7 @@
                   <a:ea typeface="微软雅黑" panose="020B0503020204020204" pitchFamily="34" charset="-122"/>
                   <a:cs typeface="微软雅黑" panose="020B0503020204020204" pitchFamily="34" charset="-122"/>
                 </a:rPr>
-                <a:t>考试时同步提交</a:t>
+                <a:t>每组派</a:t>
               </a:r>
               <a:r>
                 <a:rPr lang="en-US" altLang="zh-CN" sz="2400" b="1" dirty="0">
@@ -26441,7 +27087,7 @@
                   <a:ea typeface="微软雅黑" panose="020B0503020204020204" pitchFamily="34" charset="-122"/>
                   <a:cs typeface="微软雅黑" panose="020B0503020204020204" pitchFamily="34" charset="-122"/>
                 </a:rPr>
-                <a:t>word</a:t>
+                <a:t>1</a:t>
               </a:r>
               <a:r>
                 <a:rPr lang="zh-CN" altLang="en-US" sz="2400" b="1" dirty="0">
@@ -26452,29 +27098,7 @@
                   <a:ea typeface="微软雅黑" panose="020B0503020204020204" pitchFamily="34" charset="-122"/>
                   <a:cs typeface="微软雅黑" panose="020B0503020204020204" pitchFamily="34" charset="-122"/>
                 </a:rPr>
-                <a:t>和</a:t>
-              </a:r>
-              <a:r>
-                <a:rPr lang="en-US" altLang="zh-CN" sz="2400" b="1" dirty="0">
-                  <a:solidFill>
-                    <a:srgbClr val="000000"/>
-                  </a:solidFill>
-                  <a:latin typeface="微软雅黑" panose="020B0503020204020204" pitchFamily="34" charset="-122"/>
-                  <a:ea typeface="微软雅黑" panose="020B0503020204020204" pitchFamily="34" charset="-122"/>
-                  <a:cs typeface="微软雅黑" panose="020B0503020204020204" pitchFamily="34" charset="-122"/>
-                </a:rPr>
-                <a:t>ppt</a:t>
-              </a:r>
-              <a:r>
-                <a:rPr lang="zh-CN" altLang="en-US" sz="2400" b="1" dirty="0">
-                  <a:solidFill>
-                    <a:srgbClr val="000000"/>
-                  </a:solidFill>
-                  <a:latin typeface="微软雅黑" panose="020B0503020204020204" pitchFamily="34" charset="-122"/>
-                  <a:ea typeface="微软雅黑" panose="020B0503020204020204" pitchFamily="34" charset="-122"/>
-                  <a:cs typeface="微软雅黑" panose="020B0503020204020204" pitchFamily="34" charset="-122"/>
-                </a:rPr>
-                <a:t>文档。</a:t>
+                <a:t>名代表作主题发言，其他成员可作补充</a:t>
               </a:r>
               <a:endParaRPr lang="zh-CN" altLang="en-US" sz="2400" b="1" dirty="0">
                 <a:solidFill>
@@ -26489,14 +27113,14 @@
         </p:sp>
         <p:sp>
           <p:nvSpPr>
-            <p:cNvPr id="17419" name="Text Box 28"/>
+            <p:cNvPr id="17421" name="Text Box 28"/>
             <p:cNvSpPr txBox="true"/>
             <p:nvPr/>
           </p:nvSpPr>
           <p:spPr>
             <a:xfrm>
-              <a:off x="850" y="6688"/>
-              <a:ext cx="8930" cy="835"/>
+              <a:off x="850" y="8631"/>
+              <a:ext cx="12530" cy="841"/>
             </a:xfrm>
             <a:prstGeom prst="rect">
               <a:avLst/>
@@ -26613,7 +27237,7 @@
                   <a:ea typeface="微软雅黑" panose="020B0503020204020204" pitchFamily="34" charset="-122"/>
                   <a:cs typeface="微软雅黑" panose="020B0503020204020204" pitchFamily="34" charset="-122"/>
                 </a:rPr>
-                <a:t>5.</a:t>
+                <a:t>7. </a:t>
               </a:r>
               <a:r>
                 <a:rPr lang="zh-CN" altLang="en-US" sz="2400" b="1" dirty="0">
@@ -26624,329 +27248,7 @@
                   <a:ea typeface="微软雅黑" panose="020B0503020204020204" pitchFamily="34" charset="-122"/>
                   <a:cs typeface="微软雅黑" panose="020B0503020204020204" pitchFamily="34" charset="-122"/>
                 </a:rPr>
-                <a:t>课程结束时集中安排论文报告和讨论。</a:t>
-              </a:r>
-              <a:endParaRPr lang="zh-CN" altLang="en-US" sz="2400" b="1" dirty="0">
-                <a:solidFill>
-                  <a:srgbClr val="000000"/>
-                </a:solidFill>
-                <a:latin typeface="微软雅黑" panose="020B0503020204020204" pitchFamily="34" charset="-122"/>
-                <a:ea typeface="微软雅黑" panose="020B0503020204020204" pitchFamily="34" charset="-122"/>
-                <a:cs typeface="微软雅黑" panose="020B0503020204020204" pitchFamily="34" charset="-122"/>
-              </a:endParaRPr>
-            </a:p>
-          </p:txBody>
-        </p:sp>
-        <p:sp>
-          <p:nvSpPr>
-            <p:cNvPr id="17420" name="Text Box 28"/>
-            <p:cNvSpPr txBox="true"/>
-            <p:nvPr/>
-          </p:nvSpPr>
-          <p:spPr>
-            <a:xfrm>
-              <a:off x="850" y="7659"/>
-              <a:ext cx="12025" cy="835"/>
-            </a:xfrm>
-            <a:prstGeom prst="rect">
-              <a:avLst/>
-            </a:prstGeom>
-            <a:noFill/>
-            <a:ln w="9525">
-              <a:noFill/>
-            </a:ln>
-          </p:spPr>
-          <p:txBody>
-            <a:bodyPr>
-              <a:spAutoFit/>
-            </a:bodyPr>
-            <a:lstStyle>
-              <a:lvl1pPr marL="342900" indent="-342900" algn="l" rtl="0" eaLnBrk="0" fontAlgn="base" hangingPunct="0">
-                <a:spcBef>
-                  <a:spcPct val="20000"/>
-                </a:spcBef>
-                <a:spcAft>
-                  <a:spcPct val="0"/>
-                </a:spcAft>
-                <a:buChar char="•"/>
-                <a:defRPr sz="3200">
-                  <a:solidFill>
-                    <a:schemeClr val="tx1"/>
-                  </a:solidFill>
-                  <a:latin typeface="+mn-lt"/>
-                  <a:ea typeface="+mn-ea"/>
-                  <a:cs typeface="+mn-cs"/>
-                </a:defRPr>
-              </a:lvl1pPr>
-              <a:lvl2pPr marL="742950" indent="-285750" algn="l" rtl="0" eaLnBrk="0" fontAlgn="base" hangingPunct="0">
-                <a:spcBef>
-                  <a:spcPct val="20000"/>
-                </a:spcBef>
-                <a:spcAft>
-                  <a:spcPct val="0"/>
-                </a:spcAft>
-                <a:buChar char="–"/>
-                <a:defRPr sz="2800">
-                  <a:solidFill>
-                    <a:schemeClr val="tx1"/>
-                  </a:solidFill>
-                  <a:latin typeface="+mn-lt"/>
-                  <a:ea typeface="+mn-ea"/>
-                </a:defRPr>
-              </a:lvl2pPr>
-              <a:lvl3pPr marL="1143000" indent="-228600" algn="l" rtl="0" eaLnBrk="0" fontAlgn="base" hangingPunct="0">
-                <a:spcBef>
-                  <a:spcPct val="20000"/>
-                </a:spcBef>
-                <a:spcAft>
-                  <a:spcPct val="0"/>
-                </a:spcAft>
-                <a:buChar char="•"/>
-                <a:defRPr sz="2400">
-                  <a:solidFill>
-                    <a:schemeClr val="tx1"/>
-                  </a:solidFill>
-                  <a:latin typeface="+mn-lt"/>
-                  <a:ea typeface="+mn-ea"/>
-                </a:defRPr>
-              </a:lvl3pPr>
-              <a:lvl4pPr marL="1600200" indent="-228600" algn="l" rtl="0" eaLnBrk="0" fontAlgn="base" hangingPunct="0">
-                <a:spcBef>
-                  <a:spcPct val="20000"/>
-                </a:spcBef>
-                <a:spcAft>
-                  <a:spcPct val="0"/>
-                </a:spcAft>
-                <a:buChar char="–"/>
-                <a:defRPr sz="2000">
-                  <a:solidFill>
-                    <a:schemeClr val="tx1"/>
-                  </a:solidFill>
-                  <a:latin typeface="+mn-lt"/>
-                  <a:ea typeface="+mn-ea"/>
-                </a:defRPr>
-              </a:lvl4pPr>
-              <a:lvl5pPr marL="2057400" indent="-228600" algn="l" rtl="0" eaLnBrk="0" fontAlgn="base" hangingPunct="0">
-                <a:spcBef>
-                  <a:spcPct val="20000"/>
-                </a:spcBef>
-                <a:spcAft>
-                  <a:spcPct val="0"/>
-                </a:spcAft>
-                <a:buChar char="»"/>
-                <a:defRPr sz="2000">
-                  <a:solidFill>
-                    <a:schemeClr val="tx1"/>
-                  </a:solidFill>
-                  <a:latin typeface="+mn-lt"/>
-                  <a:ea typeface="+mn-ea"/>
-                </a:defRPr>
-              </a:lvl5pPr>
-            </a:lstStyle>
-            <a:p>
-              <a:pPr marL="0" lvl="0" indent="0" eaLnBrk="1" hangingPunct="1">
-                <a:lnSpc>
-                  <a:spcPct val="120000"/>
-                </a:lnSpc>
-                <a:buClr>
-                  <a:srgbClr val="FF3300"/>
-                </a:buClr>
-                <a:buFont typeface="Wingdings" panose="05000000000000000000" pitchFamily="2" charset="2"/>
-                <a:buNone/>
-              </a:pPr>
-              <a:r>
-                <a:rPr lang="en-US" altLang="zh-CN" sz="2400" b="1" dirty="0">
-                  <a:solidFill>
-                    <a:srgbClr val="000000"/>
-                  </a:solidFill>
-                  <a:latin typeface="微软雅黑" panose="020B0503020204020204" pitchFamily="34" charset="-122"/>
-                  <a:ea typeface="微软雅黑" panose="020B0503020204020204" pitchFamily="34" charset="-122"/>
-                  <a:cs typeface="微软雅黑" panose="020B0503020204020204" pitchFamily="34" charset="-122"/>
-                </a:rPr>
-                <a:t>6.</a:t>
-              </a:r>
-              <a:r>
-                <a:rPr lang="zh-CN" altLang="en-US" sz="2400" b="1" dirty="0">
-                  <a:solidFill>
-                    <a:srgbClr val="000000"/>
-                  </a:solidFill>
-                  <a:latin typeface="微软雅黑" panose="020B0503020204020204" pitchFamily="34" charset="-122"/>
-                  <a:ea typeface="微软雅黑" panose="020B0503020204020204" pitchFamily="34" charset="-122"/>
-                  <a:cs typeface="微软雅黑" panose="020B0503020204020204" pitchFamily="34" charset="-122"/>
-                </a:rPr>
-                <a:t>每组派</a:t>
-              </a:r>
-              <a:r>
-                <a:rPr lang="en-US" altLang="zh-CN" sz="2400" b="1" dirty="0">
-                  <a:solidFill>
-                    <a:srgbClr val="000000"/>
-                  </a:solidFill>
-                  <a:latin typeface="微软雅黑" panose="020B0503020204020204" pitchFamily="34" charset="-122"/>
-                  <a:ea typeface="微软雅黑" panose="020B0503020204020204" pitchFamily="34" charset="-122"/>
-                  <a:cs typeface="微软雅黑" panose="020B0503020204020204" pitchFamily="34" charset="-122"/>
-                </a:rPr>
-                <a:t>1</a:t>
-              </a:r>
-              <a:r>
-                <a:rPr lang="zh-CN" altLang="en-US" sz="2400" b="1" dirty="0">
-                  <a:solidFill>
-                    <a:srgbClr val="000000"/>
-                  </a:solidFill>
-                  <a:latin typeface="微软雅黑" panose="020B0503020204020204" pitchFamily="34" charset="-122"/>
-                  <a:ea typeface="微软雅黑" panose="020B0503020204020204" pitchFamily="34" charset="-122"/>
-                  <a:cs typeface="微软雅黑" panose="020B0503020204020204" pitchFamily="34" charset="-122"/>
-                </a:rPr>
-                <a:t>名代表作主题发言，其他成员可作补充。</a:t>
-              </a:r>
-              <a:endParaRPr lang="zh-CN" altLang="en-US" sz="2400" b="1" dirty="0">
-                <a:solidFill>
-                  <a:srgbClr val="000000"/>
-                </a:solidFill>
-                <a:latin typeface="微软雅黑" panose="020B0503020204020204" pitchFamily="34" charset="-122"/>
-                <a:ea typeface="微软雅黑" panose="020B0503020204020204" pitchFamily="34" charset="-122"/>
-                <a:cs typeface="微软雅黑" panose="020B0503020204020204" pitchFamily="34" charset="-122"/>
-              </a:endParaRPr>
-            </a:p>
-          </p:txBody>
-        </p:sp>
-        <p:sp>
-          <p:nvSpPr>
-            <p:cNvPr id="17421" name="Text Box 28"/>
-            <p:cNvSpPr txBox="true"/>
-            <p:nvPr/>
-          </p:nvSpPr>
-          <p:spPr>
-            <a:xfrm>
-              <a:off x="850" y="8631"/>
-              <a:ext cx="12530" cy="835"/>
-            </a:xfrm>
-            <a:prstGeom prst="rect">
-              <a:avLst/>
-            </a:prstGeom>
-            <a:noFill/>
-            <a:ln w="9525">
-              <a:noFill/>
-            </a:ln>
-          </p:spPr>
-          <p:txBody>
-            <a:bodyPr>
-              <a:spAutoFit/>
-            </a:bodyPr>
-            <a:lstStyle>
-              <a:lvl1pPr marL="342900" indent="-342900" algn="l" rtl="0" eaLnBrk="0" fontAlgn="base" hangingPunct="0">
-                <a:spcBef>
-                  <a:spcPct val="20000"/>
-                </a:spcBef>
-                <a:spcAft>
-                  <a:spcPct val="0"/>
-                </a:spcAft>
-                <a:buChar char="•"/>
-                <a:defRPr sz="3200">
-                  <a:solidFill>
-                    <a:schemeClr val="tx1"/>
-                  </a:solidFill>
-                  <a:latin typeface="+mn-lt"/>
-                  <a:ea typeface="+mn-ea"/>
-                  <a:cs typeface="+mn-cs"/>
-                </a:defRPr>
-              </a:lvl1pPr>
-              <a:lvl2pPr marL="742950" indent="-285750" algn="l" rtl="0" eaLnBrk="0" fontAlgn="base" hangingPunct="0">
-                <a:spcBef>
-                  <a:spcPct val="20000"/>
-                </a:spcBef>
-                <a:spcAft>
-                  <a:spcPct val="0"/>
-                </a:spcAft>
-                <a:buChar char="–"/>
-                <a:defRPr sz="2800">
-                  <a:solidFill>
-                    <a:schemeClr val="tx1"/>
-                  </a:solidFill>
-                  <a:latin typeface="+mn-lt"/>
-                  <a:ea typeface="+mn-ea"/>
-                </a:defRPr>
-              </a:lvl2pPr>
-              <a:lvl3pPr marL="1143000" indent="-228600" algn="l" rtl="0" eaLnBrk="0" fontAlgn="base" hangingPunct="0">
-                <a:spcBef>
-                  <a:spcPct val="20000"/>
-                </a:spcBef>
-                <a:spcAft>
-                  <a:spcPct val="0"/>
-                </a:spcAft>
-                <a:buChar char="•"/>
-                <a:defRPr sz="2400">
-                  <a:solidFill>
-                    <a:schemeClr val="tx1"/>
-                  </a:solidFill>
-                  <a:latin typeface="+mn-lt"/>
-                  <a:ea typeface="+mn-ea"/>
-                </a:defRPr>
-              </a:lvl3pPr>
-              <a:lvl4pPr marL="1600200" indent="-228600" algn="l" rtl="0" eaLnBrk="0" fontAlgn="base" hangingPunct="0">
-                <a:spcBef>
-                  <a:spcPct val="20000"/>
-                </a:spcBef>
-                <a:spcAft>
-                  <a:spcPct val="0"/>
-                </a:spcAft>
-                <a:buChar char="–"/>
-                <a:defRPr sz="2000">
-                  <a:solidFill>
-                    <a:schemeClr val="tx1"/>
-                  </a:solidFill>
-                  <a:latin typeface="+mn-lt"/>
-                  <a:ea typeface="+mn-ea"/>
-                </a:defRPr>
-              </a:lvl4pPr>
-              <a:lvl5pPr marL="2057400" indent="-228600" algn="l" rtl="0" eaLnBrk="0" fontAlgn="base" hangingPunct="0">
-                <a:spcBef>
-                  <a:spcPct val="20000"/>
-                </a:spcBef>
-                <a:spcAft>
-                  <a:spcPct val="0"/>
-                </a:spcAft>
-                <a:buChar char="»"/>
-                <a:defRPr sz="2000">
-                  <a:solidFill>
-                    <a:schemeClr val="tx1"/>
-                  </a:solidFill>
-                  <a:latin typeface="+mn-lt"/>
-                  <a:ea typeface="+mn-ea"/>
-                </a:defRPr>
-              </a:lvl5pPr>
-            </a:lstStyle>
-            <a:p>
-              <a:pPr marL="0" lvl="0" indent="0" eaLnBrk="1" hangingPunct="1">
-                <a:lnSpc>
-                  <a:spcPct val="120000"/>
-                </a:lnSpc>
-                <a:buClr>
-                  <a:srgbClr val="FF3300"/>
-                </a:buClr>
-                <a:buFont typeface="Wingdings" panose="05000000000000000000" pitchFamily="2" charset="2"/>
-                <a:buNone/>
-              </a:pPr>
-              <a:r>
-                <a:rPr lang="en-US" altLang="zh-CN" sz="2400" b="1" dirty="0">
-                  <a:solidFill>
-                    <a:srgbClr val="000000"/>
-                  </a:solidFill>
-                  <a:latin typeface="微软雅黑" panose="020B0503020204020204" pitchFamily="34" charset="-122"/>
-                  <a:ea typeface="微软雅黑" panose="020B0503020204020204" pitchFamily="34" charset="-122"/>
-                  <a:cs typeface="微软雅黑" panose="020B0503020204020204" pitchFamily="34" charset="-122"/>
-                </a:rPr>
-                <a:t>7.</a:t>
-              </a:r>
-              <a:r>
-                <a:rPr lang="zh-CN" altLang="en-US" sz="2400" b="1" dirty="0">
-                  <a:solidFill>
-                    <a:srgbClr val="000000"/>
-                  </a:solidFill>
-                  <a:latin typeface="微软雅黑" panose="020B0503020204020204" pitchFamily="34" charset="-122"/>
-                  <a:ea typeface="微软雅黑" panose="020B0503020204020204" pitchFamily="34" charset="-122"/>
-                  <a:cs typeface="微软雅黑" panose="020B0503020204020204" pitchFamily="34" charset="-122"/>
-                </a:rPr>
-                <a:t>综合每组研究水平和陈述表现确定报告成绩</a:t>
+                <a:t>综合每组研究水平和陈述表现确定小组每位成员的成绩</a:t>
               </a:r>
               <a:endParaRPr lang="zh-CN" altLang="en-US" sz="2400" b="1" dirty="0">
                 <a:solidFill>
@@ -27632,7 +27934,7 @@
         </p:nvSpPr>
         <p:spPr>
           <a:xfrm>
-            <a:off x="9290685" y="2787015"/>
+            <a:off x="9298940" y="2735580"/>
             <a:ext cx="613410" cy="1903095"/>
           </a:xfrm>
           <a:prstGeom prst="rect">
@@ -28874,7 +29176,7 @@
                 <a:ea typeface="微软雅黑" panose="020B0503020204020204" pitchFamily="34" charset="-122"/>
                 <a:cs typeface="微软雅黑" panose="020B0503020204020204" pitchFamily="34" charset="-122"/>
               </a:rPr>
-              <a:t>将者必须具备“智、信、仁、勇、严”五德。</a:t>
+              <a:t>将者必须具备“智、信、仁、勇、严”五德</a:t>
             </a:r>
             <a:endParaRPr kumimoji="0" lang="zh-CN" altLang="en-US" sz="2400" b="0" i="0" u="none" strike="noStrike" kern="0" cap="none" spc="0" normalizeH="0" baseline="0" noProof="0" dirty="0">
               <a:ln>
@@ -28923,7 +29225,7 @@
                 <a:ea typeface="微软雅黑" panose="020B0503020204020204" pitchFamily="34" charset="-122"/>
                 <a:cs typeface="微软雅黑" panose="020B0503020204020204" pitchFamily="34" charset="-122"/>
               </a:rPr>
-              <a:t>可见“信”在治人、治兵、治国、治世方面的功用。</a:t>
+              <a:t>可见“信”在治人、治兵、治国、治世方面的功用</a:t>
             </a:r>
             <a:endParaRPr kumimoji="0" lang="zh-CN" altLang="en-US" sz="2400" b="1" i="0" u="none" strike="noStrike" kern="0" cap="none" spc="0" normalizeH="0" baseline="0" noProof="0" dirty="0">
               <a:ln>

--- a/files/slides/introduction.pptx
+++ b/files/slides/introduction.pptx
@@ -7368,8 +7368,8 @@
         </p:nvSpPr>
         <p:spPr>
           <a:xfrm>
-            <a:off x="1981835" y="1999615"/>
-            <a:ext cx="8229600" cy="3910330"/>
+            <a:off x="2015490" y="1697990"/>
+            <a:ext cx="8547735" cy="4765040"/>
           </a:xfrm>
           <a:prstGeom prst="rect">
             <a:avLst/>
@@ -7567,7 +7567,43 @@
                 <a:latin typeface="微软雅黑" panose="020B0503020204020204" pitchFamily="34" charset="-122"/>
                 <a:ea typeface="微软雅黑" panose="020B0503020204020204" pitchFamily="34" charset="-122"/>
               </a:rPr>
-              <a:t>晋商的信用：票号、钱庄的发展</a:t>
+              <a:t>晋商的信用：票号、钱庄的发展（近代银行的雏形）</a:t>
+            </a:r>
+            <a:endParaRPr lang="zh-CN" altLang="en-US" sz="2200" dirty="0">
+              <a:solidFill>
+                <a:srgbClr val="000000"/>
+              </a:solidFill>
+              <a:latin typeface="微软雅黑" panose="020B0503020204020204" pitchFamily="34" charset="-122"/>
+              <a:ea typeface="微软雅黑" panose="020B0503020204020204" pitchFamily="34" charset="-122"/>
+            </a:endParaRPr>
+          </a:p>
+          <a:p>
+            <a:pPr lvl="1" eaLnBrk="1" hangingPunct="1">
+              <a:lnSpc>
+                <a:spcPct val="150000"/>
+              </a:lnSpc>
+            </a:pPr>
+            <a:r>
+              <a:rPr lang="zh-CN" altLang="en-US" sz="2200" dirty="0">
+                <a:solidFill>
+                  <a:srgbClr val="000000"/>
+                </a:solidFill>
+                <a:latin typeface="微软雅黑" panose="020B0503020204020204" pitchFamily="34" charset="-122"/>
+                <a:ea typeface="微软雅黑" panose="020B0503020204020204" pitchFamily="34" charset="-122"/>
+                <a:cs typeface="微软雅黑" panose="020B0503020204020204" pitchFamily="34" charset="-122"/>
+                <a:sym typeface="+mn-ea"/>
+              </a:rPr>
+              <a:t>诚信是优秀管理者必备的素质（放权下属，高效管理）</a:t>
+            </a:r>
+            <a:r>
+              <a:rPr lang="zh-CN" altLang="en-US" sz="2200" dirty="0">
+                <a:solidFill>
+                  <a:srgbClr val="000000"/>
+                </a:solidFill>
+                <a:latin typeface="微软雅黑" panose="020B0503020204020204" pitchFamily="34" charset="-122"/>
+                <a:ea typeface="微软雅黑" panose="020B0503020204020204" pitchFamily="34" charset="-122"/>
+              </a:rPr>
+              <a:t>，小到管理小组，大到掌舵企业</a:t>
             </a:r>
             <a:endParaRPr lang="zh-CN" altLang="en-US" sz="2200" dirty="0">
               <a:solidFill>
@@ -9333,7 +9369,7 @@
         </p:nvSpPr>
         <p:spPr>
           <a:xfrm>
-            <a:off x="1902143" y="905193"/>
+            <a:off x="1929448" y="828358"/>
             <a:ext cx="7800975" cy="563562"/>
           </a:xfrm>
           <a:prstGeom prst="rect">
@@ -9504,7 +9540,27 @@
                 <a:latin typeface="微软雅黑" panose="020B0503020204020204" pitchFamily="34" charset="-122"/>
                 <a:ea typeface="微软雅黑" panose="020B0503020204020204" pitchFamily="34" charset="-122"/>
               </a:rPr>
-              <a:t>能否不賒銷？）</a:t>
+              <a:t>能否不</a:t>
+            </a:r>
+            <a:r>
+              <a:rPr lang="zh-CN" altLang="zh-TW" sz="3200" dirty="0">
+                <a:solidFill>
+                  <a:schemeClr val="tx1"/>
+                </a:solidFill>
+                <a:latin typeface="微软雅黑" panose="020B0503020204020204" pitchFamily="34" charset="-122"/>
+                <a:ea typeface="微软雅黑" panose="020B0503020204020204" pitchFamily="34" charset="-122"/>
+              </a:rPr>
+              <a:t>赊销</a:t>
+            </a:r>
+            <a:r>
+              <a:rPr lang="zh-TW" altLang="en-US" sz="3200" dirty="0">
+                <a:solidFill>
+                  <a:schemeClr val="tx1"/>
+                </a:solidFill>
+                <a:latin typeface="微软雅黑" panose="020B0503020204020204" pitchFamily="34" charset="-122"/>
+                <a:ea typeface="微软雅黑" panose="020B0503020204020204" pitchFamily="34" charset="-122"/>
+              </a:rPr>
+              <a:t>？）</a:t>
             </a:r>
             <a:endParaRPr lang="zh-TW" altLang="en-US" sz="3200" dirty="0">
               <a:solidFill>
@@ -10392,7 +10448,7 @@
         </p:nvGrpSpPr>
         <p:grpSpPr>
           <a:xfrm>
-            <a:off x="1882140" y="2413635"/>
+            <a:off x="1882775" y="2405380"/>
             <a:ext cx="7956550" cy="4724400"/>
             <a:chOff x="2788" y="3895"/>
             <a:chExt cx="12530" cy="7440"/>
@@ -12120,7 +12176,7 @@
                 <a:ea typeface="微软雅黑" panose="020B0503020204020204" pitchFamily="34" charset="-122"/>
                 <a:cs typeface="微软雅黑" panose="020B0503020204020204" pitchFamily="34" charset="-122"/>
               </a:rPr>
-              <a:t>做生意不是赌博，而是要控制！</a:t>
+              <a:t>做生意不是赌博，而是要合理控制（风险）！</a:t>
             </a:r>
             <a:endParaRPr lang="zh-CN" altLang="en-US" sz="2400" dirty="0">
               <a:solidFill>
@@ -12183,7 +12239,7 @@
                 <a:ea typeface="微软雅黑" panose="020B0503020204020204" pitchFamily="34" charset="-122"/>
                 <a:cs typeface="微软雅黑" panose="020B0503020204020204" pitchFamily="34" charset="-122"/>
               </a:rPr>
-              <a:t>％的企业承认随着中国加入</a:t>
+              <a:t>％的企业承认中国加入</a:t>
             </a:r>
             <a:r>
               <a:rPr lang="en-US" altLang="zh-CN" sz="2200" dirty="0">
@@ -12205,7 +12261,7 @@
                 <a:ea typeface="微软雅黑" panose="020B0503020204020204" pitchFamily="34" charset="-122"/>
                 <a:cs typeface="微软雅黑" panose="020B0503020204020204" pitchFamily="34" charset="-122"/>
               </a:rPr>
-              <a:t>，将更广泛地采用信用销售；</a:t>
+              <a:t>后，更广泛地采用信用销售；</a:t>
             </a:r>
             <a:endParaRPr lang="zh-CN" altLang="en-US" sz="2200" dirty="0">
               <a:solidFill>
@@ -12866,65 +12922,40 @@
           </a:p>
         </p:txBody>
       </p:sp>
-      <p:grpSp>
-        <p:nvGrpSpPr>
-          <p:cNvPr id="2" name="组合 1"/>
-          <p:cNvGrpSpPr/>
+      <p:sp>
+        <p:nvSpPr>
+          <p:cNvPr id="44" name="日期占位符 3"/>
+          <p:cNvSpPr txBox="true">
+            <a:spLocks noGrp="true"/>
+          </p:cNvSpPr>
           <p:nvPr/>
-        </p:nvGrpSpPr>
-        <p:grpSpPr>
+        </p:nvSpPr>
+        <p:spPr bwMode="auto">
           <a:xfrm>
-            <a:off x="1654810" y="819454"/>
-            <a:ext cx="8763352" cy="5889321"/>
-            <a:chOff x="2367" y="1462"/>
-            <a:chExt cx="14205" cy="9657"/>
+            <a:off x="2066925" y="6239510"/>
+            <a:ext cx="2072640" cy="307975"/>
           </a:xfrm>
-        </p:grpSpPr>
-        <p:sp>
-          <p:nvSpPr>
-            <p:cNvPr id="44" name="日期占位符 3"/>
-            <p:cNvSpPr txBox="true">
-              <a:spLocks noGrp="true"/>
-            </p:cNvSpPr>
-            <p:nvPr/>
-          </p:nvSpPr>
-          <p:spPr bwMode="auto">
-            <a:xfrm>
-              <a:off x="3087" y="10294"/>
-              <a:ext cx="3360" cy="505"/>
-            </a:xfrm>
-            <a:prstGeom prst="rect">
-              <a:avLst/>
-            </a:prstGeom>
-            <a:noFill/>
-            <a:ln>
-              <a:miter lim="800000"/>
-            </a:ln>
-          </p:spPr>
-          <p:txBody>
-            <a:bodyPr/>
-            <a:lstStyle/>
-            <a:p>
-              <a:pPr marR="0" defTabSz="914400" eaLnBrk="1" hangingPunct="1">
-                <a:buClrTx/>
-                <a:buSzTx/>
-                <a:buFontTx/>
-                <a:buNone/>
-                <a:defRPr/>
-              </a:pPr>
-              <a:fld id="{B99D7053-6E6A-4CA7-ADC9-3A0930C52ECF}" type="datetime1">
-                <a:rPr kumimoji="0" lang="zh-CN" altLang="en-US" sz="1200" kern="1200" cap="none" spc="0" normalizeH="0" baseline="0" noProof="0">
-                  <a:effectLst>
-                    <a:outerShdw blurRad="38100" dist="38100" dir="2700000" algn="tl">
-                      <a:srgbClr val="C0C0C0"/>
-                    </a:outerShdw>
-                  </a:effectLst>
-                  <a:latin typeface="微软雅黑" panose="020B0503020204020204" pitchFamily="34" charset="-122"/>
-                  <a:ea typeface="微软雅黑" panose="020B0503020204020204" pitchFamily="34" charset="-122"/>
-                  <a:cs typeface="+mn-cs"/>
-                </a:rPr>
-              </a:fld>
-              <a:endParaRPr kumimoji="0" lang="zh-CN" altLang="en-US" sz="1200" kern="1200" cap="none" spc="0" normalizeH="0" baseline="0" noProof="0">
+          <a:prstGeom prst="rect">
+            <a:avLst/>
+          </a:prstGeom>
+          <a:noFill/>
+          <a:ln>
+            <a:miter lim="800000"/>
+          </a:ln>
+        </p:spPr>
+        <p:txBody>
+          <a:bodyPr/>
+          <a:lstStyle/>
+          <a:p>
+            <a:pPr marR="0" defTabSz="914400" eaLnBrk="1" hangingPunct="1">
+              <a:buClrTx/>
+              <a:buSzTx/>
+              <a:buFontTx/>
+              <a:buNone/>
+              <a:defRPr/>
+            </a:pPr>
+            <a:fld id="{B99D7053-6E6A-4CA7-ADC9-3A0930C52ECF}" type="datetime1">
+              <a:rPr kumimoji="0" lang="zh-CN" altLang="en-US" sz="1200" kern="1200" cap="none" spc="0" normalizeH="0" baseline="0" noProof="0">
                 <a:effectLst>
                   <a:outerShdw blurRad="38100" dist="38100" dir="2700000" algn="tl">
                     <a:srgbClr val="C0C0C0"/>
@@ -12933,567 +12964,730 @@
                 <a:latin typeface="微软雅黑" panose="020B0503020204020204" pitchFamily="34" charset="-122"/>
                 <a:ea typeface="微软雅黑" panose="020B0503020204020204" pitchFamily="34" charset="-122"/>
                 <a:cs typeface="+mn-cs"/>
-              </a:endParaRPr>
-            </a:p>
-          </p:txBody>
-        </p:sp>
-        <p:pic>
-          <p:nvPicPr>
-            <p:cNvPr id="39941" name="Picture 2" descr="428"/>
-            <p:cNvPicPr>
-              <a:picLocks noChangeAspect="true"/>
-            </p:cNvPicPr>
-            <p:nvPr/>
-          </p:nvPicPr>
-          <p:blipFill>
-            <a:blip r:embed="rId4"/>
-            <a:stretch>
-              <a:fillRect/>
-            </a:stretch>
-          </p:blipFill>
-          <p:spPr>
-            <a:xfrm>
-              <a:off x="2367" y="2344"/>
-              <a:ext cx="6230" cy="8575"/>
-            </a:xfrm>
-            <a:prstGeom prst="rect">
-              <a:avLst/>
-            </a:prstGeom>
+              </a:rPr>
+            </a:fld>
+            <a:endParaRPr kumimoji="0" lang="zh-CN" altLang="en-US" sz="1200" kern="1200" cap="none" spc="0" normalizeH="0" baseline="0" noProof="0">
+              <a:effectLst>
+                <a:outerShdw blurRad="38100" dist="38100" dir="2700000" algn="tl">
+                  <a:srgbClr val="C0C0C0"/>
+                </a:outerShdw>
+              </a:effectLst>
+              <a:latin typeface="微软雅黑" panose="020B0503020204020204" pitchFamily="34" charset="-122"/>
+              <a:ea typeface="微软雅黑" panose="020B0503020204020204" pitchFamily="34" charset="-122"/>
+              <a:cs typeface="+mn-cs"/>
+            </a:endParaRPr>
+          </a:p>
+        </p:txBody>
+      </p:sp>
+      <p:sp>
+        <p:nvSpPr>
+          <p:cNvPr id="39942" name="AutoShape 3"/>
+          <p:cNvSpPr/>
+          <p:nvPr/>
+        </p:nvSpPr>
+        <p:spPr>
+          <a:xfrm rot="1670855">
+            <a:off x="5436870" y="4977130"/>
+            <a:ext cx="2727960" cy="402590"/>
+          </a:xfrm>
+          <a:prstGeom prst="rightArrow">
+            <a:avLst>
+              <a:gd name="adj1" fmla="val 50000"/>
+              <a:gd name="adj2" fmla="val 167518"/>
+            </a:avLst>
+          </a:prstGeom>
+          <a:solidFill>
+            <a:srgbClr val="FFFF99"/>
+          </a:solidFill>
+          <a:ln w="9525" cap="flat" cmpd="sng">
+            <a:solidFill>
+              <a:srgbClr val="009999"/>
+            </a:solidFill>
+            <a:prstDash val="solid"/>
+            <a:miter/>
+            <a:headEnd type="none" w="med" len="med"/>
+            <a:tailEnd type="none" w="med" len="med"/>
+          </a:ln>
+        </p:spPr>
+        <p:txBody>
+          <a:bodyPr wrap="none" anchor="ctr" anchorCtr="false"/>
+          <a:lstStyle>
+            <a:lvl1pPr marL="342900" indent="-342900" algn="l" rtl="0" eaLnBrk="0" fontAlgn="base" hangingPunct="0">
+              <a:spcBef>
+                <a:spcPct val="20000"/>
+              </a:spcBef>
+              <a:spcAft>
+                <a:spcPct val="0"/>
+              </a:spcAft>
+              <a:buChar char="•"/>
+              <a:defRPr sz="3200">
+                <a:solidFill>
+                  <a:schemeClr val="tx1"/>
+                </a:solidFill>
+                <a:latin typeface="+mn-lt"/>
+                <a:ea typeface="+mn-ea"/>
+                <a:cs typeface="+mn-cs"/>
+              </a:defRPr>
+            </a:lvl1pPr>
+            <a:lvl2pPr marL="742950" indent="-285750" algn="l" rtl="0" eaLnBrk="0" fontAlgn="base" hangingPunct="0">
+              <a:spcBef>
+                <a:spcPct val="20000"/>
+              </a:spcBef>
+              <a:spcAft>
+                <a:spcPct val="0"/>
+              </a:spcAft>
+              <a:buChar char="–"/>
+              <a:defRPr sz="2800">
+                <a:solidFill>
+                  <a:schemeClr val="tx1"/>
+                </a:solidFill>
+                <a:latin typeface="+mn-lt"/>
+                <a:ea typeface="+mn-ea"/>
+              </a:defRPr>
+            </a:lvl2pPr>
+            <a:lvl3pPr marL="1143000" indent="-228600" algn="l" rtl="0" eaLnBrk="0" fontAlgn="base" hangingPunct="0">
+              <a:spcBef>
+                <a:spcPct val="20000"/>
+              </a:spcBef>
+              <a:spcAft>
+                <a:spcPct val="0"/>
+              </a:spcAft>
+              <a:buChar char="•"/>
+              <a:defRPr sz="2400">
+                <a:solidFill>
+                  <a:schemeClr val="tx1"/>
+                </a:solidFill>
+                <a:latin typeface="+mn-lt"/>
+                <a:ea typeface="+mn-ea"/>
+              </a:defRPr>
+            </a:lvl3pPr>
+            <a:lvl4pPr marL="1600200" indent="-228600" algn="l" rtl="0" eaLnBrk="0" fontAlgn="base" hangingPunct="0">
+              <a:spcBef>
+                <a:spcPct val="20000"/>
+              </a:spcBef>
+              <a:spcAft>
+                <a:spcPct val="0"/>
+              </a:spcAft>
+              <a:buChar char="–"/>
+              <a:defRPr sz="2000">
+                <a:solidFill>
+                  <a:schemeClr val="tx1"/>
+                </a:solidFill>
+                <a:latin typeface="+mn-lt"/>
+                <a:ea typeface="+mn-ea"/>
+              </a:defRPr>
+            </a:lvl4pPr>
+            <a:lvl5pPr marL="2057400" indent="-228600" algn="l" rtl="0" eaLnBrk="0" fontAlgn="base" hangingPunct="0">
+              <a:spcBef>
+                <a:spcPct val="20000"/>
+              </a:spcBef>
+              <a:spcAft>
+                <a:spcPct val="0"/>
+              </a:spcAft>
+              <a:buChar char="»"/>
+              <a:defRPr sz="2000">
+                <a:solidFill>
+                  <a:schemeClr val="tx1"/>
+                </a:solidFill>
+                <a:latin typeface="+mn-lt"/>
+                <a:ea typeface="+mn-ea"/>
+              </a:defRPr>
+            </a:lvl5pPr>
+          </a:lstStyle>
+          <a:p>
+            <a:pPr marL="0" lvl="0" indent="0" eaLnBrk="1" hangingPunct="1">
+              <a:lnSpc>
+                <a:spcPct val="80000"/>
+              </a:lnSpc>
+              <a:buClr>
+                <a:schemeClr val="hlink"/>
+              </a:buClr>
+              <a:buFont typeface="Wingdings" panose="05000000000000000000" pitchFamily="2" charset="2"/>
+              <a:buNone/>
+            </a:pPr>
+            <a:endParaRPr lang="zh-CN" altLang="zh-CN" sz="2400" dirty="0">
+              <a:latin typeface="微软雅黑" panose="020B0503020204020204" pitchFamily="34" charset="-122"/>
+              <a:ea typeface="微软雅黑" panose="020B0503020204020204" pitchFamily="34" charset="-122"/>
+            </a:endParaRPr>
+          </a:p>
+        </p:txBody>
+      </p:sp>
+      <p:sp>
+        <p:nvSpPr>
+          <p:cNvPr id="39943" name="AutoShape 4"/>
+          <p:cNvSpPr/>
+          <p:nvPr/>
+        </p:nvSpPr>
+        <p:spPr>
+          <a:xfrm>
+            <a:off x="5574030" y="3603625"/>
+            <a:ext cx="743585" cy="277495"/>
+          </a:xfrm>
+          <a:prstGeom prst="rightArrow">
+            <a:avLst>
+              <a:gd name="adj1" fmla="val 50000"/>
+              <a:gd name="adj2" fmla="val 66208"/>
+            </a:avLst>
+          </a:prstGeom>
+          <a:solidFill>
+            <a:srgbClr val="FFFF99"/>
+          </a:solidFill>
+          <a:ln w="9525" cap="flat" cmpd="sng">
+            <a:solidFill>
+              <a:srgbClr val="009999"/>
+            </a:solidFill>
+            <a:prstDash val="solid"/>
+            <a:miter/>
+            <a:headEnd type="none" w="med" len="med"/>
+            <a:tailEnd type="none" w="med" len="med"/>
+          </a:ln>
+        </p:spPr>
+        <p:txBody>
+          <a:bodyPr wrap="none" anchor="ctr" anchorCtr="false"/>
+          <a:lstStyle>
+            <a:lvl1pPr marL="342900" indent="-342900" algn="l" rtl="0" eaLnBrk="0" fontAlgn="base" hangingPunct="0">
+              <a:spcBef>
+                <a:spcPct val="20000"/>
+              </a:spcBef>
+              <a:spcAft>
+                <a:spcPct val="0"/>
+              </a:spcAft>
+              <a:buChar char="•"/>
+              <a:defRPr sz="3200">
+                <a:solidFill>
+                  <a:schemeClr val="tx1"/>
+                </a:solidFill>
+                <a:latin typeface="+mn-lt"/>
+                <a:ea typeface="+mn-ea"/>
+                <a:cs typeface="+mn-cs"/>
+              </a:defRPr>
+            </a:lvl1pPr>
+            <a:lvl2pPr marL="742950" indent="-285750" algn="l" rtl="0" eaLnBrk="0" fontAlgn="base" hangingPunct="0">
+              <a:spcBef>
+                <a:spcPct val="20000"/>
+              </a:spcBef>
+              <a:spcAft>
+                <a:spcPct val="0"/>
+              </a:spcAft>
+              <a:buChar char="–"/>
+              <a:defRPr sz="2800">
+                <a:solidFill>
+                  <a:schemeClr val="tx1"/>
+                </a:solidFill>
+                <a:latin typeface="+mn-lt"/>
+                <a:ea typeface="+mn-ea"/>
+              </a:defRPr>
+            </a:lvl2pPr>
+            <a:lvl3pPr marL="1143000" indent="-228600" algn="l" rtl="0" eaLnBrk="0" fontAlgn="base" hangingPunct="0">
+              <a:spcBef>
+                <a:spcPct val="20000"/>
+              </a:spcBef>
+              <a:spcAft>
+                <a:spcPct val="0"/>
+              </a:spcAft>
+              <a:buChar char="•"/>
+              <a:defRPr sz="2400">
+                <a:solidFill>
+                  <a:schemeClr val="tx1"/>
+                </a:solidFill>
+                <a:latin typeface="+mn-lt"/>
+                <a:ea typeface="+mn-ea"/>
+              </a:defRPr>
+            </a:lvl3pPr>
+            <a:lvl4pPr marL="1600200" indent="-228600" algn="l" rtl="0" eaLnBrk="0" fontAlgn="base" hangingPunct="0">
+              <a:spcBef>
+                <a:spcPct val="20000"/>
+              </a:spcBef>
+              <a:spcAft>
+                <a:spcPct val="0"/>
+              </a:spcAft>
+              <a:buChar char="–"/>
+              <a:defRPr sz="2000">
+                <a:solidFill>
+                  <a:schemeClr val="tx1"/>
+                </a:solidFill>
+                <a:latin typeface="+mn-lt"/>
+                <a:ea typeface="+mn-ea"/>
+              </a:defRPr>
+            </a:lvl4pPr>
+            <a:lvl5pPr marL="2057400" indent="-228600" algn="l" rtl="0" eaLnBrk="0" fontAlgn="base" hangingPunct="0">
+              <a:spcBef>
+                <a:spcPct val="20000"/>
+              </a:spcBef>
+              <a:spcAft>
+                <a:spcPct val="0"/>
+              </a:spcAft>
+              <a:buChar char="»"/>
+              <a:defRPr sz="2000">
+                <a:solidFill>
+                  <a:schemeClr val="tx1"/>
+                </a:solidFill>
+                <a:latin typeface="+mn-lt"/>
+                <a:ea typeface="+mn-ea"/>
+              </a:defRPr>
+            </a:lvl5pPr>
+          </a:lstStyle>
+          <a:p>
+            <a:pPr marL="0" lvl="0" indent="0" eaLnBrk="1" hangingPunct="1">
+              <a:lnSpc>
+                <a:spcPct val="80000"/>
+              </a:lnSpc>
+              <a:buClr>
+                <a:schemeClr val="hlink"/>
+              </a:buClr>
+              <a:buFont typeface="Wingdings" panose="05000000000000000000" pitchFamily="2" charset="2"/>
+              <a:buNone/>
+            </a:pPr>
+            <a:endParaRPr lang="zh-CN" altLang="zh-CN" sz="2400" dirty="0">
+              <a:latin typeface="微软雅黑" panose="020B0503020204020204" pitchFamily="34" charset="-122"/>
+              <a:ea typeface="微软雅黑" panose="020B0503020204020204" pitchFamily="34" charset="-122"/>
+            </a:endParaRPr>
+          </a:p>
+        </p:txBody>
+      </p:sp>
+      <p:sp>
+        <p:nvSpPr>
+          <p:cNvPr id="39944" name="AutoShape 5"/>
+          <p:cNvSpPr/>
+          <p:nvPr/>
+        </p:nvSpPr>
+        <p:spPr>
+          <a:xfrm rot="19755937" flipV="true">
+            <a:off x="5384165" y="2115185"/>
+            <a:ext cx="2799080" cy="320040"/>
+          </a:xfrm>
+          <a:prstGeom prst="rightArrow">
+            <a:avLst>
+              <a:gd name="adj1" fmla="val 50000"/>
+              <a:gd name="adj2" fmla="val 216071"/>
+            </a:avLst>
+          </a:prstGeom>
+          <a:solidFill>
+            <a:srgbClr val="FFFF99"/>
+          </a:solidFill>
+          <a:ln w="9525" cap="flat" cmpd="sng">
+            <a:solidFill>
+              <a:srgbClr val="009999"/>
+            </a:solidFill>
+            <a:prstDash val="solid"/>
+            <a:miter/>
+            <a:headEnd type="none" w="med" len="med"/>
+            <a:tailEnd type="none" w="med" len="med"/>
+          </a:ln>
+        </p:spPr>
+        <p:txBody>
+          <a:bodyPr wrap="none" anchor="ctr" anchorCtr="false"/>
+          <a:lstStyle>
+            <a:lvl1pPr marL="342900" indent="-342900" algn="l" rtl="0" eaLnBrk="0" fontAlgn="base" hangingPunct="0">
+              <a:spcBef>
+                <a:spcPct val="20000"/>
+              </a:spcBef>
+              <a:spcAft>
+                <a:spcPct val="0"/>
+              </a:spcAft>
+              <a:buChar char="•"/>
+              <a:defRPr sz="3200">
+                <a:solidFill>
+                  <a:schemeClr val="tx1"/>
+                </a:solidFill>
+                <a:latin typeface="+mn-lt"/>
+                <a:ea typeface="+mn-ea"/>
+                <a:cs typeface="+mn-cs"/>
+              </a:defRPr>
+            </a:lvl1pPr>
+            <a:lvl2pPr marL="742950" indent="-285750" algn="l" rtl="0" eaLnBrk="0" fontAlgn="base" hangingPunct="0">
+              <a:spcBef>
+                <a:spcPct val="20000"/>
+              </a:spcBef>
+              <a:spcAft>
+                <a:spcPct val="0"/>
+              </a:spcAft>
+              <a:buChar char="–"/>
+              <a:defRPr sz="2800">
+                <a:solidFill>
+                  <a:schemeClr val="tx1"/>
+                </a:solidFill>
+                <a:latin typeface="+mn-lt"/>
+                <a:ea typeface="+mn-ea"/>
+              </a:defRPr>
+            </a:lvl2pPr>
+            <a:lvl3pPr marL="1143000" indent="-228600" algn="l" rtl="0" eaLnBrk="0" fontAlgn="base" hangingPunct="0">
+              <a:spcBef>
+                <a:spcPct val="20000"/>
+              </a:spcBef>
+              <a:spcAft>
+                <a:spcPct val="0"/>
+              </a:spcAft>
+              <a:buChar char="•"/>
+              <a:defRPr sz="2400">
+                <a:solidFill>
+                  <a:schemeClr val="tx1"/>
+                </a:solidFill>
+                <a:latin typeface="+mn-lt"/>
+                <a:ea typeface="+mn-ea"/>
+              </a:defRPr>
+            </a:lvl3pPr>
+            <a:lvl4pPr marL="1600200" indent="-228600" algn="l" rtl="0" eaLnBrk="0" fontAlgn="base" hangingPunct="0">
+              <a:spcBef>
+                <a:spcPct val="20000"/>
+              </a:spcBef>
+              <a:spcAft>
+                <a:spcPct val="0"/>
+              </a:spcAft>
+              <a:buChar char="–"/>
+              <a:defRPr sz="2000">
+                <a:solidFill>
+                  <a:schemeClr val="tx1"/>
+                </a:solidFill>
+                <a:latin typeface="+mn-lt"/>
+                <a:ea typeface="+mn-ea"/>
+              </a:defRPr>
+            </a:lvl4pPr>
+            <a:lvl5pPr marL="2057400" indent="-228600" algn="l" rtl="0" eaLnBrk="0" fontAlgn="base" hangingPunct="0">
+              <a:spcBef>
+                <a:spcPct val="20000"/>
+              </a:spcBef>
+              <a:spcAft>
+                <a:spcPct val="0"/>
+              </a:spcAft>
+              <a:buChar char="»"/>
+              <a:defRPr sz="2000">
+                <a:solidFill>
+                  <a:schemeClr val="tx1"/>
+                </a:solidFill>
+                <a:latin typeface="+mn-lt"/>
+                <a:ea typeface="+mn-ea"/>
+              </a:defRPr>
+            </a:lvl5pPr>
+          </a:lstStyle>
+          <a:p>
+            <a:pPr marL="0" lvl="0" indent="0" eaLnBrk="1" hangingPunct="1">
+              <a:lnSpc>
+                <a:spcPct val="80000"/>
+              </a:lnSpc>
+              <a:buClr>
+                <a:schemeClr val="hlink"/>
+              </a:buClr>
+              <a:buFont typeface="Wingdings" panose="05000000000000000000" pitchFamily="2" charset="2"/>
+              <a:buNone/>
+            </a:pPr>
+            <a:endParaRPr lang="zh-CN" altLang="zh-CN" sz="2400" dirty="0">
+              <a:latin typeface="微软雅黑" panose="020B0503020204020204" pitchFamily="34" charset="-122"/>
+              <a:ea typeface="微软雅黑" panose="020B0503020204020204" pitchFamily="34" charset="-122"/>
+            </a:endParaRPr>
+          </a:p>
+        </p:txBody>
+      </p:sp>
+      <p:sp>
+        <p:nvSpPr>
+          <p:cNvPr id="39945" name="Rectangle 6"/>
+          <p:cNvSpPr/>
+          <p:nvPr/>
+        </p:nvSpPr>
+        <p:spPr>
+          <a:xfrm>
+            <a:off x="1707515" y="852805"/>
+            <a:ext cx="6323330" cy="521970"/>
+          </a:xfrm>
+          <a:prstGeom prst="rect">
+            <a:avLst/>
+          </a:prstGeom>
+          <a:noFill/>
+          <a:ln w="9525">
             <a:noFill/>
-            <a:ln w="9525">
-              <a:noFill/>
-            </a:ln>
-          </p:spPr>
-        </p:pic>
+          </a:ln>
+        </p:spPr>
+        <p:txBody>
+          <a:bodyPr wrap="square">
+            <a:spAutoFit/>
+          </a:bodyPr>
+          <a:lstStyle>
+            <a:lvl1pPr marL="342900" indent="-342900" algn="l" rtl="0" eaLnBrk="0" fontAlgn="base" hangingPunct="0">
+              <a:spcBef>
+                <a:spcPct val="20000"/>
+              </a:spcBef>
+              <a:spcAft>
+                <a:spcPct val="0"/>
+              </a:spcAft>
+              <a:buChar char="•"/>
+              <a:defRPr sz="3200">
+                <a:solidFill>
+                  <a:schemeClr val="tx1"/>
+                </a:solidFill>
+                <a:latin typeface="+mn-lt"/>
+                <a:ea typeface="+mn-ea"/>
+                <a:cs typeface="+mn-cs"/>
+              </a:defRPr>
+            </a:lvl1pPr>
+            <a:lvl2pPr marL="742950" indent="-285750" algn="l" rtl="0" eaLnBrk="0" fontAlgn="base" hangingPunct="0">
+              <a:spcBef>
+                <a:spcPct val="20000"/>
+              </a:spcBef>
+              <a:spcAft>
+                <a:spcPct val="0"/>
+              </a:spcAft>
+              <a:buChar char="–"/>
+              <a:defRPr sz="2800">
+                <a:solidFill>
+                  <a:schemeClr val="tx1"/>
+                </a:solidFill>
+                <a:latin typeface="+mn-lt"/>
+                <a:ea typeface="+mn-ea"/>
+              </a:defRPr>
+            </a:lvl2pPr>
+            <a:lvl3pPr marL="1143000" indent="-228600" algn="l" rtl="0" eaLnBrk="0" fontAlgn="base" hangingPunct="0">
+              <a:spcBef>
+                <a:spcPct val="20000"/>
+              </a:spcBef>
+              <a:spcAft>
+                <a:spcPct val="0"/>
+              </a:spcAft>
+              <a:buChar char="•"/>
+              <a:defRPr sz="2400">
+                <a:solidFill>
+                  <a:schemeClr val="tx1"/>
+                </a:solidFill>
+                <a:latin typeface="+mn-lt"/>
+                <a:ea typeface="+mn-ea"/>
+              </a:defRPr>
+            </a:lvl3pPr>
+            <a:lvl4pPr marL="1600200" indent="-228600" algn="l" rtl="0" eaLnBrk="0" fontAlgn="base" hangingPunct="0">
+              <a:spcBef>
+                <a:spcPct val="20000"/>
+              </a:spcBef>
+              <a:spcAft>
+                <a:spcPct val="0"/>
+              </a:spcAft>
+              <a:buChar char="–"/>
+              <a:defRPr sz="2000">
+                <a:solidFill>
+                  <a:schemeClr val="tx1"/>
+                </a:solidFill>
+                <a:latin typeface="+mn-lt"/>
+                <a:ea typeface="+mn-ea"/>
+              </a:defRPr>
+            </a:lvl4pPr>
+            <a:lvl5pPr marL="2057400" indent="-228600" algn="l" rtl="0" eaLnBrk="0" fontAlgn="base" hangingPunct="0">
+              <a:spcBef>
+                <a:spcPct val="20000"/>
+              </a:spcBef>
+              <a:spcAft>
+                <a:spcPct val="0"/>
+              </a:spcAft>
+              <a:buChar char="»"/>
+              <a:defRPr sz="2000">
+                <a:solidFill>
+                  <a:schemeClr val="tx1"/>
+                </a:solidFill>
+                <a:latin typeface="+mn-lt"/>
+                <a:ea typeface="+mn-ea"/>
+              </a:defRPr>
+            </a:lvl5pPr>
+          </a:lstStyle>
+          <a:p>
+            <a:pPr marL="0" lvl="0" indent="0" eaLnBrk="1" hangingPunct="1">
+              <a:spcBef>
+                <a:spcPct val="0"/>
+              </a:spcBef>
+              <a:buNone/>
+            </a:pPr>
+            <a:r>
+              <a:rPr lang="zh-CN" altLang="en-US" sz="2800" b="1" dirty="0">
+                <a:latin typeface="微软雅黑" panose="020B0503020204020204" pitchFamily="34" charset="-122"/>
+                <a:ea typeface="微软雅黑" panose="020B0503020204020204" pitchFamily="34" charset="-122"/>
+              </a:rPr>
+              <a:t>信用已经成为市场经济最为稀缺的资源</a:t>
+            </a:r>
+            <a:endParaRPr lang="zh-CN" altLang="en-US" sz="2800" b="1" dirty="0">
+              <a:latin typeface="微软雅黑" panose="020B0503020204020204" pitchFamily="34" charset="-122"/>
+              <a:ea typeface="微软雅黑" panose="020B0503020204020204" pitchFamily="34" charset="-122"/>
+            </a:endParaRPr>
+          </a:p>
+        </p:txBody>
+      </p:sp>
+      <p:sp>
+        <p:nvSpPr>
+          <p:cNvPr id="565255" name="Oval 7"/>
+          <p:cNvSpPr>
+            <a:spLocks noChangeArrowheads="true"/>
+          </p:cNvSpPr>
+          <p:nvPr/>
+        </p:nvSpPr>
+        <p:spPr bwMode="gray">
+          <a:xfrm>
+            <a:off x="8092440" y="975995"/>
+            <a:ext cx="2099310" cy="2075180"/>
+          </a:xfrm>
+          <a:prstGeom prst="ellipse">
+            <a:avLst/>
+          </a:prstGeom>
+          <a:gradFill rotWithShape="true">
+            <a:gsLst>
+              <a:gs pos="0">
+                <a:schemeClr val="folHlink">
+                  <a:gamma/>
+                  <a:tint val="0"/>
+                  <a:invGamma/>
+                </a:schemeClr>
+              </a:gs>
+              <a:gs pos="50000">
+                <a:schemeClr val="folHlink"/>
+              </a:gs>
+              <a:gs pos="100000">
+                <a:schemeClr val="folHlink">
+                  <a:gamma/>
+                  <a:tint val="0"/>
+                  <a:invGamma/>
+                </a:schemeClr>
+              </a:gs>
+            </a:gsLst>
+            <a:lin ang="2700000" scaled="true"/>
+          </a:gradFill>
+          <a:ln w="38100" algn="ctr">
+            <a:noFill/>
+            <a:round/>
+          </a:ln>
+          <a:effectLst/>
+        </p:spPr>
+        <p:txBody>
+          <a:bodyPr wrap="square" anchor="ctr">
+            <a:spAutoFit/>
+          </a:bodyPr>
+          <a:lstStyle/>
+          <a:p>
+            <a:pPr marL="0" marR="0" lvl="0" indent="0" algn="l" defTabSz="914400" rtl="0" eaLnBrk="1" fontAlgn="base" latinLnBrk="0" hangingPunct="1">
+              <a:lnSpc>
+                <a:spcPct val="80000"/>
+              </a:lnSpc>
+              <a:spcBef>
+                <a:spcPct val="20000"/>
+              </a:spcBef>
+              <a:spcAft>
+                <a:spcPct val="0"/>
+              </a:spcAft>
+              <a:buClr>
+                <a:schemeClr val="hlink"/>
+              </a:buClr>
+              <a:buSzTx/>
+              <a:buFont typeface="Wingdings" panose="05000000000000000000" pitchFamily="2" charset="2"/>
+              <a:buNone/>
+              <a:defRPr/>
+            </a:pPr>
+            <a:endParaRPr kumimoji="0" lang="zh-CN" altLang="en-US" sz="2400" b="0" i="0" u="none" strike="noStrike" kern="1200" cap="none" spc="0" normalizeH="0" baseline="0" noProof="0">
+              <a:ln>
+                <a:noFill/>
+              </a:ln>
+              <a:solidFill>
+                <a:schemeClr val="tx1"/>
+              </a:solidFill>
+              <a:effectLst/>
+              <a:uLnTx/>
+              <a:uFillTx/>
+              <a:latin typeface="微软雅黑" panose="020B0503020204020204" pitchFamily="34" charset="-122"/>
+              <a:ea typeface="微软雅黑" panose="020B0503020204020204" pitchFamily="34" charset="-122"/>
+              <a:cs typeface="+mn-cs"/>
+            </a:endParaRPr>
+          </a:p>
+        </p:txBody>
+      </p:sp>
+      <p:sp>
+        <p:nvSpPr>
+          <p:cNvPr id="565256" name="Oval 8"/>
+          <p:cNvSpPr>
+            <a:spLocks noChangeArrowheads="true"/>
+          </p:cNvSpPr>
+          <p:nvPr/>
+        </p:nvSpPr>
+        <p:spPr bwMode="gray">
+          <a:xfrm>
+            <a:off x="8216265" y="1098550"/>
+            <a:ext cx="2099310" cy="2075180"/>
+          </a:xfrm>
+          <a:prstGeom prst="ellipse">
+            <a:avLst/>
+          </a:prstGeom>
+          <a:gradFill rotWithShape="true">
+            <a:gsLst>
+              <a:gs pos="0">
+                <a:schemeClr val="folHlink">
+                  <a:alpha val="32001"/>
+                </a:schemeClr>
+              </a:gs>
+              <a:gs pos="100000">
+                <a:schemeClr val="folHlink">
+                  <a:gamma/>
+                  <a:shade val="0"/>
+                  <a:invGamma/>
+                  <a:alpha val="89999"/>
+                </a:schemeClr>
+              </a:gs>
+            </a:gsLst>
+            <a:lin ang="2700000" scaled="true"/>
+          </a:gradFill>
+          <a:ln w="38100" algn="ctr">
+            <a:noFill/>
+            <a:round/>
+          </a:ln>
+          <a:effectLst/>
+        </p:spPr>
+        <p:txBody>
+          <a:bodyPr wrap="square" anchor="ctr">
+            <a:spAutoFit/>
+          </a:bodyPr>
+          <a:lstStyle/>
+          <a:p>
+            <a:pPr marL="0" marR="0" lvl="0" indent="0" algn="l" defTabSz="914400" rtl="0" eaLnBrk="1" fontAlgn="base" latinLnBrk="0" hangingPunct="1">
+              <a:lnSpc>
+                <a:spcPct val="80000"/>
+              </a:lnSpc>
+              <a:spcBef>
+                <a:spcPct val="20000"/>
+              </a:spcBef>
+              <a:spcAft>
+                <a:spcPct val="0"/>
+              </a:spcAft>
+              <a:buClr>
+                <a:schemeClr val="hlink"/>
+              </a:buClr>
+              <a:buSzTx/>
+              <a:buFont typeface="Wingdings" panose="05000000000000000000" pitchFamily="2" charset="2"/>
+              <a:buNone/>
+              <a:defRPr/>
+            </a:pPr>
+            <a:endParaRPr kumimoji="0" lang="zh-CN" altLang="en-US" sz="2400" b="0" i="0" u="none" strike="noStrike" kern="1200" cap="none" spc="0" normalizeH="0" baseline="0" noProof="0">
+              <a:ln>
+                <a:noFill/>
+              </a:ln>
+              <a:solidFill>
+                <a:schemeClr val="tx1"/>
+              </a:solidFill>
+              <a:effectLst/>
+              <a:uLnTx/>
+              <a:uFillTx/>
+              <a:latin typeface="微软雅黑" panose="020B0503020204020204" pitchFamily="34" charset="-122"/>
+              <a:ea typeface="微软雅黑" panose="020B0503020204020204" pitchFamily="34" charset="-122"/>
+              <a:cs typeface="+mn-cs"/>
+            </a:endParaRPr>
+          </a:p>
+        </p:txBody>
+      </p:sp>
+      <p:grpSp>
+        <p:nvGrpSpPr>
+          <p:cNvPr id="39948" name="Group 9"/>
+          <p:cNvGrpSpPr/>
+          <p:nvPr/>
+        </p:nvGrpSpPr>
+        <p:grpSpPr>
+          <a:xfrm rot="0">
+            <a:off x="8232775" y="1115060"/>
+            <a:ext cx="1824990" cy="1803400"/>
+            <a:chOff x="3606" y="709"/>
+            <a:chExt cx="1183" cy="1183"/>
+          </a:xfrm>
+        </p:grpSpPr>
         <p:sp>
           <p:nvSpPr>
-            <p:cNvPr id="39942" name="AutoShape 3"/>
-            <p:cNvSpPr/>
-            <p:nvPr/>
-          </p:nvSpPr>
-          <p:spPr>
-            <a:xfrm rot="1670855">
-              <a:off x="8550" y="8224"/>
-              <a:ext cx="4422" cy="660"/>
-            </a:xfrm>
-            <a:prstGeom prst="rightArrow">
-              <a:avLst>
-                <a:gd name="adj1" fmla="val 50000"/>
-                <a:gd name="adj2" fmla="val 167518"/>
-              </a:avLst>
-            </a:prstGeom>
-            <a:solidFill>
-              <a:srgbClr val="FFFF99"/>
-            </a:solidFill>
-            <a:ln w="9525" cap="flat" cmpd="sng">
-              <a:solidFill>
-                <a:srgbClr val="009999"/>
-              </a:solidFill>
-              <a:prstDash val="solid"/>
-              <a:miter/>
-              <a:headEnd type="none" w="med" len="med"/>
-              <a:tailEnd type="none" w="med" len="med"/>
-            </a:ln>
-          </p:spPr>
-          <p:txBody>
-            <a:bodyPr wrap="none" anchor="ctr" anchorCtr="false"/>
-            <a:lstStyle>
-              <a:lvl1pPr marL="342900" indent="-342900" algn="l" rtl="0" eaLnBrk="0" fontAlgn="base" hangingPunct="0">
-                <a:spcBef>
-                  <a:spcPct val="20000"/>
-                </a:spcBef>
-                <a:spcAft>
-                  <a:spcPct val="0"/>
-                </a:spcAft>
-                <a:buChar char="•"/>
-                <a:defRPr sz="3200">
-                  <a:solidFill>
-                    <a:schemeClr val="tx1"/>
-                  </a:solidFill>
-                  <a:latin typeface="+mn-lt"/>
-                  <a:ea typeface="+mn-ea"/>
-                  <a:cs typeface="+mn-cs"/>
-                </a:defRPr>
-              </a:lvl1pPr>
-              <a:lvl2pPr marL="742950" indent="-285750" algn="l" rtl="0" eaLnBrk="0" fontAlgn="base" hangingPunct="0">
-                <a:spcBef>
-                  <a:spcPct val="20000"/>
-                </a:spcBef>
-                <a:spcAft>
-                  <a:spcPct val="0"/>
-                </a:spcAft>
-                <a:buChar char="–"/>
-                <a:defRPr sz="2800">
-                  <a:solidFill>
-                    <a:schemeClr val="tx1"/>
-                  </a:solidFill>
-                  <a:latin typeface="+mn-lt"/>
-                  <a:ea typeface="+mn-ea"/>
-                </a:defRPr>
-              </a:lvl2pPr>
-              <a:lvl3pPr marL="1143000" indent="-228600" algn="l" rtl="0" eaLnBrk="0" fontAlgn="base" hangingPunct="0">
-                <a:spcBef>
-                  <a:spcPct val="20000"/>
-                </a:spcBef>
-                <a:spcAft>
-                  <a:spcPct val="0"/>
-                </a:spcAft>
-                <a:buChar char="•"/>
-                <a:defRPr sz="2400">
-                  <a:solidFill>
-                    <a:schemeClr val="tx1"/>
-                  </a:solidFill>
-                  <a:latin typeface="+mn-lt"/>
-                  <a:ea typeface="+mn-ea"/>
-                </a:defRPr>
-              </a:lvl3pPr>
-              <a:lvl4pPr marL="1600200" indent="-228600" algn="l" rtl="0" eaLnBrk="0" fontAlgn="base" hangingPunct="0">
-                <a:spcBef>
-                  <a:spcPct val="20000"/>
-                </a:spcBef>
-                <a:spcAft>
-                  <a:spcPct val="0"/>
-                </a:spcAft>
-                <a:buChar char="–"/>
-                <a:defRPr sz="2000">
-                  <a:solidFill>
-                    <a:schemeClr val="tx1"/>
-                  </a:solidFill>
-                  <a:latin typeface="+mn-lt"/>
-                  <a:ea typeface="+mn-ea"/>
-                </a:defRPr>
-              </a:lvl4pPr>
-              <a:lvl5pPr marL="2057400" indent="-228600" algn="l" rtl="0" eaLnBrk="0" fontAlgn="base" hangingPunct="0">
-                <a:spcBef>
-                  <a:spcPct val="20000"/>
-                </a:spcBef>
-                <a:spcAft>
-                  <a:spcPct val="0"/>
-                </a:spcAft>
-                <a:buChar char="»"/>
-                <a:defRPr sz="2000">
-                  <a:solidFill>
-                    <a:schemeClr val="tx1"/>
-                  </a:solidFill>
-                  <a:latin typeface="+mn-lt"/>
-                  <a:ea typeface="+mn-ea"/>
-                </a:defRPr>
-              </a:lvl5pPr>
-            </a:lstStyle>
-            <a:p>
-              <a:pPr marL="0" lvl="0" indent="0" eaLnBrk="1" hangingPunct="1">
-                <a:lnSpc>
-                  <a:spcPct val="80000"/>
-                </a:lnSpc>
-                <a:buClr>
-                  <a:schemeClr val="hlink"/>
-                </a:buClr>
-                <a:buFont typeface="Wingdings" panose="05000000000000000000" pitchFamily="2" charset="2"/>
-                <a:buNone/>
-              </a:pPr>
-              <a:endParaRPr lang="zh-CN" altLang="zh-CN" sz="2400" dirty="0">
-                <a:latin typeface="微软雅黑" panose="020B0503020204020204" pitchFamily="34" charset="-122"/>
-                <a:ea typeface="微软雅黑" panose="020B0503020204020204" pitchFamily="34" charset="-122"/>
-              </a:endParaRPr>
-            </a:p>
-          </p:txBody>
-        </p:sp>
-        <p:sp>
-          <p:nvSpPr>
-            <p:cNvPr id="39943" name="AutoShape 4"/>
-            <p:cNvSpPr/>
-            <p:nvPr/>
-          </p:nvSpPr>
-          <p:spPr>
-            <a:xfrm>
-              <a:off x="8772" y="5972"/>
-              <a:ext cx="1205" cy="455"/>
-            </a:xfrm>
-            <a:prstGeom prst="rightArrow">
-              <a:avLst>
-                <a:gd name="adj1" fmla="val 50000"/>
-                <a:gd name="adj2" fmla="val 66208"/>
-              </a:avLst>
-            </a:prstGeom>
-            <a:solidFill>
-              <a:srgbClr val="FFFF99"/>
-            </a:solidFill>
-            <a:ln w="9525" cap="flat" cmpd="sng">
-              <a:solidFill>
-                <a:srgbClr val="009999"/>
-              </a:solidFill>
-              <a:prstDash val="solid"/>
-              <a:miter/>
-              <a:headEnd type="none" w="med" len="med"/>
-              <a:tailEnd type="none" w="med" len="med"/>
-            </a:ln>
-          </p:spPr>
-          <p:txBody>
-            <a:bodyPr wrap="none" anchor="ctr" anchorCtr="false"/>
-            <a:lstStyle>
-              <a:lvl1pPr marL="342900" indent="-342900" algn="l" rtl="0" eaLnBrk="0" fontAlgn="base" hangingPunct="0">
-                <a:spcBef>
-                  <a:spcPct val="20000"/>
-                </a:spcBef>
-                <a:spcAft>
-                  <a:spcPct val="0"/>
-                </a:spcAft>
-                <a:buChar char="•"/>
-                <a:defRPr sz="3200">
-                  <a:solidFill>
-                    <a:schemeClr val="tx1"/>
-                  </a:solidFill>
-                  <a:latin typeface="+mn-lt"/>
-                  <a:ea typeface="+mn-ea"/>
-                  <a:cs typeface="+mn-cs"/>
-                </a:defRPr>
-              </a:lvl1pPr>
-              <a:lvl2pPr marL="742950" indent="-285750" algn="l" rtl="0" eaLnBrk="0" fontAlgn="base" hangingPunct="0">
-                <a:spcBef>
-                  <a:spcPct val="20000"/>
-                </a:spcBef>
-                <a:spcAft>
-                  <a:spcPct val="0"/>
-                </a:spcAft>
-                <a:buChar char="–"/>
-                <a:defRPr sz="2800">
-                  <a:solidFill>
-                    <a:schemeClr val="tx1"/>
-                  </a:solidFill>
-                  <a:latin typeface="+mn-lt"/>
-                  <a:ea typeface="+mn-ea"/>
-                </a:defRPr>
-              </a:lvl2pPr>
-              <a:lvl3pPr marL="1143000" indent="-228600" algn="l" rtl="0" eaLnBrk="0" fontAlgn="base" hangingPunct="0">
-                <a:spcBef>
-                  <a:spcPct val="20000"/>
-                </a:spcBef>
-                <a:spcAft>
-                  <a:spcPct val="0"/>
-                </a:spcAft>
-                <a:buChar char="•"/>
-                <a:defRPr sz="2400">
-                  <a:solidFill>
-                    <a:schemeClr val="tx1"/>
-                  </a:solidFill>
-                  <a:latin typeface="+mn-lt"/>
-                  <a:ea typeface="+mn-ea"/>
-                </a:defRPr>
-              </a:lvl3pPr>
-              <a:lvl4pPr marL="1600200" indent="-228600" algn="l" rtl="0" eaLnBrk="0" fontAlgn="base" hangingPunct="0">
-                <a:spcBef>
-                  <a:spcPct val="20000"/>
-                </a:spcBef>
-                <a:spcAft>
-                  <a:spcPct val="0"/>
-                </a:spcAft>
-                <a:buChar char="–"/>
-                <a:defRPr sz="2000">
-                  <a:solidFill>
-                    <a:schemeClr val="tx1"/>
-                  </a:solidFill>
-                  <a:latin typeface="+mn-lt"/>
-                  <a:ea typeface="+mn-ea"/>
-                </a:defRPr>
-              </a:lvl4pPr>
-              <a:lvl5pPr marL="2057400" indent="-228600" algn="l" rtl="0" eaLnBrk="0" fontAlgn="base" hangingPunct="0">
-                <a:spcBef>
-                  <a:spcPct val="20000"/>
-                </a:spcBef>
-                <a:spcAft>
-                  <a:spcPct val="0"/>
-                </a:spcAft>
-                <a:buChar char="»"/>
-                <a:defRPr sz="2000">
-                  <a:solidFill>
-                    <a:schemeClr val="tx1"/>
-                  </a:solidFill>
-                  <a:latin typeface="+mn-lt"/>
-                  <a:ea typeface="+mn-ea"/>
-                </a:defRPr>
-              </a:lvl5pPr>
-            </a:lstStyle>
-            <a:p>
-              <a:pPr marL="0" lvl="0" indent="0" eaLnBrk="1" hangingPunct="1">
-                <a:lnSpc>
-                  <a:spcPct val="80000"/>
-                </a:lnSpc>
-                <a:buClr>
-                  <a:schemeClr val="hlink"/>
-                </a:buClr>
-                <a:buFont typeface="Wingdings" panose="05000000000000000000" pitchFamily="2" charset="2"/>
-                <a:buNone/>
-              </a:pPr>
-              <a:endParaRPr lang="zh-CN" altLang="zh-CN" sz="2400" dirty="0">
-                <a:latin typeface="微软雅黑" panose="020B0503020204020204" pitchFamily="34" charset="-122"/>
-                <a:ea typeface="微软雅黑" panose="020B0503020204020204" pitchFamily="34" charset="-122"/>
-              </a:endParaRPr>
-            </a:p>
-          </p:txBody>
-        </p:sp>
-        <p:sp>
-          <p:nvSpPr>
-            <p:cNvPr id="39944" name="AutoShape 5"/>
-            <p:cNvSpPr/>
-            <p:nvPr/>
-          </p:nvSpPr>
-          <p:spPr>
-            <a:xfrm rot="-1844063" flipV="true">
-              <a:off x="8465" y="3532"/>
-              <a:ext cx="4537" cy="525"/>
-            </a:xfrm>
-            <a:prstGeom prst="rightArrow">
-              <a:avLst>
-                <a:gd name="adj1" fmla="val 50000"/>
-                <a:gd name="adj2" fmla="val 216071"/>
-              </a:avLst>
-            </a:prstGeom>
-            <a:solidFill>
-              <a:srgbClr val="FFFF99"/>
-            </a:solidFill>
-            <a:ln w="9525" cap="flat" cmpd="sng">
-              <a:solidFill>
-                <a:srgbClr val="009999"/>
-              </a:solidFill>
-              <a:prstDash val="solid"/>
-              <a:miter/>
-              <a:headEnd type="none" w="med" len="med"/>
-              <a:tailEnd type="none" w="med" len="med"/>
-            </a:ln>
-          </p:spPr>
-          <p:txBody>
-            <a:bodyPr wrap="none" anchor="ctr" anchorCtr="false"/>
-            <a:lstStyle>
-              <a:lvl1pPr marL="342900" indent="-342900" algn="l" rtl="0" eaLnBrk="0" fontAlgn="base" hangingPunct="0">
-                <a:spcBef>
-                  <a:spcPct val="20000"/>
-                </a:spcBef>
-                <a:spcAft>
-                  <a:spcPct val="0"/>
-                </a:spcAft>
-                <a:buChar char="•"/>
-                <a:defRPr sz="3200">
-                  <a:solidFill>
-                    <a:schemeClr val="tx1"/>
-                  </a:solidFill>
-                  <a:latin typeface="+mn-lt"/>
-                  <a:ea typeface="+mn-ea"/>
-                  <a:cs typeface="+mn-cs"/>
-                </a:defRPr>
-              </a:lvl1pPr>
-              <a:lvl2pPr marL="742950" indent="-285750" algn="l" rtl="0" eaLnBrk="0" fontAlgn="base" hangingPunct="0">
-                <a:spcBef>
-                  <a:spcPct val="20000"/>
-                </a:spcBef>
-                <a:spcAft>
-                  <a:spcPct val="0"/>
-                </a:spcAft>
-                <a:buChar char="–"/>
-                <a:defRPr sz="2800">
-                  <a:solidFill>
-                    <a:schemeClr val="tx1"/>
-                  </a:solidFill>
-                  <a:latin typeface="+mn-lt"/>
-                  <a:ea typeface="+mn-ea"/>
-                </a:defRPr>
-              </a:lvl2pPr>
-              <a:lvl3pPr marL="1143000" indent="-228600" algn="l" rtl="0" eaLnBrk="0" fontAlgn="base" hangingPunct="0">
-                <a:spcBef>
-                  <a:spcPct val="20000"/>
-                </a:spcBef>
-                <a:spcAft>
-                  <a:spcPct val="0"/>
-                </a:spcAft>
-                <a:buChar char="•"/>
-                <a:defRPr sz="2400">
-                  <a:solidFill>
-                    <a:schemeClr val="tx1"/>
-                  </a:solidFill>
-                  <a:latin typeface="+mn-lt"/>
-                  <a:ea typeface="+mn-ea"/>
-                </a:defRPr>
-              </a:lvl3pPr>
-              <a:lvl4pPr marL="1600200" indent="-228600" algn="l" rtl="0" eaLnBrk="0" fontAlgn="base" hangingPunct="0">
-                <a:spcBef>
-                  <a:spcPct val="20000"/>
-                </a:spcBef>
-                <a:spcAft>
-                  <a:spcPct val="0"/>
-                </a:spcAft>
-                <a:buChar char="–"/>
-                <a:defRPr sz="2000">
-                  <a:solidFill>
-                    <a:schemeClr val="tx1"/>
-                  </a:solidFill>
-                  <a:latin typeface="+mn-lt"/>
-                  <a:ea typeface="+mn-ea"/>
-                </a:defRPr>
-              </a:lvl4pPr>
-              <a:lvl5pPr marL="2057400" indent="-228600" algn="l" rtl="0" eaLnBrk="0" fontAlgn="base" hangingPunct="0">
-                <a:spcBef>
-                  <a:spcPct val="20000"/>
-                </a:spcBef>
-                <a:spcAft>
-                  <a:spcPct val="0"/>
-                </a:spcAft>
-                <a:buChar char="»"/>
-                <a:defRPr sz="2000">
-                  <a:solidFill>
-                    <a:schemeClr val="tx1"/>
-                  </a:solidFill>
-                  <a:latin typeface="+mn-lt"/>
-                  <a:ea typeface="+mn-ea"/>
-                </a:defRPr>
-              </a:lvl5pPr>
-            </a:lstStyle>
-            <a:p>
-              <a:pPr marL="0" lvl="0" indent="0" eaLnBrk="1" hangingPunct="1">
-                <a:lnSpc>
-                  <a:spcPct val="80000"/>
-                </a:lnSpc>
-                <a:buClr>
-                  <a:schemeClr val="hlink"/>
-                </a:buClr>
-                <a:buFont typeface="Wingdings" panose="05000000000000000000" pitchFamily="2" charset="2"/>
-                <a:buNone/>
-              </a:pPr>
-              <a:endParaRPr lang="zh-CN" altLang="zh-CN" sz="2400" dirty="0">
-                <a:latin typeface="微软雅黑" panose="020B0503020204020204" pitchFamily="34" charset="-122"/>
-                <a:ea typeface="微软雅黑" panose="020B0503020204020204" pitchFamily="34" charset="-122"/>
-              </a:endParaRPr>
-            </a:p>
-          </p:txBody>
-        </p:sp>
-        <p:sp>
-          <p:nvSpPr>
-            <p:cNvPr id="39945" name="Rectangle 6"/>
-            <p:cNvSpPr/>
-            <p:nvPr/>
-          </p:nvSpPr>
-          <p:spPr>
-            <a:xfrm>
-              <a:off x="2505" y="1462"/>
-              <a:ext cx="10250" cy="856"/>
-            </a:xfrm>
-            <a:prstGeom prst="rect">
-              <a:avLst/>
-            </a:prstGeom>
-            <a:noFill/>
-            <a:ln w="9525">
-              <a:noFill/>
-            </a:ln>
-          </p:spPr>
-          <p:txBody>
-            <a:bodyPr wrap="square">
-              <a:spAutoFit/>
-            </a:bodyPr>
-            <a:lstStyle>
-              <a:lvl1pPr marL="342900" indent="-342900" algn="l" rtl="0" eaLnBrk="0" fontAlgn="base" hangingPunct="0">
-                <a:spcBef>
-                  <a:spcPct val="20000"/>
-                </a:spcBef>
-                <a:spcAft>
-                  <a:spcPct val="0"/>
-                </a:spcAft>
-                <a:buChar char="•"/>
-                <a:defRPr sz="3200">
-                  <a:solidFill>
-                    <a:schemeClr val="tx1"/>
-                  </a:solidFill>
-                  <a:latin typeface="+mn-lt"/>
-                  <a:ea typeface="+mn-ea"/>
-                  <a:cs typeface="+mn-cs"/>
-                </a:defRPr>
-              </a:lvl1pPr>
-              <a:lvl2pPr marL="742950" indent="-285750" algn="l" rtl="0" eaLnBrk="0" fontAlgn="base" hangingPunct="0">
-                <a:spcBef>
-                  <a:spcPct val="20000"/>
-                </a:spcBef>
-                <a:spcAft>
-                  <a:spcPct val="0"/>
-                </a:spcAft>
-                <a:buChar char="–"/>
-                <a:defRPr sz="2800">
-                  <a:solidFill>
-                    <a:schemeClr val="tx1"/>
-                  </a:solidFill>
-                  <a:latin typeface="+mn-lt"/>
-                  <a:ea typeface="+mn-ea"/>
-                </a:defRPr>
-              </a:lvl2pPr>
-              <a:lvl3pPr marL="1143000" indent="-228600" algn="l" rtl="0" eaLnBrk="0" fontAlgn="base" hangingPunct="0">
-                <a:spcBef>
-                  <a:spcPct val="20000"/>
-                </a:spcBef>
-                <a:spcAft>
-                  <a:spcPct val="0"/>
-                </a:spcAft>
-                <a:buChar char="•"/>
-                <a:defRPr sz="2400">
-                  <a:solidFill>
-                    <a:schemeClr val="tx1"/>
-                  </a:solidFill>
-                  <a:latin typeface="+mn-lt"/>
-                  <a:ea typeface="+mn-ea"/>
-                </a:defRPr>
-              </a:lvl3pPr>
-              <a:lvl4pPr marL="1600200" indent="-228600" algn="l" rtl="0" eaLnBrk="0" fontAlgn="base" hangingPunct="0">
-                <a:spcBef>
-                  <a:spcPct val="20000"/>
-                </a:spcBef>
-                <a:spcAft>
-                  <a:spcPct val="0"/>
-                </a:spcAft>
-                <a:buChar char="–"/>
-                <a:defRPr sz="2000">
-                  <a:solidFill>
-                    <a:schemeClr val="tx1"/>
-                  </a:solidFill>
-                  <a:latin typeface="+mn-lt"/>
-                  <a:ea typeface="+mn-ea"/>
-                </a:defRPr>
-              </a:lvl4pPr>
-              <a:lvl5pPr marL="2057400" indent="-228600" algn="l" rtl="0" eaLnBrk="0" fontAlgn="base" hangingPunct="0">
-                <a:spcBef>
-                  <a:spcPct val="20000"/>
-                </a:spcBef>
-                <a:spcAft>
-                  <a:spcPct val="0"/>
-                </a:spcAft>
-                <a:buChar char="»"/>
-                <a:defRPr sz="2000">
-                  <a:solidFill>
-                    <a:schemeClr val="tx1"/>
-                  </a:solidFill>
-                  <a:latin typeface="+mn-lt"/>
-                  <a:ea typeface="+mn-ea"/>
-                </a:defRPr>
-              </a:lvl5pPr>
-            </a:lstStyle>
-            <a:p>
-              <a:pPr marL="0" lvl="0" indent="0" eaLnBrk="1" hangingPunct="1">
-                <a:spcBef>
-                  <a:spcPct val="0"/>
-                </a:spcBef>
-                <a:buNone/>
-              </a:pPr>
-              <a:r>
-                <a:rPr lang="zh-CN" altLang="en-US" sz="2800" b="1" dirty="0">
-                  <a:latin typeface="微软雅黑" panose="020B0503020204020204" pitchFamily="34" charset="-122"/>
-                  <a:ea typeface="微软雅黑" panose="020B0503020204020204" pitchFamily="34" charset="-122"/>
-                </a:rPr>
-                <a:t>信用已经成为市场经济最为稀缺的资源</a:t>
-              </a:r>
-              <a:endParaRPr lang="zh-CN" altLang="en-US" sz="2800" b="1" dirty="0">
-                <a:latin typeface="微软雅黑" panose="020B0503020204020204" pitchFamily="34" charset="-122"/>
-                <a:ea typeface="微软雅黑" panose="020B0503020204020204" pitchFamily="34" charset="-122"/>
-              </a:endParaRPr>
-            </a:p>
-          </p:txBody>
-        </p:sp>
-        <p:sp>
-          <p:nvSpPr>
-            <p:cNvPr id="565255" name="Oval 7"/>
+            <p:cNvPr id="565258" name="Oval 10"/>
             <p:cNvSpPr>
               <a:spLocks noChangeArrowheads="true"/>
             </p:cNvSpPr>
@@ -13501,8 +13695,8 @@
           </p:nvSpPr>
           <p:spPr bwMode="gray">
             <a:xfrm>
-              <a:off x="12855" y="1664"/>
-              <a:ext cx="3403" cy="3403"/>
+              <a:off x="3606" y="709"/>
+              <a:ext cx="1183" cy="1183"/>
             </a:xfrm>
             <a:prstGeom prst="ellipse">
               <a:avLst/>
@@ -13512,7 +13706,7 @@
                 <a:gs pos="0">
                   <a:schemeClr val="folHlink">
                     <a:gamma/>
-                    <a:tint val="0"/>
+                    <a:shade val="54118"/>
                     <a:invGamma/>
                   </a:schemeClr>
                 </a:gs>
@@ -13521,1380 +13715,6 @@
                 </a:gs>
                 <a:gs pos="100000">
                   <a:schemeClr val="folHlink">
-                    <a:gamma/>
-                    <a:tint val="0"/>
-                    <a:invGamma/>
-                  </a:schemeClr>
-                </a:gs>
-              </a:gsLst>
-              <a:lin ang="2700000" scaled="true"/>
-            </a:gradFill>
-            <a:ln w="38100" algn="ctr">
-              <a:noFill/>
-              <a:round/>
-            </a:ln>
-            <a:effectLst/>
-          </p:spPr>
-          <p:txBody>
-            <a:bodyPr wrap="square" anchor="ctr">
-              <a:spAutoFit/>
-            </a:bodyPr>
-            <a:lstStyle/>
-            <a:p>
-              <a:pPr marL="0" marR="0" lvl="0" indent="0" algn="l" defTabSz="914400" rtl="0" eaLnBrk="1" fontAlgn="base" latinLnBrk="0" hangingPunct="1">
-                <a:lnSpc>
-                  <a:spcPct val="80000"/>
-                </a:lnSpc>
-                <a:spcBef>
-                  <a:spcPct val="20000"/>
-                </a:spcBef>
-                <a:spcAft>
-                  <a:spcPct val="0"/>
-                </a:spcAft>
-                <a:buClr>
-                  <a:schemeClr val="hlink"/>
-                </a:buClr>
-                <a:buSzTx/>
-                <a:buFont typeface="Wingdings" panose="05000000000000000000" pitchFamily="2" charset="2"/>
-                <a:buNone/>
-                <a:defRPr/>
-              </a:pPr>
-              <a:endParaRPr kumimoji="0" lang="zh-CN" altLang="en-US" sz="2400" b="0" i="0" u="none" strike="noStrike" kern="1200" cap="none" spc="0" normalizeH="0" baseline="0" noProof="0">
-                <a:ln>
-                  <a:noFill/>
-                </a:ln>
-                <a:solidFill>
-                  <a:schemeClr val="tx1"/>
-                </a:solidFill>
-                <a:effectLst/>
-                <a:uLnTx/>
-                <a:uFillTx/>
-                <a:latin typeface="微软雅黑" panose="020B0503020204020204" pitchFamily="34" charset="-122"/>
-                <a:ea typeface="微软雅黑" panose="020B0503020204020204" pitchFamily="34" charset="-122"/>
-                <a:cs typeface="+mn-cs"/>
-              </a:endParaRPr>
-            </a:p>
-          </p:txBody>
-        </p:sp>
-        <p:sp>
-          <p:nvSpPr>
-            <p:cNvPr id="565256" name="Oval 8"/>
-            <p:cNvSpPr>
-              <a:spLocks noChangeArrowheads="true"/>
-            </p:cNvSpPr>
-            <p:nvPr/>
-          </p:nvSpPr>
-          <p:spPr bwMode="gray">
-            <a:xfrm>
-              <a:off x="13055" y="1864"/>
-              <a:ext cx="3403" cy="3403"/>
-            </a:xfrm>
-            <a:prstGeom prst="ellipse">
-              <a:avLst/>
-            </a:prstGeom>
-            <a:gradFill rotWithShape="true">
-              <a:gsLst>
-                <a:gs pos="0">
-                  <a:schemeClr val="folHlink">
-                    <a:alpha val="32001"/>
-                  </a:schemeClr>
-                </a:gs>
-                <a:gs pos="100000">
-                  <a:schemeClr val="folHlink">
-                    <a:gamma/>
-                    <a:shade val="0"/>
-                    <a:invGamma/>
-                    <a:alpha val="89999"/>
-                  </a:schemeClr>
-                </a:gs>
-              </a:gsLst>
-              <a:lin ang="2700000" scaled="true"/>
-            </a:gradFill>
-            <a:ln w="38100" algn="ctr">
-              <a:noFill/>
-              <a:round/>
-            </a:ln>
-            <a:effectLst/>
-          </p:spPr>
-          <p:txBody>
-            <a:bodyPr wrap="square" anchor="ctr">
-              <a:spAutoFit/>
-            </a:bodyPr>
-            <a:lstStyle/>
-            <a:p>
-              <a:pPr marL="0" marR="0" lvl="0" indent="0" algn="l" defTabSz="914400" rtl="0" eaLnBrk="1" fontAlgn="base" latinLnBrk="0" hangingPunct="1">
-                <a:lnSpc>
-                  <a:spcPct val="80000"/>
-                </a:lnSpc>
-                <a:spcBef>
-                  <a:spcPct val="20000"/>
-                </a:spcBef>
-                <a:spcAft>
-                  <a:spcPct val="0"/>
-                </a:spcAft>
-                <a:buClr>
-                  <a:schemeClr val="hlink"/>
-                </a:buClr>
-                <a:buSzTx/>
-                <a:buFont typeface="Wingdings" panose="05000000000000000000" pitchFamily="2" charset="2"/>
-                <a:buNone/>
-                <a:defRPr/>
-              </a:pPr>
-              <a:endParaRPr kumimoji="0" lang="zh-CN" altLang="en-US" sz="2400" b="0" i="0" u="none" strike="noStrike" kern="1200" cap="none" spc="0" normalizeH="0" baseline="0" noProof="0">
-                <a:ln>
-                  <a:noFill/>
-                </a:ln>
-                <a:solidFill>
-                  <a:schemeClr val="tx1"/>
-                </a:solidFill>
-                <a:effectLst/>
-                <a:uLnTx/>
-                <a:uFillTx/>
-                <a:latin typeface="微软雅黑" panose="020B0503020204020204" pitchFamily="34" charset="-122"/>
-                <a:ea typeface="微软雅黑" panose="020B0503020204020204" pitchFamily="34" charset="-122"/>
-                <a:cs typeface="+mn-cs"/>
-              </a:endParaRPr>
-            </a:p>
-          </p:txBody>
-        </p:sp>
-        <p:grpSp>
-          <p:nvGrpSpPr>
-            <p:cNvPr id="39948" name="Group 9"/>
-            <p:cNvGrpSpPr/>
-            <p:nvPr/>
-          </p:nvGrpSpPr>
-          <p:grpSpPr>
-            <a:xfrm>
-              <a:off x="13082" y="1892"/>
-              <a:ext cx="2958" cy="2957"/>
-              <a:chOff x="3606" y="709"/>
-              <a:chExt cx="1183" cy="1183"/>
-            </a:xfrm>
-          </p:grpSpPr>
-          <p:sp>
-            <p:nvSpPr>
-              <p:cNvPr id="565258" name="Oval 10"/>
-              <p:cNvSpPr>
-                <a:spLocks noChangeArrowheads="true"/>
-              </p:cNvSpPr>
-              <p:nvPr/>
-            </p:nvSpPr>
-            <p:spPr bwMode="gray">
-              <a:xfrm>
-                <a:off x="3606" y="709"/>
-                <a:ext cx="1183" cy="1183"/>
-              </a:xfrm>
-              <a:prstGeom prst="ellipse">
-                <a:avLst/>
-              </a:prstGeom>
-              <a:gradFill rotWithShape="true">
-                <a:gsLst>
-                  <a:gs pos="0">
-                    <a:schemeClr val="folHlink">
-                      <a:gamma/>
-                      <a:shade val="54118"/>
-                      <a:invGamma/>
-                    </a:schemeClr>
-                  </a:gs>
-                  <a:gs pos="50000">
-                    <a:schemeClr val="folHlink"/>
-                  </a:gs>
-                  <a:gs pos="100000">
-                    <a:schemeClr val="folHlink">
-                      <a:gamma/>
-                      <a:shade val="54118"/>
-                      <a:invGamma/>
-                    </a:schemeClr>
-                  </a:gs>
-                </a:gsLst>
-                <a:lin ang="18900000" scaled="true"/>
-              </a:gradFill>
-              <a:ln w="38100" algn="ctr">
-                <a:noFill/>
-                <a:round/>
-              </a:ln>
-              <a:effectLst/>
-            </p:spPr>
-            <p:txBody>
-              <a:bodyPr anchor="ctr">
-                <a:spAutoFit/>
-              </a:bodyPr>
-              <a:lstStyle/>
-              <a:p>
-                <a:pPr marL="0" marR="0" lvl="0" indent="0" algn="l" defTabSz="914400" rtl="0" eaLnBrk="1" fontAlgn="base" latinLnBrk="0" hangingPunct="1">
-                  <a:lnSpc>
-                    <a:spcPct val="80000"/>
-                  </a:lnSpc>
-                  <a:spcBef>
-                    <a:spcPct val="20000"/>
-                  </a:spcBef>
-                  <a:spcAft>
-                    <a:spcPct val="0"/>
-                  </a:spcAft>
-                  <a:buClr>
-                    <a:schemeClr val="hlink"/>
-                  </a:buClr>
-                  <a:buSzTx/>
-                  <a:buFont typeface="Wingdings" panose="05000000000000000000" pitchFamily="2" charset="2"/>
-                  <a:buNone/>
-                  <a:defRPr/>
-                </a:pPr>
-                <a:endParaRPr kumimoji="0" lang="zh-CN" altLang="en-US" sz="2400" b="0" i="0" u="none" strike="noStrike" kern="1200" cap="none" spc="0" normalizeH="0" baseline="0" noProof="0">
-                  <a:ln>
-                    <a:noFill/>
-                  </a:ln>
-                  <a:solidFill>
-                    <a:schemeClr val="tx1"/>
-                  </a:solidFill>
-                  <a:effectLst/>
-                  <a:uLnTx/>
-                  <a:uFillTx/>
-                  <a:latin typeface="微软雅黑" panose="020B0503020204020204" pitchFamily="34" charset="-122"/>
-                  <a:ea typeface="微软雅黑" panose="020B0503020204020204" pitchFamily="34" charset="-122"/>
-                  <a:cs typeface="+mn-cs"/>
-                </a:endParaRPr>
-              </a:p>
-            </p:txBody>
-          </p:sp>
-          <p:sp>
-            <p:nvSpPr>
-              <p:cNvPr id="565259" name="Oval 11"/>
-              <p:cNvSpPr>
-                <a:spLocks noChangeArrowheads="true"/>
-              </p:cNvSpPr>
-              <p:nvPr/>
-            </p:nvSpPr>
-            <p:spPr bwMode="gray">
-              <a:xfrm>
-                <a:off x="3606" y="709"/>
-                <a:ext cx="1183" cy="1183"/>
-              </a:xfrm>
-              <a:prstGeom prst="ellipse">
-                <a:avLst/>
-              </a:prstGeom>
-              <a:gradFill rotWithShape="true">
-                <a:gsLst>
-                  <a:gs pos="0">
-                    <a:schemeClr val="folHlink">
-                      <a:gamma/>
-                      <a:shade val="63529"/>
-                      <a:invGamma/>
-                    </a:schemeClr>
-                  </a:gs>
-                  <a:gs pos="100000">
-                    <a:schemeClr val="folHlink">
-                      <a:alpha val="0"/>
-                    </a:schemeClr>
-                  </a:gs>
-                </a:gsLst>
-                <a:lin ang="2700000" scaled="true"/>
-              </a:gradFill>
-              <a:ln w="38100" algn="ctr">
-                <a:noFill/>
-                <a:round/>
-              </a:ln>
-              <a:effectLst/>
-            </p:spPr>
-            <p:txBody>
-              <a:bodyPr anchor="ctr">
-                <a:spAutoFit/>
-              </a:bodyPr>
-              <a:lstStyle/>
-              <a:p>
-                <a:pPr marL="0" marR="0" lvl="0" indent="0" algn="l" defTabSz="914400" rtl="0" eaLnBrk="1" fontAlgn="base" latinLnBrk="0" hangingPunct="1">
-                  <a:lnSpc>
-                    <a:spcPct val="80000"/>
-                  </a:lnSpc>
-                  <a:spcBef>
-                    <a:spcPct val="20000"/>
-                  </a:spcBef>
-                  <a:spcAft>
-                    <a:spcPct val="0"/>
-                  </a:spcAft>
-                  <a:buClr>
-                    <a:schemeClr val="hlink"/>
-                  </a:buClr>
-                  <a:buSzTx/>
-                  <a:buFont typeface="Wingdings" panose="05000000000000000000" pitchFamily="2" charset="2"/>
-                  <a:buNone/>
-                  <a:defRPr/>
-                </a:pPr>
-                <a:endParaRPr kumimoji="0" lang="zh-CN" altLang="en-US" sz="2400" b="0" i="0" u="none" strike="noStrike" kern="1200" cap="none" spc="0" normalizeH="0" baseline="0" noProof="0">
-                  <a:ln>
-                    <a:noFill/>
-                  </a:ln>
-                  <a:solidFill>
-                    <a:schemeClr val="tx1"/>
-                  </a:solidFill>
-                  <a:effectLst/>
-                  <a:uLnTx/>
-                  <a:uFillTx/>
-                  <a:latin typeface="微软雅黑" panose="020B0503020204020204" pitchFamily="34" charset="-122"/>
-                  <a:ea typeface="微软雅黑" panose="020B0503020204020204" pitchFamily="34" charset="-122"/>
-                  <a:cs typeface="+mn-cs"/>
-                </a:endParaRPr>
-              </a:p>
-            </p:txBody>
-          </p:sp>
-          <p:sp>
-            <p:nvSpPr>
-              <p:cNvPr id="39981" name="Oval 12"/>
-              <p:cNvSpPr/>
-              <p:nvPr/>
-            </p:nvSpPr>
-            <p:spPr>
-              <a:xfrm>
-                <a:off x="3651" y="799"/>
-                <a:ext cx="1065" cy="1065"/>
-              </a:xfrm>
-              <a:prstGeom prst="ellipse">
-                <a:avLst/>
-              </a:prstGeom>
-              <a:solidFill>
-                <a:srgbClr val="333333"/>
-              </a:solidFill>
-              <a:ln w="38100">
-                <a:noFill/>
-              </a:ln>
-            </p:spPr>
-            <p:txBody>
-              <a:bodyPr anchor="ctr" anchorCtr="false">
-                <a:spAutoFit/>
-              </a:bodyPr>
-              <a:lstStyle>
-                <a:lvl1pPr marL="342900" indent="-342900" algn="l" rtl="0" eaLnBrk="0" fontAlgn="base" hangingPunct="0">
-                  <a:spcBef>
-                    <a:spcPct val="20000"/>
-                  </a:spcBef>
-                  <a:spcAft>
-                    <a:spcPct val="0"/>
-                  </a:spcAft>
-                  <a:buChar char="•"/>
-                  <a:defRPr sz="3200">
-                    <a:solidFill>
-                      <a:schemeClr val="tx1"/>
-                    </a:solidFill>
-                    <a:latin typeface="+mn-lt"/>
-                    <a:ea typeface="+mn-ea"/>
-                    <a:cs typeface="+mn-cs"/>
-                  </a:defRPr>
-                </a:lvl1pPr>
-                <a:lvl2pPr marL="742950" indent="-285750" algn="l" rtl="0" eaLnBrk="0" fontAlgn="base" hangingPunct="0">
-                  <a:spcBef>
-                    <a:spcPct val="20000"/>
-                  </a:spcBef>
-                  <a:spcAft>
-                    <a:spcPct val="0"/>
-                  </a:spcAft>
-                  <a:buChar char="–"/>
-                  <a:defRPr sz="2800">
-                    <a:solidFill>
-                      <a:schemeClr val="tx1"/>
-                    </a:solidFill>
-                    <a:latin typeface="+mn-lt"/>
-                    <a:ea typeface="+mn-ea"/>
-                  </a:defRPr>
-                </a:lvl2pPr>
-                <a:lvl3pPr marL="1143000" indent="-228600" algn="l" rtl="0" eaLnBrk="0" fontAlgn="base" hangingPunct="0">
-                  <a:spcBef>
-                    <a:spcPct val="20000"/>
-                  </a:spcBef>
-                  <a:spcAft>
-                    <a:spcPct val="0"/>
-                  </a:spcAft>
-                  <a:buChar char="•"/>
-                  <a:defRPr sz="2400">
-                    <a:solidFill>
-                      <a:schemeClr val="tx1"/>
-                    </a:solidFill>
-                    <a:latin typeface="+mn-lt"/>
-                    <a:ea typeface="+mn-ea"/>
-                  </a:defRPr>
-                </a:lvl3pPr>
-                <a:lvl4pPr marL="1600200" indent="-228600" algn="l" rtl="0" eaLnBrk="0" fontAlgn="base" hangingPunct="0">
-                  <a:spcBef>
-                    <a:spcPct val="20000"/>
-                  </a:spcBef>
-                  <a:spcAft>
-                    <a:spcPct val="0"/>
-                  </a:spcAft>
-                  <a:buChar char="–"/>
-                  <a:defRPr sz="2000">
-                    <a:solidFill>
-                      <a:schemeClr val="tx1"/>
-                    </a:solidFill>
-                    <a:latin typeface="+mn-lt"/>
-                    <a:ea typeface="+mn-ea"/>
-                  </a:defRPr>
-                </a:lvl4pPr>
-                <a:lvl5pPr marL="2057400" indent="-228600" algn="l" rtl="0" eaLnBrk="0" fontAlgn="base" hangingPunct="0">
-                  <a:spcBef>
-                    <a:spcPct val="20000"/>
-                  </a:spcBef>
-                  <a:spcAft>
-                    <a:spcPct val="0"/>
-                  </a:spcAft>
-                  <a:buChar char="»"/>
-                  <a:defRPr sz="2000">
-                    <a:solidFill>
-                      <a:schemeClr val="tx1"/>
-                    </a:solidFill>
-                    <a:latin typeface="+mn-lt"/>
-                    <a:ea typeface="+mn-ea"/>
-                  </a:defRPr>
-                </a:lvl5pPr>
-              </a:lstStyle>
-              <a:p>
-                <a:pPr marL="0" lvl="0" indent="0" eaLnBrk="1" hangingPunct="1">
-                  <a:lnSpc>
-                    <a:spcPct val="80000"/>
-                  </a:lnSpc>
-                  <a:buClr>
-                    <a:schemeClr val="hlink"/>
-                  </a:buClr>
-                  <a:buFont typeface="Wingdings" panose="05000000000000000000" pitchFamily="2" charset="2"/>
-                  <a:buNone/>
-                </a:pPr>
-                <a:endParaRPr lang="zh-CN" altLang="zh-CN" sz="2400" dirty="0">
-                  <a:latin typeface="微软雅黑" panose="020B0503020204020204" pitchFamily="34" charset="-122"/>
-                  <a:ea typeface="微软雅黑" panose="020B0503020204020204" pitchFamily="34" charset="-122"/>
-                </a:endParaRPr>
-              </a:p>
-            </p:txBody>
-          </p:sp>
-          <p:grpSp>
-            <p:nvGrpSpPr>
-              <p:cNvPr id="39982" name="Group 13"/>
-              <p:cNvGrpSpPr/>
-              <p:nvPr/>
-            </p:nvGrpSpPr>
-            <p:grpSpPr>
-              <a:xfrm>
-                <a:off x="3696" y="799"/>
-                <a:ext cx="1031" cy="1031"/>
-                <a:chOff x="4166" y="1706"/>
-                <a:chExt cx="1252" cy="1252"/>
-              </a:xfrm>
-            </p:grpSpPr>
-            <p:sp>
-              <p:nvSpPr>
-                <p:cNvPr id="39984" name="Oval 14"/>
-                <p:cNvSpPr/>
-                <p:nvPr/>
-              </p:nvSpPr>
-              <p:spPr>
-                <a:xfrm>
-                  <a:off x="4166" y="1706"/>
-                  <a:ext cx="1252" cy="1252"/>
-                </a:xfrm>
-                <a:prstGeom prst="ellipse">
-                  <a:avLst/>
-                </a:prstGeom>
-                <a:gradFill rotWithShape="true">
-                  <a:gsLst>
-                    <a:gs pos="0">
-                      <a:srgbClr val="636869"/>
-                    </a:gs>
-                    <a:gs pos="100000">
-                      <a:srgbClr val="D6E1E2"/>
-                    </a:gs>
-                  </a:gsLst>
-                  <a:lin ang="5400000" scaled="true"/>
-                  <a:tileRect/>
-                </a:gradFill>
-                <a:ln w="9525">
-                  <a:noFill/>
-                </a:ln>
-              </p:spPr>
-              <p:txBody>
-                <a:bodyPr vert="eaVert" wrap="none" anchor="ctr" anchorCtr="false"/>
-                <a:lstStyle>
-                  <a:lvl1pPr marL="342900" indent="-342900" algn="l" rtl="0" eaLnBrk="0" fontAlgn="base" hangingPunct="0">
-                    <a:spcBef>
-                      <a:spcPct val="20000"/>
-                    </a:spcBef>
-                    <a:spcAft>
-                      <a:spcPct val="0"/>
-                    </a:spcAft>
-                    <a:buChar char="•"/>
-                    <a:defRPr sz="3200">
-                      <a:solidFill>
-                        <a:schemeClr val="tx1"/>
-                      </a:solidFill>
-                      <a:latin typeface="+mn-lt"/>
-                      <a:ea typeface="+mn-ea"/>
-                      <a:cs typeface="+mn-cs"/>
-                    </a:defRPr>
-                  </a:lvl1pPr>
-                  <a:lvl2pPr marL="742950" indent="-285750" algn="l" rtl="0" eaLnBrk="0" fontAlgn="base" hangingPunct="0">
-                    <a:spcBef>
-                      <a:spcPct val="20000"/>
-                    </a:spcBef>
-                    <a:spcAft>
-                      <a:spcPct val="0"/>
-                    </a:spcAft>
-                    <a:buChar char="–"/>
-                    <a:defRPr sz="2800">
-                      <a:solidFill>
-                        <a:schemeClr val="tx1"/>
-                      </a:solidFill>
-                      <a:latin typeface="+mn-lt"/>
-                      <a:ea typeface="+mn-ea"/>
-                    </a:defRPr>
-                  </a:lvl2pPr>
-                  <a:lvl3pPr marL="1143000" indent="-228600" algn="l" rtl="0" eaLnBrk="0" fontAlgn="base" hangingPunct="0">
-                    <a:spcBef>
-                      <a:spcPct val="20000"/>
-                    </a:spcBef>
-                    <a:spcAft>
-                      <a:spcPct val="0"/>
-                    </a:spcAft>
-                    <a:buChar char="•"/>
-                    <a:defRPr sz="2400">
-                      <a:solidFill>
-                        <a:schemeClr val="tx1"/>
-                      </a:solidFill>
-                      <a:latin typeface="+mn-lt"/>
-                      <a:ea typeface="+mn-ea"/>
-                    </a:defRPr>
-                  </a:lvl3pPr>
-                  <a:lvl4pPr marL="1600200" indent="-228600" algn="l" rtl="0" eaLnBrk="0" fontAlgn="base" hangingPunct="0">
-                    <a:spcBef>
-                      <a:spcPct val="20000"/>
-                    </a:spcBef>
-                    <a:spcAft>
-                      <a:spcPct val="0"/>
-                    </a:spcAft>
-                    <a:buChar char="–"/>
-                    <a:defRPr sz="2000">
-                      <a:solidFill>
-                        <a:schemeClr val="tx1"/>
-                      </a:solidFill>
-                      <a:latin typeface="+mn-lt"/>
-                      <a:ea typeface="+mn-ea"/>
-                    </a:defRPr>
-                  </a:lvl4pPr>
-                  <a:lvl5pPr marL="2057400" indent="-228600" algn="l" rtl="0" eaLnBrk="0" fontAlgn="base" hangingPunct="0">
-                    <a:spcBef>
-                      <a:spcPct val="20000"/>
-                    </a:spcBef>
-                    <a:spcAft>
-                      <a:spcPct val="0"/>
-                    </a:spcAft>
-                    <a:buChar char="»"/>
-                    <a:defRPr sz="2000">
-                      <a:solidFill>
-                        <a:schemeClr val="tx1"/>
-                      </a:solidFill>
-                      <a:latin typeface="+mn-lt"/>
-                      <a:ea typeface="+mn-ea"/>
-                    </a:defRPr>
-                  </a:lvl5pPr>
-                </a:lstStyle>
-                <a:p>
-                  <a:pPr marL="0" lvl="0" indent="0" eaLnBrk="1" hangingPunct="1">
-                    <a:lnSpc>
-                      <a:spcPct val="80000"/>
-                    </a:lnSpc>
-                    <a:buClr>
-                      <a:schemeClr val="hlink"/>
-                    </a:buClr>
-                    <a:buFont typeface="Wingdings" panose="05000000000000000000" pitchFamily="2" charset="2"/>
-                    <a:buNone/>
-                  </a:pPr>
-                  <a:endParaRPr lang="zh-CN" altLang="zh-CN" sz="2400" dirty="0">
-                    <a:latin typeface="微软雅黑" panose="020B0503020204020204" pitchFamily="34" charset="-122"/>
-                    <a:ea typeface="微软雅黑" panose="020B0503020204020204" pitchFamily="34" charset="-122"/>
-                  </a:endParaRPr>
-                </a:p>
-              </p:txBody>
-            </p:sp>
-            <p:sp>
-              <p:nvSpPr>
-                <p:cNvPr id="39985" name="Oval 15"/>
-                <p:cNvSpPr/>
-                <p:nvPr/>
-              </p:nvSpPr>
-              <p:spPr>
-                <a:xfrm>
-                  <a:off x="4182" y="1713"/>
-                  <a:ext cx="1222" cy="1221"/>
-                </a:xfrm>
-                <a:prstGeom prst="ellipse">
-                  <a:avLst/>
-                </a:prstGeom>
-                <a:gradFill rotWithShape="true">
-                  <a:gsLst>
-                    <a:gs pos="0">
-                      <a:srgbClr val="D6E1E2">
-                        <a:alpha val="0"/>
-                      </a:srgbClr>
-                    </a:gs>
-                    <a:gs pos="100000">
-                      <a:srgbClr val="F1F5F5"/>
-                    </a:gs>
-                  </a:gsLst>
-                  <a:lin ang="5400000" scaled="true"/>
-                  <a:tileRect/>
-                </a:gradFill>
-                <a:ln w="9525">
-                  <a:noFill/>
-                </a:ln>
-              </p:spPr>
-              <p:txBody>
-                <a:bodyPr vert="eaVert" wrap="none" anchor="ctr" anchorCtr="false"/>
-                <a:lstStyle>
-                  <a:lvl1pPr marL="342900" indent="-342900" algn="l" rtl="0" eaLnBrk="0" fontAlgn="base" hangingPunct="0">
-                    <a:spcBef>
-                      <a:spcPct val="20000"/>
-                    </a:spcBef>
-                    <a:spcAft>
-                      <a:spcPct val="0"/>
-                    </a:spcAft>
-                    <a:buChar char="•"/>
-                    <a:defRPr sz="3200">
-                      <a:solidFill>
-                        <a:schemeClr val="tx1"/>
-                      </a:solidFill>
-                      <a:latin typeface="+mn-lt"/>
-                      <a:ea typeface="+mn-ea"/>
-                      <a:cs typeface="+mn-cs"/>
-                    </a:defRPr>
-                  </a:lvl1pPr>
-                  <a:lvl2pPr marL="742950" indent="-285750" algn="l" rtl="0" eaLnBrk="0" fontAlgn="base" hangingPunct="0">
-                    <a:spcBef>
-                      <a:spcPct val="20000"/>
-                    </a:spcBef>
-                    <a:spcAft>
-                      <a:spcPct val="0"/>
-                    </a:spcAft>
-                    <a:buChar char="–"/>
-                    <a:defRPr sz="2800">
-                      <a:solidFill>
-                        <a:schemeClr val="tx1"/>
-                      </a:solidFill>
-                      <a:latin typeface="+mn-lt"/>
-                      <a:ea typeface="+mn-ea"/>
-                    </a:defRPr>
-                  </a:lvl2pPr>
-                  <a:lvl3pPr marL="1143000" indent="-228600" algn="l" rtl="0" eaLnBrk="0" fontAlgn="base" hangingPunct="0">
-                    <a:spcBef>
-                      <a:spcPct val="20000"/>
-                    </a:spcBef>
-                    <a:spcAft>
-                      <a:spcPct val="0"/>
-                    </a:spcAft>
-                    <a:buChar char="•"/>
-                    <a:defRPr sz="2400">
-                      <a:solidFill>
-                        <a:schemeClr val="tx1"/>
-                      </a:solidFill>
-                      <a:latin typeface="+mn-lt"/>
-                      <a:ea typeface="+mn-ea"/>
-                    </a:defRPr>
-                  </a:lvl3pPr>
-                  <a:lvl4pPr marL="1600200" indent="-228600" algn="l" rtl="0" eaLnBrk="0" fontAlgn="base" hangingPunct="0">
-                    <a:spcBef>
-                      <a:spcPct val="20000"/>
-                    </a:spcBef>
-                    <a:spcAft>
-                      <a:spcPct val="0"/>
-                    </a:spcAft>
-                    <a:buChar char="–"/>
-                    <a:defRPr sz="2000">
-                      <a:solidFill>
-                        <a:schemeClr val="tx1"/>
-                      </a:solidFill>
-                      <a:latin typeface="+mn-lt"/>
-                      <a:ea typeface="+mn-ea"/>
-                    </a:defRPr>
-                  </a:lvl4pPr>
-                  <a:lvl5pPr marL="2057400" indent="-228600" algn="l" rtl="0" eaLnBrk="0" fontAlgn="base" hangingPunct="0">
-                    <a:spcBef>
-                      <a:spcPct val="20000"/>
-                    </a:spcBef>
-                    <a:spcAft>
-                      <a:spcPct val="0"/>
-                    </a:spcAft>
-                    <a:buChar char="»"/>
-                    <a:defRPr sz="2000">
-                      <a:solidFill>
-                        <a:schemeClr val="tx1"/>
-                      </a:solidFill>
-                      <a:latin typeface="+mn-lt"/>
-                      <a:ea typeface="+mn-ea"/>
-                    </a:defRPr>
-                  </a:lvl5pPr>
-                </a:lstStyle>
-                <a:p>
-                  <a:pPr marL="0" lvl="0" indent="0" eaLnBrk="1" hangingPunct="1">
-                    <a:lnSpc>
-                      <a:spcPct val="80000"/>
-                    </a:lnSpc>
-                    <a:buClr>
-                      <a:schemeClr val="hlink"/>
-                    </a:buClr>
-                    <a:buFont typeface="Wingdings" panose="05000000000000000000" pitchFamily="2" charset="2"/>
-                    <a:buNone/>
-                  </a:pPr>
-                  <a:endParaRPr lang="zh-CN" altLang="zh-CN" sz="2400" dirty="0">
-                    <a:latin typeface="微软雅黑" panose="020B0503020204020204" pitchFamily="34" charset="-122"/>
-                    <a:ea typeface="微软雅黑" panose="020B0503020204020204" pitchFamily="34" charset="-122"/>
-                  </a:endParaRPr>
-                </a:p>
-              </p:txBody>
-            </p:sp>
-            <p:sp>
-              <p:nvSpPr>
-                <p:cNvPr id="39986" name="Oval 16"/>
-                <p:cNvSpPr/>
-                <p:nvPr/>
-              </p:nvSpPr>
-              <p:spPr>
-                <a:xfrm>
-                  <a:off x="4195" y="1725"/>
-                  <a:ext cx="1162" cy="1141"/>
-                </a:xfrm>
-                <a:prstGeom prst="ellipse">
-                  <a:avLst/>
-                </a:prstGeom>
-                <a:gradFill rotWithShape="true">
-                  <a:gsLst>
-                    <a:gs pos="0">
-                      <a:srgbClr val="AAB2B3"/>
-                    </a:gs>
-                    <a:gs pos="100000">
-                      <a:srgbClr val="D6E1E2">
-                        <a:alpha val="48000"/>
-                      </a:srgbClr>
-                    </a:gs>
-                  </a:gsLst>
-                  <a:lin ang="5400000" scaled="true"/>
-                  <a:tileRect/>
-                </a:gradFill>
-                <a:ln w="9525">
-                  <a:noFill/>
-                </a:ln>
-              </p:spPr>
-              <p:txBody>
-                <a:bodyPr vert="eaVert" wrap="none" anchor="ctr" anchorCtr="false"/>
-                <a:lstStyle>
-                  <a:lvl1pPr marL="342900" indent="-342900" algn="l" rtl="0" eaLnBrk="0" fontAlgn="base" hangingPunct="0">
-                    <a:spcBef>
-                      <a:spcPct val="20000"/>
-                    </a:spcBef>
-                    <a:spcAft>
-                      <a:spcPct val="0"/>
-                    </a:spcAft>
-                    <a:buChar char="•"/>
-                    <a:defRPr sz="3200">
-                      <a:solidFill>
-                        <a:schemeClr val="tx1"/>
-                      </a:solidFill>
-                      <a:latin typeface="+mn-lt"/>
-                      <a:ea typeface="+mn-ea"/>
-                      <a:cs typeface="+mn-cs"/>
-                    </a:defRPr>
-                  </a:lvl1pPr>
-                  <a:lvl2pPr marL="742950" indent="-285750" algn="l" rtl="0" eaLnBrk="0" fontAlgn="base" hangingPunct="0">
-                    <a:spcBef>
-                      <a:spcPct val="20000"/>
-                    </a:spcBef>
-                    <a:spcAft>
-                      <a:spcPct val="0"/>
-                    </a:spcAft>
-                    <a:buChar char="–"/>
-                    <a:defRPr sz="2800">
-                      <a:solidFill>
-                        <a:schemeClr val="tx1"/>
-                      </a:solidFill>
-                      <a:latin typeface="+mn-lt"/>
-                      <a:ea typeface="+mn-ea"/>
-                    </a:defRPr>
-                  </a:lvl2pPr>
-                  <a:lvl3pPr marL="1143000" indent="-228600" algn="l" rtl="0" eaLnBrk="0" fontAlgn="base" hangingPunct="0">
-                    <a:spcBef>
-                      <a:spcPct val="20000"/>
-                    </a:spcBef>
-                    <a:spcAft>
-                      <a:spcPct val="0"/>
-                    </a:spcAft>
-                    <a:buChar char="•"/>
-                    <a:defRPr sz="2400">
-                      <a:solidFill>
-                        <a:schemeClr val="tx1"/>
-                      </a:solidFill>
-                      <a:latin typeface="+mn-lt"/>
-                      <a:ea typeface="+mn-ea"/>
-                    </a:defRPr>
-                  </a:lvl3pPr>
-                  <a:lvl4pPr marL="1600200" indent="-228600" algn="l" rtl="0" eaLnBrk="0" fontAlgn="base" hangingPunct="0">
-                    <a:spcBef>
-                      <a:spcPct val="20000"/>
-                    </a:spcBef>
-                    <a:spcAft>
-                      <a:spcPct val="0"/>
-                    </a:spcAft>
-                    <a:buChar char="–"/>
-                    <a:defRPr sz="2000">
-                      <a:solidFill>
-                        <a:schemeClr val="tx1"/>
-                      </a:solidFill>
-                      <a:latin typeface="+mn-lt"/>
-                      <a:ea typeface="+mn-ea"/>
-                    </a:defRPr>
-                  </a:lvl4pPr>
-                  <a:lvl5pPr marL="2057400" indent="-228600" algn="l" rtl="0" eaLnBrk="0" fontAlgn="base" hangingPunct="0">
-                    <a:spcBef>
-                      <a:spcPct val="20000"/>
-                    </a:spcBef>
-                    <a:spcAft>
-                      <a:spcPct val="0"/>
-                    </a:spcAft>
-                    <a:buChar char="»"/>
-                    <a:defRPr sz="2000">
-                      <a:solidFill>
-                        <a:schemeClr val="tx1"/>
-                      </a:solidFill>
-                      <a:latin typeface="+mn-lt"/>
-                      <a:ea typeface="+mn-ea"/>
-                    </a:defRPr>
-                  </a:lvl5pPr>
-                </a:lstStyle>
-                <a:p>
-                  <a:pPr marL="0" lvl="0" indent="0" eaLnBrk="1" hangingPunct="1">
-                    <a:lnSpc>
-                      <a:spcPct val="80000"/>
-                    </a:lnSpc>
-                    <a:buClr>
-                      <a:schemeClr val="hlink"/>
-                    </a:buClr>
-                    <a:buFont typeface="Wingdings" panose="05000000000000000000" pitchFamily="2" charset="2"/>
-                    <a:buNone/>
-                  </a:pPr>
-                  <a:endParaRPr lang="zh-CN" altLang="zh-CN" sz="2400" dirty="0">
-                    <a:latin typeface="微软雅黑" panose="020B0503020204020204" pitchFamily="34" charset="-122"/>
-                    <a:ea typeface="微软雅黑" panose="020B0503020204020204" pitchFamily="34" charset="-122"/>
-                  </a:endParaRPr>
-                </a:p>
-              </p:txBody>
-            </p:sp>
-            <p:sp>
-              <p:nvSpPr>
-                <p:cNvPr id="39987" name="Oval 17"/>
-                <p:cNvSpPr/>
-                <p:nvPr/>
-              </p:nvSpPr>
-              <p:spPr>
-                <a:xfrm>
-                  <a:off x="4263" y="1757"/>
-                  <a:ext cx="1033" cy="926"/>
-                </a:xfrm>
-                <a:prstGeom prst="ellipse">
-                  <a:avLst/>
-                </a:prstGeom>
-                <a:gradFill rotWithShape="true">
-                  <a:gsLst>
-                    <a:gs pos="0">
-                      <a:srgbClr val="FFFFFF"/>
-                    </a:gs>
-                    <a:gs pos="100000">
-                      <a:srgbClr val="D6E1E2">
-                        <a:alpha val="37999"/>
-                      </a:srgbClr>
-                    </a:gs>
-                  </a:gsLst>
-                  <a:lin ang="5400000" scaled="true"/>
-                  <a:tileRect/>
-                </a:gradFill>
-                <a:ln w="9525">
-                  <a:noFill/>
-                </a:ln>
-              </p:spPr>
-              <p:txBody>
-                <a:bodyPr vert="eaVert" wrap="none" anchor="ctr" anchorCtr="false"/>
-                <a:lstStyle>
-                  <a:lvl1pPr marL="342900" indent="-342900" algn="l" rtl="0" eaLnBrk="0" fontAlgn="base" hangingPunct="0">
-                    <a:spcBef>
-                      <a:spcPct val="20000"/>
-                    </a:spcBef>
-                    <a:spcAft>
-                      <a:spcPct val="0"/>
-                    </a:spcAft>
-                    <a:buChar char="•"/>
-                    <a:defRPr sz="3200">
-                      <a:solidFill>
-                        <a:schemeClr val="tx1"/>
-                      </a:solidFill>
-                      <a:latin typeface="+mn-lt"/>
-                      <a:ea typeface="+mn-ea"/>
-                      <a:cs typeface="+mn-cs"/>
-                    </a:defRPr>
-                  </a:lvl1pPr>
-                  <a:lvl2pPr marL="742950" indent="-285750" algn="l" rtl="0" eaLnBrk="0" fontAlgn="base" hangingPunct="0">
-                    <a:spcBef>
-                      <a:spcPct val="20000"/>
-                    </a:spcBef>
-                    <a:spcAft>
-                      <a:spcPct val="0"/>
-                    </a:spcAft>
-                    <a:buChar char="–"/>
-                    <a:defRPr sz="2800">
-                      <a:solidFill>
-                        <a:schemeClr val="tx1"/>
-                      </a:solidFill>
-                      <a:latin typeface="+mn-lt"/>
-                      <a:ea typeface="+mn-ea"/>
-                    </a:defRPr>
-                  </a:lvl2pPr>
-                  <a:lvl3pPr marL="1143000" indent="-228600" algn="l" rtl="0" eaLnBrk="0" fontAlgn="base" hangingPunct="0">
-                    <a:spcBef>
-                      <a:spcPct val="20000"/>
-                    </a:spcBef>
-                    <a:spcAft>
-                      <a:spcPct val="0"/>
-                    </a:spcAft>
-                    <a:buChar char="•"/>
-                    <a:defRPr sz="2400">
-                      <a:solidFill>
-                        <a:schemeClr val="tx1"/>
-                      </a:solidFill>
-                      <a:latin typeface="+mn-lt"/>
-                      <a:ea typeface="+mn-ea"/>
-                    </a:defRPr>
-                  </a:lvl3pPr>
-                  <a:lvl4pPr marL="1600200" indent="-228600" algn="l" rtl="0" eaLnBrk="0" fontAlgn="base" hangingPunct="0">
-                    <a:spcBef>
-                      <a:spcPct val="20000"/>
-                    </a:spcBef>
-                    <a:spcAft>
-                      <a:spcPct val="0"/>
-                    </a:spcAft>
-                    <a:buChar char="–"/>
-                    <a:defRPr sz="2000">
-                      <a:solidFill>
-                        <a:schemeClr val="tx1"/>
-                      </a:solidFill>
-                      <a:latin typeface="+mn-lt"/>
-                      <a:ea typeface="+mn-ea"/>
-                    </a:defRPr>
-                  </a:lvl4pPr>
-                  <a:lvl5pPr marL="2057400" indent="-228600" algn="l" rtl="0" eaLnBrk="0" fontAlgn="base" hangingPunct="0">
-                    <a:spcBef>
-                      <a:spcPct val="20000"/>
-                    </a:spcBef>
-                    <a:spcAft>
-                      <a:spcPct val="0"/>
-                    </a:spcAft>
-                    <a:buChar char="»"/>
-                    <a:defRPr sz="2000">
-                      <a:solidFill>
-                        <a:schemeClr val="tx1"/>
-                      </a:solidFill>
-                      <a:latin typeface="+mn-lt"/>
-                      <a:ea typeface="+mn-ea"/>
-                    </a:defRPr>
-                  </a:lvl5pPr>
-                </a:lstStyle>
-                <a:p>
-                  <a:pPr marL="0" lvl="0" indent="0" eaLnBrk="1" hangingPunct="1">
-                    <a:lnSpc>
-                      <a:spcPct val="80000"/>
-                    </a:lnSpc>
-                    <a:buClr>
-                      <a:schemeClr val="hlink"/>
-                    </a:buClr>
-                    <a:buFont typeface="Wingdings" panose="05000000000000000000" pitchFamily="2" charset="2"/>
-                    <a:buNone/>
-                  </a:pPr>
-                  <a:endParaRPr lang="zh-CN" altLang="zh-CN" sz="2400" dirty="0">
-                    <a:latin typeface="微软雅黑" panose="020B0503020204020204" pitchFamily="34" charset="-122"/>
-                    <a:ea typeface="微软雅黑" panose="020B0503020204020204" pitchFamily="34" charset="-122"/>
-                  </a:endParaRPr>
-                </a:p>
-              </p:txBody>
-            </p:sp>
-          </p:grpSp>
-          <p:sp>
-            <p:nvSpPr>
-              <p:cNvPr id="39983" name="Text Box 18"/>
-              <p:cNvSpPr txBox="true"/>
-              <p:nvPr/>
-            </p:nvSpPr>
-            <p:spPr>
-              <a:xfrm>
-                <a:off x="3833" y="890"/>
-                <a:ext cx="817" cy="908"/>
-              </a:xfrm>
-              <a:prstGeom prst="rect">
-                <a:avLst/>
-              </a:prstGeom>
-              <a:noFill/>
-              <a:ln w="9525">
-                <a:noFill/>
-              </a:ln>
-            </p:spPr>
-            <p:txBody>
-              <a:bodyPr>
-                <a:spAutoFit/>
-              </a:bodyPr>
-              <a:lstStyle>
-                <a:lvl1pPr marL="342900" indent="-342900" algn="l" rtl="0" eaLnBrk="0" fontAlgn="base" hangingPunct="0">
-                  <a:spcBef>
-                    <a:spcPct val="20000"/>
-                  </a:spcBef>
-                  <a:spcAft>
-                    <a:spcPct val="0"/>
-                  </a:spcAft>
-                  <a:buChar char="•"/>
-                  <a:defRPr sz="3200">
-                    <a:solidFill>
-                      <a:schemeClr val="tx1"/>
-                    </a:solidFill>
-                    <a:latin typeface="+mn-lt"/>
-                    <a:ea typeface="+mn-ea"/>
-                    <a:cs typeface="+mn-cs"/>
-                  </a:defRPr>
-                </a:lvl1pPr>
-                <a:lvl2pPr marL="742950" indent="-285750" algn="l" rtl="0" eaLnBrk="0" fontAlgn="base" hangingPunct="0">
-                  <a:spcBef>
-                    <a:spcPct val="20000"/>
-                  </a:spcBef>
-                  <a:spcAft>
-                    <a:spcPct val="0"/>
-                  </a:spcAft>
-                  <a:buChar char="–"/>
-                  <a:defRPr sz="2800">
-                    <a:solidFill>
-                      <a:schemeClr val="tx1"/>
-                    </a:solidFill>
-                    <a:latin typeface="+mn-lt"/>
-                    <a:ea typeface="+mn-ea"/>
-                  </a:defRPr>
-                </a:lvl2pPr>
-                <a:lvl3pPr marL="1143000" indent="-228600" algn="l" rtl="0" eaLnBrk="0" fontAlgn="base" hangingPunct="0">
-                  <a:spcBef>
-                    <a:spcPct val="20000"/>
-                  </a:spcBef>
-                  <a:spcAft>
-                    <a:spcPct val="0"/>
-                  </a:spcAft>
-                  <a:buChar char="•"/>
-                  <a:defRPr sz="2400">
-                    <a:solidFill>
-                      <a:schemeClr val="tx1"/>
-                    </a:solidFill>
-                    <a:latin typeface="+mn-lt"/>
-                    <a:ea typeface="+mn-ea"/>
-                  </a:defRPr>
-                </a:lvl3pPr>
-                <a:lvl4pPr marL="1600200" indent="-228600" algn="l" rtl="0" eaLnBrk="0" fontAlgn="base" hangingPunct="0">
-                  <a:spcBef>
-                    <a:spcPct val="20000"/>
-                  </a:spcBef>
-                  <a:spcAft>
-                    <a:spcPct val="0"/>
-                  </a:spcAft>
-                  <a:buChar char="–"/>
-                  <a:defRPr sz="2000">
-                    <a:solidFill>
-                      <a:schemeClr val="tx1"/>
-                    </a:solidFill>
-                    <a:latin typeface="+mn-lt"/>
-                    <a:ea typeface="+mn-ea"/>
-                  </a:defRPr>
-                </a:lvl4pPr>
-                <a:lvl5pPr marL="2057400" indent="-228600" algn="l" rtl="0" eaLnBrk="0" fontAlgn="base" hangingPunct="0">
-                  <a:spcBef>
-                    <a:spcPct val="20000"/>
-                  </a:spcBef>
-                  <a:spcAft>
-                    <a:spcPct val="0"/>
-                  </a:spcAft>
-                  <a:buChar char="»"/>
-                  <a:defRPr sz="2000">
-                    <a:solidFill>
-                      <a:schemeClr val="tx1"/>
-                    </a:solidFill>
-                    <a:latin typeface="+mn-lt"/>
-                    <a:ea typeface="+mn-ea"/>
-                  </a:defRPr>
-                </a:lvl5pPr>
-              </a:lstStyle>
-              <a:p>
-                <a:pPr marL="0" lvl="0" indent="0" algn="ctr" eaLnBrk="1" hangingPunct="1">
-                  <a:spcBef>
-                    <a:spcPct val="0"/>
-                  </a:spcBef>
-                  <a:buNone/>
-                </a:pPr>
-                <a:r>
-                  <a:rPr lang="zh-CN" altLang="en-US" sz="2800" b="1" dirty="0">
-                    <a:latin typeface="微软雅黑" panose="020B0503020204020204" pitchFamily="34" charset="-122"/>
-                    <a:ea typeface="微软雅黑" panose="020B0503020204020204" pitchFamily="34" charset="-122"/>
-                  </a:rPr>
-                  <a:t>政府</a:t>
-                </a:r>
-                <a:endParaRPr lang="zh-CN" altLang="en-US" sz="2800" b="1" dirty="0">
-                  <a:latin typeface="微软雅黑" panose="020B0503020204020204" pitchFamily="34" charset="-122"/>
-                  <a:ea typeface="微软雅黑" panose="020B0503020204020204" pitchFamily="34" charset="-122"/>
-                </a:endParaRPr>
-              </a:p>
-              <a:p>
-                <a:pPr marL="0" lvl="0" indent="0" algn="ctr" eaLnBrk="1" hangingPunct="1">
-                  <a:spcBef>
-                    <a:spcPct val="0"/>
-                  </a:spcBef>
-                  <a:buNone/>
-                </a:pPr>
-                <a:r>
-                  <a:rPr lang="zh-CN" altLang="en-US" sz="2800" b="1" dirty="0">
-                    <a:latin typeface="微软雅黑" panose="020B0503020204020204" pitchFamily="34" charset="-122"/>
-                    <a:ea typeface="微软雅黑" panose="020B0503020204020204" pitchFamily="34" charset="-122"/>
-                  </a:rPr>
-                  <a:t>信用</a:t>
-                </a:r>
-                <a:endParaRPr lang="zh-CN" altLang="en-US" sz="2800" b="1" dirty="0">
-                  <a:latin typeface="微软雅黑" panose="020B0503020204020204" pitchFamily="34" charset="-122"/>
-                  <a:ea typeface="微软雅黑" panose="020B0503020204020204" pitchFamily="34" charset="-122"/>
-                </a:endParaRPr>
-              </a:p>
-              <a:p>
-                <a:pPr marL="0" lvl="0" indent="0" algn="ctr" eaLnBrk="1" hangingPunct="1">
-                  <a:spcBef>
-                    <a:spcPct val="0"/>
-                  </a:spcBef>
-                  <a:buNone/>
-                </a:pPr>
-                <a:r>
-                  <a:rPr lang="zh-CN" altLang="en-US" sz="2800" b="1" dirty="0">
-                    <a:latin typeface="微软雅黑" panose="020B0503020204020204" pitchFamily="34" charset="-122"/>
-                    <a:ea typeface="微软雅黑" panose="020B0503020204020204" pitchFamily="34" charset="-122"/>
-                  </a:rPr>
-                  <a:t>危机</a:t>
-                </a:r>
-                <a:endParaRPr lang="zh-CN" altLang="en-US" sz="2800" b="1" dirty="0">
-                  <a:latin typeface="微软雅黑" panose="020B0503020204020204" pitchFamily="34" charset="-122"/>
-                  <a:ea typeface="微软雅黑" panose="020B0503020204020204" pitchFamily="34" charset="-122"/>
-                </a:endParaRPr>
-              </a:p>
-            </p:txBody>
-          </p:sp>
-        </p:grpSp>
-        <p:sp>
-          <p:nvSpPr>
-            <p:cNvPr id="39949" name="Line 19"/>
-            <p:cNvSpPr/>
-            <p:nvPr/>
-          </p:nvSpPr>
-          <p:spPr>
-            <a:xfrm flipV="true">
-              <a:off x="8325" y="5827"/>
-              <a:ext cx="0" cy="120"/>
-            </a:xfrm>
-            <a:prstGeom prst="line">
-              <a:avLst/>
-            </a:prstGeom>
-            <a:ln w="0">
-              <a:noFill/>
-            </a:ln>
-          </p:spPr>
-        </p:sp>
-        <p:sp>
-          <p:nvSpPr>
-            <p:cNvPr id="565268" name="Oval 20"/>
-            <p:cNvSpPr>
-              <a:spLocks noChangeArrowheads="true"/>
-            </p:cNvSpPr>
-            <p:nvPr/>
-          </p:nvSpPr>
-          <p:spPr bwMode="gray">
-            <a:xfrm>
-              <a:off x="9795" y="4612"/>
-              <a:ext cx="3403" cy="3403"/>
-            </a:xfrm>
-            <a:prstGeom prst="ellipse">
-              <a:avLst/>
-            </a:prstGeom>
-            <a:gradFill rotWithShape="true">
-              <a:gsLst>
-                <a:gs pos="0">
-                  <a:schemeClr val="accent1">
-                    <a:gamma/>
-                    <a:tint val="0"/>
-                    <a:invGamma/>
-                  </a:schemeClr>
-                </a:gs>
-                <a:gs pos="50000">
-                  <a:schemeClr val="accent1"/>
-                </a:gs>
-                <a:gs pos="100000">
-                  <a:schemeClr val="accent1">
-                    <a:gamma/>
-                    <a:tint val="0"/>
-                    <a:invGamma/>
-                  </a:schemeClr>
-                </a:gs>
-              </a:gsLst>
-              <a:lin ang="2700000" scaled="true"/>
-            </a:gradFill>
-            <a:ln w="38100" algn="ctr">
-              <a:noFill/>
-              <a:round/>
-            </a:ln>
-            <a:effectLst/>
-          </p:spPr>
-          <p:txBody>
-            <a:bodyPr wrap="square" anchor="ctr">
-              <a:spAutoFit/>
-            </a:bodyPr>
-            <a:lstStyle/>
-            <a:p>
-              <a:pPr marL="0" marR="0" lvl="0" indent="0" algn="l" defTabSz="914400" rtl="0" eaLnBrk="1" fontAlgn="base" latinLnBrk="0" hangingPunct="1">
-                <a:lnSpc>
-                  <a:spcPct val="80000"/>
-                </a:lnSpc>
-                <a:spcBef>
-                  <a:spcPct val="20000"/>
-                </a:spcBef>
-                <a:spcAft>
-                  <a:spcPct val="0"/>
-                </a:spcAft>
-                <a:buClr>
-                  <a:schemeClr val="hlink"/>
-                </a:buClr>
-                <a:buSzTx/>
-                <a:buFont typeface="Wingdings" panose="05000000000000000000" pitchFamily="2" charset="2"/>
-                <a:buNone/>
-                <a:defRPr/>
-              </a:pPr>
-              <a:endParaRPr kumimoji="0" lang="zh-CN" altLang="en-US" sz="2400" b="0" i="0" u="none" strike="noStrike" kern="1200" cap="none" spc="0" normalizeH="0" baseline="0" noProof="0">
-                <a:ln>
-                  <a:noFill/>
-                </a:ln>
-                <a:solidFill>
-                  <a:schemeClr val="tx1"/>
-                </a:solidFill>
-                <a:effectLst/>
-                <a:uLnTx/>
-                <a:uFillTx/>
-                <a:latin typeface="微软雅黑" panose="020B0503020204020204" pitchFamily="34" charset="-122"/>
-                <a:ea typeface="微软雅黑" panose="020B0503020204020204" pitchFamily="34" charset="-122"/>
-                <a:cs typeface="+mn-cs"/>
-              </a:endParaRPr>
-            </a:p>
-          </p:txBody>
-        </p:sp>
-        <p:sp>
-          <p:nvSpPr>
-            <p:cNvPr id="565269" name="Oval 21"/>
-            <p:cNvSpPr>
-              <a:spLocks noChangeArrowheads="true"/>
-            </p:cNvSpPr>
-            <p:nvPr/>
-          </p:nvSpPr>
-          <p:spPr bwMode="gray">
-            <a:xfrm>
-              <a:off x="9995" y="4812"/>
-              <a:ext cx="3403" cy="3403"/>
-            </a:xfrm>
-            <a:prstGeom prst="ellipse">
-              <a:avLst/>
-            </a:prstGeom>
-            <a:gradFill rotWithShape="true">
-              <a:gsLst>
-                <a:gs pos="0">
-                  <a:schemeClr val="accent1">
-                    <a:alpha val="32001"/>
-                  </a:schemeClr>
-                </a:gs>
-                <a:gs pos="100000">
-                  <a:schemeClr val="accent1">
-                    <a:gamma/>
-                    <a:shade val="46275"/>
-                    <a:invGamma/>
-                  </a:schemeClr>
-                </a:gs>
-              </a:gsLst>
-              <a:lin ang="2700000" scaled="true"/>
-            </a:gradFill>
-            <a:ln w="38100" algn="ctr">
-              <a:noFill/>
-              <a:round/>
-            </a:ln>
-            <a:effectLst/>
-          </p:spPr>
-          <p:txBody>
-            <a:bodyPr wrap="square" anchor="ctr">
-              <a:spAutoFit/>
-            </a:bodyPr>
-            <a:lstStyle/>
-            <a:p>
-              <a:pPr marL="0" marR="0" lvl="0" indent="0" algn="l" defTabSz="914400" rtl="0" eaLnBrk="1" fontAlgn="base" latinLnBrk="0" hangingPunct="1">
-                <a:lnSpc>
-                  <a:spcPct val="80000"/>
-                </a:lnSpc>
-                <a:spcBef>
-                  <a:spcPct val="20000"/>
-                </a:spcBef>
-                <a:spcAft>
-                  <a:spcPct val="0"/>
-                </a:spcAft>
-                <a:buClr>
-                  <a:schemeClr val="hlink"/>
-                </a:buClr>
-                <a:buSzTx/>
-                <a:buFont typeface="Wingdings" panose="05000000000000000000" pitchFamily="2" charset="2"/>
-                <a:buNone/>
-                <a:defRPr/>
-              </a:pPr>
-              <a:endParaRPr kumimoji="0" lang="zh-CN" altLang="en-US" sz="2400" b="0" i="0" u="none" strike="noStrike" kern="1200" cap="none" spc="0" normalizeH="0" baseline="0" noProof="0">
-                <a:ln>
-                  <a:noFill/>
-                </a:ln>
-                <a:solidFill>
-                  <a:schemeClr val="tx1"/>
-                </a:solidFill>
-                <a:effectLst/>
-                <a:uLnTx/>
-                <a:uFillTx/>
-                <a:latin typeface="微软雅黑" panose="020B0503020204020204" pitchFamily="34" charset="-122"/>
-                <a:ea typeface="微软雅黑" panose="020B0503020204020204" pitchFamily="34" charset="-122"/>
-                <a:cs typeface="+mn-cs"/>
-              </a:endParaRPr>
-            </a:p>
-          </p:txBody>
-        </p:sp>
-        <p:sp>
-          <p:nvSpPr>
-            <p:cNvPr id="565270" name="Oval 22"/>
-            <p:cNvSpPr>
-              <a:spLocks noChangeArrowheads="true"/>
-            </p:cNvSpPr>
-            <p:nvPr/>
-          </p:nvSpPr>
-          <p:spPr bwMode="gray">
-            <a:xfrm>
-              <a:off x="10017" y="4834"/>
-              <a:ext cx="2958" cy="2958"/>
-            </a:xfrm>
-            <a:prstGeom prst="ellipse">
-              <a:avLst/>
-            </a:prstGeom>
-            <a:gradFill rotWithShape="true">
-              <a:gsLst>
-                <a:gs pos="0">
-                  <a:schemeClr val="accent1">
-                    <a:gamma/>
-                    <a:shade val="54118"/>
-                    <a:invGamma/>
-                  </a:schemeClr>
-                </a:gs>
-                <a:gs pos="50000">
-                  <a:schemeClr val="accent1"/>
-                </a:gs>
-                <a:gs pos="100000">
-                  <a:schemeClr val="accent1">
                     <a:gamma/>
                     <a:shade val="54118"/>
                     <a:invGamma/>
@@ -14952,7 +13772,7 @@
         </p:sp>
         <p:sp>
           <p:nvSpPr>
-            <p:cNvPr id="565271" name="Oval 23"/>
+            <p:cNvPr id="565259" name="Oval 11"/>
             <p:cNvSpPr>
               <a:spLocks noChangeArrowheads="true"/>
             </p:cNvSpPr>
@@ -14960,8 +13780,8 @@
           </p:nvSpPr>
           <p:spPr bwMode="gray">
             <a:xfrm>
-              <a:off x="10020" y="4839"/>
-              <a:ext cx="2958" cy="2958"/>
+              <a:off x="3606" y="709"/>
+              <a:ext cx="1183" cy="1183"/>
             </a:xfrm>
             <a:prstGeom prst="ellipse">
               <a:avLst/>
@@ -14969,14 +13789,14 @@
             <a:gradFill rotWithShape="true">
               <a:gsLst>
                 <a:gs pos="0">
-                  <a:schemeClr val="accent1">
+                  <a:schemeClr val="folHlink">
                     <a:gamma/>
                     <a:shade val="63529"/>
                     <a:invGamma/>
                   </a:schemeClr>
                 </a:gs>
                 <a:gs pos="100000">
-                  <a:schemeClr val="accent1">
+                  <a:schemeClr val="folHlink">
                     <a:alpha val="0"/>
                   </a:schemeClr>
                 </a:gs>
@@ -15032,14 +13852,14 @@
         </p:sp>
         <p:sp>
           <p:nvSpPr>
-            <p:cNvPr id="39954" name="Oval 24"/>
+            <p:cNvPr id="39981" name="Oval 12"/>
             <p:cNvSpPr/>
             <p:nvPr/>
           </p:nvSpPr>
           <p:spPr>
             <a:xfrm>
-              <a:off x="10165" y="4982"/>
-              <a:ext cx="2662" cy="2662"/>
+              <a:off x="3651" y="799"/>
+              <a:ext cx="1065" cy="1065"/>
             </a:xfrm>
             <a:prstGeom prst="ellipse">
               <a:avLst/>
@@ -15158,21 +13978,21 @@
         </p:sp>
         <p:grpSp>
           <p:nvGrpSpPr>
-            <p:cNvPr id="39955" name="Group 25"/>
+            <p:cNvPr id="39982" name="Group 13"/>
             <p:cNvGrpSpPr/>
             <p:nvPr/>
           </p:nvGrpSpPr>
           <p:grpSpPr>
             <a:xfrm>
-              <a:off x="10207" y="5012"/>
-              <a:ext cx="2578" cy="2577"/>
+              <a:off x="3696" y="799"/>
+              <a:ext cx="1031" cy="1031"/>
               <a:chOff x="4166" y="1706"/>
               <a:chExt cx="1252" cy="1252"/>
             </a:xfrm>
           </p:grpSpPr>
           <p:sp>
             <p:nvSpPr>
-              <p:cNvPr id="39975" name="Oval 26"/>
+              <p:cNvPr id="39984" name="Oval 14"/>
               <p:cNvSpPr/>
               <p:nvPr/>
             </p:nvSpPr>
@@ -15305,7 +14125,7 @@
           </p:sp>
           <p:sp>
             <p:nvSpPr>
-              <p:cNvPr id="39976" name="Oval 27"/>
+              <p:cNvPr id="39985" name="Oval 15"/>
               <p:cNvSpPr/>
               <p:nvPr/>
             </p:nvSpPr>
@@ -15440,7 +14260,7 @@
           </p:sp>
           <p:sp>
             <p:nvSpPr>
-              <p:cNvPr id="39977" name="Oval 28"/>
+              <p:cNvPr id="39986" name="Oval 16"/>
               <p:cNvSpPr/>
               <p:nvPr/>
             </p:nvSpPr>
@@ -15575,7 +14395,7 @@
           </p:sp>
           <p:sp>
             <p:nvSpPr>
-              <p:cNvPr id="39978" name="Oval 29"/>
+              <p:cNvPr id="39987" name="Oval 17"/>
               <p:cNvSpPr/>
               <p:nvPr/>
             </p:nvSpPr>
@@ -15711,14 +14531,14 @@
         </p:grpSp>
         <p:sp>
           <p:nvSpPr>
-            <p:cNvPr id="39956" name="Text Box 30"/>
+            <p:cNvPr id="39983" name="Text Box 18"/>
             <p:cNvSpPr txBox="true"/>
             <p:nvPr/>
           </p:nvSpPr>
           <p:spPr>
             <a:xfrm>
-              <a:off x="10815" y="5292"/>
-              <a:ext cx="1415" cy="1966"/>
+              <a:off x="3833" y="890"/>
+              <a:ext cx="817" cy="908"/>
             </a:xfrm>
             <a:prstGeom prst="rect">
               <a:avLst/>
@@ -15729,7 +14549,7 @@
             </a:ln>
           </p:spPr>
           <p:txBody>
-            <a:bodyPr wrap="square">
+            <a:bodyPr>
               <a:spAutoFit/>
             </a:bodyPr>
             <a:lstStyle>
@@ -15823,13 +14643,13 @@
                 <a:buNone/>
               </a:pPr>
               <a:r>
-                <a:rPr lang="zh-CN" altLang="en-US" sz="2400" b="1" dirty="0">
+                <a:rPr lang="zh-CN" altLang="en-US" sz="2800" b="1" dirty="0">
                   <a:latin typeface="微软雅黑" panose="020B0503020204020204" pitchFamily="34" charset="-122"/>
                   <a:ea typeface="微软雅黑" panose="020B0503020204020204" pitchFamily="34" charset="-122"/>
                 </a:rPr>
-                <a:t>企业</a:t>
+                <a:t>政府</a:t>
               </a:r>
-              <a:endParaRPr lang="zh-CN" altLang="en-US" sz="2400" b="1" dirty="0">
+              <a:endParaRPr lang="zh-CN" altLang="en-US" sz="2800" b="1" dirty="0">
                 <a:latin typeface="微软雅黑" panose="020B0503020204020204" pitchFamily="34" charset="-122"/>
                 <a:ea typeface="微软雅黑" panose="020B0503020204020204" pitchFamily="34" charset="-122"/>
               </a:endParaRPr>
@@ -15842,13 +14662,13 @@
                 <a:buNone/>
               </a:pPr>
               <a:r>
-                <a:rPr lang="zh-CN" altLang="en-US" sz="2400" b="1" dirty="0">
+                <a:rPr lang="zh-CN" altLang="en-US" sz="2800" b="1" dirty="0">
                   <a:latin typeface="微软雅黑" panose="020B0503020204020204" pitchFamily="34" charset="-122"/>
                   <a:ea typeface="微软雅黑" panose="020B0503020204020204" pitchFamily="34" charset="-122"/>
                 </a:rPr>
                 <a:t>信用</a:t>
               </a:r>
-              <a:endParaRPr lang="zh-CN" altLang="en-US" sz="2400" b="1" dirty="0">
+              <a:endParaRPr lang="zh-CN" altLang="en-US" sz="2800" b="1" dirty="0">
                 <a:latin typeface="微软雅黑" panose="020B0503020204020204" pitchFamily="34" charset="-122"/>
                 <a:ea typeface="微软雅黑" panose="020B0503020204020204" pitchFamily="34" charset="-122"/>
               </a:endParaRPr>
@@ -15861,31 +14681,519 @@
                 <a:buNone/>
               </a:pPr>
               <a:r>
-                <a:rPr lang="zh-CN" altLang="en-US" sz="2400" b="1" dirty="0">
+                <a:rPr lang="zh-CN" altLang="en-US" sz="2800" b="1" dirty="0">
                   <a:latin typeface="微软雅黑" panose="020B0503020204020204" pitchFamily="34" charset="-122"/>
                   <a:ea typeface="微软雅黑" panose="020B0503020204020204" pitchFamily="34" charset="-122"/>
                 </a:rPr>
                 <a:t>危机</a:t>
               </a:r>
-              <a:endParaRPr lang="zh-CN" altLang="en-US" sz="2400" b="1" dirty="0">
+              <a:endParaRPr lang="zh-CN" altLang="en-US" sz="2800" b="1" dirty="0">
                 <a:latin typeface="微软雅黑" panose="020B0503020204020204" pitchFamily="34" charset="-122"/>
                 <a:ea typeface="微软雅黑" panose="020B0503020204020204" pitchFamily="34" charset="-122"/>
               </a:endParaRPr>
             </a:p>
           </p:txBody>
         </p:sp>
+      </p:grpSp>
+      <p:sp>
+        <p:nvSpPr>
+          <p:cNvPr id="39949" name="Line 19"/>
+          <p:cNvSpPr/>
+          <p:nvPr/>
+        </p:nvSpPr>
+        <p:spPr>
+          <a:xfrm flipV="true">
+            <a:off x="5297805" y="3515360"/>
+            <a:ext cx="0" cy="73025"/>
+          </a:xfrm>
+          <a:prstGeom prst="line">
+            <a:avLst/>
+          </a:prstGeom>
+          <a:ln w="0">
+            <a:noFill/>
+          </a:ln>
+        </p:spPr>
+      </p:sp>
+      <p:sp>
+        <p:nvSpPr>
+          <p:cNvPr id="565268" name="Oval 20"/>
+          <p:cNvSpPr>
+            <a:spLocks noChangeArrowheads="true"/>
+          </p:cNvSpPr>
+          <p:nvPr/>
+        </p:nvSpPr>
+        <p:spPr bwMode="gray">
+          <a:xfrm>
+            <a:off x="6205220" y="2774315"/>
+            <a:ext cx="2099310" cy="2075180"/>
+          </a:xfrm>
+          <a:prstGeom prst="ellipse">
+            <a:avLst/>
+          </a:prstGeom>
+          <a:gradFill rotWithShape="true">
+            <a:gsLst>
+              <a:gs pos="0">
+                <a:schemeClr val="accent1">
+                  <a:gamma/>
+                  <a:tint val="0"/>
+                  <a:invGamma/>
+                </a:schemeClr>
+              </a:gs>
+              <a:gs pos="50000">
+                <a:schemeClr val="accent1"/>
+              </a:gs>
+              <a:gs pos="100000">
+                <a:schemeClr val="accent1">
+                  <a:gamma/>
+                  <a:tint val="0"/>
+                  <a:invGamma/>
+                </a:schemeClr>
+              </a:gs>
+            </a:gsLst>
+            <a:lin ang="2700000" scaled="true"/>
+          </a:gradFill>
+          <a:ln w="38100" algn="ctr">
+            <a:noFill/>
+            <a:round/>
+          </a:ln>
+          <a:effectLst/>
+        </p:spPr>
+        <p:txBody>
+          <a:bodyPr wrap="square" anchor="ctr">
+            <a:spAutoFit/>
+          </a:bodyPr>
+          <a:lstStyle/>
+          <a:p>
+            <a:pPr marL="0" marR="0" lvl="0" indent="0" algn="l" defTabSz="914400" rtl="0" eaLnBrk="1" fontAlgn="base" latinLnBrk="0" hangingPunct="1">
+              <a:lnSpc>
+                <a:spcPct val="80000"/>
+              </a:lnSpc>
+              <a:spcBef>
+                <a:spcPct val="20000"/>
+              </a:spcBef>
+              <a:spcAft>
+                <a:spcPct val="0"/>
+              </a:spcAft>
+              <a:buClr>
+                <a:schemeClr val="hlink"/>
+              </a:buClr>
+              <a:buSzTx/>
+              <a:buFont typeface="Wingdings" panose="05000000000000000000" pitchFamily="2" charset="2"/>
+              <a:buNone/>
+              <a:defRPr/>
+            </a:pPr>
+            <a:endParaRPr kumimoji="0" lang="zh-CN" altLang="en-US" sz="2400" b="0" i="0" u="none" strike="noStrike" kern="1200" cap="none" spc="0" normalizeH="0" baseline="0" noProof="0">
+              <a:ln>
+                <a:noFill/>
+              </a:ln>
+              <a:solidFill>
+                <a:schemeClr val="tx1"/>
+              </a:solidFill>
+              <a:effectLst/>
+              <a:uLnTx/>
+              <a:uFillTx/>
+              <a:latin typeface="微软雅黑" panose="020B0503020204020204" pitchFamily="34" charset="-122"/>
+              <a:ea typeface="微软雅黑" panose="020B0503020204020204" pitchFamily="34" charset="-122"/>
+              <a:cs typeface="+mn-cs"/>
+            </a:endParaRPr>
+          </a:p>
+        </p:txBody>
+      </p:sp>
+      <p:sp>
+        <p:nvSpPr>
+          <p:cNvPr id="565269" name="Oval 21"/>
+          <p:cNvSpPr>
+            <a:spLocks noChangeArrowheads="true"/>
+          </p:cNvSpPr>
+          <p:nvPr/>
+        </p:nvSpPr>
+        <p:spPr bwMode="gray">
+          <a:xfrm>
+            <a:off x="6328410" y="2896235"/>
+            <a:ext cx="2099310" cy="2075180"/>
+          </a:xfrm>
+          <a:prstGeom prst="ellipse">
+            <a:avLst/>
+          </a:prstGeom>
+          <a:gradFill rotWithShape="true">
+            <a:gsLst>
+              <a:gs pos="0">
+                <a:schemeClr val="accent1">
+                  <a:alpha val="32001"/>
+                </a:schemeClr>
+              </a:gs>
+              <a:gs pos="100000">
+                <a:schemeClr val="accent1">
+                  <a:gamma/>
+                  <a:shade val="46275"/>
+                  <a:invGamma/>
+                </a:schemeClr>
+              </a:gs>
+            </a:gsLst>
+            <a:lin ang="2700000" scaled="true"/>
+          </a:gradFill>
+          <a:ln w="38100" algn="ctr">
+            <a:noFill/>
+            <a:round/>
+          </a:ln>
+          <a:effectLst/>
+        </p:spPr>
+        <p:txBody>
+          <a:bodyPr wrap="square" anchor="ctr">
+            <a:spAutoFit/>
+          </a:bodyPr>
+          <a:lstStyle/>
+          <a:p>
+            <a:pPr marL="0" marR="0" lvl="0" indent="0" algn="l" defTabSz="914400" rtl="0" eaLnBrk="1" fontAlgn="base" latinLnBrk="0" hangingPunct="1">
+              <a:lnSpc>
+                <a:spcPct val="80000"/>
+              </a:lnSpc>
+              <a:spcBef>
+                <a:spcPct val="20000"/>
+              </a:spcBef>
+              <a:spcAft>
+                <a:spcPct val="0"/>
+              </a:spcAft>
+              <a:buClr>
+                <a:schemeClr val="hlink"/>
+              </a:buClr>
+              <a:buSzTx/>
+              <a:buFont typeface="Wingdings" panose="05000000000000000000" pitchFamily="2" charset="2"/>
+              <a:buNone/>
+              <a:defRPr/>
+            </a:pPr>
+            <a:endParaRPr kumimoji="0" lang="zh-CN" altLang="en-US" sz="2400" b="0" i="0" u="none" strike="noStrike" kern="1200" cap="none" spc="0" normalizeH="0" baseline="0" noProof="0">
+              <a:ln>
+                <a:noFill/>
+              </a:ln>
+              <a:solidFill>
+                <a:schemeClr val="tx1"/>
+              </a:solidFill>
+              <a:effectLst/>
+              <a:uLnTx/>
+              <a:uFillTx/>
+              <a:latin typeface="微软雅黑" panose="020B0503020204020204" pitchFamily="34" charset="-122"/>
+              <a:ea typeface="微软雅黑" panose="020B0503020204020204" pitchFamily="34" charset="-122"/>
+              <a:cs typeface="+mn-cs"/>
+            </a:endParaRPr>
+          </a:p>
+        </p:txBody>
+      </p:sp>
+      <p:sp>
+        <p:nvSpPr>
+          <p:cNvPr id="565270" name="Oval 22"/>
+          <p:cNvSpPr>
+            <a:spLocks noChangeArrowheads="true"/>
+          </p:cNvSpPr>
+          <p:nvPr/>
+        </p:nvSpPr>
+        <p:spPr bwMode="gray">
+          <a:xfrm>
+            <a:off x="6341745" y="2909570"/>
+            <a:ext cx="1824990" cy="1804035"/>
+          </a:xfrm>
+          <a:prstGeom prst="ellipse">
+            <a:avLst/>
+          </a:prstGeom>
+          <a:gradFill rotWithShape="true">
+            <a:gsLst>
+              <a:gs pos="0">
+                <a:schemeClr val="accent1">
+                  <a:gamma/>
+                  <a:shade val="54118"/>
+                  <a:invGamma/>
+                </a:schemeClr>
+              </a:gs>
+              <a:gs pos="50000">
+                <a:schemeClr val="accent1"/>
+              </a:gs>
+              <a:gs pos="100000">
+                <a:schemeClr val="accent1">
+                  <a:gamma/>
+                  <a:shade val="54118"/>
+                  <a:invGamma/>
+                </a:schemeClr>
+              </a:gs>
+            </a:gsLst>
+            <a:lin ang="18900000" scaled="true"/>
+          </a:gradFill>
+          <a:ln w="38100" algn="ctr">
+            <a:noFill/>
+            <a:round/>
+          </a:ln>
+          <a:effectLst/>
+        </p:spPr>
+        <p:txBody>
+          <a:bodyPr anchor="ctr">
+            <a:spAutoFit/>
+          </a:bodyPr>
+          <a:lstStyle/>
+          <a:p>
+            <a:pPr marL="0" marR="0" lvl="0" indent="0" algn="l" defTabSz="914400" rtl="0" eaLnBrk="1" fontAlgn="base" latinLnBrk="0" hangingPunct="1">
+              <a:lnSpc>
+                <a:spcPct val="80000"/>
+              </a:lnSpc>
+              <a:spcBef>
+                <a:spcPct val="20000"/>
+              </a:spcBef>
+              <a:spcAft>
+                <a:spcPct val="0"/>
+              </a:spcAft>
+              <a:buClr>
+                <a:schemeClr val="hlink"/>
+              </a:buClr>
+              <a:buSzTx/>
+              <a:buFont typeface="Wingdings" panose="05000000000000000000" pitchFamily="2" charset="2"/>
+              <a:buNone/>
+              <a:defRPr/>
+            </a:pPr>
+            <a:endParaRPr kumimoji="0" lang="zh-CN" altLang="en-US" sz="2400" b="0" i="0" u="none" strike="noStrike" kern="1200" cap="none" spc="0" normalizeH="0" baseline="0" noProof="0">
+              <a:ln>
+                <a:noFill/>
+              </a:ln>
+              <a:solidFill>
+                <a:schemeClr val="tx1"/>
+              </a:solidFill>
+              <a:effectLst/>
+              <a:uLnTx/>
+              <a:uFillTx/>
+              <a:latin typeface="微软雅黑" panose="020B0503020204020204" pitchFamily="34" charset="-122"/>
+              <a:ea typeface="微软雅黑" panose="020B0503020204020204" pitchFamily="34" charset="-122"/>
+              <a:cs typeface="+mn-cs"/>
+            </a:endParaRPr>
+          </a:p>
+        </p:txBody>
+      </p:sp>
+      <p:sp>
+        <p:nvSpPr>
+          <p:cNvPr id="565271" name="Oval 23"/>
+          <p:cNvSpPr>
+            <a:spLocks noChangeArrowheads="true"/>
+          </p:cNvSpPr>
+          <p:nvPr/>
+        </p:nvSpPr>
+        <p:spPr bwMode="gray">
+          <a:xfrm>
+            <a:off x="6343650" y="2912745"/>
+            <a:ext cx="1824990" cy="1804035"/>
+          </a:xfrm>
+          <a:prstGeom prst="ellipse">
+            <a:avLst/>
+          </a:prstGeom>
+          <a:gradFill rotWithShape="true">
+            <a:gsLst>
+              <a:gs pos="0">
+                <a:schemeClr val="accent1">
+                  <a:gamma/>
+                  <a:shade val="63529"/>
+                  <a:invGamma/>
+                </a:schemeClr>
+              </a:gs>
+              <a:gs pos="100000">
+                <a:schemeClr val="accent1">
+                  <a:alpha val="0"/>
+                </a:schemeClr>
+              </a:gs>
+            </a:gsLst>
+            <a:lin ang="2700000" scaled="true"/>
+          </a:gradFill>
+          <a:ln w="38100" algn="ctr">
+            <a:noFill/>
+            <a:round/>
+          </a:ln>
+          <a:effectLst/>
+        </p:spPr>
+        <p:txBody>
+          <a:bodyPr anchor="ctr">
+            <a:spAutoFit/>
+          </a:bodyPr>
+          <a:lstStyle/>
+          <a:p>
+            <a:pPr marL="0" marR="0" lvl="0" indent="0" algn="l" defTabSz="914400" rtl="0" eaLnBrk="1" fontAlgn="base" latinLnBrk="0" hangingPunct="1">
+              <a:lnSpc>
+                <a:spcPct val="80000"/>
+              </a:lnSpc>
+              <a:spcBef>
+                <a:spcPct val="20000"/>
+              </a:spcBef>
+              <a:spcAft>
+                <a:spcPct val="0"/>
+              </a:spcAft>
+              <a:buClr>
+                <a:schemeClr val="hlink"/>
+              </a:buClr>
+              <a:buSzTx/>
+              <a:buFont typeface="Wingdings" panose="05000000000000000000" pitchFamily="2" charset="2"/>
+              <a:buNone/>
+              <a:defRPr/>
+            </a:pPr>
+            <a:endParaRPr kumimoji="0" lang="zh-CN" altLang="en-US" sz="2400" b="0" i="0" u="none" strike="noStrike" kern="1200" cap="none" spc="0" normalizeH="0" baseline="0" noProof="0">
+              <a:ln>
+                <a:noFill/>
+              </a:ln>
+              <a:solidFill>
+                <a:schemeClr val="tx1"/>
+              </a:solidFill>
+              <a:effectLst/>
+              <a:uLnTx/>
+              <a:uFillTx/>
+              <a:latin typeface="微软雅黑" panose="020B0503020204020204" pitchFamily="34" charset="-122"/>
+              <a:ea typeface="微软雅黑" panose="020B0503020204020204" pitchFamily="34" charset="-122"/>
+              <a:cs typeface="+mn-cs"/>
+            </a:endParaRPr>
+          </a:p>
+        </p:txBody>
+      </p:sp>
+      <p:sp>
+        <p:nvSpPr>
+          <p:cNvPr id="39954" name="Oval 24"/>
+          <p:cNvSpPr/>
+          <p:nvPr/>
+        </p:nvSpPr>
+        <p:spPr>
+          <a:xfrm>
+            <a:off x="6433185" y="2999740"/>
+            <a:ext cx="1642110" cy="1623695"/>
+          </a:xfrm>
+          <a:prstGeom prst="ellipse">
+            <a:avLst/>
+          </a:prstGeom>
+          <a:solidFill>
+            <a:srgbClr val="333333"/>
+          </a:solidFill>
+          <a:ln w="38100">
+            <a:noFill/>
+          </a:ln>
+        </p:spPr>
+        <p:txBody>
+          <a:bodyPr anchor="ctr" anchorCtr="false">
+            <a:spAutoFit/>
+          </a:bodyPr>
+          <a:lstStyle>
+            <a:lvl1pPr marL="342900" indent="-342900" algn="l" rtl="0" eaLnBrk="0" fontAlgn="base" hangingPunct="0">
+              <a:spcBef>
+                <a:spcPct val="20000"/>
+              </a:spcBef>
+              <a:spcAft>
+                <a:spcPct val="0"/>
+              </a:spcAft>
+              <a:buChar char="•"/>
+              <a:defRPr sz="3200">
+                <a:solidFill>
+                  <a:schemeClr val="tx1"/>
+                </a:solidFill>
+                <a:latin typeface="+mn-lt"/>
+                <a:ea typeface="+mn-ea"/>
+                <a:cs typeface="+mn-cs"/>
+              </a:defRPr>
+            </a:lvl1pPr>
+            <a:lvl2pPr marL="742950" indent="-285750" algn="l" rtl="0" eaLnBrk="0" fontAlgn="base" hangingPunct="0">
+              <a:spcBef>
+                <a:spcPct val="20000"/>
+              </a:spcBef>
+              <a:spcAft>
+                <a:spcPct val="0"/>
+              </a:spcAft>
+              <a:buChar char="–"/>
+              <a:defRPr sz="2800">
+                <a:solidFill>
+                  <a:schemeClr val="tx1"/>
+                </a:solidFill>
+                <a:latin typeface="+mn-lt"/>
+                <a:ea typeface="+mn-ea"/>
+              </a:defRPr>
+            </a:lvl2pPr>
+            <a:lvl3pPr marL="1143000" indent="-228600" algn="l" rtl="0" eaLnBrk="0" fontAlgn="base" hangingPunct="0">
+              <a:spcBef>
+                <a:spcPct val="20000"/>
+              </a:spcBef>
+              <a:spcAft>
+                <a:spcPct val="0"/>
+              </a:spcAft>
+              <a:buChar char="•"/>
+              <a:defRPr sz="2400">
+                <a:solidFill>
+                  <a:schemeClr val="tx1"/>
+                </a:solidFill>
+                <a:latin typeface="+mn-lt"/>
+                <a:ea typeface="+mn-ea"/>
+              </a:defRPr>
+            </a:lvl3pPr>
+            <a:lvl4pPr marL="1600200" indent="-228600" algn="l" rtl="0" eaLnBrk="0" fontAlgn="base" hangingPunct="0">
+              <a:spcBef>
+                <a:spcPct val="20000"/>
+              </a:spcBef>
+              <a:spcAft>
+                <a:spcPct val="0"/>
+              </a:spcAft>
+              <a:buChar char="–"/>
+              <a:defRPr sz="2000">
+                <a:solidFill>
+                  <a:schemeClr val="tx1"/>
+                </a:solidFill>
+                <a:latin typeface="+mn-lt"/>
+                <a:ea typeface="+mn-ea"/>
+              </a:defRPr>
+            </a:lvl4pPr>
+            <a:lvl5pPr marL="2057400" indent="-228600" algn="l" rtl="0" eaLnBrk="0" fontAlgn="base" hangingPunct="0">
+              <a:spcBef>
+                <a:spcPct val="20000"/>
+              </a:spcBef>
+              <a:spcAft>
+                <a:spcPct val="0"/>
+              </a:spcAft>
+              <a:buChar char="»"/>
+              <a:defRPr sz="2000">
+                <a:solidFill>
+                  <a:schemeClr val="tx1"/>
+                </a:solidFill>
+                <a:latin typeface="+mn-lt"/>
+                <a:ea typeface="+mn-ea"/>
+              </a:defRPr>
+            </a:lvl5pPr>
+          </a:lstStyle>
+          <a:p>
+            <a:pPr marL="0" lvl="0" indent="0" eaLnBrk="1" hangingPunct="1">
+              <a:lnSpc>
+                <a:spcPct val="80000"/>
+              </a:lnSpc>
+              <a:buClr>
+                <a:schemeClr val="hlink"/>
+              </a:buClr>
+              <a:buFont typeface="Wingdings" panose="05000000000000000000" pitchFamily="2" charset="2"/>
+              <a:buNone/>
+            </a:pPr>
+            <a:endParaRPr lang="zh-CN" altLang="zh-CN" sz="2400" dirty="0">
+              <a:latin typeface="微软雅黑" panose="020B0503020204020204" pitchFamily="34" charset="-122"/>
+              <a:ea typeface="微软雅黑" panose="020B0503020204020204" pitchFamily="34" charset="-122"/>
+            </a:endParaRPr>
+          </a:p>
+        </p:txBody>
+      </p:sp>
+      <p:grpSp>
+        <p:nvGrpSpPr>
+          <p:cNvPr id="39955" name="Group 25"/>
+          <p:cNvGrpSpPr/>
+          <p:nvPr/>
+        </p:nvGrpSpPr>
+        <p:grpSpPr>
+          <a:xfrm rot="0">
+            <a:off x="6459220" y="3018155"/>
+            <a:ext cx="1590675" cy="1571625"/>
+            <a:chOff x="4166" y="1706"/>
+            <a:chExt cx="1252" cy="1252"/>
+          </a:xfrm>
+        </p:grpSpPr>
         <p:sp>
           <p:nvSpPr>
-            <p:cNvPr id="565279" name="Oval 31"/>
-            <p:cNvSpPr>
-              <a:spLocks noChangeArrowheads="true"/>
-            </p:cNvSpPr>
+            <p:cNvPr id="39975" name="Oval 26"/>
+            <p:cNvSpPr/>
             <p:nvPr/>
           </p:nvSpPr>
-          <p:spPr bwMode="gray">
+          <p:spPr>
             <a:xfrm>
-              <a:off x="12970" y="7517"/>
-              <a:ext cx="3403" cy="3403"/>
+              <a:off x="4166" y="1706"/>
+              <a:ext cx="1252" cy="1252"/>
             </a:xfrm>
             <a:prstGeom prst="ellipse">
               <a:avLst/>
@@ -15893,343 +15201,21 @@
             <a:gradFill rotWithShape="true">
               <a:gsLst>
                 <a:gs pos="0">
-                  <a:schemeClr val="hlink">
-                    <a:gamma/>
-                    <a:tint val="0"/>
-                    <a:invGamma/>
-                  </a:schemeClr>
-                </a:gs>
-                <a:gs pos="50000">
-                  <a:schemeClr val="hlink"/>
+                  <a:srgbClr val="636869"/>
                 </a:gs>
                 <a:gs pos="100000">
-                  <a:schemeClr val="hlink">
-                    <a:gamma/>
-                    <a:tint val="0"/>
-                    <a:invGamma/>
-                  </a:schemeClr>
+                  <a:srgbClr val="D6E1E2"/>
                 </a:gs>
               </a:gsLst>
-              <a:lin ang="2700000" scaled="true"/>
+              <a:lin ang="5400000" scaled="true"/>
+              <a:tileRect/>
             </a:gradFill>
-            <a:ln w="38100" algn="ctr">
-              <a:noFill/>
-              <a:round/>
-            </a:ln>
-            <a:effectLst/>
-          </p:spPr>
-          <p:txBody>
-            <a:bodyPr wrap="square" anchor="ctr">
-              <a:spAutoFit/>
-            </a:bodyPr>
-            <a:lstStyle/>
-            <a:p>
-              <a:pPr marL="0" marR="0" lvl="0" indent="0" algn="l" defTabSz="914400" rtl="0" eaLnBrk="1" fontAlgn="base" latinLnBrk="0" hangingPunct="1">
-                <a:lnSpc>
-                  <a:spcPct val="80000"/>
-                </a:lnSpc>
-                <a:spcBef>
-                  <a:spcPct val="20000"/>
-                </a:spcBef>
-                <a:spcAft>
-                  <a:spcPct val="0"/>
-                </a:spcAft>
-                <a:buClr>
-                  <a:schemeClr val="hlink"/>
-                </a:buClr>
-                <a:buSzTx/>
-                <a:buFont typeface="Wingdings" panose="05000000000000000000" pitchFamily="2" charset="2"/>
-                <a:buNone/>
-                <a:defRPr/>
-              </a:pPr>
-              <a:endParaRPr kumimoji="0" lang="zh-CN" altLang="en-US" sz="2400" b="0" i="0" u="none" strike="noStrike" kern="1200" cap="none" spc="0" normalizeH="0" baseline="0" noProof="0">
-                <a:ln>
-                  <a:noFill/>
-                </a:ln>
-                <a:solidFill>
-                  <a:schemeClr val="tx1"/>
-                </a:solidFill>
-                <a:effectLst/>
-                <a:uLnTx/>
-                <a:uFillTx/>
-                <a:latin typeface="微软雅黑" panose="020B0503020204020204" pitchFamily="34" charset="-122"/>
-                <a:ea typeface="微软雅黑" panose="020B0503020204020204" pitchFamily="34" charset="-122"/>
-                <a:cs typeface="+mn-cs"/>
-              </a:endParaRPr>
-            </a:p>
-          </p:txBody>
-        </p:sp>
-        <p:sp>
-          <p:nvSpPr>
-            <p:cNvPr id="565280" name="Oval 32"/>
-            <p:cNvSpPr>
-              <a:spLocks noChangeArrowheads="true"/>
-            </p:cNvSpPr>
-            <p:nvPr/>
-          </p:nvSpPr>
-          <p:spPr bwMode="gray">
-            <a:xfrm>
-              <a:off x="13170" y="7717"/>
-              <a:ext cx="3403" cy="3403"/>
-            </a:xfrm>
-            <a:prstGeom prst="ellipse">
-              <a:avLst/>
-            </a:prstGeom>
-            <a:gradFill rotWithShape="true">
-              <a:gsLst>
-                <a:gs pos="0">
-                  <a:schemeClr val="hlink">
-                    <a:alpha val="32001"/>
-                  </a:schemeClr>
-                </a:gs>
-                <a:gs pos="100000">
-                  <a:schemeClr val="hlink">
-                    <a:gamma/>
-                    <a:shade val="0"/>
-                    <a:invGamma/>
-                    <a:alpha val="89999"/>
-                  </a:schemeClr>
-                </a:gs>
-              </a:gsLst>
-              <a:lin ang="2700000" scaled="true"/>
-            </a:gradFill>
-            <a:ln w="38100" algn="ctr">
-              <a:noFill/>
-              <a:round/>
-            </a:ln>
-            <a:effectLst/>
-          </p:spPr>
-          <p:txBody>
-            <a:bodyPr wrap="square" anchor="ctr">
-              <a:spAutoFit/>
-            </a:bodyPr>
-            <a:lstStyle/>
-            <a:p>
-              <a:pPr marL="0" marR="0" lvl="0" indent="0" algn="l" defTabSz="914400" rtl="0" eaLnBrk="1" fontAlgn="base" latinLnBrk="0" hangingPunct="1">
-                <a:lnSpc>
-                  <a:spcPct val="80000"/>
-                </a:lnSpc>
-                <a:spcBef>
-                  <a:spcPct val="20000"/>
-                </a:spcBef>
-                <a:spcAft>
-                  <a:spcPct val="0"/>
-                </a:spcAft>
-                <a:buClr>
-                  <a:schemeClr val="hlink"/>
-                </a:buClr>
-                <a:buSzTx/>
-                <a:buFont typeface="Wingdings" panose="05000000000000000000" pitchFamily="2" charset="2"/>
-                <a:buNone/>
-                <a:defRPr/>
-              </a:pPr>
-              <a:endParaRPr kumimoji="0" lang="zh-CN" altLang="en-US" sz="2400" b="0" i="0" u="none" strike="noStrike" kern="1200" cap="none" spc="0" normalizeH="0" baseline="0" noProof="0">
-                <a:ln>
-                  <a:noFill/>
-                </a:ln>
-                <a:solidFill>
-                  <a:schemeClr val="tx1"/>
-                </a:solidFill>
-                <a:effectLst/>
-                <a:uLnTx/>
-                <a:uFillTx/>
-                <a:latin typeface="微软雅黑" panose="020B0503020204020204" pitchFamily="34" charset="-122"/>
-                <a:ea typeface="微软雅黑" panose="020B0503020204020204" pitchFamily="34" charset="-122"/>
-                <a:cs typeface="+mn-cs"/>
-              </a:endParaRPr>
-            </a:p>
-          </p:txBody>
-        </p:sp>
-        <p:sp>
-          <p:nvSpPr>
-            <p:cNvPr id="565281" name="Oval 33"/>
-            <p:cNvSpPr>
-              <a:spLocks noChangeArrowheads="true"/>
-            </p:cNvSpPr>
-            <p:nvPr/>
-          </p:nvSpPr>
-          <p:spPr bwMode="gray">
-            <a:xfrm>
-              <a:off x="13192" y="7739"/>
-              <a:ext cx="2958" cy="2958"/>
-            </a:xfrm>
-            <a:prstGeom prst="ellipse">
-              <a:avLst/>
-            </a:prstGeom>
-            <a:gradFill rotWithShape="true">
-              <a:gsLst>
-                <a:gs pos="0">
-                  <a:schemeClr val="hlink">
-                    <a:gamma/>
-                    <a:shade val="54118"/>
-                    <a:invGamma/>
-                  </a:schemeClr>
-                </a:gs>
-                <a:gs pos="50000">
-                  <a:schemeClr val="hlink"/>
-                </a:gs>
-                <a:gs pos="100000">
-                  <a:schemeClr val="hlink">
-                    <a:gamma/>
-                    <a:shade val="54118"/>
-                    <a:invGamma/>
-                  </a:schemeClr>
-                </a:gs>
-              </a:gsLst>
-              <a:lin ang="18900000" scaled="true"/>
-            </a:gradFill>
-            <a:ln w="38100" algn="ctr">
-              <a:noFill/>
-              <a:round/>
-            </a:ln>
-            <a:effectLst/>
-          </p:spPr>
-          <p:txBody>
-            <a:bodyPr anchor="ctr">
-              <a:spAutoFit/>
-            </a:bodyPr>
-            <a:lstStyle/>
-            <a:p>
-              <a:pPr marL="0" marR="0" lvl="0" indent="0" algn="l" defTabSz="914400" rtl="0" eaLnBrk="1" fontAlgn="base" latinLnBrk="0" hangingPunct="1">
-                <a:lnSpc>
-                  <a:spcPct val="80000"/>
-                </a:lnSpc>
-                <a:spcBef>
-                  <a:spcPct val="20000"/>
-                </a:spcBef>
-                <a:spcAft>
-                  <a:spcPct val="0"/>
-                </a:spcAft>
-                <a:buClr>
-                  <a:schemeClr val="hlink"/>
-                </a:buClr>
-                <a:buSzTx/>
-                <a:buFont typeface="Wingdings" panose="05000000000000000000" pitchFamily="2" charset="2"/>
-                <a:buNone/>
-                <a:defRPr/>
-              </a:pPr>
-              <a:endParaRPr kumimoji="0" lang="zh-CN" altLang="en-US" sz="2400" b="0" i="0" u="none" strike="noStrike" kern="1200" cap="none" spc="0" normalizeH="0" baseline="0" noProof="0">
-                <a:ln>
-                  <a:noFill/>
-                </a:ln>
-                <a:solidFill>
-                  <a:schemeClr val="tx1"/>
-                </a:solidFill>
-                <a:effectLst/>
-                <a:uLnTx/>
-                <a:uFillTx/>
-                <a:latin typeface="微软雅黑" panose="020B0503020204020204" pitchFamily="34" charset="-122"/>
-                <a:ea typeface="微软雅黑" panose="020B0503020204020204" pitchFamily="34" charset="-122"/>
-                <a:cs typeface="+mn-cs"/>
-              </a:endParaRPr>
-            </a:p>
-          </p:txBody>
-        </p:sp>
-        <p:sp>
-          <p:nvSpPr>
-            <p:cNvPr id="565282" name="Oval 34"/>
-            <p:cNvSpPr>
-              <a:spLocks noChangeArrowheads="true"/>
-            </p:cNvSpPr>
-            <p:nvPr/>
-          </p:nvSpPr>
-          <p:spPr bwMode="gray">
-            <a:xfrm>
-              <a:off x="13242" y="7757"/>
-              <a:ext cx="2958" cy="2958"/>
-            </a:xfrm>
-            <a:prstGeom prst="ellipse">
-              <a:avLst/>
-            </a:prstGeom>
-            <a:gradFill rotWithShape="true">
-              <a:gsLst>
-                <a:gs pos="0">
-                  <a:schemeClr val="hlink">
-                    <a:gamma/>
-                    <a:shade val="63529"/>
-                    <a:invGamma/>
-                  </a:schemeClr>
-                </a:gs>
-                <a:gs pos="100000">
-                  <a:schemeClr val="hlink">
-                    <a:alpha val="0"/>
-                  </a:schemeClr>
-                </a:gs>
-              </a:gsLst>
-              <a:lin ang="2700000" scaled="true"/>
-            </a:gradFill>
-            <a:ln w="38100" algn="ctr">
-              <a:noFill/>
-              <a:round/>
-            </a:ln>
-            <a:effectLst/>
-          </p:spPr>
-          <p:txBody>
-            <a:bodyPr anchor="ctr">
-              <a:spAutoFit/>
-            </a:bodyPr>
-            <a:lstStyle/>
-            <a:p>
-              <a:pPr marL="0" marR="0" lvl="0" indent="0" algn="l" defTabSz="914400" rtl="0" eaLnBrk="1" fontAlgn="base" latinLnBrk="0" hangingPunct="1">
-                <a:lnSpc>
-                  <a:spcPct val="80000"/>
-                </a:lnSpc>
-                <a:spcBef>
-                  <a:spcPct val="20000"/>
-                </a:spcBef>
-                <a:spcAft>
-                  <a:spcPct val="0"/>
-                </a:spcAft>
-                <a:buClr>
-                  <a:schemeClr val="hlink"/>
-                </a:buClr>
-                <a:buSzTx/>
-                <a:buFont typeface="Wingdings" panose="05000000000000000000" pitchFamily="2" charset="2"/>
-                <a:buNone/>
-                <a:defRPr/>
-              </a:pPr>
-              <a:endParaRPr kumimoji="0" lang="zh-CN" altLang="en-US" sz="2400" b="0" i="0" u="none" strike="noStrike" kern="1200" cap="none" spc="0" normalizeH="0" baseline="0" noProof="0">
-                <a:ln>
-                  <a:noFill/>
-                </a:ln>
-                <a:solidFill>
-                  <a:schemeClr val="tx1"/>
-                </a:solidFill>
-                <a:effectLst/>
-                <a:uLnTx/>
-                <a:uFillTx/>
-                <a:latin typeface="微软雅黑" panose="020B0503020204020204" pitchFamily="34" charset="-122"/>
-                <a:ea typeface="微软雅黑" panose="020B0503020204020204" pitchFamily="34" charset="-122"/>
-                <a:cs typeface="+mn-cs"/>
-              </a:endParaRPr>
-            </a:p>
-          </p:txBody>
-        </p:sp>
-        <p:sp>
-          <p:nvSpPr>
-            <p:cNvPr id="39961" name="Oval 35"/>
-            <p:cNvSpPr/>
-            <p:nvPr/>
-          </p:nvSpPr>
-          <p:spPr>
-            <a:xfrm>
-              <a:off x="13352" y="7887"/>
-              <a:ext cx="2663" cy="2662"/>
-            </a:xfrm>
-            <a:prstGeom prst="ellipse">
-              <a:avLst/>
-            </a:prstGeom>
-            <a:solidFill>
-              <a:srgbClr val="333333"/>
-            </a:solidFill>
-            <a:ln w="38100">
+            <a:ln w="9525">
               <a:noFill/>
             </a:ln>
           </p:spPr>
           <p:txBody>
-            <a:bodyPr anchor="ctr" anchorCtr="false">
-              <a:spAutoFit/>
-            </a:bodyPr>
+            <a:bodyPr vert="eaVert" wrap="none" anchor="ctr" anchorCtr="false"/>
             <a:lstStyle>
               <a:lvl1pPr marL="342900" indent="-342900" algn="l" rtl="0" eaLnBrk="0" fontAlgn="base" hangingPunct="0">
                 <a:spcBef>
@@ -16331,582 +15317,40 @@
             </a:p>
           </p:txBody>
         </p:sp>
-        <p:grpSp>
-          <p:nvGrpSpPr>
-            <p:cNvPr id="39962" name="Group 36"/>
-            <p:cNvGrpSpPr/>
-            <p:nvPr/>
-          </p:nvGrpSpPr>
-          <p:grpSpPr>
-            <a:xfrm>
-              <a:off x="13400" y="7917"/>
-              <a:ext cx="2577" cy="2577"/>
-              <a:chOff x="4166" y="1706"/>
-              <a:chExt cx="1252" cy="1252"/>
-            </a:xfrm>
-          </p:grpSpPr>
-          <p:sp>
-            <p:nvSpPr>
-              <p:cNvPr id="39971" name="Oval 37"/>
-              <p:cNvSpPr/>
-              <p:nvPr/>
-            </p:nvSpPr>
-            <p:spPr>
-              <a:xfrm>
-                <a:off x="4166" y="1706"/>
-                <a:ext cx="1252" cy="1252"/>
-              </a:xfrm>
-              <a:prstGeom prst="ellipse">
-                <a:avLst/>
-              </a:prstGeom>
-              <a:gradFill rotWithShape="true">
-                <a:gsLst>
-                  <a:gs pos="0">
-                    <a:srgbClr val="636869"/>
-                  </a:gs>
-                  <a:gs pos="100000">
-                    <a:srgbClr val="D6E1E2"/>
-                  </a:gs>
-                </a:gsLst>
-                <a:lin ang="5400000" scaled="true"/>
-                <a:tileRect/>
-              </a:gradFill>
-              <a:ln w="9525">
-                <a:noFill/>
-              </a:ln>
-            </p:spPr>
-            <p:txBody>
-              <a:bodyPr vert="eaVert" wrap="none" anchor="ctr" anchorCtr="false"/>
-              <a:lstStyle>
-                <a:lvl1pPr marL="342900" indent="-342900" algn="l" rtl="0" eaLnBrk="0" fontAlgn="base" hangingPunct="0">
-                  <a:spcBef>
-                    <a:spcPct val="20000"/>
-                  </a:spcBef>
-                  <a:spcAft>
-                    <a:spcPct val="0"/>
-                  </a:spcAft>
-                  <a:buChar char="•"/>
-                  <a:defRPr sz="3200">
-                    <a:solidFill>
-                      <a:schemeClr val="tx1"/>
-                    </a:solidFill>
-                    <a:latin typeface="+mn-lt"/>
-                    <a:ea typeface="+mn-ea"/>
-                    <a:cs typeface="+mn-cs"/>
-                  </a:defRPr>
-                </a:lvl1pPr>
-                <a:lvl2pPr marL="742950" indent="-285750" algn="l" rtl="0" eaLnBrk="0" fontAlgn="base" hangingPunct="0">
-                  <a:spcBef>
-                    <a:spcPct val="20000"/>
-                  </a:spcBef>
-                  <a:spcAft>
-                    <a:spcPct val="0"/>
-                  </a:spcAft>
-                  <a:buChar char="–"/>
-                  <a:defRPr sz="2800">
-                    <a:solidFill>
-                      <a:schemeClr val="tx1"/>
-                    </a:solidFill>
-                    <a:latin typeface="+mn-lt"/>
-                    <a:ea typeface="+mn-ea"/>
-                  </a:defRPr>
-                </a:lvl2pPr>
-                <a:lvl3pPr marL="1143000" indent="-228600" algn="l" rtl="0" eaLnBrk="0" fontAlgn="base" hangingPunct="0">
-                  <a:spcBef>
-                    <a:spcPct val="20000"/>
-                  </a:spcBef>
-                  <a:spcAft>
-                    <a:spcPct val="0"/>
-                  </a:spcAft>
-                  <a:buChar char="•"/>
-                  <a:defRPr sz="2400">
-                    <a:solidFill>
-                      <a:schemeClr val="tx1"/>
-                    </a:solidFill>
-                    <a:latin typeface="+mn-lt"/>
-                    <a:ea typeface="+mn-ea"/>
-                  </a:defRPr>
-                </a:lvl3pPr>
-                <a:lvl4pPr marL="1600200" indent="-228600" algn="l" rtl="0" eaLnBrk="0" fontAlgn="base" hangingPunct="0">
-                  <a:spcBef>
-                    <a:spcPct val="20000"/>
-                  </a:spcBef>
-                  <a:spcAft>
-                    <a:spcPct val="0"/>
-                  </a:spcAft>
-                  <a:buChar char="–"/>
-                  <a:defRPr sz="2000">
-                    <a:solidFill>
-                      <a:schemeClr val="tx1"/>
-                    </a:solidFill>
-                    <a:latin typeface="+mn-lt"/>
-                    <a:ea typeface="+mn-ea"/>
-                  </a:defRPr>
-                </a:lvl4pPr>
-                <a:lvl5pPr marL="2057400" indent="-228600" algn="l" rtl="0" eaLnBrk="0" fontAlgn="base" hangingPunct="0">
-                  <a:spcBef>
-                    <a:spcPct val="20000"/>
-                  </a:spcBef>
-                  <a:spcAft>
-                    <a:spcPct val="0"/>
-                  </a:spcAft>
-                  <a:buChar char="»"/>
-                  <a:defRPr sz="2000">
-                    <a:solidFill>
-                      <a:schemeClr val="tx1"/>
-                    </a:solidFill>
-                    <a:latin typeface="+mn-lt"/>
-                    <a:ea typeface="+mn-ea"/>
-                  </a:defRPr>
-                </a:lvl5pPr>
-              </a:lstStyle>
-              <a:p>
-                <a:pPr marL="0" lvl="0" indent="0" eaLnBrk="1" hangingPunct="1">
-                  <a:lnSpc>
-                    <a:spcPct val="80000"/>
-                  </a:lnSpc>
-                  <a:buClr>
-                    <a:schemeClr val="hlink"/>
-                  </a:buClr>
-                  <a:buFont typeface="Wingdings" panose="05000000000000000000" pitchFamily="2" charset="2"/>
-                  <a:buNone/>
-                </a:pPr>
-                <a:endParaRPr lang="zh-CN" altLang="zh-CN" sz="2400" dirty="0">
-                  <a:latin typeface="微软雅黑" panose="020B0503020204020204" pitchFamily="34" charset="-122"/>
-                  <a:ea typeface="微软雅黑" panose="020B0503020204020204" pitchFamily="34" charset="-122"/>
-                </a:endParaRPr>
-              </a:p>
-            </p:txBody>
-          </p:sp>
-          <p:sp>
-            <p:nvSpPr>
-              <p:cNvPr id="39972" name="Oval 38"/>
-              <p:cNvSpPr/>
-              <p:nvPr/>
-            </p:nvSpPr>
-            <p:spPr>
-              <a:xfrm>
-                <a:off x="4182" y="1713"/>
-                <a:ext cx="1222" cy="1221"/>
-              </a:xfrm>
-              <a:prstGeom prst="ellipse">
-                <a:avLst/>
-              </a:prstGeom>
-              <a:gradFill rotWithShape="true">
-                <a:gsLst>
-                  <a:gs pos="0">
-                    <a:srgbClr val="D6E1E2">
-                      <a:alpha val="0"/>
-                    </a:srgbClr>
-                  </a:gs>
-                  <a:gs pos="100000">
-                    <a:srgbClr val="F1F5F5"/>
-                  </a:gs>
-                </a:gsLst>
-                <a:lin ang="5400000" scaled="true"/>
-                <a:tileRect/>
-              </a:gradFill>
-              <a:ln w="9525">
-                <a:noFill/>
-              </a:ln>
-            </p:spPr>
-            <p:txBody>
-              <a:bodyPr vert="eaVert" wrap="none" anchor="ctr" anchorCtr="false"/>
-              <a:lstStyle>
-                <a:lvl1pPr marL="342900" indent="-342900" algn="l" rtl="0" eaLnBrk="0" fontAlgn="base" hangingPunct="0">
-                  <a:spcBef>
-                    <a:spcPct val="20000"/>
-                  </a:spcBef>
-                  <a:spcAft>
-                    <a:spcPct val="0"/>
-                  </a:spcAft>
-                  <a:buChar char="•"/>
-                  <a:defRPr sz="3200">
-                    <a:solidFill>
-                      <a:schemeClr val="tx1"/>
-                    </a:solidFill>
-                    <a:latin typeface="+mn-lt"/>
-                    <a:ea typeface="+mn-ea"/>
-                    <a:cs typeface="+mn-cs"/>
-                  </a:defRPr>
-                </a:lvl1pPr>
-                <a:lvl2pPr marL="742950" indent="-285750" algn="l" rtl="0" eaLnBrk="0" fontAlgn="base" hangingPunct="0">
-                  <a:spcBef>
-                    <a:spcPct val="20000"/>
-                  </a:spcBef>
-                  <a:spcAft>
-                    <a:spcPct val="0"/>
-                  </a:spcAft>
-                  <a:buChar char="–"/>
-                  <a:defRPr sz="2800">
-                    <a:solidFill>
-                      <a:schemeClr val="tx1"/>
-                    </a:solidFill>
-                    <a:latin typeface="+mn-lt"/>
-                    <a:ea typeface="+mn-ea"/>
-                  </a:defRPr>
-                </a:lvl2pPr>
-                <a:lvl3pPr marL="1143000" indent="-228600" algn="l" rtl="0" eaLnBrk="0" fontAlgn="base" hangingPunct="0">
-                  <a:spcBef>
-                    <a:spcPct val="20000"/>
-                  </a:spcBef>
-                  <a:spcAft>
-                    <a:spcPct val="0"/>
-                  </a:spcAft>
-                  <a:buChar char="•"/>
-                  <a:defRPr sz="2400">
-                    <a:solidFill>
-                      <a:schemeClr val="tx1"/>
-                    </a:solidFill>
-                    <a:latin typeface="+mn-lt"/>
-                    <a:ea typeface="+mn-ea"/>
-                  </a:defRPr>
-                </a:lvl3pPr>
-                <a:lvl4pPr marL="1600200" indent="-228600" algn="l" rtl="0" eaLnBrk="0" fontAlgn="base" hangingPunct="0">
-                  <a:spcBef>
-                    <a:spcPct val="20000"/>
-                  </a:spcBef>
-                  <a:spcAft>
-                    <a:spcPct val="0"/>
-                  </a:spcAft>
-                  <a:buChar char="–"/>
-                  <a:defRPr sz="2000">
-                    <a:solidFill>
-                      <a:schemeClr val="tx1"/>
-                    </a:solidFill>
-                    <a:latin typeface="+mn-lt"/>
-                    <a:ea typeface="+mn-ea"/>
-                  </a:defRPr>
-                </a:lvl4pPr>
-                <a:lvl5pPr marL="2057400" indent="-228600" algn="l" rtl="0" eaLnBrk="0" fontAlgn="base" hangingPunct="0">
-                  <a:spcBef>
-                    <a:spcPct val="20000"/>
-                  </a:spcBef>
-                  <a:spcAft>
-                    <a:spcPct val="0"/>
-                  </a:spcAft>
-                  <a:buChar char="»"/>
-                  <a:defRPr sz="2000">
-                    <a:solidFill>
-                      <a:schemeClr val="tx1"/>
-                    </a:solidFill>
-                    <a:latin typeface="+mn-lt"/>
-                    <a:ea typeface="+mn-ea"/>
-                  </a:defRPr>
-                </a:lvl5pPr>
-              </a:lstStyle>
-              <a:p>
-                <a:pPr marL="0" lvl="0" indent="0" eaLnBrk="1" hangingPunct="1">
-                  <a:lnSpc>
-                    <a:spcPct val="80000"/>
-                  </a:lnSpc>
-                  <a:buClr>
-                    <a:schemeClr val="hlink"/>
-                  </a:buClr>
-                  <a:buFont typeface="Wingdings" panose="05000000000000000000" pitchFamily="2" charset="2"/>
-                  <a:buNone/>
-                </a:pPr>
-                <a:endParaRPr lang="zh-CN" altLang="zh-CN" sz="2400" dirty="0">
-                  <a:latin typeface="微软雅黑" panose="020B0503020204020204" pitchFamily="34" charset="-122"/>
-                  <a:ea typeface="微软雅黑" panose="020B0503020204020204" pitchFamily="34" charset="-122"/>
-                </a:endParaRPr>
-              </a:p>
-            </p:txBody>
-          </p:sp>
-          <p:sp>
-            <p:nvSpPr>
-              <p:cNvPr id="39973" name="Oval 39"/>
-              <p:cNvSpPr/>
-              <p:nvPr/>
-            </p:nvSpPr>
-            <p:spPr>
-              <a:xfrm>
-                <a:off x="4195" y="1725"/>
-                <a:ext cx="1162" cy="1141"/>
-              </a:xfrm>
-              <a:prstGeom prst="ellipse">
-                <a:avLst/>
-              </a:prstGeom>
-              <a:gradFill rotWithShape="true">
-                <a:gsLst>
-                  <a:gs pos="0">
-                    <a:srgbClr val="AAB2B3"/>
-                  </a:gs>
-                  <a:gs pos="100000">
-                    <a:srgbClr val="D6E1E2">
-                      <a:alpha val="48000"/>
-                    </a:srgbClr>
-                  </a:gs>
-                </a:gsLst>
-                <a:lin ang="5400000" scaled="true"/>
-                <a:tileRect/>
-              </a:gradFill>
-              <a:ln w="9525">
-                <a:noFill/>
-              </a:ln>
-            </p:spPr>
-            <p:txBody>
-              <a:bodyPr vert="eaVert" wrap="none" anchor="ctr" anchorCtr="false"/>
-              <a:lstStyle>
-                <a:lvl1pPr marL="342900" indent="-342900" algn="l" rtl="0" eaLnBrk="0" fontAlgn="base" hangingPunct="0">
-                  <a:spcBef>
-                    <a:spcPct val="20000"/>
-                  </a:spcBef>
-                  <a:spcAft>
-                    <a:spcPct val="0"/>
-                  </a:spcAft>
-                  <a:buChar char="•"/>
-                  <a:defRPr sz="3200">
-                    <a:solidFill>
-                      <a:schemeClr val="tx1"/>
-                    </a:solidFill>
-                    <a:latin typeface="+mn-lt"/>
-                    <a:ea typeface="+mn-ea"/>
-                    <a:cs typeface="+mn-cs"/>
-                  </a:defRPr>
-                </a:lvl1pPr>
-                <a:lvl2pPr marL="742950" indent="-285750" algn="l" rtl="0" eaLnBrk="0" fontAlgn="base" hangingPunct="0">
-                  <a:spcBef>
-                    <a:spcPct val="20000"/>
-                  </a:spcBef>
-                  <a:spcAft>
-                    <a:spcPct val="0"/>
-                  </a:spcAft>
-                  <a:buChar char="–"/>
-                  <a:defRPr sz="2800">
-                    <a:solidFill>
-                      <a:schemeClr val="tx1"/>
-                    </a:solidFill>
-                    <a:latin typeface="+mn-lt"/>
-                    <a:ea typeface="+mn-ea"/>
-                  </a:defRPr>
-                </a:lvl2pPr>
-                <a:lvl3pPr marL="1143000" indent="-228600" algn="l" rtl="0" eaLnBrk="0" fontAlgn="base" hangingPunct="0">
-                  <a:spcBef>
-                    <a:spcPct val="20000"/>
-                  </a:spcBef>
-                  <a:spcAft>
-                    <a:spcPct val="0"/>
-                  </a:spcAft>
-                  <a:buChar char="•"/>
-                  <a:defRPr sz="2400">
-                    <a:solidFill>
-                      <a:schemeClr val="tx1"/>
-                    </a:solidFill>
-                    <a:latin typeface="+mn-lt"/>
-                    <a:ea typeface="+mn-ea"/>
-                  </a:defRPr>
-                </a:lvl3pPr>
-                <a:lvl4pPr marL="1600200" indent="-228600" algn="l" rtl="0" eaLnBrk="0" fontAlgn="base" hangingPunct="0">
-                  <a:spcBef>
-                    <a:spcPct val="20000"/>
-                  </a:spcBef>
-                  <a:spcAft>
-                    <a:spcPct val="0"/>
-                  </a:spcAft>
-                  <a:buChar char="–"/>
-                  <a:defRPr sz="2000">
-                    <a:solidFill>
-                      <a:schemeClr val="tx1"/>
-                    </a:solidFill>
-                    <a:latin typeface="+mn-lt"/>
-                    <a:ea typeface="+mn-ea"/>
-                  </a:defRPr>
-                </a:lvl4pPr>
-                <a:lvl5pPr marL="2057400" indent="-228600" algn="l" rtl="0" eaLnBrk="0" fontAlgn="base" hangingPunct="0">
-                  <a:spcBef>
-                    <a:spcPct val="20000"/>
-                  </a:spcBef>
-                  <a:spcAft>
-                    <a:spcPct val="0"/>
-                  </a:spcAft>
-                  <a:buChar char="»"/>
-                  <a:defRPr sz="2000">
-                    <a:solidFill>
-                      <a:schemeClr val="tx1"/>
-                    </a:solidFill>
-                    <a:latin typeface="+mn-lt"/>
-                    <a:ea typeface="+mn-ea"/>
-                  </a:defRPr>
-                </a:lvl5pPr>
-              </a:lstStyle>
-              <a:p>
-                <a:pPr marL="0" lvl="0" indent="0" eaLnBrk="1" hangingPunct="1">
-                  <a:lnSpc>
-                    <a:spcPct val="80000"/>
-                  </a:lnSpc>
-                  <a:buClr>
-                    <a:schemeClr val="hlink"/>
-                  </a:buClr>
-                  <a:buFont typeface="Wingdings" panose="05000000000000000000" pitchFamily="2" charset="2"/>
-                  <a:buNone/>
-                </a:pPr>
-                <a:endParaRPr lang="zh-CN" altLang="zh-CN" sz="2400" dirty="0">
-                  <a:latin typeface="微软雅黑" panose="020B0503020204020204" pitchFamily="34" charset="-122"/>
-                  <a:ea typeface="微软雅黑" panose="020B0503020204020204" pitchFamily="34" charset="-122"/>
-                </a:endParaRPr>
-              </a:p>
-            </p:txBody>
-          </p:sp>
-          <p:sp>
-            <p:nvSpPr>
-              <p:cNvPr id="39974" name="Oval 40"/>
-              <p:cNvSpPr/>
-              <p:nvPr/>
-            </p:nvSpPr>
-            <p:spPr>
-              <a:xfrm>
-                <a:off x="4263" y="1757"/>
-                <a:ext cx="1033" cy="926"/>
-              </a:xfrm>
-              <a:prstGeom prst="ellipse">
-                <a:avLst/>
-              </a:prstGeom>
-              <a:gradFill rotWithShape="true">
-                <a:gsLst>
-                  <a:gs pos="0">
-                    <a:srgbClr val="FFFFFF"/>
-                  </a:gs>
-                  <a:gs pos="100000">
-                    <a:srgbClr val="D6E1E2">
-                      <a:alpha val="37999"/>
-                    </a:srgbClr>
-                  </a:gs>
-                </a:gsLst>
-                <a:lin ang="5400000" scaled="true"/>
-                <a:tileRect/>
-              </a:gradFill>
-              <a:ln w="9525">
-                <a:noFill/>
-              </a:ln>
-            </p:spPr>
-            <p:txBody>
-              <a:bodyPr vert="eaVert" wrap="none" anchor="ctr" anchorCtr="false"/>
-              <a:lstStyle>
-                <a:lvl1pPr marL="342900" indent="-342900" algn="l" rtl="0" eaLnBrk="0" fontAlgn="base" hangingPunct="0">
-                  <a:spcBef>
-                    <a:spcPct val="20000"/>
-                  </a:spcBef>
-                  <a:spcAft>
-                    <a:spcPct val="0"/>
-                  </a:spcAft>
-                  <a:buChar char="•"/>
-                  <a:defRPr sz="3200">
-                    <a:solidFill>
-                      <a:schemeClr val="tx1"/>
-                    </a:solidFill>
-                    <a:latin typeface="+mn-lt"/>
-                    <a:ea typeface="+mn-ea"/>
-                    <a:cs typeface="+mn-cs"/>
-                  </a:defRPr>
-                </a:lvl1pPr>
-                <a:lvl2pPr marL="742950" indent="-285750" algn="l" rtl="0" eaLnBrk="0" fontAlgn="base" hangingPunct="0">
-                  <a:spcBef>
-                    <a:spcPct val="20000"/>
-                  </a:spcBef>
-                  <a:spcAft>
-                    <a:spcPct val="0"/>
-                  </a:spcAft>
-                  <a:buChar char="–"/>
-                  <a:defRPr sz="2800">
-                    <a:solidFill>
-                      <a:schemeClr val="tx1"/>
-                    </a:solidFill>
-                    <a:latin typeface="+mn-lt"/>
-                    <a:ea typeface="+mn-ea"/>
-                  </a:defRPr>
-                </a:lvl2pPr>
-                <a:lvl3pPr marL="1143000" indent="-228600" algn="l" rtl="0" eaLnBrk="0" fontAlgn="base" hangingPunct="0">
-                  <a:spcBef>
-                    <a:spcPct val="20000"/>
-                  </a:spcBef>
-                  <a:spcAft>
-                    <a:spcPct val="0"/>
-                  </a:spcAft>
-                  <a:buChar char="•"/>
-                  <a:defRPr sz="2400">
-                    <a:solidFill>
-                      <a:schemeClr val="tx1"/>
-                    </a:solidFill>
-                    <a:latin typeface="+mn-lt"/>
-                    <a:ea typeface="+mn-ea"/>
-                  </a:defRPr>
-                </a:lvl3pPr>
-                <a:lvl4pPr marL="1600200" indent="-228600" algn="l" rtl="0" eaLnBrk="0" fontAlgn="base" hangingPunct="0">
-                  <a:spcBef>
-                    <a:spcPct val="20000"/>
-                  </a:spcBef>
-                  <a:spcAft>
-                    <a:spcPct val="0"/>
-                  </a:spcAft>
-                  <a:buChar char="–"/>
-                  <a:defRPr sz="2000">
-                    <a:solidFill>
-                      <a:schemeClr val="tx1"/>
-                    </a:solidFill>
-                    <a:latin typeface="+mn-lt"/>
-                    <a:ea typeface="+mn-ea"/>
-                  </a:defRPr>
-                </a:lvl4pPr>
-                <a:lvl5pPr marL="2057400" indent="-228600" algn="l" rtl="0" eaLnBrk="0" fontAlgn="base" hangingPunct="0">
-                  <a:spcBef>
-                    <a:spcPct val="20000"/>
-                  </a:spcBef>
-                  <a:spcAft>
-                    <a:spcPct val="0"/>
-                  </a:spcAft>
-                  <a:buChar char="»"/>
-                  <a:defRPr sz="2000">
-                    <a:solidFill>
-                      <a:schemeClr val="tx1"/>
-                    </a:solidFill>
-                    <a:latin typeface="+mn-lt"/>
-                    <a:ea typeface="+mn-ea"/>
-                  </a:defRPr>
-                </a:lvl5pPr>
-              </a:lstStyle>
-              <a:p>
-                <a:pPr marL="0" lvl="0" indent="0" eaLnBrk="1" hangingPunct="1">
-                  <a:lnSpc>
-                    <a:spcPct val="80000"/>
-                  </a:lnSpc>
-                  <a:buClr>
-                    <a:schemeClr val="hlink"/>
-                  </a:buClr>
-                  <a:buFont typeface="Wingdings" panose="05000000000000000000" pitchFamily="2" charset="2"/>
-                  <a:buNone/>
-                </a:pPr>
-                <a:endParaRPr lang="zh-CN" altLang="zh-CN" sz="2400" dirty="0">
-                  <a:latin typeface="微软雅黑" panose="020B0503020204020204" pitchFamily="34" charset="-122"/>
-                  <a:ea typeface="微软雅黑" panose="020B0503020204020204" pitchFamily="34" charset="-122"/>
-                </a:endParaRPr>
-              </a:p>
-            </p:txBody>
-          </p:sp>
-        </p:grpSp>
         <p:sp>
           <p:nvSpPr>
-            <p:cNvPr id="39963" name="Text Box 41"/>
-            <p:cNvSpPr txBox="true"/>
+            <p:cNvPr id="39976" name="Oval 27"/>
+            <p:cNvSpPr/>
             <p:nvPr/>
           </p:nvSpPr>
           <p:spPr>
             <a:xfrm>
-              <a:off x="13910" y="8159"/>
-              <a:ext cx="1415" cy="1966"/>
+              <a:off x="4182" y="1713"/>
+              <a:ext cx="1222" cy="1221"/>
             </a:xfrm>
-            <a:prstGeom prst="rect">
+            <a:prstGeom prst="ellipse">
               <a:avLst/>
             </a:prstGeom>
-            <a:noFill/>
+            <a:gradFill rotWithShape="true">
+              <a:gsLst>
+                <a:gs pos="0">
+                  <a:srgbClr val="D6E1E2">
+                    <a:alpha val="0"/>
+                  </a:srgbClr>
+                </a:gs>
+                <a:gs pos="100000">
+                  <a:srgbClr val="F1F5F5"/>
+                </a:gs>
+              </a:gsLst>
+              <a:lin ang="5400000" scaled="true"/>
+              <a:tileRect/>
+            </a:gradFill>
             <a:ln w="9525">
               <a:noFill/>
             </a:ln>
           </p:spPr>
           <p:txBody>
-            <a:bodyPr wrap="square">
-              <a:spAutoFit/>
-            </a:bodyPr>
+            <a:bodyPr vert="eaVert" wrap="none" anchor="ctr" anchorCtr="false"/>
             <a:lstStyle>
               <a:lvl1pPr marL="342900" indent="-342900" algn="l" rtl="0" eaLnBrk="0" fontAlgn="base" hangingPunct="0">
                 <a:spcBef>
@@ -16991,58 +15435,17 @@
               </a:lvl5pPr>
             </a:lstStyle>
             <a:p>
-              <a:pPr marL="0" lvl="0" indent="0" algn="ctr" eaLnBrk="1" hangingPunct="1">
-                <a:spcBef>
-                  <a:spcPct val="0"/>
-                </a:spcBef>
+              <a:pPr marL="0" lvl="0" indent="0" eaLnBrk="1" hangingPunct="1">
+                <a:lnSpc>
+                  <a:spcPct val="80000"/>
+                </a:lnSpc>
+                <a:buClr>
+                  <a:schemeClr val="hlink"/>
+                </a:buClr>
+                <a:buFont typeface="Wingdings" panose="05000000000000000000" pitchFamily="2" charset="2"/>
                 <a:buNone/>
               </a:pPr>
-              <a:r>
-                <a:rPr lang="zh-CN" altLang="en-US" sz="2400" b="1" dirty="0">
-                  <a:latin typeface="微软雅黑" panose="020B0503020204020204" pitchFamily="34" charset="-122"/>
-                  <a:ea typeface="微软雅黑" panose="020B0503020204020204" pitchFamily="34" charset="-122"/>
-                </a:rPr>
-                <a:t>个人</a:t>
-              </a:r>
-              <a:endParaRPr lang="zh-CN" altLang="en-US" sz="2400" b="1" dirty="0">
-                <a:latin typeface="微软雅黑" panose="020B0503020204020204" pitchFamily="34" charset="-122"/>
-                <a:ea typeface="微软雅黑" panose="020B0503020204020204" pitchFamily="34" charset="-122"/>
-              </a:endParaRPr>
-            </a:p>
-            <a:p>
-              <a:pPr marL="0" lvl="0" indent="0" algn="ctr" eaLnBrk="1" hangingPunct="1">
-                <a:spcBef>
-                  <a:spcPct val="0"/>
-                </a:spcBef>
-                <a:buNone/>
-              </a:pPr>
-              <a:r>
-                <a:rPr lang="zh-CN" altLang="en-US" sz="2400" b="1" dirty="0">
-                  <a:latin typeface="微软雅黑" panose="020B0503020204020204" pitchFamily="34" charset="-122"/>
-                  <a:ea typeface="微软雅黑" panose="020B0503020204020204" pitchFamily="34" charset="-122"/>
-                </a:rPr>
-                <a:t>信用</a:t>
-              </a:r>
-              <a:endParaRPr lang="zh-CN" altLang="en-US" sz="2400" b="1" dirty="0">
-                <a:latin typeface="微软雅黑" panose="020B0503020204020204" pitchFamily="34" charset="-122"/>
-                <a:ea typeface="微软雅黑" panose="020B0503020204020204" pitchFamily="34" charset="-122"/>
-              </a:endParaRPr>
-            </a:p>
-            <a:p>
-              <a:pPr marL="0" lvl="0" indent="0" algn="ctr" eaLnBrk="1" hangingPunct="1">
-                <a:spcBef>
-                  <a:spcPct val="0"/>
-                </a:spcBef>
-                <a:buNone/>
-              </a:pPr>
-              <a:r>
-                <a:rPr lang="zh-CN" altLang="en-US" sz="2400" b="1" dirty="0">
-                  <a:latin typeface="微软雅黑" panose="020B0503020204020204" pitchFamily="34" charset="-122"/>
-                  <a:ea typeface="微软雅黑" panose="020B0503020204020204" pitchFamily="34" charset="-122"/>
-                </a:rPr>
-                <a:t>危机</a:t>
-              </a:r>
-              <a:endParaRPr lang="zh-CN" altLang="en-US" sz="2400" b="1" dirty="0">
+              <a:endParaRPr lang="zh-CN" altLang="zh-CN" sz="2400" dirty="0">
                 <a:latin typeface="微软雅黑" panose="020B0503020204020204" pitchFamily="34" charset="-122"/>
                 <a:ea typeface="微软雅黑" panose="020B0503020204020204" pitchFamily="34" charset="-122"/>
               </a:endParaRPr>
@@ -17051,37 +15454,38 @@
         </p:sp>
         <p:sp>
           <p:nvSpPr>
-            <p:cNvPr id="39964" name="Text Box 42"/>
-            <p:cNvSpPr txBox="true"/>
+            <p:cNvPr id="39977" name="Oval 28"/>
+            <p:cNvSpPr/>
             <p:nvPr/>
           </p:nvSpPr>
           <p:spPr>
             <a:xfrm>
-              <a:off x="7503" y="4044"/>
-              <a:ext cx="1194" cy="4083"/>
+              <a:off x="4195" y="1725"/>
+              <a:ext cx="1162" cy="1141"/>
             </a:xfrm>
-            <a:prstGeom prst="rect">
+            <a:prstGeom prst="ellipse">
               <a:avLst/>
             </a:prstGeom>
-            <a:solidFill>
-              <a:srgbClr val="FFFF00">
-                <a:alpha val="58823"/>
-              </a:srgbClr>
-            </a:solidFill>
-            <a:ln w="9525" cap="flat" cmpd="sng">
-              <a:solidFill>
-                <a:srgbClr val="0000CC"/>
-              </a:solidFill>
-              <a:prstDash val="solid"/>
-              <a:miter/>
-              <a:headEnd type="none" w="med" len="med"/>
-              <a:tailEnd type="none" w="med" len="med"/>
+            <a:gradFill rotWithShape="true">
+              <a:gsLst>
+                <a:gs pos="0">
+                  <a:srgbClr val="AAB2B3"/>
+                </a:gs>
+                <a:gs pos="100000">
+                  <a:srgbClr val="D6E1E2">
+                    <a:alpha val="48000"/>
+                  </a:srgbClr>
+                </a:gs>
+              </a:gsLst>
+              <a:lin ang="5400000" scaled="true"/>
+              <a:tileRect/>
+            </a:gradFill>
+            <a:ln w="9525">
+              <a:noFill/>
             </a:ln>
           </p:spPr>
           <p:txBody>
-            <a:bodyPr vert="eaVert">
-              <a:spAutoFit/>
-            </a:bodyPr>
+            <a:bodyPr vert="eaVert" wrap="none" anchor="ctr" anchorCtr="false"/>
             <a:lstStyle>
               <a:lvl1pPr marL="342900" indent="-342900" algn="l" rtl="0" eaLnBrk="0" fontAlgn="base" hangingPunct="0">
                 <a:spcBef>
@@ -17166,20 +15570,17 @@
               </a:lvl5pPr>
             </a:lstStyle>
             <a:p>
-              <a:pPr marL="0" lvl="0" indent="0" algn="ctr" eaLnBrk="1" hangingPunct="1">
-                <a:spcBef>
-                  <a:spcPct val="0"/>
-                </a:spcBef>
+              <a:pPr marL="0" lvl="0" indent="0" eaLnBrk="1" hangingPunct="1">
+                <a:lnSpc>
+                  <a:spcPct val="80000"/>
+                </a:lnSpc>
+                <a:buClr>
+                  <a:schemeClr val="hlink"/>
+                </a:buClr>
+                <a:buFont typeface="Wingdings" panose="05000000000000000000" pitchFamily="2" charset="2"/>
                 <a:buNone/>
               </a:pPr>
-              <a:r>
-                <a:rPr lang="zh-CN" altLang="en-US" sz="3600" b="1" dirty="0">
-                  <a:latin typeface="微软雅黑" panose="020B0503020204020204" pitchFamily="34" charset="-122"/>
-                  <a:ea typeface="微软雅黑" panose="020B0503020204020204" pitchFamily="34" charset="-122"/>
-                </a:rPr>
-                <a:t>信用危机</a:t>
-              </a:r>
-              <a:endParaRPr lang="zh-CN" altLang="en-US" sz="3600" b="1" dirty="0">
+              <a:endParaRPr lang="zh-CN" altLang="zh-CN" sz="2400" dirty="0">
                 <a:latin typeface="微软雅黑" panose="020B0503020204020204" pitchFamily="34" charset="-122"/>
                 <a:ea typeface="微软雅黑" panose="020B0503020204020204" pitchFamily="34" charset="-122"/>
               </a:endParaRPr>
@@ -17188,31 +15589,38 @@
         </p:sp>
         <p:sp>
           <p:nvSpPr>
-            <p:cNvPr id="39965" name="Rectangle 43"/>
+            <p:cNvPr id="39978" name="Oval 29"/>
             <p:cNvSpPr/>
             <p:nvPr/>
           </p:nvSpPr>
           <p:spPr>
             <a:xfrm>
-              <a:off x="13989" y="5628"/>
-              <a:ext cx="2210" cy="1768"/>
+              <a:off x="4263" y="1757"/>
+              <a:ext cx="1033" cy="926"/>
             </a:xfrm>
-            <a:prstGeom prst="rect">
+            <a:prstGeom prst="ellipse">
               <a:avLst/>
             </a:prstGeom>
-            <a:noFill/>
-            <a:ln w="9525" cap="flat" cmpd="sng">
-              <a:solidFill>
-                <a:srgbClr val="130401"/>
-              </a:solidFill>
-              <a:prstDash val="solid"/>
-              <a:miter/>
-              <a:headEnd type="none" w="med" len="med"/>
-              <a:tailEnd type="none" w="med" len="med"/>
+            <a:gradFill rotWithShape="true">
+              <a:gsLst>
+                <a:gs pos="0">
+                  <a:srgbClr val="FFFFFF"/>
+                </a:gs>
+                <a:gs pos="100000">
+                  <a:srgbClr val="D6E1E2">
+                    <a:alpha val="37999"/>
+                  </a:srgbClr>
+                </a:gs>
+              </a:gsLst>
+              <a:lin ang="5400000" scaled="true"/>
+              <a:tileRect/>
+            </a:gradFill>
+            <a:ln w="9525">
+              <a:noFill/>
             </a:ln>
           </p:spPr>
           <p:txBody>
-            <a:bodyPr wrap="none" anchor="ctr" anchorCtr="false"/>
+            <a:bodyPr vert="eaVert" wrap="none" anchor="ctr" anchorCtr="false"/>
             <a:lstStyle>
               <a:lvl1pPr marL="342900" indent="-342900" algn="l" rtl="0" eaLnBrk="0" fontAlgn="base" hangingPunct="0">
                 <a:spcBef>
@@ -17297,7 +15705,7 @@
               </a:lvl5pPr>
             </a:lstStyle>
             <a:p>
-              <a:pPr marL="342900" lvl="0" indent="-342900" algn="ctr" eaLnBrk="1" hangingPunct="1">
+              <a:pPr marL="0" lvl="0" indent="0" eaLnBrk="1" hangingPunct="1">
                 <a:lnSpc>
                   <a:spcPct val="80000"/>
                 </a:lnSpc>
@@ -17307,20 +15715,767 @@
                 <a:buFont typeface="Wingdings" panose="05000000000000000000" pitchFamily="2" charset="2"/>
                 <a:buNone/>
               </a:pPr>
-              <a:r>
-                <a:rPr lang="zh-CN" altLang="en-US" b="1" dirty="0">
-                  <a:latin typeface="微软雅黑" panose="020B0503020204020204" pitchFamily="34" charset="-122"/>
-                  <a:ea typeface="微软雅黑" panose="020B0503020204020204" pitchFamily="34" charset="-122"/>
-                </a:rPr>
-                <a:t>信用</a:t>
-              </a:r>
-              <a:endParaRPr lang="zh-CN" altLang="en-US" b="1" dirty="0">
+              <a:endParaRPr lang="zh-CN" altLang="zh-CN" sz="2400" dirty="0">
                 <a:latin typeface="微软雅黑" panose="020B0503020204020204" pitchFamily="34" charset="-122"/>
                 <a:ea typeface="微软雅黑" panose="020B0503020204020204" pitchFamily="34" charset="-122"/>
               </a:endParaRPr>
             </a:p>
+          </p:txBody>
+        </p:sp>
+      </p:grpSp>
+      <p:sp>
+        <p:nvSpPr>
+          <p:cNvPr id="39956" name="Text Box 30"/>
+          <p:cNvSpPr txBox="true"/>
+          <p:nvPr/>
+        </p:nvSpPr>
+        <p:spPr>
+          <a:xfrm>
+            <a:off x="6833870" y="3188970"/>
+            <a:ext cx="873125" cy="1198880"/>
+          </a:xfrm>
+          <a:prstGeom prst="rect">
+            <a:avLst/>
+          </a:prstGeom>
+          <a:noFill/>
+          <a:ln w="9525">
+            <a:noFill/>
+          </a:ln>
+        </p:spPr>
+        <p:txBody>
+          <a:bodyPr wrap="square">
+            <a:spAutoFit/>
+          </a:bodyPr>
+          <a:lstStyle>
+            <a:lvl1pPr marL="342900" indent="-342900" algn="l" rtl="0" eaLnBrk="0" fontAlgn="base" hangingPunct="0">
+              <a:spcBef>
+                <a:spcPct val="20000"/>
+              </a:spcBef>
+              <a:spcAft>
+                <a:spcPct val="0"/>
+              </a:spcAft>
+              <a:buChar char="•"/>
+              <a:defRPr sz="3200">
+                <a:solidFill>
+                  <a:schemeClr val="tx1"/>
+                </a:solidFill>
+                <a:latin typeface="+mn-lt"/>
+                <a:ea typeface="+mn-ea"/>
+                <a:cs typeface="+mn-cs"/>
+              </a:defRPr>
+            </a:lvl1pPr>
+            <a:lvl2pPr marL="742950" indent="-285750" algn="l" rtl="0" eaLnBrk="0" fontAlgn="base" hangingPunct="0">
+              <a:spcBef>
+                <a:spcPct val="20000"/>
+              </a:spcBef>
+              <a:spcAft>
+                <a:spcPct val="0"/>
+              </a:spcAft>
+              <a:buChar char="–"/>
+              <a:defRPr sz="2800">
+                <a:solidFill>
+                  <a:schemeClr val="tx1"/>
+                </a:solidFill>
+                <a:latin typeface="+mn-lt"/>
+                <a:ea typeface="+mn-ea"/>
+              </a:defRPr>
+            </a:lvl2pPr>
+            <a:lvl3pPr marL="1143000" indent="-228600" algn="l" rtl="0" eaLnBrk="0" fontAlgn="base" hangingPunct="0">
+              <a:spcBef>
+                <a:spcPct val="20000"/>
+              </a:spcBef>
+              <a:spcAft>
+                <a:spcPct val="0"/>
+              </a:spcAft>
+              <a:buChar char="•"/>
+              <a:defRPr sz="2400">
+                <a:solidFill>
+                  <a:schemeClr val="tx1"/>
+                </a:solidFill>
+                <a:latin typeface="+mn-lt"/>
+                <a:ea typeface="+mn-ea"/>
+              </a:defRPr>
+            </a:lvl3pPr>
+            <a:lvl4pPr marL="1600200" indent="-228600" algn="l" rtl="0" eaLnBrk="0" fontAlgn="base" hangingPunct="0">
+              <a:spcBef>
+                <a:spcPct val="20000"/>
+              </a:spcBef>
+              <a:spcAft>
+                <a:spcPct val="0"/>
+              </a:spcAft>
+              <a:buChar char="–"/>
+              <a:defRPr sz="2000">
+                <a:solidFill>
+                  <a:schemeClr val="tx1"/>
+                </a:solidFill>
+                <a:latin typeface="+mn-lt"/>
+                <a:ea typeface="+mn-ea"/>
+              </a:defRPr>
+            </a:lvl4pPr>
+            <a:lvl5pPr marL="2057400" indent="-228600" algn="l" rtl="0" eaLnBrk="0" fontAlgn="base" hangingPunct="0">
+              <a:spcBef>
+                <a:spcPct val="20000"/>
+              </a:spcBef>
+              <a:spcAft>
+                <a:spcPct val="0"/>
+              </a:spcAft>
+              <a:buChar char="»"/>
+              <a:defRPr sz="2000">
+                <a:solidFill>
+                  <a:schemeClr val="tx1"/>
+                </a:solidFill>
+                <a:latin typeface="+mn-lt"/>
+                <a:ea typeface="+mn-ea"/>
+              </a:defRPr>
+            </a:lvl5pPr>
+          </a:lstStyle>
+          <a:p>
+            <a:pPr marL="0" lvl="0" indent="0" algn="ctr" eaLnBrk="1" hangingPunct="1">
+              <a:spcBef>
+                <a:spcPct val="0"/>
+              </a:spcBef>
+              <a:buNone/>
+            </a:pPr>
+            <a:r>
+              <a:rPr lang="zh-CN" altLang="en-US" sz="2400" b="1" dirty="0">
+                <a:latin typeface="微软雅黑" panose="020B0503020204020204" pitchFamily="34" charset="-122"/>
+                <a:ea typeface="微软雅黑" panose="020B0503020204020204" pitchFamily="34" charset="-122"/>
+              </a:rPr>
+              <a:t>企业</a:t>
+            </a:r>
+            <a:endParaRPr lang="zh-CN" altLang="en-US" sz="2400" b="1" dirty="0">
+              <a:latin typeface="微软雅黑" panose="020B0503020204020204" pitchFamily="34" charset="-122"/>
+              <a:ea typeface="微软雅黑" panose="020B0503020204020204" pitchFamily="34" charset="-122"/>
+            </a:endParaRPr>
+          </a:p>
+          <a:p>
+            <a:pPr marL="0" lvl="0" indent="0" algn="ctr" eaLnBrk="1" hangingPunct="1">
+              <a:spcBef>
+                <a:spcPct val="0"/>
+              </a:spcBef>
+              <a:buNone/>
+            </a:pPr>
+            <a:r>
+              <a:rPr lang="zh-CN" altLang="en-US" sz="2400" b="1" dirty="0">
+                <a:latin typeface="微软雅黑" panose="020B0503020204020204" pitchFamily="34" charset="-122"/>
+                <a:ea typeface="微软雅黑" panose="020B0503020204020204" pitchFamily="34" charset="-122"/>
+              </a:rPr>
+              <a:t>信用</a:t>
+            </a:r>
+            <a:endParaRPr lang="zh-CN" altLang="en-US" sz="2400" b="1" dirty="0">
+              <a:latin typeface="微软雅黑" panose="020B0503020204020204" pitchFamily="34" charset="-122"/>
+              <a:ea typeface="微软雅黑" panose="020B0503020204020204" pitchFamily="34" charset="-122"/>
+            </a:endParaRPr>
+          </a:p>
+          <a:p>
+            <a:pPr marL="0" lvl="0" indent="0" algn="ctr" eaLnBrk="1" hangingPunct="1">
+              <a:spcBef>
+                <a:spcPct val="0"/>
+              </a:spcBef>
+              <a:buNone/>
+            </a:pPr>
+            <a:r>
+              <a:rPr lang="zh-CN" altLang="en-US" sz="2400" b="1" dirty="0">
+                <a:latin typeface="微软雅黑" panose="020B0503020204020204" pitchFamily="34" charset="-122"/>
+                <a:ea typeface="微软雅黑" panose="020B0503020204020204" pitchFamily="34" charset="-122"/>
+              </a:rPr>
+              <a:t>危机</a:t>
+            </a:r>
+            <a:endParaRPr lang="zh-CN" altLang="en-US" sz="2400" b="1" dirty="0">
+              <a:latin typeface="微软雅黑" panose="020B0503020204020204" pitchFamily="34" charset="-122"/>
+              <a:ea typeface="微软雅黑" panose="020B0503020204020204" pitchFamily="34" charset="-122"/>
+            </a:endParaRPr>
+          </a:p>
+        </p:txBody>
+      </p:sp>
+      <p:sp>
+        <p:nvSpPr>
+          <p:cNvPr id="565279" name="Oval 31"/>
+          <p:cNvSpPr>
+            <a:spLocks noChangeArrowheads="true"/>
+          </p:cNvSpPr>
+          <p:nvPr/>
+        </p:nvSpPr>
+        <p:spPr bwMode="gray">
+          <a:xfrm>
+            <a:off x="8163560" y="4545965"/>
+            <a:ext cx="2099310" cy="2075180"/>
+          </a:xfrm>
+          <a:prstGeom prst="ellipse">
+            <a:avLst/>
+          </a:prstGeom>
+          <a:gradFill rotWithShape="true">
+            <a:gsLst>
+              <a:gs pos="0">
+                <a:schemeClr val="hlink">
+                  <a:gamma/>
+                  <a:tint val="0"/>
+                  <a:invGamma/>
+                </a:schemeClr>
+              </a:gs>
+              <a:gs pos="50000">
+                <a:schemeClr val="hlink"/>
+              </a:gs>
+              <a:gs pos="100000">
+                <a:schemeClr val="hlink">
+                  <a:gamma/>
+                  <a:tint val="0"/>
+                  <a:invGamma/>
+                </a:schemeClr>
+              </a:gs>
+            </a:gsLst>
+            <a:lin ang="2700000" scaled="true"/>
+          </a:gradFill>
+          <a:ln w="38100" algn="ctr">
+            <a:noFill/>
+            <a:round/>
+          </a:ln>
+          <a:effectLst/>
+        </p:spPr>
+        <p:txBody>
+          <a:bodyPr wrap="square" anchor="ctr">
+            <a:spAutoFit/>
+          </a:bodyPr>
+          <a:lstStyle/>
+          <a:p>
+            <a:pPr marL="0" marR="0" lvl="0" indent="0" algn="l" defTabSz="914400" rtl="0" eaLnBrk="1" fontAlgn="base" latinLnBrk="0" hangingPunct="1">
+              <a:lnSpc>
+                <a:spcPct val="80000"/>
+              </a:lnSpc>
+              <a:spcBef>
+                <a:spcPct val="20000"/>
+              </a:spcBef>
+              <a:spcAft>
+                <a:spcPct val="0"/>
+              </a:spcAft>
+              <a:buClr>
+                <a:schemeClr val="hlink"/>
+              </a:buClr>
+              <a:buSzTx/>
+              <a:buFont typeface="Wingdings" panose="05000000000000000000" pitchFamily="2" charset="2"/>
+              <a:buNone/>
+              <a:defRPr/>
+            </a:pPr>
+            <a:endParaRPr kumimoji="0" lang="zh-CN" altLang="en-US" sz="2400" b="0" i="0" u="none" strike="noStrike" kern="1200" cap="none" spc="0" normalizeH="0" baseline="0" noProof="0">
+              <a:ln>
+                <a:noFill/>
+              </a:ln>
+              <a:solidFill>
+                <a:schemeClr val="tx1"/>
+              </a:solidFill>
+              <a:effectLst/>
+              <a:uLnTx/>
+              <a:uFillTx/>
+              <a:latin typeface="微软雅黑" panose="020B0503020204020204" pitchFamily="34" charset="-122"/>
+              <a:ea typeface="微软雅黑" panose="020B0503020204020204" pitchFamily="34" charset="-122"/>
+              <a:cs typeface="+mn-cs"/>
+            </a:endParaRPr>
+          </a:p>
+        </p:txBody>
+      </p:sp>
+      <p:sp>
+        <p:nvSpPr>
+          <p:cNvPr id="565280" name="Oval 32"/>
+          <p:cNvSpPr>
+            <a:spLocks noChangeArrowheads="true"/>
+          </p:cNvSpPr>
+          <p:nvPr/>
+        </p:nvSpPr>
+        <p:spPr bwMode="gray">
+          <a:xfrm>
+            <a:off x="8286750" y="4667885"/>
+            <a:ext cx="2099310" cy="2075180"/>
+          </a:xfrm>
+          <a:prstGeom prst="ellipse">
+            <a:avLst/>
+          </a:prstGeom>
+          <a:gradFill rotWithShape="true">
+            <a:gsLst>
+              <a:gs pos="0">
+                <a:schemeClr val="hlink">
+                  <a:alpha val="32001"/>
+                </a:schemeClr>
+              </a:gs>
+              <a:gs pos="100000">
+                <a:schemeClr val="hlink">
+                  <a:gamma/>
+                  <a:shade val="0"/>
+                  <a:invGamma/>
+                  <a:alpha val="89999"/>
+                </a:schemeClr>
+              </a:gs>
+            </a:gsLst>
+            <a:lin ang="2700000" scaled="true"/>
+          </a:gradFill>
+          <a:ln w="38100" algn="ctr">
+            <a:noFill/>
+            <a:round/>
+          </a:ln>
+          <a:effectLst/>
+        </p:spPr>
+        <p:txBody>
+          <a:bodyPr wrap="square" anchor="ctr">
+            <a:spAutoFit/>
+          </a:bodyPr>
+          <a:lstStyle/>
+          <a:p>
+            <a:pPr marL="0" marR="0" lvl="0" indent="0" algn="l" defTabSz="914400" rtl="0" eaLnBrk="1" fontAlgn="base" latinLnBrk="0" hangingPunct="1">
+              <a:lnSpc>
+                <a:spcPct val="80000"/>
+              </a:lnSpc>
+              <a:spcBef>
+                <a:spcPct val="20000"/>
+              </a:spcBef>
+              <a:spcAft>
+                <a:spcPct val="0"/>
+              </a:spcAft>
+              <a:buClr>
+                <a:schemeClr val="hlink"/>
+              </a:buClr>
+              <a:buSzTx/>
+              <a:buFont typeface="Wingdings" panose="05000000000000000000" pitchFamily="2" charset="2"/>
+              <a:buNone/>
+              <a:defRPr/>
+            </a:pPr>
+            <a:endParaRPr kumimoji="0" lang="zh-CN" altLang="en-US" sz="2400" b="0" i="0" u="none" strike="noStrike" kern="1200" cap="none" spc="0" normalizeH="0" baseline="0" noProof="0">
+              <a:ln>
+                <a:noFill/>
+              </a:ln>
+              <a:solidFill>
+                <a:schemeClr val="tx1"/>
+              </a:solidFill>
+              <a:effectLst/>
+              <a:uLnTx/>
+              <a:uFillTx/>
+              <a:latin typeface="微软雅黑" panose="020B0503020204020204" pitchFamily="34" charset="-122"/>
+              <a:ea typeface="微软雅黑" panose="020B0503020204020204" pitchFamily="34" charset="-122"/>
+              <a:cs typeface="+mn-cs"/>
+            </a:endParaRPr>
+          </a:p>
+        </p:txBody>
+      </p:sp>
+      <p:sp>
+        <p:nvSpPr>
+          <p:cNvPr id="565281" name="Oval 33"/>
+          <p:cNvSpPr>
+            <a:spLocks noChangeArrowheads="true"/>
+          </p:cNvSpPr>
+          <p:nvPr/>
+        </p:nvSpPr>
+        <p:spPr bwMode="gray">
+          <a:xfrm>
+            <a:off x="8300720" y="4681220"/>
+            <a:ext cx="1824990" cy="1804035"/>
+          </a:xfrm>
+          <a:prstGeom prst="ellipse">
+            <a:avLst/>
+          </a:prstGeom>
+          <a:gradFill rotWithShape="true">
+            <a:gsLst>
+              <a:gs pos="0">
+                <a:schemeClr val="hlink">
+                  <a:gamma/>
+                  <a:shade val="54118"/>
+                  <a:invGamma/>
+                </a:schemeClr>
+              </a:gs>
+              <a:gs pos="50000">
+                <a:schemeClr val="hlink"/>
+              </a:gs>
+              <a:gs pos="100000">
+                <a:schemeClr val="hlink">
+                  <a:gamma/>
+                  <a:shade val="54118"/>
+                  <a:invGamma/>
+                </a:schemeClr>
+              </a:gs>
+            </a:gsLst>
+            <a:lin ang="18900000" scaled="true"/>
+          </a:gradFill>
+          <a:ln w="38100" algn="ctr">
+            <a:noFill/>
+            <a:round/>
+          </a:ln>
+          <a:effectLst/>
+        </p:spPr>
+        <p:txBody>
+          <a:bodyPr anchor="ctr">
+            <a:spAutoFit/>
+          </a:bodyPr>
+          <a:lstStyle/>
+          <a:p>
+            <a:pPr marL="0" marR="0" lvl="0" indent="0" algn="l" defTabSz="914400" rtl="0" eaLnBrk="1" fontAlgn="base" latinLnBrk="0" hangingPunct="1">
+              <a:lnSpc>
+                <a:spcPct val="80000"/>
+              </a:lnSpc>
+              <a:spcBef>
+                <a:spcPct val="20000"/>
+              </a:spcBef>
+              <a:spcAft>
+                <a:spcPct val="0"/>
+              </a:spcAft>
+              <a:buClr>
+                <a:schemeClr val="hlink"/>
+              </a:buClr>
+              <a:buSzTx/>
+              <a:buFont typeface="Wingdings" panose="05000000000000000000" pitchFamily="2" charset="2"/>
+              <a:buNone/>
+              <a:defRPr/>
+            </a:pPr>
+            <a:endParaRPr kumimoji="0" lang="zh-CN" altLang="en-US" sz="2400" b="0" i="0" u="none" strike="noStrike" kern="1200" cap="none" spc="0" normalizeH="0" baseline="0" noProof="0">
+              <a:ln>
+                <a:noFill/>
+              </a:ln>
+              <a:solidFill>
+                <a:schemeClr val="tx1"/>
+              </a:solidFill>
+              <a:effectLst/>
+              <a:uLnTx/>
+              <a:uFillTx/>
+              <a:latin typeface="微软雅黑" panose="020B0503020204020204" pitchFamily="34" charset="-122"/>
+              <a:ea typeface="微软雅黑" panose="020B0503020204020204" pitchFamily="34" charset="-122"/>
+              <a:cs typeface="+mn-cs"/>
+            </a:endParaRPr>
+          </a:p>
+        </p:txBody>
+      </p:sp>
+      <p:sp>
+        <p:nvSpPr>
+          <p:cNvPr id="565282" name="Oval 34"/>
+          <p:cNvSpPr>
+            <a:spLocks noChangeArrowheads="true"/>
+          </p:cNvSpPr>
+          <p:nvPr/>
+        </p:nvSpPr>
+        <p:spPr bwMode="gray">
+          <a:xfrm>
+            <a:off x="8331200" y="4692015"/>
+            <a:ext cx="1824990" cy="1804035"/>
+          </a:xfrm>
+          <a:prstGeom prst="ellipse">
+            <a:avLst/>
+          </a:prstGeom>
+          <a:gradFill rotWithShape="true">
+            <a:gsLst>
+              <a:gs pos="0">
+                <a:schemeClr val="hlink">
+                  <a:gamma/>
+                  <a:shade val="63529"/>
+                  <a:invGamma/>
+                </a:schemeClr>
+              </a:gs>
+              <a:gs pos="100000">
+                <a:schemeClr val="hlink">
+                  <a:alpha val="0"/>
+                </a:schemeClr>
+              </a:gs>
+            </a:gsLst>
+            <a:lin ang="2700000" scaled="true"/>
+          </a:gradFill>
+          <a:ln w="38100" algn="ctr">
+            <a:noFill/>
+            <a:round/>
+          </a:ln>
+          <a:effectLst/>
+        </p:spPr>
+        <p:txBody>
+          <a:bodyPr anchor="ctr">
+            <a:spAutoFit/>
+          </a:bodyPr>
+          <a:lstStyle/>
+          <a:p>
+            <a:pPr marL="0" marR="0" lvl="0" indent="0" algn="l" defTabSz="914400" rtl="0" eaLnBrk="1" fontAlgn="base" latinLnBrk="0" hangingPunct="1">
+              <a:lnSpc>
+                <a:spcPct val="80000"/>
+              </a:lnSpc>
+              <a:spcBef>
+                <a:spcPct val="20000"/>
+              </a:spcBef>
+              <a:spcAft>
+                <a:spcPct val="0"/>
+              </a:spcAft>
+              <a:buClr>
+                <a:schemeClr val="hlink"/>
+              </a:buClr>
+              <a:buSzTx/>
+              <a:buFont typeface="Wingdings" panose="05000000000000000000" pitchFamily="2" charset="2"/>
+              <a:buNone/>
+              <a:defRPr/>
+            </a:pPr>
+            <a:endParaRPr kumimoji="0" lang="zh-CN" altLang="en-US" sz="2400" b="0" i="0" u="none" strike="noStrike" kern="1200" cap="none" spc="0" normalizeH="0" baseline="0" noProof="0">
+              <a:ln>
+                <a:noFill/>
+              </a:ln>
+              <a:solidFill>
+                <a:schemeClr val="tx1"/>
+              </a:solidFill>
+              <a:effectLst/>
+              <a:uLnTx/>
+              <a:uFillTx/>
+              <a:latin typeface="微软雅黑" panose="020B0503020204020204" pitchFamily="34" charset="-122"/>
+              <a:ea typeface="微软雅黑" panose="020B0503020204020204" pitchFamily="34" charset="-122"/>
+              <a:cs typeface="+mn-cs"/>
+            </a:endParaRPr>
+          </a:p>
+        </p:txBody>
+      </p:sp>
+      <p:sp>
+        <p:nvSpPr>
+          <p:cNvPr id="39961" name="Oval 35"/>
+          <p:cNvSpPr/>
+          <p:nvPr/>
+        </p:nvSpPr>
+        <p:spPr>
+          <a:xfrm>
+            <a:off x="8399145" y="4771390"/>
+            <a:ext cx="1642745" cy="1623695"/>
+          </a:xfrm>
+          <a:prstGeom prst="ellipse">
+            <a:avLst/>
+          </a:prstGeom>
+          <a:solidFill>
+            <a:srgbClr val="333333"/>
+          </a:solidFill>
+          <a:ln w="38100">
+            <a:noFill/>
+          </a:ln>
+        </p:spPr>
+        <p:txBody>
+          <a:bodyPr anchor="ctr" anchorCtr="false">
+            <a:spAutoFit/>
+          </a:bodyPr>
+          <a:lstStyle>
+            <a:lvl1pPr marL="342900" indent="-342900" algn="l" rtl="0" eaLnBrk="0" fontAlgn="base" hangingPunct="0">
+              <a:spcBef>
+                <a:spcPct val="20000"/>
+              </a:spcBef>
+              <a:spcAft>
+                <a:spcPct val="0"/>
+              </a:spcAft>
+              <a:buChar char="•"/>
+              <a:defRPr sz="3200">
+                <a:solidFill>
+                  <a:schemeClr val="tx1"/>
+                </a:solidFill>
+                <a:latin typeface="+mn-lt"/>
+                <a:ea typeface="+mn-ea"/>
+                <a:cs typeface="+mn-cs"/>
+              </a:defRPr>
+            </a:lvl1pPr>
+            <a:lvl2pPr marL="742950" indent="-285750" algn="l" rtl="0" eaLnBrk="0" fontAlgn="base" hangingPunct="0">
+              <a:spcBef>
+                <a:spcPct val="20000"/>
+              </a:spcBef>
+              <a:spcAft>
+                <a:spcPct val="0"/>
+              </a:spcAft>
+              <a:buChar char="–"/>
+              <a:defRPr sz="2800">
+                <a:solidFill>
+                  <a:schemeClr val="tx1"/>
+                </a:solidFill>
+                <a:latin typeface="+mn-lt"/>
+                <a:ea typeface="+mn-ea"/>
+              </a:defRPr>
+            </a:lvl2pPr>
+            <a:lvl3pPr marL="1143000" indent="-228600" algn="l" rtl="0" eaLnBrk="0" fontAlgn="base" hangingPunct="0">
+              <a:spcBef>
+                <a:spcPct val="20000"/>
+              </a:spcBef>
+              <a:spcAft>
+                <a:spcPct val="0"/>
+              </a:spcAft>
+              <a:buChar char="•"/>
+              <a:defRPr sz="2400">
+                <a:solidFill>
+                  <a:schemeClr val="tx1"/>
+                </a:solidFill>
+                <a:latin typeface="+mn-lt"/>
+                <a:ea typeface="+mn-ea"/>
+              </a:defRPr>
+            </a:lvl3pPr>
+            <a:lvl4pPr marL="1600200" indent="-228600" algn="l" rtl="0" eaLnBrk="0" fontAlgn="base" hangingPunct="0">
+              <a:spcBef>
+                <a:spcPct val="20000"/>
+              </a:spcBef>
+              <a:spcAft>
+                <a:spcPct val="0"/>
+              </a:spcAft>
+              <a:buChar char="–"/>
+              <a:defRPr sz="2000">
+                <a:solidFill>
+                  <a:schemeClr val="tx1"/>
+                </a:solidFill>
+                <a:latin typeface="+mn-lt"/>
+                <a:ea typeface="+mn-ea"/>
+              </a:defRPr>
+            </a:lvl4pPr>
+            <a:lvl5pPr marL="2057400" indent="-228600" algn="l" rtl="0" eaLnBrk="0" fontAlgn="base" hangingPunct="0">
+              <a:spcBef>
+                <a:spcPct val="20000"/>
+              </a:spcBef>
+              <a:spcAft>
+                <a:spcPct val="0"/>
+              </a:spcAft>
+              <a:buChar char="»"/>
+              <a:defRPr sz="2000">
+                <a:solidFill>
+                  <a:schemeClr val="tx1"/>
+                </a:solidFill>
+                <a:latin typeface="+mn-lt"/>
+                <a:ea typeface="+mn-ea"/>
+              </a:defRPr>
+            </a:lvl5pPr>
+          </a:lstStyle>
+          <a:p>
+            <a:pPr marL="0" lvl="0" indent="0" eaLnBrk="1" hangingPunct="1">
+              <a:lnSpc>
+                <a:spcPct val="80000"/>
+              </a:lnSpc>
+              <a:buClr>
+                <a:schemeClr val="hlink"/>
+              </a:buClr>
+              <a:buFont typeface="Wingdings" panose="05000000000000000000" pitchFamily="2" charset="2"/>
+              <a:buNone/>
+            </a:pPr>
+            <a:endParaRPr lang="zh-CN" altLang="zh-CN" sz="2400" dirty="0">
+              <a:latin typeface="微软雅黑" panose="020B0503020204020204" pitchFamily="34" charset="-122"/>
+              <a:ea typeface="微软雅黑" panose="020B0503020204020204" pitchFamily="34" charset="-122"/>
+            </a:endParaRPr>
+          </a:p>
+        </p:txBody>
+      </p:sp>
+      <p:grpSp>
+        <p:nvGrpSpPr>
+          <p:cNvPr id="39962" name="Group 36"/>
+          <p:cNvGrpSpPr/>
+          <p:nvPr/>
+        </p:nvGrpSpPr>
+        <p:grpSpPr>
+          <a:xfrm rot="0">
+            <a:off x="8428990" y="4789805"/>
+            <a:ext cx="1590040" cy="1571625"/>
+            <a:chOff x="4166" y="1706"/>
+            <a:chExt cx="1252" cy="1252"/>
+          </a:xfrm>
+        </p:grpSpPr>
+        <p:sp>
+          <p:nvSpPr>
+            <p:cNvPr id="39971" name="Oval 37"/>
+            <p:cNvSpPr/>
+            <p:nvPr/>
+          </p:nvSpPr>
+          <p:spPr>
+            <a:xfrm>
+              <a:off x="4166" y="1706"/>
+              <a:ext cx="1252" cy="1252"/>
+            </a:xfrm>
+            <a:prstGeom prst="ellipse">
+              <a:avLst/>
+            </a:prstGeom>
+            <a:gradFill rotWithShape="true">
+              <a:gsLst>
+                <a:gs pos="0">
+                  <a:srgbClr val="636869"/>
+                </a:gs>
+                <a:gs pos="100000">
+                  <a:srgbClr val="D6E1E2"/>
+                </a:gs>
+              </a:gsLst>
+              <a:lin ang="5400000" scaled="true"/>
+              <a:tileRect/>
+            </a:gradFill>
+            <a:ln w="9525">
+              <a:noFill/>
+            </a:ln>
+          </p:spPr>
+          <p:txBody>
+            <a:bodyPr vert="eaVert" wrap="none" anchor="ctr" anchorCtr="false"/>
+            <a:lstStyle>
+              <a:lvl1pPr marL="342900" indent="-342900" algn="l" rtl="0" eaLnBrk="0" fontAlgn="base" hangingPunct="0">
+                <a:spcBef>
+                  <a:spcPct val="20000"/>
+                </a:spcBef>
+                <a:spcAft>
+                  <a:spcPct val="0"/>
+                </a:spcAft>
+                <a:buChar char="•"/>
+                <a:defRPr sz="3200">
+                  <a:solidFill>
+                    <a:schemeClr val="tx1"/>
+                  </a:solidFill>
+                  <a:latin typeface="+mn-lt"/>
+                  <a:ea typeface="+mn-ea"/>
+                  <a:cs typeface="+mn-cs"/>
+                </a:defRPr>
+              </a:lvl1pPr>
+              <a:lvl2pPr marL="742950" indent="-285750" algn="l" rtl="0" eaLnBrk="0" fontAlgn="base" hangingPunct="0">
+                <a:spcBef>
+                  <a:spcPct val="20000"/>
+                </a:spcBef>
+                <a:spcAft>
+                  <a:spcPct val="0"/>
+                </a:spcAft>
+                <a:buChar char="–"/>
+                <a:defRPr sz="2800">
+                  <a:solidFill>
+                    <a:schemeClr val="tx1"/>
+                  </a:solidFill>
+                  <a:latin typeface="+mn-lt"/>
+                  <a:ea typeface="+mn-ea"/>
+                </a:defRPr>
+              </a:lvl2pPr>
+              <a:lvl3pPr marL="1143000" indent="-228600" algn="l" rtl="0" eaLnBrk="0" fontAlgn="base" hangingPunct="0">
+                <a:spcBef>
+                  <a:spcPct val="20000"/>
+                </a:spcBef>
+                <a:spcAft>
+                  <a:spcPct val="0"/>
+                </a:spcAft>
+                <a:buChar char="•"/>
+                <a:defRPr sz="2400">
+                  <a:solidFill>
+                    <a:schemeClr val="tx1"/>
+                  </a:solidFill>
+                  <a:latin typeface="+mn-lt"/>
+                  <a:ea typeface="+mn-ea"/>
+                </a:defRPr>
+              </a:lvl3pPr>
+              <a:lvl4pPr marL="1600200" indent="-228600" algn="l" rtl="0" eaLnBrk="0" fontAlgn="base" hangingPunct="0">
+                <a:spcBef>
+                  <a:spcPct val="20000"/>
+                </a:spcBef>
+                <a:spcAft>
+                  <a:spcPct val="0"/>
+                </a:spcAft>
+                <a:buChar char="–"/>
+                <a:defRPr sz="2000">
+                  <a:solidFill>
+                    <a:schemeClr val="tx1"/>
+                  </a:solidFill>
+                  <a:latin typeface="+mn-lt"/>
+                  <a:ea typeface="+mn-ea"/>
+                </a:defRPr>
+              </a:lvl4pPr>
+              <a:lvl5pPr marL="2057400" indent="-228600" algn="l" rtl="0" eaLnBrk="0" fontAlgn="base" hangingPunct="0">
+                <a:spcBef>
+                  <a:spcPct val="20000"/>
+                </a:spcBef>
+                <a:spcAft>
+                  <a:spcPct val="0"/>
+                </a:spcAft>
+                <a:buChar char="»"/>
+                <a:defRPr sz="2000">
+                  <a:solidFill>
+                    <a:schemeClr val="tx1"/>
+                  </a:solidFill>
+                  <a:latin typeface="+mn-lt"/>
+                  <a:ea typeface="+mn-ea"/>
+                </a:defRPr>
+              </a:lvl5pPr>
+            </a:lstStyle>
             <a:p>
-              <a:pPr marL="342900" lvl="0" indent="-342900" algn="ctr" eaLnBrk="1" hangingPunct="1">
+              <a:pPr marL="0" lvl="0" indent="0" eaLnBrk="1" hangingPunct="1">
                 <a:lnSpc>
                   <a:spcPct val="80000"/>
                 </a:lnSpc>
@@ -17330,14 +16485,412 @@
                 <a:buFont typeface="Wingdings" panose="05000000000000000000" pitchFamily="2" charset="2"/>
                 <a:buNone/>
               </a:pPr>
-              <a:r>
-                <a:rPr lang="zh-CN" altLang="en-US" b="1" dirty="0">
-                  <a:latin typeface="微软雅黑" panose="020B0503020204020204" pitchFamily="34" charset="-122"/>
-                  <a:ea typeface="微软雅黑" panose="020B0503020204020204" pitchFamily="34" charset="-122"/>
-                </a:rPr>
-                <a:t>溃败</a:t>
-              </a:r>
-              <a:endParaRPr lang="zh-CN" altLang="en-US" b="1" dirty="0">
+              <a:endParaRPr lang="zh-CN" altLang="zh-CN" sz="2400" dirty="0">
+                <a:latin typeface="微软雅黑" panose="020B0503020204020204" pitchFamily="34" charset="-122"/>
+                <a:ea typeface="微软雅黑" panose="020B0503020204020204" pitchFamily="34" charset="-122"/>
+              </a:endParaRPr>
+            </a:p>
+          </p:txBody>
+        </p:sp>
+        <p:sp>
+          <p:nvSpPr>
+            <p:cNvPr id="39972" name="Oval 38"/>
+            <p:cNvSpPr/>
+            <p:nvPr/>
+          </p:nvSpPr>
+          <p:spPr>
+            <a:xfrm>
+              <a:off x="4182" y="1713"/>
+              <a:ext cx="1222" cy="1221"/>
+            </a:xfrm>
+            <a:prstGeom prst="ellipse">
+              <a:avLst/>
+            </a:prstGeom>
+            <a:gradFill rotWithShape="true">
+              <a:gsLst>
+                <a:gs pos="0">
+                  <a:srgbClr val="D6E1E2">
+                    <a:alpha val="0"/>
+                  </a:srgbClr>
+                </a:gs>
+                <a:gs pos="100000">
+                  <a:srgbClr val="F1F5F5"/>
+                </a:gs>
+              </a:gsLst>
+              <a:lin ang="5400000" scaled="true"/>
+              <a:tileRect/>
+            </a:gradFill>
+            <a:ln w="9525">
+              <a:noFill/>
+            </a:ln>
+          </p:spPr>
+          <p:txBody>
+            <a:bodyPr vert="eaVert" wrap="none" anchor="ctr" anchorCtr="false"/>
+            <a:lstStyle>
+              <a:lvl1pPr marL="342900" indent="-342900" algn="l" rtl="0" eaLnBrk="0" fontAlgn="base" hangingPunct="0">
+                <a:spcBef>
+                  <a:spcPct val="20000"/>
+                </a:spcBef>
+                <a:spcAft>
+                  <a:spcPct val="0"/>
+                </a:spcAft>
+                <a:buChar char="•"/>
+                <a:defRPr sz="3200">
+                  <a:solidFill>
+                    <a:schemeClr val="tx1"/>
+                  </a:solidFill>
+                  <a:latin typeface="+mn-lt"/>
+                  <a:ea typeface="+mn-ea"/>
+                  <a:cs typeface="+mn-cs"/>
+                </a:defRPr>
+              </a:lvl1pPr>
+              <a:lvl2pPr marL="742950" indent="-285750" algn="l" rtl="0" eaLnBrk="0" fontAlgn="base" hangingPunct="0">
+                <a:spcBef>
+                  <a:spcPct val="20000"/>
+                </a:spcBef>
+                <a:spcAft>
+                  <a:spcPct val="0"/>
+                </a:spcAft>
+                <a:buChar char="–"/>
+                <a:defRPr sz="2800">
+                  <a:solidFill>
+                    <a:schemeClr val="tx1"/>
+                  </a:solidFill>
+                  <a:latin typeface="+mn-lt"/>
+                  <a:ea typeface="+mn-ea"/>
+                </a:defRPr>
+              </a:lvl2pPr>
+              <a:lvl3pPr marL="1143000" indent="-228600" algn="l" rtl="0" eaLnBrk="0" fontAlgn="base" hangingPunct="0">
+                <a:spcBef>
+                  <a:spcPct val="20000"/>
+                </a:spcBef>
+                <a:spcAft>
+                  <a:spcPct val="0"/>
+                </a:spcAft>
+                <a:buChar char="•"/>
+                <a:defRPr sz="2400">
+                  <a:solidFill>
+                    <a:schemeClr val="tx1"/>
+                  </a:solidFill>
+                  <a:latin typeface="+mn-lt"/>
+                  <a:ea typeface="+mn-ea"/>
+                </a:defRPr>
+              </a:lvl3pPr>
+              <a:lvl4pPr marL="1600200" indent="-228600" algn="l" rtl="0" eaLnBrk="0" fontAlgn="base" hangingPunct="0">
+                <a:spcBef>
+                  <a:spcPct val="20000"/>
+                </a:spcBef>
+                <a:spcAft>
+                  <a:spcPct val="0"/>
+                </a:spcAft>
+                <a:buChar char="–"/>
+                <a:defRPr sz="2000">
+                  <a:solidFill>
+                    <a:schemeClr val="tx1"/>
+                  </a:solidFill>
+                  <a:latin typeface="+mn-lt"/>
+                  <a:ea typeface="+mn-ea"/>
+                </a:defRPr>
+              </a:lvl4pPr>
+              <a:lvl5pPr marL="2057400" indent="-228600" algn="l" rtl="0" eaLnBrk="0" fontAlgn="base" hangingPunct="0">
+                <a:spcBef>
+                  <a:spcPct val="20000"/>
+                </a:spcBef>
+                <a:spcAft>
+                  <a:spcPct val="0"/>
+                </a:spcAft>
+                <a:buChar char="»"/>
+                <a:defRPr sz="2000">
+                  <a:solidFill>
+                    <a:schemeClr val="tx1"/>
+                  </a:solidFill>
+                  <a:latin typeface="+mn-lt"/>
+                  <a:ea typeface="+mn-ea"/>
+                </a:defRPr>
+              </a:lvl5pPr>
+            </a:lstStyle>
+            <a:p>
+              <a:pPr marL="0" lvl="0" indent="0" eaLnBrk="1" hangingPunct="1">
+                <a:lnSpc>
+                  <a:spcPct val="80000"/>
+                </a:lnSpc>
+                <a:buClr>
+                  <a:schemeClr val="hlink"/>
+                </a:buClr>
+                <a:buFont typeface="Wingdings" panose="05000000000000000000" pitchFamily="2" charset="2"/>
+                <a:buNone/>
+              </a:pPr>
+              <a:endParaRPr lang="zh-CN" altLang="zh-CN" sz="2400" dirty="0">
+                <a:latin typeface="微软雅黑" panose="020B0503020204020204" pitchFamily="34" charset="-122"/>
+                <a:ea typeface="微软雅黑" panose="020B0503020204020204" pitchFamily="34" charset="-122"/>
+              </a:endParaRPr>
+            </a:p>
+          </p:txBody>
+        </p:sp>
+        <p:sp>
+          <p:nvSpPr>
+            <p:cNvPr id="39973" name="Oval 39"/>
+            <p:cNvSpPr/>
+            <p:nvPr/>
+          </p:nvSpPr>
+          <p:spPr>
+            <a:xfrm>
+              <a:off x="4195" y="1725"/>
+              <a:ext cx="1162" cy="1141"/>
+            </a:xfrm>
+            <a:prstGeom prst="ellipse">
+              <a:avLst/>
+            </a:prstGeom>
+            <a:gradFill rotWithShape="true">
+              <a:gsLst>
+                <a:gs pos="0">
+                  <a:srgbClr val="AAB2B3"/>
+                </a:gs>
+                <a:gs pos="100000">
+                  <a:srgbClr val="D6E1E2">
+                    <a:alpha val="48000"/>
+                  </a:srgbClr>
+                </a:gs>
+              </a:gsLst>
+              <a:lin ang="5400000" scaled="true"/>
+              <a:tileRect/>
+            </a:gradFill>
+            <a:ln w="9525">
+              <a:noFill/>
+            </a:ln>
+          </p:spPr>
+          <p:txBody>
+            <a:bodyPr vert="eaVert" wrap="none" anchor="ctr" anchorCtr="false"/>
+            <a:lstStyle>
+              <a:lvl1pPr marL="342900" indent="-342900" algn="l" rtl="0" eaLnBrk="0" fontAlgn="base" hangingPunct="0">
+                <a:spcBef>
+                  <a:spcPct val="20000"/>
+                </a:spcBef>
+                <a:spcAft>
+                  <a:spcPct val="0"/>
+                </a:spcAft>
+                <a:buChar char="•"/>
+                <a:defRPr sz="3200">
+                  <a:solidFill>
+                    <a:schemeClr val="tx1"/>
+                  </a:solidFill>
+                  <a:latin typeface="+mn-lt"/>
+                  <a:ea typeface="+mn-ea"/>
+                  <a:cs typeface="+mn-cs"/>
+                </a:defRPr>
+              </a:lvl1pPr>
+              <a:lvl2pPr marL="742950" indent="-285750" algn="l" rtl="0" eaLnBrk="0" fontAlgn="base" hangingPunct="0">
+                <a:spcBef>
+                  <a:spcPct val="20000"/>
+                </a:spcBef>
+                <a:spcAft>
+                  <a:spcPct val="0"/>
+                </a:spcAft>
+                <a:buChar char="–"/>
+                <a:defRPr sz="2800">
+                  <a:solidFill>
+                    <a:schemeClr val="tx1"/>
+                  </a:solidFill>
+                  <a:latin typeface="+mn-lt"/>
+                  <a:ea typeface="+mn-ea"/>
+                </a:defRPr>
+              </a:lvl2pPr>
+              <a:lvl3pPr marL="1143000" indent="-228600" algn="l" rtl="0" eaLnBrk="0" fontAlgn="base" hangingPunct="0">
+                <a:spcBef>
+                  <a:spcPct val="20000"/>
+                </a:spcBef>
+                <a:spcAft>
+                  <a:spcPct val="0"/>
+                </a:spcAft>
+                <a:buChar char="•"/>
+                <a:defRPr sz="2400">
+                  <a:solidFill>
+                    <a:schemeClr val="tx1"/>
+                  </a:solidFill>
+                  <a:latin typeface="+mn-lt"/>
+                  <a:ea typeface="+mn-ea"/>
+                </a:defRPr>
+              </a:lvl3pPr>
+              <a:lvl4pPr marL="1600200" indent="-228600" algn="l" rtl="0" eaLnBrk="0" fontAlgn="base" hangingPunct="0">
+                <a:spcBef>
+                  <a:spcPct val="20000"/>
+                </a:spcBef>
+                <a:spcAft>
+                  <a:spcPct val="0"/>
+                </a:spcAft>
+                <a:buChar char="–"/>
+                <a:defRPr sz="2000">
+                  <a:solidFill>
+                    <a:schemeClr val="tx1"/>
+                  </a:solidFill>
+                  <a:latin typeface="+mn-lt"/>
+                  <a:ea typeface="+mn-ea"/>
+                </a:defRPr>
+              </a:lvl4pPr>
+              <a:lvl5pPr marL="2057400" indent="-228600" algn="l" rtl="0" eaLnBrk="0" fontAlgn="base" hangingPunct="0">
+                <a:spcBef>
+                  <a:spcPct val="20000"/>
+                </a:spcBef>
+                <a:spcAft>
+                  <a:spcPct val="0"/>
+                </a:spcAft>
+                <a:buChar char="»"/>
+                <a:defRPr sz="2000">
+                  <a:solidFill>
+                    <a:schemeClr val="tx1"/>
+                  </a:solidFill>
+                  <a:latin typeface="+mn-lt"/>
+                  <a:ea typeface="+mn-ea"/>
+                </a:defRPr>
+              </a:lvl5pPr>
+            </a:lstStyle>
+            <a:p>
+              <a:pPr marL="0" lvl="0" indent="0" eaLnBrk="1" hangingPunct="1">
+                <a:lnSpc>
+                  <a:spcPct val="80000"/>
+                </a:lnSpc>
+                <a:buClr>
+                  <a:schemeClr val="hlink"/>
+                </a:buClr>
+                <a:buFont typeface="Wingdings" panose="05000000000000000000" pitchFamily="2" charset="2"/>
+                <a:buNone/>
+              </a:pPr>
+              <a:endParaRPr lang="zh-CN" altLang="zh-CN" sz="2400" dirty="0">
+                <a:latin typeface="微软雅黑" panose="020B0503020204020204" pitchFamily="34" charset="-122"/>
+                <a:ea typeface="微软雅黑" panose="020B0503020204020204" pitchFamily="34" charset="-122"/>
+              </a:endParaRPr>
+            </a:p>
+          </p:txBody>
+        </p:sp>
+        <p:sp>
+          <p:nvSpPr>
+            <p:cNvPr id="39974" name="Oval 40"/>
+            <p:cNvSpPr/>
+            <p:nvPr/>
+          </p:nvSpPr>
+          <p:spPr>
+            <a:xfrm>
+              <a:off x="4263" y="1757"/>
+              <a:ext cx="1033" cy="926"/>
+            </a:xfrm>
+            <a:prstGeom prst="ellipse">
+              <a:avLst/>
+            </a:prstGeom>
+            <a:gradFill rotWithShape="true">
+              <a:gsLst>
+                <a:gs pos="0">
+                  <a:srgbClr val="FFFFFF"/>
+                </a:gs>
+                <a:gs pos="100000">
+                  <a:srgbClr val="D6E1E2">
+                    <a:alpha val="37999"/>
+                  </a:srgbClr>
+                </a:gs>
+              </a:gsLst>
+              <a:lin ang="5400000" scaled="true"/>
+              <a:tileRect/>
+            </a:gradFill>
+            <a:ln w="9525">
+              <a:noFill/>
+            </a:ln>
+          </p:spPr>
+          <p:txBody>
+            <a:bodyPr vert="eaVert" wrap="none" anchor="ctr" anchorCtr="false"/>
+            <a:lstStyle>
+              <a:lvl1pPr marL="342900" indent="-342900" algn="l" rtl="0" eaLnBrk="0" fontAlgn="base" hangingPunct="0">
+                <a:spcBef>
+                  <a:spcPct val="20000"/>
+                </a:spcBef>
+                <a:spcAft>
+                  <a:spcPct val="0"/>
+                </a:spcAft>
+                <a:buChar char="•"/>
+                <a:defRPr sz="3200">
+                  <a:solidFill>
+                    <a:schemeClr val="tx1"/>
+                  </a:solidFill>
+                  <a:latin typeface="+mn-lt"/>
+                  <a:ea typeface="+mn-ea"/>
+                  <a:cs typeface="+mn-cs"/>
+                </a:defRPr>
+              </a:lvl1pPr>
+              <a:lvl2pPr marL="742950" indent="-285750" algn="l" rtl="0" eaLnBrk="0" fontAlgn="base" hangingPunct="0">
+                <a:spcBef>
+                  <a:spcPct val="20000"/>
+                </a:spcBef>
+                <a:spcAft>
+                  <a:spcPct val="0"/>
+                </a:spcAft>
+                <a:buChar char="–"/>
+                <a:defRPr sz="2800">
+                  <a:solidFill>
+                    <a:schemeClr val="tx1"/>
+                  </a:solidFill>
+                  <a:latin typeface="+mn-lt"/>
+                  <a:ea typeface="+mn-ea"/>
+                </a:defRPr>
+              </a:lvl2pPr>
+              <a:lvl3pPr marL="1143000" indent="-228600" algn="l" rtl="0" eaLnBrk="0" fontAlgn="base" hangingPunct="0">
+                <a:spcBef>
+                  <a:spcPct val="20000"/>
+                </a:spcBef>
+                <a:spcAft>
+                  <a:spcPct val="0"/>
+                </a:spcAft>
+                <a:buChar char="•"/>
+                <a:defRPr sz="2400">
+                  <a:solidFill>
+                    <a:schemeClr val="tx1"/>
+                  </a:solidFill>
+                  <a:latin typeface="+mn-lt"/>
+                  <a:ea typeface="+mn-ea"/>
+                </a:defRPr>
+              </a:lvl3pPr>
+              <a:lvl4pPr marL="1600200" indent="-228600" algn="l" rtl="0" eaLnBrk="0" fontAlgn="base" hangingPunct="0">
+                <a:spcBef>
+                  <a:spcPct val="20000"/>
+                </a:spcBef>
+                <a:spcAft>
+                  <a:spcPct val="0"/>
+                </a:spcAft>
+                <a:buChar char="–"/>
+                <a:defRPr sz="2000">
+                  <a:solidFill>
+                    <a:schemeClr val="tx1"/>
+                  </a:solidFill>
+                  <a:latin typeface="+mn-lt"/>
+                  <a:ea typeface="+mn-ea"/>
+                </a:defRPr>
+              </a:lvl4pPr>
+              <a:lvl5pPr marL="2057400" indent="-228600" algn="l" rtl="0" eaLnBrk="0" fontAlgn="base" hangingPunct="0">
+                <a:spcBef>
+                  <a:spcPct val="20000"/>
+                </a:spcBef>
+                <a:spcAft>
+                  <a:spcPct val="0"/>
+                </a:spcAft>
+                <a:buChar char="»"/>
+                <a:defRPr sz="2000">
+                  <a:solidFill>
+                    <a:schemeClr val="tx1"/>
+                  </a:solidFill>
+                  <a:latin typeface="+mn-lt"/>
+                  <a:ea typeface="+mn-ea"/>
+                </a:defRPr>
+              </a:lvl5pPr>
+            </a:lstStyle>
+            <a:p>
+              <a:pPr marL="0" lvl="0" indent="0" eaLnBrk="1" hangingPunct="1">
+                <a:lnSpc>
+                  <a:spcPct val="80000"/>
+                </a:lnSpc>
+                <a:buClr>
+                  <a:schemeClr val="hlink"/>
+                </a:buClr>
+                <a:buFont typeface="Wingdings" panose="05000000000000000000" pitchFamily="2" charset="2"/>
+                <a:buNone/>
+              </a:pPr>
+              <a:endParaRPr lang="zh-CN" altLang="zh-CN" sz="2400" dirty="0">
                 <a:latin typeface="微软雅黑" panose="020B0503020204020204" pitchFamily="34" charset="-122"/>
                 <a:ea typeface="微软雅黑" panose="020B0503020204020204" pitchFamily="34" charset="-122"/>
               </a:endParaRPr>
@@ -17345,6 +16898,490 @@
           </p:txBody>
         </p:sp>
       </p:grpSp>
+      <p:sp>
+        <p:nvSpPr>
+          <p:cNvPr id="39963" name="Text Box 41"/>
+          <p:cNvSpPr txBox="true"/>
+          <p:nvPr/>
+        </p:nvSpPr>
+        <p:spPr>
+          <a:xfrm>
+            <a:off x="8743315" y="4937125"/>
+            <a:ext cx="873125" cy="1198880"/>
+          </a:xfrm>
+          <a:prstGeom prst="rect">
+            <a:avLst/>
+          </a:prstGeom>
+          <a:noFill/>
+          <a:ln w="9525">
+            <a:noFill/>
+          </a:ln>
+        </p:spPr>
+        <p:txBody>
+          <a:bodyPr wrap="square">
+            <a:spAutoFit/>
+          </a:bodyPr>
+          <a:lstStyle>
+            <a:lvl1pPr marL="342900" indent="-342900" algn="l" rtl="0" eaLnBrk="0" fontAlgn="base" hangingPunct="0">
+              <a:spcBef>
+                <a:spcPct val="20000"/>
+              </a:spcBef>
+              <a:spcAft>
+                <a:spcPct val="0"/>
+              </a:spcAft>
+              <a:buChar char="•"/>
+              <a:defRPr sz="3200">
+                <a:solidFill>
+                  <a:schemeClr val="tx1"/>
+                </a:solidFill>
+                <a:latin typeface="+mn-lt"/>
+                <a:ea typeface="+mn-ea"/>
+                <a:cs typeface="+mn-cs"/>
+              </a:defRPr>
+            </a:lvl1pPr>
+            <a:lvl2pPr marL="742950" indent="-285750" algn="l" rtl="0" eaLnBrk="0" fontAlgn="base" hangingPunct="0">
+              <a:spcBef>
+                <a:spcPct val="20000"/>
+              </a:spcBef>
+              <a:spcAft>
+                <a:spcPct val="0"/>
+              </a:spcAft>
+              <a:buChar char="–"/>
+              <a:defRPr sz="2800">
+                <a:solidFill>
+                  <a:schemeClr val="tx1"/>
+                </a:solidFill>
+                <a:latin typeface="+mn-lt"/>
+                <a:ea typeface="+mn-ea"/>
+              </a:defRPr>
+            </a:lvl2pPr>
+            <a:lvl3pPr marL="1143000" indent="-228600" algn="l" rtl="0" eaLnBrk="0" fontAlgn="base" hangingPunct="0">
+              <a:spcBef>
+                <a:spcPct val="20000"/>
+              </a:spcBef>
+              <a:spcAft>
+                <a:spcPct val="0"/>
+              </a:spcAft>
+              <a:buChar char="•"/>
+              <a:defRPr sz="2400">
+                <a:solidFill>
+                  <a:schemeClr val="tx1"/>
+                </a:solidFill>
+                <a:latin typeface="+mn-lt"/>
+                <a:ea typeface="+mn-ea"/>
+              </a:defRPr>
+            </a:lvl3pPr>
+            <a:lvl4pPr marL="1600200" indent="-228600" algn="l" rtl="0" eaLnBrk="0" fontAlgn="base" hangingPunct="0">
+              <a:spcBef>
+                <a:spcPct val="20000"/>
+              </a:spcBef>
+              <a:spcAft>
+                <a:spcPct val="0"/>
+              </a:spcAft>
+              <a:buChar char="–"/>
+              <a:defRPr sz="2000">
+                <a:solidFill>
+                  <a:schemeClr val="tx1"/>
+                </a:solidFill>
+                <a:latin typeface="+mn-lt"/>
+                <a:ea typeface="+mn-ea"/>
+              </a:defRPr>
+            </a:lvl4pPr>
+            <a:lvl5pPr marL="2057400" indent="-228600" algn="l" rtl="0" eaLnBrk="0" fontAlgn="base" hangingPunct="0">
+              <a:spcBef>
+                <a:spcPct val="20000"/>
+              </a:spcBef>
+              <a:spcAft>
+                <a:spcPct val="0"/>
+              </a:spcAft>
+              <a:buChar char="»"/>
+              <a:defRPr sz="2000">
+                <a:solidFill>
+                  <a:schemeClr val="tx1"/>
+                </a:solidFill>
+                <a:latin typeface="+mn-lt"/>
+                <a:ea typeface="+mn-ea"/>
+              </a:defRPr>
+            </a:lvl5pPr>
+          </a:lstStyle>
+          <a:p>
+            <a:pPr marL="0" lvl="0" indent="0" algn="ctr" eaLnBrk="1" hangingPunct="1">
+              <a:spcBef>
+                <a:spcPct val="0"/>
+              </a:spcBef>
+              <a:buNone/>
+            </a:pPr>
+            <a:r>
+              <a:rPr lang="zh-CN" altLang="en-US" sz="2400" b="1" dirty="0">
+                <a:latin typeface="微软雅黑" panose="020B0503020204020204" pitchFamily="34" charset="-122"/>
+                <a:ea typeface="微软雅黑" panose="020B0503020204020204" pitchFamily="34" charset="-122"/>
+              </a:rPr>
+              <a:t>个人</a:t>
+            </a:r>
+            <a:endParaRPr lang="zh-CN" altLang="en-US" sz="2400" b="1" dirty="0">
+              <a:latin typeface="微软雅黑" panose="020B0503020204020204" pitchFamily="34" charset="-122"/>
+              <a:ea typeface="微软雅黑" panose="020B0503020204020204" pitchFamily="34" charset="-122"/>
+            </a:endParaRPr>
+          </a:p>
+          <a:p>
+            <a:pPr marL="0" lvl="0" indent="0" algn="ctr" eaLnBrk="1" hangingPunct="1">
+              <a:spcBef>
+                <a:spcPct val="0"/>
+              </a:spcBef>
+              <a:buNone/>
+            </a:pPr>
+            <a:r>
+              <a:rPr lang="zh-CN" altLang="en-US" sz="2400" b="1" dirty="0">
+                <a:latin typeface="微软雅黑" panose="020B0503020204020204" pitchFamily="34" charset="-122"/>
+                <a:ea typeface="微软雅黑" panose="020B0503020204020204" pitchFamily="34" charset="-122"/>
+              </a:rPr>
+              <a:t>信用</a:t>
+            </a:r>
+            <a:endParaRPr lang="zh-CN" altLang="en-US" sz="2400" b="1" dirty="0">
+              <a:latin typeface="微软雅黑" panose="020B0503020204020204" pitchFamily="34" charset="-122"/>
+              <a:ea typeface="微软雅黑" panose="020B0503020204020204" pitchFamily="34" charset="-122"/>
+            </a:endParaRPr>
+          </a:p>
+          <a:p>
+            <a:pPr marL="0" lvl="0" indent="0" algn="ctr" eaLnBrk="1" hangingPunct="1">
+              <a:spcBef>
+                <a:spcPct val="0"/>
+              </a:spcBef>
+              <a:buNone/>
+            </a:pPr>
+            <a:r>
+              <a:rPr lang="zh-CN" altLang="en-US" sz="2400" b="1" dirty="0">
+                <a:latin typeface="微软雅黑" panose="020B0503020204020204" pitchFamily="34" charset="-122"/>
+                <a:ea typeface="微软雅黑" panose="020B0503020204020204" pitchFamily="34" charset="-122"/>
+              </a:rPr>
+              <a:t>危机</a:t>
+            </a:r>
+            <a:endParaRPr lang="zh-CN" altLang="en-US" sz="2400" b="1" dirty="0">
+              <a:latin typeface="微软雅黑" panose="020B0503020204020204" pitchFamily="34" charset="-122"/>
+              <a:ea typeface="微软雅黑" panose="020B0503020204020204" pitchFamily="34" charset="-122"/>
+            </a:endParaRPr>
+          </a:p>
+        </p:txBody>
+      </p:sp>
+      <p:sp>
+        <p:nvSpPr>
+          <p:cNvPr id="39964" name="Text Box 42"/>
+          <p:cNvSpPr txBox="true"/>
+          <p:nvPr/>
+        </p:nvSpPr>
+        <p:spPr>
+          <a:xfrm>
+            <a:off x="4791075" y="2427605"/>
+            <a:ext cx="736600" cy="2489835"/>
+          </a:xfrm>
+          <a:prstGeom prst="rect">
+            <a:avLst/>
+          </a:prstGeom>
+          <a:solidFill>
+            <a:srgbClr val="FFFF00">
+              <a:alpha val="58823"/>
+            </a:srgbClr>
+          </a:solidFill>
+          <a:ln w="9525" cap="flat" cmpd="sng">
+            <a:solidFill>
+              <a:srgbClr val="0000CC"/>
+            </a:solidFill>
+            <a:prstDash val="solid"/>
+            <a:miter/>
+            <a:headEnd type="none" w="med" len="med"/>
+            <a:tailEnd type="none" w="med" len="med"/>
+          </a:ln>
+        </p:spPr>
+        <p:txBody>
+          <a:bodyPr vert="eaVert">
+            <a:spAutoFit/>
+          </a:bodyPr>
+          <a:lstStyle>
+            <a:lvl1pPr marL="342900" indent="-342900" algn="l" rtl="0" eaLnBrk="0" fontAlgn="base" hangingPunct="0">
+              <a:spcBef>
+                <a:spcPct val="20000"/>
+              </a:spcBef>
+              <a:spcAft>
+                <a:spcPct val="0"/>
+              </a:spcAft>
+              <a:buChar char="•"/>
+              <a:defRPr sz="3200">
+                <a:solidFill>
+                  <a:schemeClr val="tx1"/>
+                </a:solidFill>
+                <a:latin typeface="+mn-lt"/>
+                <a:ea typeface="+mn-ea"/>
+                <a:cs typeface="+mn-cs"/>
+              </a:defRPr>
+            </a:lvl1pPr>
+            <a:lvl2pPr marL="742950" indent="-285750" algn="l" rtl="0" eaLnBrk="0" fontAlgn="base" hangingPunct="0">
+              <a:spcBef>
+                <a:spcPct val="20000"/>
+              </a:spcBef>
+              <a:spcAft>
+                <a:spcPct val="0"/>
+              </a:spcAft>
+              <a:buChar char="–"/>
+              <a:defRPr sz="2800">
+                <a:solidFill>
+                  <a:schemeClr val="tx1"/>
+                </a:solidFill>
+                <a:latin typeface="+mn-lt"/>
+                <a:ea typeface="+mn-ea"/>
+              </a:defRPr>
+            </a:lvl2pPr>
+            <a:lvl3pPr marL="1143000" indent="-228600" algn="l" rtl="0" eaLnBrk="0" fontAlgn="base" hangingPunct="0">
+              <a:spcBef>
+                <a:spcPct val="20000"/>
+              </a:spcBef>
+              <a:spcAft>
+                <a:spcPct val="0"/>
+              </a:spcAft>
+              <a:buChar char="•"/>
+              <a:defRPr sz="2400">
+                <a:solidFill>
+                  <a:schemeClr val="tx1"/>
+                </a:solidFill>
+                <a:latin typeface="+mn-lt"/>
+                <a:ea typeface="+mn-ea"/>
+              </a:defRPr>
+            </a:lvl3pPr>
+            <a:lvl4pPr marL="1600200" indent="-228600" algn="l" rtl="0" eaLnBrk="0" fontAlgn="base" hangingPunct="0">
+              <a:spcBef>
+                <a:spcPct val="20000"/>
+              </a:spcBef>
+              <a:spcAft>
+                <a:spcPct val="0"/>
+              </a:spcAft>
+              <a:buChar char="–"/>
+              <a:defRPr sz="2000">
+                <a:solidFill>
+                  <a:schemeClr val="tx1"/>
+                </a:solidFill>
+                <a:latin typeface="+mn-lt"/>
+                <a:ea typeface="+mn-ea"/>
+              </a:defRPr>
+            </a:lvl4pPr>
+            <a:lvl5pPr marL="2057400" indent="-228600" algn="l" rtl="0" eaLnBrk="0" fontAlgn="base" hangingPunct="0">
+              <a:spcBef>
+                <a:spcPct val="20000"/>
+              </a:spcBef>
+              <a:spcAft>
+                <a:spcPct val="0"/>
+              </a:spcAft>
+              <a:buChar char="»"/>
+              <a:defRPr sz="2000">
+                <a:solidFill>
+                  <a:schemeClr val="tx1"/>
+                </a:solidFill>
+                <a:latin typeface="+mn-lt"/>
+                <a:ea typeface="+mn-ea"/>
+              </a:defRPr>
+            </a:lvl5pPr>
+          </a:lstStyle>
+          <a:p>
+            <a:pPr marL="0" lvl="0" indent="0" algn="ctr" eaLnBrk="1" hangingPunct="1">
+              <a:spcBef>
+                <a:spcPct val="0"/>
+              </a:spcBef>
+              <a:buNone/>
+            </a:pPr>
+            <a:r>
+              <a:rPr lang="zh-CN" altLang="en-US" sz="3600" b="1" dirty="0">
+                <a:latin typeface="微软雅黑" panose="020B0503020204020204" pitchFamily="34" charset="-122"/>
+                <a:ea typeface="微软雅黑" panose="020B0503020204020204" pitchFamily="34" charset="-122"/>
+              </a:rPr>
+              <a:t>信用危机</a:t>
+            </a:r>
+            <a:endParaRPr lang="zh-CN" altLang="en-US" sz="3600" b="1" dirty="0">
+              <a:latin typeface="微软雅黑" panose="020B0503020204020204" pitchFamily="34" charset="-122"/>
+              <a:ea typeface="微软雅黑" panose="020B0503020204020204" pitchFamily="34" charset="-122"/>
+            </a:endParaRPr>
+          </a:p>
+        </p:txBody>
+      </p:sp>
+      <p:sp>
+        <p:nvSpPr>
+          <p:cNvPr id="39965" name="Rectangle 43"/>
+          <p:cNvSpPr/>
+          <p:nvPr/>
+        </p:nvSpPr>
+        <p:spPr>
+          <a:xfrm>
+            <a:off x="8792210" y="3393440"/>
+            <a:ext cx="1363345" cy="1078230"/>
+          </a:xfrm>
+          <a:prstGeom prst="rect">
+            <a:avLst/>
+          </a:prstGeom>
+          <a:noFill/>
+          <a:ln w="9525" cap="flat" cmpd="sng">
+            <a:solidFill>
+              <a:srgbClr val="130401"/>
+            </a:solidFill>
+            <a:prstDash val="solid"/>
+            <a:miter/>
+            <a:headEnd type="none" w="med" len="med"/>
+            <a:tailEnd type="none" w="med" len="med"/>
+          </a:ln>
+        </p:spPr>
+        <p:txBody>
+          <a:bodyPr wrap="none" anchor="ctr" anchorCtr="false"/>
+          <a:lstStyle>
+            <a:lvl1pPr marL="342900" indent="-342900" algn="l" rtl="0" eaLnBrk="0" fontAlgn="base" hangingPunct="0">
+              <a:spcBef>
+                <a:spcPct val="20000"/>
+              </a:spcBef>
+              <a:spcAft>
+                <a:spcPct val="0"/>
+              </a:spcAft>
+              <a:buChar char="•"/>
+              <a:defRPr sz="3200">
+                <a:solidFill>
+                  <a:schemeClr val="tx1"/>
+                </a:solidFill>
+                <a:latin typeface="+mn-lt"/>
+                <a:ea typeface="+mn-ea"/>
+                <a:cs typeface="+mn-cs"/>
+              </a:defRPr>
+            </a:lvl1pPr>
+            <a:lvl2pPr marL="742950" indent="-285750" algn="l" rtl="0" eaLnBrk="0" fontAlgn="base" hangingPunct="0">
+              <a:spcBef>
+                <a:spcPct val="20000"/>
+              </a:spcBef>
+              <a:spcAft>
+                <a:spcPct val="0"/>
+              </a:spcAft>
+              <a:buChar char="–"/>
+              <a:defRPr sz="2800">
+                <a:solidFill>
+                  <a:schemeClr val="tx1"/>
+                </a:solidFill>
+                <a:latin typeface="+mn-lt"/>
+                <a:ea typeface="+mn-ea"/>
+              </a:defRPr>
+            </a:lvl2pPr>
+            <a:lvl3pPr marL="1143000" indent="-228600" algn="l" rtl="0" eaLnBrk="0" fontAlgn="base" hangingPunct="0">
+              <a:spcBef>
+                <a:spcPct val="20000"/>
+              </a:spcBef>
+              <a:spcAft>
+                <a:spcPct val="0"/>
+              </a:spcAft>
+              <a:buChar char="•"/>
+              <a:defRPr sz="2400">
+                <a:solidFill>
+                  <a:schemeClr val="tx1"/>
+                </a:solidFill>
+                <a:latin typeface="+mn-lt"/>
+                <a:ea typeface="+mn-ea"/>
+              </a:defRPr>
+            </a:lvl3pPr>
+            <a:lvl4pPr marL="1600200" indent="-228600" algn="l" rtl="0" eaLnBrk="0" fontAlgn="base" hangingPunct="0">
+              <a:spcBef>
+                <a:spcPct val="20000"/>
+              </a:spcBef>
+              <a:spcAft>
+                <a:spcPct val="0"/>
+              </a:spcAft>
+              <a:buChar char="–"/>
+              <a:defRPr sz="2000">
+                <a:solidFill>
+                  <a:schemeClr val="tx1"/>
+                </a:solidFill>
+                <a:latin typeface="+mn-lt"/>
+                <a:ea typeface="+mn-ea"/>
+              </a:defRPr>
+            </a:lvl4pPr>
+            <a:lvl5pPr marL="2057400" indent="-228600" algn="l" rtl="0" eaLnBrk="0" fontAlgn="base" hangingPunct="0">
+              <a:spcBef>
+                <a:spcPct val="20000"/>
+              </a:spcBef>
+              <a:spcAft>
+                <a:spcPct val="0"/>
+              </a:spcAft>
+              <a:buChar char="»"/>
+              <a:defRPr sz="2000">
+                <a:solidFill>
+                  <a:schemeClr val="tx1"/>
+                </a:solidFill>
+                <a:latin typeface="+mn-lt"/>
+                <a:ea typeface="+mn-ea"/>
+              </a:defRPr>
+            </a:lvl5pPr>
+          </a:lstStyle>
+          <a:p>
+            <a:pPr marL="342900" lvl="0" indent="-342900" algn="ctr" eaLnBrk="1" hangingPunct="1">
+              <a:lnSpc>
+                <a:spcPct val="80000"/>
+              </a:lnSpc>
+              <a:buClr>
+                <a:schemeClr val="hlink"/>
+              </a:buClr>
+              <a:buFont typeface="Wingdings" panose="05000000000000000000" pitchFamily="2" charset="2"/>
+              <a:buNone/>
+            </a:pPr>
+            <a:r>
+              <a:rPr lang="zh-CN" altLang="en-US" b="1" dirty="0">
+                <a:latin typeface="微软雅黑" panose="020B0503020204020204" pitchFamily="34" charset="-122"/>
+                <a:ea typeface="微软雅黑" panose="020B0503020204020204" pitchFamily="34" charset="-122"/>
+              </a:rPr>
+              <a:t>信用</a:t>
+            </a:r>
+            <a:endParaRPr lang="zh-CN" altLang="en-US" b="1" dirty="0">
+              <a:latin typeface="微软雅黑" panose="020B0503020204020204" pitchFamily="34" charset="-122"/>
+              <a:ea typeface="微软雅黑" panose="020B0503020204020204" pitchFamily="34" charset="-122"/>
+            </a:endParaRPr>
+          </a:p>
+          <a:p>
+            <a:pPr marL="342900" lvl="0" indent="-342900" algn="ctr" eaLnBrk="1" hangingPunct="1">
+              <a:lnSpc>
+                <a:spcPct val="80000"/>
+              </a:lnSpc>
+              <a:buClr>
+                <a:schemeClr val="hlink"/>
+              </a:buClr>
+              <a:buFont typeface="Wingdings" panose="05000000000000000000" pitchFamily="2" charset="2"/>
+              <a:buNone/>
+            </a:pPr>
+            <a:r>
+              <a:rPr lang="zh-CN" altLang="en-US" b="1" dirty="0">
+                <a:latin typeface="微软雅黑" panose="020B0503020204020204" pitchFamily="34" charset="-122"/>
+                <a:ea typeface="微软雅黑" panose="020B0503020204020204" pitchFamily="34" charset="-122"/>
+              </a:rPr>
+              <a:t>溃败</a:t>
+            </a:r>
+            <a:endParaRPr lang="zh-CN" altLang="en-US" b="1" dirty="0">
+              <a:latin typeface="微软雅黑" panose="020B0503020204020204" pitchFamily="34" charset="-122"/>
+              <a:ea typeface="微软雅黑" panose="020B0503020204020204" pitchFamily="34" charset="-122"/>
+            </a:endParaRPr>
+          </a:p>
+        </p:txBody>
+      </p:sp>
+      <p:pic>
+        <p:nvPicPr>
+          <p:cNvPr id="4" name="图片 3"/>
+          <p:cNvPicPr>
+            <a:picLocks noChangeAspect="true"/>
+          </p:cNvPicPr>
+          <p:nvPr/>
+        </p:nvPicPr>
+        <p:blipFill>
+          <a:blip r:embed="rId4"/>
+          <a:stretch>
+            <a:fillRect/>
+          </a:stretch>
+        </p:blipFill>
+        <p:spPr>
+          <a:xfrm>
+            <a:off x="216535" y="2133600"/>
+            <a:ext cx="4574540" cy="3217545"/>
+          </a:xfrm>
+          <a:prstGeom prst="rect">
+            <a:avLst/>
+          </a:prstGeom>
+        </p:spPr>
+      </p:pic>
     </p:spTree>
   </p:cSld>
   <p:clrMapOvr>
@@ -17807,7 +17844,7 @@
         </p:nvSpPr>
         <p:spPr>
           <a:xfrm>
-            <a:off x="1313815" y="1249680"/>
+            <a:off x="1313815" y="1165860"/>
             <a:ext cx="9564370" cy="4879975"/>
           </a:xfrm>
           <a:prstGeom prst="rect">
@@ -18221,7 +18258,7 @@
                 <a:ea typeface="微软雅黑" panose="020B0503020204020204" pitchFamily="34" charset="-122"/>
                 <a:cs typeface="微软雅黑" panose="020B0503020204020204" pitchFamily="34" charset="-122"/>
               </a:rPr>
-              <a:t>许多企业陷入了相互拖欠的泥潭</a:t>
+              <a:t>许多企业陷入了相互拖欠的泥潭，形成三（多）角债；</a:t>
             </a:r>
             <a:endParaRPr kumimoji="0" lang="zh-CN" altLang="en-US" sz="2400" i="0" u="none" strike="noStrike" kern="0" cap="none" spc="0" normalizeH="0" baseline="0" noProof="0" dirty="0">
               <a:ln>
@@ -18270,7 +18307,75 @@
                 <a:ea typeface="微软雅黑" panose="020B0503020204020204" pitchFamily="34" charset="-122"/>
                 <a:cs typeface="微软雅黑" panose="020B0503020204020204" pitchFamily="34" charset="-122"/>
               </a:rPr>
-              <a:t>中关村流传这样的话：“发起来的老板是骗来的，倒闭的老板们是被骗的。”这就是对中国高科技企业的真实写照。</a:t>
+              <a:t>中关村流传这样的话：“发起来的老板是骗来的，倒闭的老板们是被骗的。”这就是对中国高科技企业的真实写照（现今</a:t>
+            </a:r>
+            <a:r>
+              <a:rPr kumimoji="0" lang="en-US" altLang="zh-CN" sz="2400" i="0" u="none" strike="noStrike" kern="0" cap="none" spc="0" normalizeH="0" baseline="0" noProof="0" dirty="0">
+                <a:ln>
+                  <a:noFill/>
+                </a:ln>
+                <a:solidFill>
+                  <a:schemeClr val="tx1"/>
+                </a:solidFill>
+                <a:effectLst/>
+                <a:uLnTx/>
+                <a:uFillTx/>
+                <a:latin typeface="微软雅黑" panose="020B0503020204020204" pitchFamily="34" charset="-122"/>
+                <a:ea typeface="微软雅黑" panose="020B0503020204020204" pitchFamily="34" charset="-122"/>
+                <a:cs typeface="微软雅黑" panose="020B0503020204020204" pitchFamily="34" charset="-122"/>
+              </a:rPr>
+              <a:t>AI</a:t>
+            </a:r>
+            <a:r>
+              <a:rPr kumimoji="0" lang="zh-CN" altLang="en-US" sz="2400" i="0" u="none" strike="noStrike" kern="0" cap="none" spc="0" normalizeH="0" baseline="0" noProof="0" dirty="0">
+                <a:ln>
+                  <a:noFill/>
+                </a:ln>
+                <a:solidFill>
+                  <a:schemeClr val="tx1"/>
+                </a:solidFill>
+                <a:effectLst/>
+                <a:uLnTx/>
+                <a:uFillTx/>
+                <a:latin typeface="微软雅黑" panose="020B0503020204020204" pitchFamily="34" charset="-122"/>
+                <a:ea typeface="微软雅黑" panose="020B0503020204020204" pitchFamily="34" charset="-122"/>
+                <a:cs typeface="微软雅黑" panose="020B0503020204020204" pitchFamily="34" charset="-122"/>
+              </a:rPr>
+              <a:t>行业、直播行业亦有众多案例，如贾跃亭、瑞幸咖啡、不良</a:t>
+            </a:r>
+            <a:r>
+              <a:rPr kumimoji="0" lang="en-US" altLang="zh-CN" sz="2400" i="0" u="none" strike="noStrike" kern="0" cap="none" spc="0" normalizeH="0" baseline="0" noProof="0" dirty="0">
+                <a:ln>
+                  <a:noFill/>
+                </a:ln>
+                <a:solidFill>
+                  <a:schemeClr val="tx1"/>
+                </a:solidFill>
+                <a:effectLst/>
+                <a:uLnTx/>
+                <a:uFillTx/>
+                <a:latin typeface="微软雅黑" panose="020B0503020204020204" pitchFamily="34" charset="-122"/>
+                <a:ea typeface="微软雅黑" panose="020B0503020204020204" pitchFamily="34" charset="-122"/>
+                <a:cs typeface="微软雅黑" panose="020B0503020204020204" pitchFamily="34" charset="-122"/>
+              </a:rPr>
+              <a:t>MCN</a:t>
+            </a:r>
+            <a:r>
+              <a:rPr kumimoji="0" lang="zh-CN" altLang="en-US" sz="2400" i="0" u="none" strike="noStrike" kern="0" cap="none" spc="0" normalizeH="0" baseline="0" noProof="0" dirty="0">
+                <a:ln>
+                  <a:noFill/>
+                </a:ln>
+                <a:solidFill>
+                  <a:schemeClr val="tx1"/>
+                </a:solidFill>
+                <a:effectLst/>
+                <a:uLnTx/>
+                <a:uFillTx/>
+                <a:latin typeface="微软雅黑" panose="020B0503020204020204" pitchFamily="34" charset="-122"/>
+                <a:ea typeface="微软雅黑" panose="020B0503020204020204" pitchFamily="34" charset="-122"/>
+                <a:cs typeface="微软雅黑" panose="020B0503020204020204" pitchFamily="34" charset="-122"/>
+              </a:rPr>
+              <a:t>）。</a:t>
             </a:r>
             <a:endParaRPr kumimoji="0" lang="zh-CN" altLang="en-US" sz="2400" i="0" u="none" strike="noStrike" kern="0" cap="none" spc="0" normalizeH="0" baseline="0" noProof="0" dirty="0">
               <a:ln>
@@ -18319,7 +18424,7 @@
                 <a:ea typeface="微软雅黑" panose="020B0503020204020204" pitchFamily="34" charset="-122"/>
                 <a:cs typeface="微软雅黑" panose="020B0503020204020204" pitchFamily="34" charset="-122"/>
               </a:rPr>
-              <a:t>信用功能的发挥受到很大限制，交易方式向现金交易、以货易货等原始方式退化，大大提高了市场交易成本，降低了交易效率和经济活力。</a:t>
+              <a:t>信用功能的发挥受到很大限制，大大提高了市场交易成本，降低了交易效率和经济活力（互联网行业引领的移动支付促进了个人信用交易发展）。</a:t>
             </a:r>
             <a:endParaRPr kumimoji="0" lang="zh-CN" altLang="en-US" sz="2400" i="0" u="none" strike="noStrike" kern="0" cap="none" spc="0" normalizeH="0" baseline="0" noProof="0" dirty="0">
               <a:ln>
@@ -19025,7 +19130,7 @@
                 <a:ea typeface="微软雅黑" panose="020B0503020204020204" pitchFamily="34" charset="-122"/>
                 <a:cs typeface="微软雅黑" panose="020B0503020204020204" pitchFamily="34" charset="-122"/>
               </a:rPr>
-              <a:t>西方企业把信用赊销当作主要的销售手段和竞争手段，而我国企业由于惧怕被拖欠，很少采用赊销。</a:t>
+              <a:t>西方企业把信用赊销当作主要的销售手段和竞争手段，而我国企业由于惧怕被拖欠，采用赊销的比例相对低。</a:t>
             </a:r>
             <a:endParaRPr lang="zh-CN" altLang="en-US" sz="2400" kern="0" noProof="0" dirty="0">
               <a:ln>
@@ -19105,7 +19210,7 @@
                 <a:ea typeface="微软雅黑" panose="020B0503020204020204" pitchFamily="34" charset="-122"/>
                 <a:cs typeface="微软雅黑" panose="020B0503020204020204" pitchFamily="34" charset="-122"/>
               </a:rPr>
-              <a:t>我国企业管理费用、财务费用和销售费用占销售收入的14%。而美国只有2%-3%。信用危机导致市场交易成本上升，资源配置效率下降</a:t>
+              <a:t>我国企业管理费用、财务费用和销售费用占销售收入的14%。而美国只有2%-3%。信用危机导致市场交易成本上升，资源配置效率下降。</a:t>
             </a:r>
             <a:endParaRPr lang="zh-CN" altLang="en-US" sz="2400" kern="0" noProof="0" dirty="0">
               <a:ln>
@@ -19161,7 +19266,7 @@
                 <a:ea typeface="微软雅黑" panose="020B0503020204020204" pitchFamily="34" charset="-122"/>
                 <a:cs typeface="微软雅黑" panose="020B0503020204020204" pitchFamily="34" charset="-122"/>
               </a:rPr>
-              <a:t>广东潮汕地区，曾经因大量的骗税、制假、售假行为成为信用缺失的“重灾区”。</a:t>
+              <a:t>东南沿海个别地区（如潮汕、莆田），曾经因大量的骗税、制假、售假行为成为信用缺失的“重灾区”。</a:t>
             </a:r>
             <a:endParaRPr lang="zh-CN" altLang="en-US" sz="2400" dirty="0">
               <a:latin typeface="微软雅黑" panose="020B0503020204020204" pitchFamily="34" charset="-122"/>
@@ -20525,7 +20630,7 @@
                 <a:ea typeface="微软雅黑" panose="020B0503020204020204" pitchFamily="34" charset="-122"/>
                 <a:cs typeface="微软雅黑" panose="020B0503020204020204" pitchFamily="34" charset="-122"/>
               </a:rPr>
-              <a:t>诚信精神与原则的应用，是为自己积累的重要社会资本</a:t>
+              <a:t>诚信精神与原则的应用，是为个人、企业、政府积累的重要社会资本</a:t>
             </a:r>
             <a:endParaRPr lang="zh-CN" altLang="en-US" sz="2400" b="1" dirty="0">
               <a:solidFill>
@@ -25294,16 +25399,7 @@
                 <a:cs typeface="微软雅黑" panose="020B0503020204020204" pitchFamily="34" charset="-122"/>
                 <a:sym typeface="+mn-ea"/>
               </a:rPr>
-              <a:t>教学方式</a:t>
-            </a:r>
-            <a:r>
-              <a:rPr lang="zh-CN" altLang="en-US" b="1">
-                <a:latin typeface="微软雅黑" panose="020B0503020204020204" pitchFamily="34" charset="-122"/>
-                <a:ea typeface="微软雅黑" panose="020B0503020204020204" pitchFamily="34" charset="-122"/>
-                <a:cs typeface="微软雅黑" panose="020B0503020204020204" pitchFamily="34" charset="-122"/>
-                <a:sym typeface="+mn-ea"/>
-              </a:rPr>
-              <a:t>：</a:t>
+              <a:t>教学方式：</a:t>
             </a:r>
             <a:r>
               <a:rPr lang="zh-CN" altLang="en-US" dirty="0">
@@ -26186,18 +26282,7 @@
                   <a:ea typeface="微软雅黑" panose="020B0503020204020204" pitchFamily="34" charset="-122"/>
                   <a:cs typeface="微软雅黑" panose="020B0503020204020204" pitchFamily="34" charset="-122"/>
                 </a:rPr>
-                <a:t>随机</a:t>
-              </a:r>
-              <a:r>
-                <a:rPr lang="zh-CN" altLang="en-US" sz="2400" b="1" dirty="0">
-                  <a:solidFill>
-                    <a:srgbClr val="000000"/>
-                  </a:solidFill>
-                  <a:latin typeface="微软雅黑" panose="020B0503020204020204" pitchFamily="34" charset="-122"/>
-                  <a:ea typeface="微软雅黑" panose="020B0503020204020204" pitchFamily="34" charset="-122"/>
-                  <a:cs typeface="微软雅黑" panose="020B0503020204020204" pitchFamily="34" charset="-122"/>
-                </a:rPr>
-                <a:t>分组</a:t>
+                <a:t>随机分组</a:t>
               </a:r>
               <a:endParaRPr lang="en-US" altLang="zh-CN" sz="2400" b="1" dirty="0">
                 <a:solidFill>
